--- a/Cím nélküli prezentáció.pptx
+++ b/Cím nélküli prezentáció.pptx
@@ -1,43 +1,46 @@
 
 <file path=ppt/presentation.xml><?xml version="1.0" encoding="utf-8"?>
-<p:presentation xmlns:a="http://schemas.openxmlformats.org/drawingml/2006/main" xmlns:r="http://schemas.openxmlformats.org/officeDocument/2006/relationships" xmlns:mc="http://schemas.openxmlformats.org/markup-compatibility/2006" xmlns:mv="urn:schemas-microsoft-com:mac:vml" xmlns:p="http://schemas.openxmlformats.org/presentationml/2006/main" xmlns:c="http://schemas.openxmlformats.org/drawingml/2006/chart" xmlns:dgm="http://schemas.openxmlformats.org/drawingml/2006/diagram" xmlns:o="urn:schemas-microsoft-com:office:office" xmlns:v="urn:schemas-microsoft-com:vml" xmlns:pvml="urn:schemas-microsoft-com:office:powerpoint" xmlns:com="http://schemas.openxmlformats.org/drawingml/2006/compatibility" xmlns:p14="http://schemas.microsoft.com/office/powerpoint/2010/main" xmlns:p15="http://schemas.microsoft.com/office/powerpoint/2012/main" xmlns:ahyp="http://schemas.microsoft.com/office/drawing/2018/hyperlinkcolor" autoCompressPictures="0" embedTrueTypeFonts="1" strictFirstAndLastChars="0" saveSubsetFonts="1">
+<p:presentation xmlns:a="http://schemas.openxmlformats.org/drawingml/2006/main" xmlns:r="http://schemas.openxmlformats.org/officeDocument/2006/relationships" xmlns:p="http://schemas.openxmlformats.org/presentationml/2006/main" strictFirstAndLastChars="0" embedTrueTypeFonts="1" saveSubsetFonts="1" autoCompressPictures="0">
   <p:sldMasterIdLst>
-    <p:sldMasterId id="2147483659" r:id="rId4"/>
+    <p:sldMasterId id="2147483659" r:id="rId1"/>
   </p:sldMasterIdLst>
   <p:notesMasterIdLst>
-    <p:notesMasterId r:id="rId5"/>
+    <p:notesMasterId r:id="rId22"/>
   </p:notesMasterIdLst>
   <p:sldIdLst>
-    <p:sldId id="256" r:id="rId6"/>
-    <p:sldId id="257" r:id="rId7"/>
-    <p:sldId id="258" r:id="rId8"/>
-    <p:sldId id="259" r:id="rId9"/>
-    <p:sldId id="260" r:id="rId10"/>
-    <p:sldId id="261" r:id="rId11"/>
-    <p:sldId id="262" r:id="rId12"/>
-    <p:sldId id="263" r:id="rId13"/>
-    <p:sldId id="264" r:id="rId14"/>
-    <p:sldId id="265" r:id="rId15"/>
-    <p:sldId id="266" r:id="rId16"/>
-    <p:sldId id="267" r:id="rId17"/>
-    <p:sldId id="268" r:id="rId18"/>
-    <p:sldId id="269" r:id="rId19"/>
-    <p:sldId id="270" r:id="rId20"/>
-    <p:sldId id="271" r:id="rId21"/>
-    <p:sldId id="272" r:id="rId22"/>
+    <p:sldId id="256" r:id="rId2"/>
+    <p:sldId id="257" r:id="rId3"/>
+    <p:sldId id="258" r:id="rId4"/>
+    <p:sldId id="259" r:id="rId5"/>
+    <p:sldId id="260" r:id="rId6"/>
+    <p:sldId id="261" r:id="rId7"/>
+    <p:sldId id="262" r:id="rId8"/>
+    <p:sldId id="263" r:id="rId9"/>
+    <p:sldId id="264" r:id="rId10"/>
+    <p:sldId id="265" r:id="rId11"/>
+    <p:sldId id="266" r:id="rId12"/>
+    <p:sldId id="267" r:id="rId13"/>
+    <p:sldId id="268" r:id="rId14"/>
+    <p:sldId id="269" r:id="rId15"/>
+    <p:sldId id="270" r:id="rId16"/>
+    <p:sldId id="271" r:id="rId17"/>
+    <p:sldId id="272" r:id="rId18"/>
+    <p:sldId id="273" r:id="rId19"/>
+    <p:sldId id="274" r:id="rId20"/>
+    <p:sldId id="275" r:id="rId21"/>
   </p:sldIdLst>
-  <p:sldSz cy="5143500" cx="9144000"/>
+  <p:sldSz cx="9144000" cy="5143500" type="screen16x9"/>
   <p:notesSz cx="6858000" cy="9144000"/>
   <p:embeddedFontLst>
     <p:embeddedFont>
-      <p:font typeface="Montserrat"/>
+      <p:font typeface="Lato" panose="020B0604020202020204" charset="-18"/>
       <p:regular r:id="rId23"/>
       <p:bold r:id="rId24"/>
       <p:italic r:id="rId25"/>
       <p:boldItalic r:id="rId26"/>
     </p:embeddedFont>
     <p:embeddedFont>
-      <p:font typeface="Lato"/>
+      <p:font typeface="Montserrat" panose="020B0604020202020204" charset="-18"/>
       <p:regular r:id="rId27"/>
       <p:bold r:id="rId28"/>
       <p:italic r:id="rId29"/>
@@ -45,7 +48,7 @@
     </p:embeddedFont>
   </p:embeddedFontLst>
   <p:defaultTextStyle>
-    <a:defPPr lvl="0" marR="0" rtl="0" algn="l">
+    <a:defPPr marR="0" lvl="0" algn="l" rtl="0">
       <a:lnSpc>
         <a:spcPct val="100000"/>
       </a:lnSpc>
@@ -56,7 +59,7 @@
         <a:spcPts val="0"/>
       </a:spcAft>
     </a:defPPr>
-    <a:lvl1pPr lvl="0" marR="0" rtl="0" algn="l">
+    <a:lvl1pPr marR="0" lvl="0" algn="l" rtl="0">
       <a:lnSpc>
         <a:spcPct val="100000"/>
       </a:lnSpc>
@@ -70,7 +73,7 @@
         <a:srgbClr val="000000"/>
       </a:buClr>
       <a:buFont typeface="Arial"/>
-      <a:defRPr b="0" i="0" sz="1400" u="none" cap="none" strike="noStrike">
+      <a:defRPr sz="1400" b="0" i="0" u="none" strike="noStrike" cap="none">
         <a:solidFill>
           <a:srgbClr val="000000"/>
         </a:solidFill>
@@ -80,7 +83,7 @@
         <a:sym typeface="Arial"/>
       </a:defRPr>
     </a:lvl1pPr>
-    <a:lvl2pPr lvl="1" marR="0" rtl="0" algn="l">
+    <a:lvl2pPr marR="0" lvl="1" algn="l" rtl="0">
       <a:lnSpc>
         <a:spcPct val="100000"/>
       </a:lnSpc>
@@ -94,7 +97,7 @@
         <a:srgbClr val="000000"/>
       </a:buClr>
       <a:buFont typeface="Arial"/>
-      <a:defRPr b="0" i="0" sz="1400" u="none" cap="none" strike="noStrike">
+      <a:defRPr sz="1400" b="0" i="0" u="none" strike="noStrike" cap="none">
         <a:solidFill>
           <a:srgbClr val="000000"/>
         </a:solidFill>
@@ -104,7 +107,7 @@
         <a:sym typeface="Arial"/>
       </a:defRPr>
     </a:lvl2pPr>
-    <a:lvl3pPr lvl="2" marR="0" rtl="0" algn="l">
+    <a:lvl3pPr marR="0" lvl="2" algn="l" rtl="0">
       <a:lnSpc>
         <a:spcPct val="100000"/>
       </a:lnSpc>
@@ -118,7 +121,7 @@
         <a:srgbClr val="000000"/>
       </a:buClr>
       <a:buFont typeface="Arial"/>
-      <a:defRPr b="0" i="0" sz="1400" u="none" cap="none" strike="noStrike">
+      <a:defRPr sz="1400" b="0" i="0" u="none" strike="noStrike" cap="none">
         <a:solidFill>
           <a:srgbClr val="000000"/>
         </a:solidFill>
@@ -128,7 +131,7 @@
         <a:sym typeface="Arial"/>
       </a:defRPr>
     </a:lvl3pPr>
-    <a:lvl4pPr lvl="3" marR="0" rtl="0" algn="l">
+    <a:lvl4pPr marR="0" lvl="3" algn="l" rtl="0">
       <a:lnSpc>
         <a:spcPct val="100000"/>
       </a:lnSpc>
@@ -142,7 +145,7 @@
         <a:srgbClr val="000000"/>
       </a:buClr>
       <a:buFont typeface="Arial"/>
-      <a:defRPr b="0" i="0" sz="1400" u="none" cap="none" strike="noStrike">
+      <a:defRPr sz="1400" b="0" i="0" u="none" strike="noStrike" cap="none">
         <a:solidFill>
           <a:srgbClr val="000000"/>
         </a:solidFill>
@@ -152,7 +155,7 @@
         <a:sym typeface="Arial"/>
       </a:defRPr>
     </a:lvl4pPr>
-    <a:lvl5pPr lvl="4" marR="0" rtl="0" algn="l">
+    <a:lvl5pPr marR="0" lvl="4" algn="l" rtl="0">
       <a:lnSpc>
         <a:spcPct val="100000"/>
       </a:lnSpc>
@@ -166,7 +169,7 @@
         <a:srgbClr val="000000"/>
       </a:buClr>
       <a:buFont typeface="Arial"/>
-      <a:defRPr b="0" i="0" sz="1400" u="none" cap="none" strike="noStrike">
+      <a:defRPr sz="1400" b="0" i="0" u="none" strike="noStrike" cap="none">
         <a:solidFill>
           <a:srgbClr val="000000"/>
         </a:solidFill>
@@ -176,7 +179,7 @@
         <a:sym typeface="Arial"/>
       </a:defRPr>
     </a:lvl5pPr>
-    <a:lvl6pPr lvl="5" marR="0" rtl="0" algn="l">
+    <a:lvl6pPr marR="0" lvl="5" algn="l" rtl="0">
       <a:lnSpc>
         <a:spcPct val="100000"/>
       </a:lnSpc>
@@ -190,7 +193,7 @@
         <a:srgbClr val="000000"/>
       </a:buClr>
       <a:buFont typeface="Arial"/>
-      <a:defRPr b="0" i="0" sz="1400" u="none" cap="none" strike="noStrike">
+      <a:defRPr sz="1400" b="0" i="0" u="none" strike="noStrike" cap="none">
         <a:solidFill>
           <a:srgbClr val="000000"/>
         </a:solidFill>
@@ -200,7 +203,7 @@
         <a:sym typeface="Arial"/>
       </a:defRPr>
     </a:lvl6pPr>
-    <a:lvl7pPr lvl="6" marR="0" rtl="0" algn="l">
+    <a:lvl7pPr marR="0" lvl="6" algn="l" rtl="0">
       <a:lnSpc>
         <a:spcPct val="100000"/>
       </a:lnSpc>
@@ -214,7 +217,7 @@
         <a:srgbClr val="000000"/>
       </a:buClr>
       <a:buFont typeface="Arial"/>
-      <a:defRPr b="0" i="0" sz="1400" u="none" cap="none" strike="noStrike">
+      <a:defRPr sz="1400" b="0" i="0" u="none" strike="noStrike" cap="none">
         <a:solidFill>
           <a:srgbClr val="000000"/>
         </a:solidFill>
@@ -224,7 +227,7 @@
         <a:sym typeface="Arial"/>
       </a:defRPr>
     </a:lvl7pPr>
-    <a:lvl8pPr lvl="7" marR="0" rtl="0" algn="l">
+    <a:lvl8pPr marR="0" lvl="7" algn="l" rtl="0">
       <a:lnSpc>
         <a:spcPct val="100000"/>
       </a:lnSpc>
@@ -238,7 +241,7 @@
         <a:srgbClr val="000000"/>
       </a:buClr>
       <a:buFont typeface="Arial"/>
-      <a:defRPr b="0" i="0" sz="1400" u="none" cap="none" strike="noStrike">
+      <a:defRPr sz="1400" b="0" i="0" u="none" strike="noStrike" cap="none">
         <a:solidFill>
           <a:srgbClr val="000000"/>
         </a:solidFill>
@@ -248,7 +251,7 @@
         <a:sym typeface="Arial"/>
       </a:defRPr>
     </a:lvl8pPr>
-    <a:lvl9pPr lvl="8" marR="0" rtl="0" algn="l">
+    <a:lvl9pPr marR="0" lvl="8" algn="l" rtl="0">
       <a:lnSpc>
         <a:spcPct val="100000"/>
       </a:lnSpc>
@@ -262,7 +265,7 @@
         <a:srgbClr val="000000"/>
       </a:buClr>
       <a:buFont typeface="Arial"/>
-      <a:defRPr b="0" i="0" sz="1400" u="none" cap="none" strike="noStrike">
+      <a:defRPr sz="1400" b="0" i="0" u="none" strike="noStrike" cap="none">
         <a:solidFill>
           <a:srgbClr val="000000"/>
         </a:solidFill>
@@ -275,7 +278,7 @@
   </p:defaultTextStyle>
   <p:extLst>
     <p:ext uri="{EFAFB233-063F-42B5-8137-9DF3F51BA10A}">
-      <p15:sldGuideLst>
+      <p15:sldGuideLst xmlns:p15="http://schemas.microsoft.com/office/powerpoint/2012/main">
         <p15:guide id="1" orient="horz" pos="1620">
           <p15:clr>
             <a:srgbClr val="747775"/>
@@ -293,11 +296,16 @@
 </file>
 
 <file path=ppt/notesMasters/notesMaster1.xml><?xml version="1.0" encoding="utf-8"?>
-<p:notesMaster xmlns:a="http://schemas.openxmlformats.org/drawingml/2006/main" xmlns:r="http://schemas.openxmlformats.org/officeDocument/2006/relationships" xmlns:mc="http://schemas.openxmlformats.org/markup-compatibility/2006" xmlns:mv="urn:schemas-microsoft-com:mac:vml" xmlns:p="http://schemas.openxmlformats.org/presentationml/2006/main" xmlns:c="http://schemas.openxmlformats.org/drawingml/2006/chart" xmlns:dgm="http://schemas.openxmlformats.org/drawingml/2006/diagram" xmlns:o="urn:schemas-microsoft-com:office:office" xmlns:v="urn:schemas-microsoft-com:vml" xmlns:pvml="urn:schemas-microsoft-com:office:powerpoint" xmlns:com="http://schemas.openxmlformats.org/drawingml/2006/compatibility" xmlns:p14="http://schemas.microsoft.com/office/powerpoint/2010/main" xmlns:p15="http://schemas.microsoft.com/office/powerpoint/2012/main" xmlns:ahyp="http://schemas.microsoft.com/office/drawing/2018/hyperlinkcolor">
+<p:notesMaster xmlns:a="http://schemas.openxmlformats.org/drawingml/2006/main" xmlns:r="http://schemas.openxmlformats.org/officeDocument/2006/relationships" xmlns:p="http://schemas.openxmlformats.org/presentationml/2006/main">
   <p:cSld>
+    <p:bg>
+      <p:bgRef idx="1001">
+        <a:schemeClr val="bg1"/>
+      </p:bgRef>
+    </p:bg>
     <p:spTree>
       <p:nvGrpSpPr>
-        <p:cNvPr id="2" name="Shape 2"/>
+        <p:cNvPr id="1" name="Shape 2"/>
         <p:cNvGrpSpPr/>
         <p:nvPr/>
       </p:nvGrpSpPr>
@@ -312,9 +320,11 @@
       <p:sp>
         <p:nvSpPr>
           <p:cNvPr id="3" name="Google Shape;3;n"/>
-          <p:cNvSpPr/>
+          <p:cNvSpPr>
+            <a:spLocks noGrp="1" noRot="1" noChangeAspect="1"/>
+          </p:cNvSpPr>
           <p:nvPr>
-            <p:ph idx="2" type="sldImg"/>
+            <p:ph type="sldImg" idx="2"/>
           </p:nvPr>
         </p:nvSpPr>
         <p:spPr>
@@ -323,9 +333,13 @@
             <a:ext cx="6096075" cy="3429000"/>
           </a:xfrm>
           <a:custGeom>
-            <a:rect b="b" l="l" r="r" t="t"/>
+            <a:avLst/>
+            <a:gdLst/>
+            <a:ahLst/>
+            <a:cxnLst/>
+            <a:rect l="l" t="t" r="r" b="b"/>
             <a:pathLst>
-              <a:path extrusionOk="0" h="120000" w="120000">
+              <a:path w="120000" h="120000" extrusionOk="0">
                 <a:moveTo>
                   <a:pt x="0" y="0"/>
                 </a:moveTo>
@@ -343,23 +357,25 @@
             </a:pathLst>
           </a:custGeom>
           <a:noFill/>
-          <a:ln cap="flat" cmpd="sng" w="9525">
+          <a:ln w="9525" cap="flat" cmpd="sng">
             <a:solidFill>
               <a:srgbClr val="000000"/>
             </a:solidFill>
             <a:prstDash val="solid"/>
             <a:round/>
-            <a:headEnd len="sm" w="sm" type="none"/>
-            <a:tailEnd len="sm" w="sm" type="none"/>
+            <a:headEnd type="none" w="sm" len="sm"/>
+            <a:tailEnd type="none" w="sm" len="sm"/>
           </a:ln>
         </p:spPr>
       </p:sp>
       <p:sp>
         <p:nvSpPr>
           <p:cNvPr id="4" name="Google Shape;4;n"/>
-          <p:cNvSpPr txBox="1"/>
+          <p:cNvSpPr txBox="1">
+            <a:spLocks noGrp="1"/>
+          </p:cNvSpPr>
           <p:nvPr>
-            <p:ph idx="1" type="body"/>
+            <p:ph type="body" idx="1"/>
           </p:nvPr>
         </p:nvSpPr>
         <p:spPr>
@@ -376,11 +392,11 @@
           </a:ln>
         </p:spPr>
         <p:txBody>
-          <a:bodyPr anchorCtr="0" anchor="t" bIns="91425" lIns="91425" spcFirstLastPara="1" rIns="91425" wrap="square" tIns="91425">
+          <a:bodyPr spcFirstLastPara="1" wrap="square" lIns="91425" tIns="91425" rIns="91425" bIns="91425" anchor="t" anchorCtr="0">
             <a:noAutofit/>
           </a:bodyPr>
           <a:lstStyle>
-            <a:lvl1pPr indent="-298450" lvl="0" marL="457200">
+            <a:lvl1pPr marL="457200" lvl="0" indent="-298450">
               <a:spcBef>
                 <a:spcPts val="0"/>
               </a:spcBef>
@@ -391,7 +407,7 @@
               <a:buChar char="●"/>
               <a:defRPr sz="1100"/>
             </a:lvl1pPr>
-            <a:lvl2pPr indent="-298450" lvl="1" marL="914400">
+            <a:lvl2pPr marL="914400" lvl="1" indent="-298450">
               <a:spcBef>
                 <a:spcPts val="0"/>
               </a:spcBef>
@@ -402,7 +418,7 @@
               <a:buChar char="○"/>
               <a:defRPr sz="1100"/>
             </a:lvl2pPr>
-            <a:lvl3pPr indent="-298450" lvl="2" marL="1371600">
+            <a:lvl3pPr marL="1371600" lvl="2" indent="-298450">
               <a:spcBef>
                 <a:spcPts val="0"/>
               </a:spcBef>
@@ -413,7 +429,7 @@
               <a:buChar char="■"/>
               <a:defRPr sz="1100"/>
             </a:lvl3pPr>
-            <a:lvl4pPr indent="-298450" lvl="3" marL="1828800">
+            <a:lvl4pPr marL="1828800" lvl="3" indent="-298450">
               <a:spcBef>
                 <a:spcPts val="0"/>
               </a:spcBef>
@@ -424,7 +440,7 @@
               <a:buChar char="●"/>
               <a:defRPr sz="1100"/>
             </a:lvl4pPr>
-            <a:lvl5pPr indent="-298450" lvl="4" marL="2286000">
+            <a:lvl5pPr marL="2286000" lvl="4" indent="-298450">
               <a:spcBef>
                 <a:spcPts val="0"/>
               </a:spcBef>
@@ -435,7 +451,7 @@
               <a:buChar char="○"/>
               <a:defRPr sz="1100"/>
             </a:lvl5pPr>
-            <a:lvl6pPr indent="-298450" lvl="5" marL="2743200">
+            <a:lvl6pPr marL="2743200" lvl="5" indent="-298450">
               <a:spcBef>
                 <a:spcPts val="0"/>
               </a:spcBef>
@@ -446,7 +462,7 @@
               <a:buChar char="■"/>
               <a:defRPr sz="1100"/>
             </a:lvl6pPr>
-            <a:lvl7pPr indent="-298450" lvl="6" marL="3200400">
+            <a:lvl7pPr marL="3200400" lvl="6" indent="-298450">
               <a:spcBef>
                 <a:spcPts val="0"/>
               </a:spcBef>
@@ -457,7 +473,7 @@
               <a:buChar char="●"/>
               <a:defRPr sz="1100"/>
             </a:lvl7pPr>
-            <a:lvl8pPr indent="-298450" lvl="7" marL="3657600">
+            <a:lvl8pPr marL="3657600" lvl="7" indent="-298450">
               <a:spcBef>
                 <a:spcPts val="0"/>
               </a:spcBef>
@@ -468,7 +484,7 @@
               <a:buChar char="○"/>
               <a:defRPr sz="1100"/>
             </a:lvl8pPr>
-            <a:lvl9pPr indent="-298450" lvl="8" marL="4114800">
+            <a:lvl9pPr marL="4114800" lvl="8" indent="-298450">
               <a:spcBef>
                 <a:spcPts val="0"/>
               </a:spcBef>
@@ -480,14 +496,16 @@
               <a:defRPr sz="1100"/>
             </a:lvl9pPr>
           </a:lstStyle>
-          <a:p/>
+          <a:p>
+            <a:endParaRPr/>
+          </a:p>
         </p:txBody>
       </p:sp>
     </p:spTree>
   </p:cSld>
-  <p:clrMap accent1="accent1" accent2="accent2" accent3="accent3" accent4="accent4" accent5="accent5" accent6="accent6" bg1="lt1" bg2="dk2" tx1="dk1" tx2="lt2" folHlink="folHlink" hlink="hlink"/>
+  <p:clrMap bg1="lt1" tx1="dk1" bg2="dk2" tx2="lt2" accent1="accent1" accent2="accent2" accent3="accent3" accent4="accent4" accent5="accent5" accent6="accent6" hlink="hlink" folHlink="folHlink"/>
   <p:notesStyle>
-    <a:defPPr lvl="0" marR="0" rtl="0" algn="l">
+    <a:defPPr marR="0" lvl="0" algn="l" rtl="0">
       <a:lnSpc>
         <a:spcPct val="100000"/>
       </a:lnSpc>
@@ -498,7 +516,7 @@
         <a:spcPts val="0"/>
       </a:spcAft>
     </a:defPPr>
-    <a:lvl1pPr lvl="0" marR="0" rtl="0" algn="l">
+    <a:lvl1pPr marR="0" lvl="0" algn="l" rtl="0">
       <a:lnSpc>
         <a:spcPct val="100000"/>
       </a:lnSpc>
@@ -512,7 +530,7 @@
         <a:srgbClr val="000000"/>
       </a:buClr>
       <a:buFont typeface="Arial"/>
-      <a:defRPr b="0" i="0" sz="1400" u="none" cap="none" strike="noStrike">
+      <a:defRPr sz="1400" b="0" i="0" u="none" strike="noStrike" cap="none">
         <a:solidFill>
           <a:srgbClr val="000000"/>
         </a:solidFill>
@@ -522,7 +540,7 @@
         <a:sym typeface="Arial"/>
       </a:defRPr>
     </a:lvl1pPr>
-    <a:lvl2pPr lvl="1" marR="0" rtl="0" algn="l">
+    <a:lvl2pPr marR="0" lvl="1" algn="l" rtl="0">
       <a:lnSpc>
         <a:spcPct val="100000"/>
       </a:lnSpc>
@@ -536,7 +554,7 @@
         <a:srgbClr val="000000"/>
       </a:buClr>
       <a:buFont typeface="Arial"/>
-      <a:defRPr b="0" i="0" sz="1400" u="none" cap="none" strike="noStrike">
+      <a:defRPr sz="1400" b="0" i="0" u="none" strike="noStrike" cap="none">
         <a:solidFill>
           <a:srgbClr val="000000"/>
         </a:solidFill>
@@ -546,7 +564,7 @@
         <a:sym typeface="Arial"/>
       </a:defRPr>
     </a:lvl2pPr>
-    <a:lvl3pPr lvl="2" marR="0" rtl="0" algn="l">
+    <a:lvl3pPr marR="0" lvl="2" algn="l" rtl="0">
       <a:lnSpc>
         <a:spcPct val="100000"/>
       </a:lnSpc>
@@ -560,7 +578,7 @@
         <a:srgbClr val="000000"/>
       </a:buClr>
       <a:buFont typeface="Arial"/>
-      <a:defRPr b="0" i="0" sz="1400" u="none" cap="none" strike="noStrike">
+      <a:defRPr sz="1400" b="0" i="0" u="none" strike="noStrike" cap="none">
         <a:solidFill>
           <a:srgbClr val="000000"/>
         </a:solidFill>
@@ -570,7 +588,7 @@
         <a:sym typeface="Arial"/>
       </a:defRPr>
     </a:lvl3pPr>
-    <a:lvl4pPr lvl="3" marR="0" rtl="0" algn="l">
+    <a:lvl4pPr marR="0" lvl="3" algn="l" rtl="0">
       <a:lnSpc>
         <a:spcPct val="100000"/>
       </a:lnSpc>
@@ -584,7 +602,7 @@
         <a:srgbClr val="000000"/>
       </a:buClr>
       <a:buFont typeface="Arial"/>
-      <a:defRPr b="0" i="0" sz="1400" u="none" cap="none" strike="noStrike">
+      <a:defRPr sz="1400" b="0" i="0" u="none" strike="noStrike" cap="none">
         <a:solidFill>
           <a:srgbClr val="000000"/>
         </a:solidFill>
@@ -594,7 +612,7 @@
         <a:sym typeface="Arial"/>
       </a:defRPr>
     </a:lvl4pPr>
-    <a:lvl5pPr lvl="4" marR="0" rtl="0" algn="l">
+    <a:lvl5pPr marR="0" lvl="4" algn="l" rtl="0">
       <a:lnSpc>
         <a:spcPct val="100000"/>
       </a:lnSpc>
@@ -608,7 +626,7 @@
         <a:srgbClr val="000000"/>
       </a:buClr>
       <a:buFont typeface="Arial"/>
-      <a:defRPr b="0" i="0" sz="1400" u="none" cap="none" strike="noStrike">
+      <a:defRPr sz="1400" b="0" i="0" u="none" strike="noStrike" cap="none">
         <a:solidFill>
           <a:srgbClr val="000000"/>
         </a:solidFill>
@@ -618,7 +636,7 @@
         <a:sym typeface="Arial"/>
       </a:defRPr>
     </a:lvl5pPr>
-    <a:lvl6pPr lvl="5" marR="0" rtl="0" algn="l">
+    <a:lvl6pPr marR="0" lvl="5" algn="l" rtl="0">
       <a:lnSpc>
         <a:spcPct val="100000"/>
       </a:lnSpc>
@@ -632,7 +650,7 @@
         <a:srgbClr val="000000"/>
       </a:buClr>
       <a:buFont typeface="Arial"/>
-      <a:defRPr b="0" i="0" sz="1400" u="none" cap="none" strike="noStrike">
+      <a:defRPr sz="1400" b="0" i="0" u="none" strike="noStrike" cap="none">
         <a:solidFill>
           <a:srgbClr val="000000"/>
         </a:solidFill>
@@ -642,7 +660,7 @@
         <a:sym typeface="Arial"/>
       </a:defRPr>
     </a:lvl6pPr>
-    <a:lvl7pPr lvl="6" marR="0" rtl="0" algn="l">
+    <a:lvl7pPr marR="0" lvl="6" algn="l" rtl="0">
       <a:lnSpc>
         <a:spcPct val="100000"/>
       </a:lnSpc>
@@ -656,7 +674,7 @@
         <a:srgbClr val="000000"/>
       </a:buClr>
       <a:buFont typeface="Arial"/>
-      <a:defRPr b="0" i="0" sz="1400" u="none" cap="none" strike="noStrike">
+      <a:defRPr sz="1400" b="0" i="0" u="none" strike="noStrike" cap="none">
         <a:solidFill>
           <a:srgbClr val="000000"/>
         </a:solidFill>
@@ -666,7 +684,7 @@
         <a:sym typeface="Arial"/>
       </a:defRPr>
     </a:lvl7pPr>
-    <a:lvl8pPr lvl="7" marR="0" rtl="0" algn="l">
+    <a:lvl8pPr marR="0" lvl="7" algn="l" rtl="0">
       <a:lnSpc>
         <a:spcPct val="100000"/>
       </a:lnSpc>
@@ -680,7 +698,7 @@
         <a:srgbClr val="000000"/>
       </a:buClr>
       <a:buFont typeface="Arial"/>
-      <a:defRPr b="0" i="0" sz="1400" u="none" cap="none" strike="noStrike">
+      <a:defRPr sz="1400" b="0" i="0" u="none" strike="noStrike" cap="none">
         <a:solidFill>
           <a:srgbClr val="000000"/>
         </a:solidFill>
@@ -690,7 +708,7 @@
         <a:sym typeface="Arial"/>
       </a:defRPr>
     </a:lvl8pPr>
-    <a:lvl9pPr lvl="8" marR="0" rtl="0" algn="l">
+    <a:lvl9pPr marR="0" lvl="8" algn="l" rtl="0">
       <a:lnSpc>
         <a:spcPct val="100000"/>
       </a:lnSpc>
@@ -704,7 +722,7 @@
         <a:srgbClr val="000000"/>
       </a:buClr>
       <a:buFont typeface="Arial"/>
-      <a:defRPr b="0" i="0" sz="1400" u="none" cap="none" strike="noStrike">
+      <a:defRPr sz="1400" b="0" i="0" u="none" strike="noStrike" cap="none">
         <a:solidFill>
           <a:srgbClr val="000000"/>
         </a:solidFill>
@@ -719,11 +737,11 @@
 </file>
 
 <file path=ppt/notesSlides/notesSlide1.xml><?xml version="1.0" encoding="utf-8"?>
-<p:notes xmlns:a="http://schemas.openxmlformats.org/drawingml/2006/main" xmlns:r="http://schemas.openxmlformats.org/officeDocument/2006/relationships" xmlns:mc="http://schemas.openxmlformats.org/markup-compatibility/2006" xmlns:mv="urn:schemas-microsoft-com:mac:vml" xmlns:p="http://schemas.openxmlformats.org/presentationml/2006/main" xmlns:c="http://schemas.openxmlformats.org/drawingml/2006/chart" xmlns:dgm="http://schemas.openxmlformats.org/drawingml/2006/diagram" xmlns:o="urn:schemas-microsoft-com:office:office" xmlns:v="urn:schemas-microsoft-com:vml" xmlns:pvml="urn:schemas-microsoft-com:office:powerpoint" xmlns:com="http://schemas.openxmlformats.org/drawingml/2006/compatibility" xmlns:p14="http://schemas.microsoft.com/office/powerpoint/2010/main" xmlns:p15="http://schemas.microsoft.com/office/powerpoint/2012/main" xmlns:ahyp="http://schemas.microsoft.com/office/drawing/2018/hyperlinkcolor" showMasterPhAnim="0" showMasterSp="0">
+<p:notes xmlns:a="http://schemas.openxmlformats.org/drawingml/2006/main" xmlns:r="http://schemas.openxmlformats.org/officeDocument/2006/relationships" xmlns:p="http://schemas.openxmlformats.org/presentationml/2006/main" showMasterSp="0" showMasterPhAnim="0">
   <p:cSld>
     <p:spTree>
       <p:nvGrpSpPr>
-        <p:cNvPr id="130" name="Shape 130"/>
+        <p:cNvPr id="1" name="Shape 130"/>
         <p:cNvGrpSpPr/>
         <p:nvPr/>
       </p:nvGrpSpPr>
@@ -738,20 +756,26 @@
       <p:sp>
         <p:nvSpPr>
           <p:cNvPr id="131" name="Google Shape;131;p:notes"/>
-          <p:cNvSpPr/>
+          <p:cNvSpPr>
+            <a:spLocks noGrp="1" noRot="1" noChangeAspect="1"/>
+          </p:cNvSpPr>
           <p:nvPr>
-            <p:ph idx="2" type="sldImg"/>
+            <p:ph type="sldImg" idx="2"/>
           </p:nvPr>
         </p:nvSpPr>
         <p:spPr>
           <a:xfrm>
-            <a:off x="381300" y="685800"/>
-            <a:ext cx="6096075" cy="3429000"/>
+            <a:off x="381000" y="685800"/>
+            <a:ext cx="6096000" cy="3429000"/>
           </a:xfrm>
           <a:custGeom>
-            <a:rect b="b" l="l" r="r" t="t"/>
+            <a:avLst/>
+            <a:gdLst/>
+            <a:ahLst/>
+            <a:cxnLst/>
+            <a:rect l="l" t="t" r="r" b="b"/>
             <a:pathLst>
-              <a:path extrusionOk="0" h="120000" w="120000">
+              <a:path w="120000" h="120000" extrusionOk="0">
                 <a:moveTo>
                   <a:pt x="0" y="0"/>
                 </a:moveTo>
@@ -773,9 +797,11 @@
       <p:sp>
         <p:nvSpPr>
           <p:cNvPr id="132" name="Google Shape;132;p:notes"/>
-          <p:cNvSpPr txBox="1"/>
+          <p:cNvSpPr txBox="1">
+            <a:spLocks noGrp="1"/>
+          </p:cNvSpPr>
           <p:nvPr>
-            <p:ph idx="1" type="body"/>
+            <p:ph type="body" idx="1"/>
           </p:nvPr>
         </p:nvSpPr>
         <p:spPr>
@@ -788,12 +814,12 @@
           </a:prstGeom>
         </p:spPr>
         <p:txBody>
-          <a:bodyPr anchorCtr="0" anchor="t" bIns="91425" lIns="91425" spcFirstLastPara="1" rIns="91425" wrap="square" tIns="91425">
+          <a:bodyPr spcFirstLastPara="1" wrap="square" lIns="91425" tIns="91425" rIns="91425" bIns="91425" anchor="t" anchorCtr="0">
             <a:noAutofit/>
           </a:bodyPr>
           <a:lstStyle/>
           <a:p>
-            <a:pPr indent="0" lvl="0" marL="0" rtl="0" algn="l">
+            <a:pPr marL="0" lvl="0" indent="0" algn="l" rtl="0">
               <a:spcBef>
                 <a:spcPts val="0"/>
               </a:spcBef>
@@ -802,9 +828,6 @@
               </a:spcAft>
               <a:buNone/>
             </a:pPr>
-            <a:r>
-              <a:t/>
-            </a:r>
             <a:endParaRPr/>
           </a:p>
         </p:txBody>
@@ -818,11 +841,11 @@
 </file>
 
 <file path=ppt/notesSlides/notesSlide10.xml><?xml version="1.0" encoding="utf-8"?>
-<p:notes xmlns:a="http://schemas.openxmlformats.org/drawingml/2006/main" xmlns:r="http://schemas.openxmlformats.org/officeDocument/2006/relationships" xmlns:mc="http://schemas.openxmlformats.org/markup-compatibility/2006" xmlns:mv="urn:schemas-microsoft-com:mac:vml" xmlns:p="http://schemas.openxmlformats.org/presentationml/2006/main" xmlns:c="http://schemas.openxmlformats.org/drawingml/2006/chart" xmlns:dgm="http://schemas.openxmlformats.org/drawingml/2006/diagram" xmlns:o="urn:schemas-microsoft-com:office:office" xmlns:v="urn:schemas-microsoft-com:vml" xmlns:pvml="urn:schemas-microsoft-com:office:powerpoint" xmlns:com="http://schemas.openxmlformats.org/drawingml/2006/compatibility" xmlns:p14="http://schemas.microsoft.com/office/powerpoint/2010/main" xmlns:p15="http://schemas.microsoft.com/office/powerpoint/2012/main" xmlns:ahyp="http://schemas.microsoft.com/office/drawing/2018/hyperlinkcolor" showMasterPhAnim="0" showMasterSp="0">
+<p:notes xmlns:a="http://schemas.openxmlformats.org/drawingml/2006/main" xmlns:r="http://schemas.openxmlformats.org/officeDocument/2006/relationships" xmlns:p="http://schemas.openxmlformats.org/presentationml/2006/main" showMasterSp="0" showMasterPhAnim="0">
   <p:cSld>
     <p:spTree>
       <p:nvGrpSpPr>
-        <p:cNvPr id="191" name="Shape 191"/>
+        <p:cNvPr id="1" name="Shape 191"/>
         <p:cNvGrpSpPr/>
         <p:nvPr/>
       </p:nvGrpSpPr>
@@ -837,20 +860,26 @@
       <p:sp>
         <p:nvSpPr>
           <p:cNvPr id="192" name="Google Shape;192;g39c13a02943_0_158:notes"/>
-          <p:cNvSpPr/>
+          <p:cNvSpPr>
+            <a:spLocks noGrp="1" noRot="1" noChangeAspect="1"/>
+          </p:cNvSpPr>
           <p:nvPr>
-            <p:ph idx="2" type="sldImg"/>
+            <p:ph type="sldImg" idx="2"/>
           </p:nvPr>
         </p:nvSpPr>
         <p:spPr>
           <a:xfrm>
-            <a:off x="381300" y="685800"/>
+            <a:off x="381000" y="685800"/>
             <a:ext cx="6096000" cy="3429000"/>
           </a:xfrm>
           <a:custGeom>
-            <a:rect b="b" l="l" r="r" t="t"/>
+            <a:avLst/>
+            <a:gdLst/>
+            <a:ahLst/>
+            <a:cxnLst/>
+            <a:rect l="l" t="t" r="r" b="b"/>
             <a:pathLst>
-              <a:path extrusionOk="0" h="120000" w="120000">
+              <a:path w="120000" h="120000" extrusionOk="0">
                 <a:moveTo>
                   <a:pt x="0" y="0"/>
                 </a:moveTo>
@@ -872,9 +901,11 @@
       <p:sp>
         <p:nvSpPr>
           <p:cNvPr id="193" name="Google Shape;193;g39c13a02943_0_158:notes"/>
-          <p:cNvSpPr txBox="1"/>
+          <p:cNvSpPr txBox="1">
+            <a:spLocks noGrp="1"/>
+          </p:cNvSpPr>
           <p:nvPr>
-            <p:ph idx="1" type="body"/>
+            <p:ph type="body" idx="1"/>
           </p:nvPr>
         </p:nvSpPr>
         <p:spPr>
@@ -887,12 +918,12 @@
           </a:prstGeom>
         </p:spPr>
         <p:txBody>
-          <a:bodyPr anchorCtr="0" anchor="t" bIns="91425" lIns="91425" spcFirstLastPara="1" rIns="91425" wrap="square" tIns="91425">
+          <a:bodyPr spcFirstLastPara="1" wrap="square" lIns="91425" tIns="91425" rIns="91425" bIns="91425" anchor="t" anchorCtr="0">
             <a:noAutofit/>
           </a:bodyPr>
           <a:lstStyle/>
           <a:p>
-            <a:pPr indent="0" lvl="0" marL="0" rtl="0" algn="l">
+            <a:pPr marL="0" lvl="0" indent="0" algn="l" rtl="0">
               <a:spcBef>
                 <a:spcPts val="0"/>
               </a:spcBef>
@@ -901,9 +932,6 @@
               </a:spcAft>
               <a:buNone/>
             </a:pPr>
-            <a:r>
-              <a:t/>
-            </a:r>
             <a:endParaRPr/>
           </a:p>
         </p:txBody>
@@ -917,11 +945,11 @@
 </file>
 
 <file path=ppt/notesSlides/notesSlide11.xml><?xml version="1.0" encoding="utf-8"?>
-<p:notes xmlns:a="http://schemas.openxmlformats.org/drawingml/2006/main" xmlns:r="http://schemas.openxmlformats.org/officeDocument/2006/relationships" xmlns:mc="http://schemas.openxmlformats.org/markup-compatibility/2006" xmlns:mv="urn:schemas-microsoft-com:mac:vml" xmlns:p="http://schemas.openxmlformats.org/presentationml/2006/main" xmlns:c="http://schemas.openxmlformats.org/drawingml/2006/chart" xmlns:dgm="http://schemas.openxmlformats.org/drawingml/2006/diagram" xmlns:o="urn:schemas-microsoft-com:office:office" xmlns:v="urn:schemas-microsoft-com:vml" xmlns:pvml="urn:schemas-microsoft-com:office:powerpoint" xmlns:com="http://schemas.openxmlformats.org/drawingml/2006/compatibility" xmlns:p14="http://schemas.microsoft.com/office/powerpoint/2010/main" xmlns:p15="http://schemas.microsoft.com/office/powerpoint/2012/main" xmlns:ahyp="http://schemas.microsoft.com/office/drawing/2018/hyperlinkcolor" showMasterPhAnim="0" showMasterSp="0">
+<p:notes xmlns:a="http://schemas.openxmlformats.org/drawingml/2006/main" xmlns:r="http://schemas.openxmlformats.org/officeDocument/2006/relationships" xmlns:p="http://schemas.openxmlformats.org/presentationml/2006/main" showMasterSp="0" showMasterPhAnim="0">
   <p:cSld>
     <p:spTree>
       <p:nvGrpSpPr>
-        <p:cNvPr id="199" name="Shape 199"/>
+        <p:cNvPr id="1" name="Shape 199"/>
         <p:cNvGrpSpPr/>
         <p:nvPr/>
       </p:nvGrpSpPr>
@@ -936,20 +964,26 @@
       <p:sp>
         <p:nvSpPr>
           <p:cNvPr id="200" name="Google Shape;200;g39c13a02943_0_153:notes"/>
-          <p:cNvSpPr/>
+          <p:cNvSpPr>
+            <a:spLocks noGrp="1" noRot="1" noChangeAspect="1"/>
+          </p:cNvSpPr>
           <p:nvPr>
-            <p:ph idx="2" type="sldImg"/>
+            <p:ph type="sldImg" idx="2"/>
           </p:nvPr>
         </p:nvSpPr>
         <p:spPr>
           <a:xfrm>
-            <a:off x="381300" y="685800"/>
+            <a:off x="381000" y="685800"/>
             <a:ext cx="6096000" cy="3429000"/>
           </a:xfrm>
           <a:custGeom>
-            <a:rect b="b" l="l" r="r" t="t"/>
+            <a:avLst/>
+            <a:gdLst/>
+            <a:ahLst/>
+            <a:cxnLst/>
+            <a:rect l="l" t="t" r="r" b="b"/>
             <a:pathLst>
-              <a:path extrusionOk="0" h="120000" w="120000">
+              <a:path w="120000" h="120000" extrusionOk="0">
                 <a:moveTo>
                   <a:pt x="0" y="0"/>
                 </a:moveTo>
@@ -971,9 +1005,11 @@
       <p:sp>
         <p:nvSpPr>
           <p:cNvPr id="201" name="Google Shape;201;g39c13a02943_0_153:notes"/>
-          <p:cNvSpPr txBox="1"/>
+          <p:cNvSpPr txBox="1">
+            <a:spLocks noGrp="1"/>
+          </p:cNvSpPr>
           <p:nvPr>
-            <p:ph idx="1" type="body"/>
+            <p:ph type="body" idx="1"/>
           </p:nvPr>
         </p:nvSpPr>
         <p:spPr>
@@ -986,12 +1022,12 @@
           </a:prstGeom>
         </p:spPr>
         <p:txBody>
-          <a:bodyPr anchorCtr="0" anchor="t" bIns="91425" lIns="91425" spcFirstLastPara="1" rIns="91425" wrap="square" tIns="91425">
+          <a:bodyPr spcFirstLastPara="1" wrap="square" lIns="91425" tIns="91425" rIns="91425" bIns="91425" anchor="t" anchorCtr="0">
             <a:noAutofit/>
           </a:bodyPr>
           <a:lstStyle/>
           <a:p>
-            <a:pPr indent="0" lvl="0" marL="0" rtl="0" algn="l">
+            <a:pPr marL="0" lvl="0" indent="0" algn="l" rtl="0">
               <a:spcBef>
                 <a:spcPts val="0"/>
               </a:spcBef>
@@ -1000,9 +1036,6 @@
               </a:spcAft>
               <a:buNone/>
             </a:pPr>
-            <a:r>
-              <a:t/>
-            </a:r>
             <a:endParaRPr/>
           </a:p>
         </p:txBody>
@@ -1016,11 +1049,11 @@
 </file>
 
 <file path=ppt/notesSlides/notesSlide12.xml><?xml version="1.0" encoding="utf-8"?>
-<p:notes xmlns:a="http://schemas.openxmlformats.org/drawingml/2006/main" xmlns:r="http://schemas.openxmlformats.org/officeDocument/2006/relationships" xmlns:mc="http://schemas.openxmlformats.org/markup-compatibility/2006" xmlns:mv="urn:schemas-microsoft-com:mac:vml" xmlns:p="http://schemas.openxmlformats.org/presentationml/2006/main" xmlns:c="http://schemas.openxmlformats.org/drawingml/2006/chart" xmlns:dgm="http://schemas.openxmlformats.org/drawingml/2006/diagram" xmlns:o="urn:schemas-microsoft-com:office:office" xmlns:v="urn:schemas-microsoft-com:vml" xmlns:pvml="urn:schemas-microsoft-com:office:powerpoint" xmlns:com="http://schemas.openxmlformats.org/drawingml/2006/compatibility" xmlns:p14="http://schemas.microsoft.com/office/powerpoint/2010/main" xmlns:p15="http://schemas.microsoft.com/office/powerpoint/2012/main" xmlns:ahyp="http://schemas.microsoft.com/office/drawing/2018/hyperlinkcolor" showMasterPhAnim="0" showMasterSp="0">
+<p:notes xmlns:a="http://schemas.openxmlformats.org/drawingml/2006/main" xmlns:r="http://schemas.openxmlformats.org/officeDocument/2006/relationships" xmlns:p="http://schemas.openxmlformats.org/presentationml/2006/main" showMasterSp="0" showMasterPhAnim="0">
   <p:cSld>
     <p:spTree>
       <p:nvGrpSpPr>
-        <p:cNvPr id="206" name="Shape 206"/>
+        <p:cNvPr id="1" name="Shape 206"/>
         <p:cNvGrpSpPr/>
         <p:nvPr/>
       </p:nvGrpSpPr>
@@ -1035,20 +1068,26 @@
       <p:sp>
         <p:nvSpPr>
           <p:cNvPr id="207" name="Google Shape;207;g3a299dda798_1_0:notes"/>
-          <p:cNvSpPr/>
+          <p:cNvSpPr>
+            <a:spLocks noGrp="1" noRot="1" noChangeAspect="1"/>
+          </p:cNvSpPr>
           <p:nvPr>
-            <p:ph idx="2" type="sldImg"/>
+            <p:ph type="sldImg" idx="2"/>
           </p:nvPr>
         </p:nvSpPr>
         <p:spPr>
           <a:xfrm>
-            <a:off x="381300" y="685800"/>
+            <a:off x="381000" y="685800"/>
             <a:ext cx="6096000" cy="3429000"/>
           </a:xfrm>
           <a:custGeom>
-            <a:rect b="b" l="l" r="r" t="t"/>
+            <a:avLst/>
+            <a:gdLst/>
+            <a:ahLst/>
+            <a:cxnLst/>
+            <a:rect l="l" t="t" r="r" b="b"/>
             <a:pathLst>
-              <a:path extrusionOk="0" h="120000" w="120000">
+              <a:path w="120000" h="120000" extrusionOk="0">
                 <a:moveTo>
                   <a:pt x="0" y="0"/>
                 </a:moveTo>
@@ -1070,9 +1109,11 @@
       <p:sp>
         <p:nvSpPr>
           <p:cNvPr id="208" name="Google Shape;208;g3a299dda798_1_0:notes"/>
-          <p:cNvSpPr txBox="1"/>
+          <p:cNvSpPr txBox="1">
+            <a:spLocks noGrp="1"/>
+          </p:cNvSpPr>
           <p:nvPr>
-            <p:ph idx="1" type="body"/>
+            <p:ph type="body" idx="1"/>
           </p:nvPr>
         </p:nvSpPr>
         <p:spPr>
@@ -1085,12 +1126,12 @@
           </a:prstGeom>
         </p:spPr>
         <p:txBody>
-          <a:bodyPr anchorCtr="0" anchor="t" bIns="91425" lIns="91425" spcFirstLastPara="1" rIns="91425" wrap="square" tIns="91425">
+          <a:bodyPr spcFirstLastPara="1" wrap="square" lIns="91425" tIns="91425" rIns="91425" bIns="91425" anchor="t" anchorCtr="0">
             <a:noAutofit/>
           </a:bodyPr>
           <a:lstStyle/>
           <a:p>
-            <a:pPr indent="0" lvl="0" marL="0" rtl="0" algn="l">
+            <a:pPr marL="0" lvl="0" indent="0" algn="l" rtl="0">
               <a:spcBef>
                 <a:spcPts val="0"/>
               </a:spcBef>
@@ -1099,9 +1140,6 @@
               </a:spcAft>
               <a:buNone/>
             </a:pPr>
-            <a:r>
-              <a:t/>
-            </a:r>
             <a:endParaRPr/>
           </a:p>
         </p:txBody>
@@ -1115,11 +1153,11 @@
 </file>
 
 <file path=ppt/notesSlides/notesSlide13.xml><?xml version="1.0" encoding="utf-8"?>
-<p:notes xmlns:a="http://schemas.openxmlformats.org/drawingml/2006/main" xmlns:r="http://schemas.openxmlformats.org/officeDocument/2006/relationships" xmlns:mc="http://schemas.openxmlformats.org/markup-compatibility/2006" xmlns:mv="urn:schemas-microsoft-com:mac:vml" xmlns:p="http://schemas.openxmlformats.org/presentationml/2006/main" xmlns:c="http://schemas.openxmlformats.org/drawingml/2006/chart" xmlns:dgm="http://schemas.openxmlformats.org/drawingml/2006/diagram" xmlns:o="urn:schemas-microsoft-com:office:office" xmlns:v="urn:schemas-microsoft-com:vml" xmlns:pvml="urn:schemas-microsoft-com:office:powerpoint" xmlns:com="http://schemas.openxmlformats.org/drawingml/2006/compatibility" xmlns:p14="http://schemas.microsoft.com/office/powerpoint/2010/main" xmlns:p15="http://schemas.microsoft.com/office/powerpoint/2012/main" xmlns:ahyp="http://schemas.microsoft.com/office/drawing/2018/hyperlinkcolor" showMasterPhAnim="0" showMasterSp="0">
+<p:notes xmlns:a="http://schemas.openxmlformats.org/drawingml/2006/main" xmlns:r="http://schemas.openxmlformats.org/officeDocument/2006/relationships" xmlns:p="http://schemas.openxmlformats.org/presentationml/2006/main" showMasterSp="0" showMasterPhAnim="0">
   <p:cSld>
     <p:spTree>
       <p:nvGrpSpPr>
-        <p:cNvPr id="214" name="Shape 214"/>
+        <p:cNvPr id="1" name="Shape 214"/>
         <p:cNvGrpSpPr/>
         <p:nvPr/>
       </p:nvGrpSpPr>
@@ -1134,20 +1172,26 @@
       <p:sp>
         <p:nvSpPr>
           <p:cNvPr id="215" name="Google Shape;215;g3a299dda798_1_26:notes"/>
-          <p:cNvSpPr/>
+          <p:cNvSpPr>
+            <a:spLocks noGrp="1" noRot="1" noChangeAspect="1"/>
+          </p:cNvSpPr>
           <p:nvPr>
-            <p:ph idx="2" type="sldImg"/>
+            <p:ph type="sldImg" idx="2"/>
           </p:nvPr>
         </p:nvSpPr>
         <p:spPr>
           <a:xfrm>
-            <a:off x="381300" y="685800"/>
+            <a:off x="381000" y="685800"/>
             <a:ext cx="6096000" cy="3429000"/>
           </a:xfrm>
           <a:custGeom>
-            <a:rect b="b" l="l" r="r" t="t"/>
+            <a:avLst/>
+            <a:gdLst/>
+            <a:ahLst/>
+            <a:cxnLst/>
+            <a:rect l="l" t="t" r="r" b="b"/>
             <a:pathLst>
-              <a:path extrusionOk="0" h="120000" w="120000">
+              <a:path w="120000" h="120000" extrusionOk="0">
                 <a:moveTo>
                   <a:pt x="0" y="0"/>
                 </a:moveTo>
@@ -1169,9 +1213,11 @@
       <p:sp>
         <p:nvSpPr>
           <p:cNvPr id="216" name="Google Shape;216;g3a299dda798_1_26:notes"/>
-          <p:cNvSpPr txBox="1"/>
+          <p:cNvSpPr txBox="1">
+            <a:spLocks noGrp="1"/>
+          </p:cNvSpPr>
           <p:nvPr>
-            <p:ph idx="1" type="body"/>
+            <p:ph type="body" idx="1"/>
           </p:nvPr>
         </p:nvSpPr>
         <p:spPr>
@@ -1184,12 +1230,12 @@
           </a:prstGeom>
         </p:spPr>
         <p:txBody>
-          <a:bodyPr anchorCtr="0" anchor="t" bIns="91425" lIns="91425" spcFirstLastPara="1" rIns="91425" wrap="square" tIns="91425">
+          <a:bodyPr spcFirstLastPara="1" wrap="square" lIns="91425" tIns="91425" rIns="91425" bIns="91425" anchor="t" anchorCtr="0">
             <a:noAutofit/>
           </a:bodyPr>
           <a:lstStyle/>
           <a:p>
-            <a:pPr indent="0" lvl="0" marL="0" rtl="0" algn="l">
+            <a:pPr marL="0" lvl="0" indent="0" algn="l" rtl="0">
               <a:spcBef>
                 <a:spcPts val="0"/>
               </a:spcBef>
@@ -1198,9 +1244,6 @@
               </a:spcAft>
               <a:buNone/>
             </a:pPr>
-            <a:r>
-              <a:t/>
-            </a:r>
             <a:endParaRPr/>
           </a:p>
         </p:txBody>
@@ -1214,11 +1257,11 @@
 </file>
 
 <file path=ppt/notesSlides/notesSlide14.xml><?xml version="1.0" encoding="utf-8"?>
-<p:notes xmlns:a="http://schemas.openxmlformats.org/drawingml/2006/main" xmlns:r="http://schemas.openxmlformats.org/officeDocument/2006/relationships" xmlns:mc="http://schemas.openxmlformats.org/markup-compatibility/2006" xmlns:mv="urn:schemas-microsoft-com:mac:vml" xmlns:p="http://schemas.openxmlformats.org/presentationml/2006/main" xmlns:c="http://schemas.openxmlformats.org/drawingml/2006/chart" xmlns:dgm="http://schemas.openxmlformats.org/drawingml/2006/diagram" xmlns:o="urn:schemas-microsoft-com:office:office" xmlns:v="urn:schemas-microsoft-com:vml" xmlns:pvml="urn:schemas-microsoft-com:office:powerpoint" xmlns:com="http://schemas.openxmlformats.org/drawingml/2006/compatibility" xmlns:p14="http://schemas.microsoft.com/office/powerpoint/2010/main" xmlns:p15="http://schemas.microsoft.com/office/powerpoint/2012/main" xmlns:ahyp="http://schemas.microsoft.com/office/drawing/2018/hyperlinkcolor" showMasterPhAnim="0" showMasterSp="0">
+<p:notes xmlns:a="http://schemas.openxmlformats.org/drawingml/2006/main" xmlns:r="http://schemas.openxmlformats.org/officeDocument/2006/relationships" xmlns:p="http://schemas.openxmlformats.org/presentationml/2006/main" showMasterSp="0" showMasterPhAnim="0">
   <p:cSld>
     <p:spTree>
       <p:nvGrpSpPr>
-        <p:cNvPr id="222" name="Shape 222"/>
+        <p:cNvPr id="1" name="Shape 222"/>
         <p:cNvGrpSpPr/>
         <p:nvPr/>
       </p:nvGrpSpPr>
@@ -1233,20 +1276,26 @@
       <p:sp>
         <p:nvSpPr>
           <p:cNvPr id="223" name="Google Shape;223;g39c13a02943_0_143:notes"/>
-          <p:cNvSpPr/>
+          <p:cNvSpPr>
+            <a:spLocks noGrp="1" noRot="1" noChangeAspect="1"/>
+          </p:cNvSpPr>
           <p:nvPr>
-            <p:ph idx="2" type="sldImg"/>
+            <p:ph type="sldImg" idx="2"/>
           </p:nvPr>
         </p:nvSpPr>
         <p:spPr>
           <a:xfrm>
-            <a:off x="381300" y="685800"/>
+            <a:off x="381000" y="685800"/>
             <a:ext cx="6096000" cy="3429000"/>
           </a:xfrm>
           <a:custGeom>
-            <a:rect b="b" l="l" r="r" t="t"/>
+            <a:avLst/>
+            <a:gdLst/>
+            <a:ahLst/>
+            <a:cxnLst/>
+            <a:rect l="l" t="t" r="r" b="b"/>
             <a:pathLst>
-              <a:path extrusionOk="0" h="120000" w="120000">
+              <a:path w="120000" h="120000" extrusionOk="0">
                 <a:moveTo>
                   <a:pt x="0" y="0"/>
                 </a:moveTo>
@@ -1268,9 +1317,11 @@
       <p:sp>
         <p:nvSpPr>
           <p:cNvPr id="224" name="Google Shape;224;g39c13a02943_0_143:notes"/>
-          <p:cNvSpPr txBox="1"/>
+          <p:cNvSpPr txBox="1">
+            <a:spLocks noGrp="1"/>
+          </p:cNvSpPr>
           <p:nvPr>
-            <p:ph idx="1" type="body"/>
+            <p:ph type="body" idx="1"/>
           </p:nvPr>
         </p:nvSpPr>
         <p:spPr>
@@ -1283,12 +1334,12 @@
           </a:prstGeom>
         </p:spPr>
         <p:txBody>
-          <a:bodyPr anchorCtr="0" anchor="t" bIns="91425" lIns="91425" spcFirstLastPara="1" rIns="91425" wrap="square" tIns="91425">
+          <a:bodyPr spcFirstLastPara="1" wrap="square" lIns="91425" tIns="91425" rIns="91425" bIns="91425" anchor="t" anchorCtr="0">
             <a:noAutofit/>
           </a:bodyPr>
           <a:lstStyle/>
           <a:p>
-            <a:pPr indent="0" lvl="0" marL="0" rtl="0" algn="l">
+            <a:pPr marL="0" lvl="0" indent="0" algn="l" rtl="0">
               <a:spcBef>
                 <a:spcPts val="0"/>
               </a:spcBef>
@@ -1297,9 +1348,6 @@
               </a:spcAft>
               <a:buNone/>
             </a:pPr>
-            <a:r>
-              <a:t/>
-            </a:r>
             <a:endParaRPr/>
           </a:p>
         </p:txBody>
@@ -1313,11 +1361,11 @@
 </file>
 
 <file path=ppt/notesSlides/notesSlide15.xml><?xml version="1.0" encoding="utf-8"?>
-<p:notes xmlns:a="http://schemas.openxmlformats.org/drawingml/2006/main" xmlns:r="http://schemas.openxmlformats.org/officeDocument/2006/relationships" xmlns:mc="http://schemas.openxmlformats.org/markup-compatibility/2006" xmlns:mv="urn:schemas-microsoft-com:mac:vml" xmlns:p="http://schemas.openxmlformats.org/presentationml/2006/main" xmlns:c="http://schemas.openxmlformats.org/drawingml/2006/chart" xmlns:dgm="http://schemas.openxmlformats.org/drawingml/2006/diagram" xmlns:o="urn:schemas-microsoft-com:office:office" xmlns:v="urn:schemas-microsoft-com:vml" xmlns:pvml="urn:schemas-microsoft-com:office:powerpoint" xmlns:com="http://schemas.openxmlformats.org/drawingml/2006/compatibility" xmlns:p14="http://schemas.microsoft.com/office/powerpoint/2010/main" xmlns:p15="http://schemas.microsoft.com/office/powerpoint/2012/main" xmlns:ahyp="http://schemas.microsoft.com/office/drawing/2018/hyperlinkcolor" showMasterPhAnim="0" showMasterSp="0">
+<p:notes xmlns:a="http://schemas.openxmlformats.org/drawingml/2006/main" xmlns:r="http://schemas.openxmlformats.org/officeDocument/2006/relationships" xmlns:p="http://schemas.openxmlformats.org/presentationml/2006/main" showMasterSp="0" showMasterPhAnim="0">
   <p:cSld>
     <p:spTree>
       <p:nvGrpSpPr>
-        <p:cNvPr id="230" name="Shape 230"/>
+        <p:cNvPr id="1" name="Shape 230"/>
         <p:cNvGrpSpPr/>
         <p:nvPr/>
       </p:nvGrpSpPr>
@@ -1332,20 +1380,26 @@
       <p:sp>
         <p:nvSpPr>
           <p:cNvPr id="231" name="Google Shape;231;g3a299dda798_1_33:notes"/>
-          <p:cNvSpPr/>
+          <p:cNvSpPr>
+            <a:spLocks noGrp="1" noRot="1" noChangeAspect="1"/>
+          </p:cNvSpPr>
           <p:nvPr>
-            <p:ph idx="2" type="sldImg"/>
+            <p:ph type="sldImg" idx="2"/>
           </p:nvPr>
         </p:nvSpPr>
         <p:spPr>
           <a:xfrm>
-            <a:off x="381300" y="685800"/>
+            <a:off x="381000" y="685800"/>
             <a:ext cx="6096000" cy="3429000"/>
           </a:xfrm>
           <a:custGeom>
-            <a:rect b="b" l="l" r="r" t="t"/>
+            <a:avLst/>
+            <a:gdLst/>
+            <a:ahLst/>
+            <a:cxnLst/>
+            <a:rect l="l" t="t" r="r" b="b"/>
             <a:pathLst>
-              <a:path extrusionOk="0" h="120000" w="120000">
+              <a:path w="120000" h="120000" extrusionOk="0">
                 <a:moveTo>
                   <a:pt x="0" y="0"/>
                 </a:moveTo>
@@ -1367,9 +1421,11 @@
       <p:sp>
         <p:nvSpPr>
           <p:cNvPr id="232" name="Google Shape;232;g3a299dda798_1_33:notes"/>
-          <p:cNvSpPr txBox="1"/>
+          <p:cNvSpPr txBox="1">
+            <a:spLocks noGrp="1"/>
+          </p:cNvSpPr>
           <p:nvPr>
-            <p:ph idx="1" type="body"/>
+            <p:ph type="body" idx="1"/>
           </p:nvPr>
         </p:nvSpPr>
         <p:spPr>
@@ -1382,12 +1438,12 @@
           </a:prstGeom>
         </p:spPr>
         <p:txBody>
-          <a:bodyPr anchorCtr="0" anchor="t" bIns="91425" lIns="91425" spcFirstLastPara="1" rIns="91425" wrap="square" tIns="91425">
+          <a:bodyPr spcFirstLastPara="1" wrap="square" lIns="91425" tIns="91425" rIns="91425" bIns="91425" anchor="t" anchorCtr="0">
             <a:noAutofit/>
           </a:bodyPr>
           <a:lstStyle/>
           <a:p>
-            <a:pPr indent="0" lvl="0" marL="0" rtl="0" algn="l">
+            <a:pPr marL="0" lvl="0" indent="0" algn="l" rtl="0">
               <a:spcBef>
                 <a:spcPts val="0"/>
               </a:spcBef>
@@ -1396,9 +1452,6 @@
               </a:spcAft>
               <a:buNone/>
             </a:pPr>
-            <a:r>
-              <a:t/>
-            </a:r>
             <a:endParaRPr/>
           </a:p>
         </p:txBody>
@@ -1412,11 +1465,11 @@
 </file>
 
 <file path=ppt/notesSlides/notesSlide16.xml><?xml version="1.0" encoding="utf-8"?>
-<p:notes xmlns:a="http://schemas.openxmlformats.org/drawingml/2006/main" xmlns:r="http://schemas.openxmlformats.org/officeDocument/2006/relationships" xmlns:mc="http://schemas.openxmlformats.org/markup-compatibility/2006" xmlns:mv="urn:schemas-microsoft-com:mac:vml" xmlns:p="http://schemas.openxmlformats.org/presentationml/2006/main" xmlns:c="http://schemas.openxmlformats.org/drawingml/2006/chart" xmlns:dgm="http://schemas.openxmlformats.org/drawingml/2006/diagram" xmlns:o="urn:schemas-microsoft-com:office:office" xmlns:v="urn:schemas-microsoft-com:vml" xmlns:pvml="urn:schemas-microsoft-com:office:powerpoint" xmlns:com="http://schemas.openxmlformats.org/drawingml/2006/compatibility" xmlns:p14="http://schemas.microsoft.com/office/powerpoint/2010/main" xmlns:p15="http://schemas.microsoft.com/office/powerpoint/2012/main" xmlns:ahyp="http://schemas.microsoft.com/office/drawing/2018/hyperlinkcolor" showMasterPhAnim="0" showMasterSp="0">
+<p:notes xmlns:a="http://schemas.openxmlformats.org/drawingml/2006/main" xmlns:r="http://schemas.openxmlformats.org/officeDocument/2006/relationships" xmlns:p="http://schemas.openxmlformats.org/presentationml/2006/main" showMasterSp="0" showMasterPhAnim="0">
   <p:cSld>
     <p:spTree>
       <p:nvGrpSpPr>
-        <p:cNvPr id="238" name="Shape 238"/>
+        <p:cNvPr id="1" name="Shape 238"/>
         <p:cNvGrpSpPr/>
         <p:nvPr/>
       </p:nvGrpSpPr>
@@ -1431,20 +1484,26 @@
       <p:sp>
         <p:nvSpPr>
           <p:cNvPr id="239" name="Google Shape;239;g3a299dda798_1_39:notes"/>
-          <p:cNvSpPr/>
+          <p:cNvSpPr>
+            <a:spLocks noGrp="1" noRot="1" noChangeAspect="1"/>
+          </p:cNvSpPr>
           <p:nvPr>
-            <p:ph idx="2" type="sldImg"/>
+            <p:ph type="sldImg" idx="2"/>
           </p:nvPr>
         </p:nvSpPr>
         <p:spPr>
           <a:xfrm>
-            <a:off x="381300" y="685800"/>
+            <a:off x="381000" y="685800"/>
             <a:ext cx="6096000" cy="3429000"/>
           </a:xfrm>
           <a:custGeom>
-            <a:rect b="b" l="l" r="r" t="t"/>
+            <a:avLst/>
+            <a:gdLst/>
+            <a:ahLst/>
+            <a:cxnLst/>
+            <a:rect l="l" t="t" r="r" b="b"/>
             <a:pathLst>
-              <a:path extrusionOk="0" h="120000" w="120000">
+              <a:path w="120000" h="120000" extrusionOk="0">
                 <a:moveTo>
                   <a:pt x="0" y="0"/>
                 </a:moveTo>
@@ -1466,9 +1525,11 @@
       <p:sp>
         <p:nvSpPr>
           <p:cNvPr id="240" name="Google Shape;240;g3a299dda798_1_39:notes"/>
-          <p:cNvSpPr txBox="1"/>
+          <p:cNvSpPr txBox="1">
+            <a:spLocks noGrp="1"/>
+          </p:cNvSpPr>
           <p:nvPr>
-            <p:ph idx="1" type="body"/>
+            <p:ph type="body" idx="1"/>
           </p:nvPr>
         </p:nvSpPr>
         <p:spPr>
@@ -1481,12 +1542,12 @@
           </a:prstGeom>
         </p:spPr>
         <p:txBody>
-          <a:bodyPr anchorCtr="0" anchor="t" bIns="91425" lIns="91425" spcFirstLastPara="1" rIns="91425" wrap="square" tIns="91425">
+          <a:bodyPr spcFirstLastPara="1" wrap="square" lIns="91425" tIns="91425" rIns="91425" bIns="91425" anchor="t" anchorCtr="0">
             <a:noAutofit/>
           </a:bodyPr>
           <a:lstStyle/>
           <a:p>
-            <a:pPr indent="0" lvl="0" marL="0" rtl="0" algn="l">
+            <a:pPr marL="0" lvl="0" indent="0" algn="l" rtl="0">
               <a:spcBef>
                 <a:spcPts val="0"/>
               </a:spcBef>
@@ -1495,9 +1556,6 @@
               </a:spcAft>
               <a:buNone/>
             </a:pPr>
-            <a:r>
-              <a:t/>
-            </a:r>
             <a:endParaRPr/>
           </a:p>
         </p:txBody>
@@ -1511,11 +1569,11 @@
 </file>
 
 <file path=ppt/notesSlides/notesSlide17.xml><?xml version="1.0" encoding="utf-8"?>
-<p:notes xmlns:a="http://schemas.openxmlformats.org/drawingml/2006/main" xmlns:r="http://schemas.openxmlformats.org/officeDocument/2006/relationships" xmlns:mc="http://schemas.openxmlformats.org/markup-compatibility/2006" xmlns:mv="urn:schemas-microsoft-com:mac:vml" xmlns:p="http://schemas.openxmlformats.org/presentationml/2006/main" xmlns:c="http://schemas.openxmlformats.org/drawingml/2006/chart" xmlns:dgm="http://schemas.openxmlformats.org/drawingml/2006/diagram" xmlns:o="urn:schemas-microsoft-com:office:office" xmlns:v="urn:schemas-microsoft-com:vml" xmlns:pvml="urn:schemas-microsoft-com:office:powerpoint" xmlns:com="http://schemas.openxmlformats.org/drawingml/2006/compatibility" xmlns:p14="http://schemas.microsoft.com/office/powerpoint/2010/main" xmlns:p15="http://schemas.microsoft.com/office/powerpoint/2012/main" xmlns:ahyp="http://schemas.microsoft.com/office/drawing/2018/hyperlinkcolor" showMasterPhAnim="0" showMasterSp="0">
+<p:notes xmlns:a="http://schemas.openxmlformats.org/drawingml/2006/main" xmlns:r="http://schemas.openxmlformats.org/officeDocument/2006/relationships" xmlns:p="http://schemas.openxmlformats.org/presentationml/2006/main" showMasterSp="0" showMasterPhAnim="0">
   <p:cSld>
     <p:spTree>
       <p:nvGrpSpPr>
-        <p:cNvPr id="246" name="Shape 246"/>
+        <p:cNvPr id="1" name="Shape 246"/>
         <p:cNvGrpSpPr/>
         <p:nvPr/>
       </p:nvGrpSpPr>
@@ -1530,20 +1588,26 @@
       <p:sp>
         <p:nvSpPr>
           <p:cNvPr id="247" name="Google Shape;247;g3a299dda798_1_47:notes"/>
-          <p:cNvSpPr/>
+          <p:cNvSpPr>
+            <a:spLocks noGrp="1" noRot="1" noChangeAspect="1"/>
+          </p:cNvSpPr>
           <p:nvPr>
-            <p:ph idx="2" type="sldImg"/>
+            <p:ph type="sldImg" idx="2"/>
           </p:nvPr>
         </p:nvSpPr>
         <p:spPr>
           <a:xfrm>
-            <a:off x="381300" y="685800"/>
+            <a:off x="381000" y="685800"/>
             <a:ext cx="6096000" cy="3429000"/>
           </a:xfrm>
           <a:custGeom>
-            <a:rect b="b" l="l" r="r" t="t"/>
+            <a:avLst/>
+            <a:gdLst/>
+            <a:ahLst/>
+            <a:cxnLst/>
+            <a:rect l="l" t="t" r="r" b="b"/>
             <a:pathLst>
-              <a:path extrusionOk="0" h="120000" w="120000">
+              <a:path w="120000" h="120000" extrusionOk="0">
                 <a:moveTo>
                   <a:pt x="0" y="0"/>
                 </a:moveTo>
@@ -1565,9 +1629,11 @@
       <p:sp>
         <p:nvSpPr>
           <p:cNvPr id="248" name="Google Shape;248;g3a299dda798_1_47:notes"/>
-          <p:cNvSpPr txBox="1"/>
+          <p:cNvSpPr txBox="1">
+            <a:spLocks noGrp="1"/>
+          </p:cNvSpPr>
           <p:nvPr>
-            <p:ph idx="1" type="body"/>
+            <p:ph type="body" idx="1"/>
           </p:nvPr>
         </p:nvSpPr>
         <p:spPr>
@@ -1580,12 +1646,12 @@
           </a:prstGeom>
         </p:spPr>
         <p:txBody>
-          <a:bodyPr anchorCtr="0" anchor="t" bIns="91425" lIns="91425" spcFirstLastPara="1" rIns="91425" wrap="square" tIns="91425">
+          <a:bodyPr spcFirstLastPara="1" wrap="square" lIns="91425" tIns="91425" rIns="91425" bIns="91425" anchor="t" anchorCtr="0">
             <a:noAutofit/>
           </a:bodyPr>
           <a:lstStyle/>
           <a:p>
-            <a:pPr indent="0" lvl="0" marL="0" rtl="0" algn="l">
+            <a:pPr marL="0" lvl="0" indent="0" algn="l" rtl="0">
               <a:spcBef>
                 <a:spcPts val="0"/>
               </a:spcBef>
@@ -1594,9 +1660,6 @@
               </a:spcAft>
               <a:buNone/>
             </a:pPr>
-            <a:r>
-              <a:t/>
-            </a:r>
             <a:endParaRPr/>
           </a:p>
         </p:txBody>
@@ -1610,11 +1673,11 @@
 </file>
 
 <file path=ppt/notesSlides/notesSlide2.xml><?xml version="1.0" encoding="utf-8"?>
-<p:notes xmlns:a="http://schemas.openxmlformats.org/drawingml/2006/main" xmlns:r="http://schemas.openxmlformats.org/officeDocument/2006/relationships" xmlns:mc="http://schemas.openxmlformats.org/markup-compatibility/2006" xmlns:mv="urn:schemas-microsoft-com:mac:vml" xmlns:p="http://schemas.openxmlformats.org/presentationml/2006/main" xmlns:c="http://schemas.openxmlformats.org/drawingml/2006/chart" xmlns:dgm="http://schemas.openxmlformats.org/drawingml/2006/diagram" xmlns:o="urn:schemas-microsoft-com:office:office" xmlns:v="urn:schemas-microsoft-com:vml" xmlns:pvml="urn:schemas-microsoft-com:office:powerpoint" xmlns:com="http://schemas.openxmlformats.org/drawingml/2006/compatibility" xmlns:p14="http://schemas.microsoft.com/office/powerpoint/2010/main" xmlns:p15="http://schemas.microsoft.com/office/powerpoint/2012/main" xmlns:ahyp="http://schemas.microsoft.com/office/drawing/2018/hyperlinkcolor" showMasterPhAnim="0" showMasterSp="0">
+<p:notes xmlns:a="http://schemas.openxmlformats.org/drawingml/2006/main" xmlns:r="http://schemas.openxmlformats.org/officeDocument/2006/relationships" xmlns:p="http://schemas.openxmlformats.org/presentationml/2006/main" showMasterSp="0" showMasterPhAnim="0">
   <p:cSld>
     <p:spTree>
       <p:nvGrpSpPr>
-        <p:cNvPr id="136" name="Shape 136"/>
+        <p:cNvPr id="1" name="Shape 136"/>
         <p:cNvGrpSpPr/>
         <p:nvPr/>
       </p:nvGrpSpPr>
@@ -1629,20 +1692,26 @@
       <p:sp>
         <p:nvSpPr>
           <p:cNvPr id="137" name="Google Shape;137;g39c14da508a_0_5:notes"/>
-          <p:cNvSpPr/>
+          <p:cNvSpPr>
+            <a:spLocks noGrp="1" noRot="1" noChangeAspect="1"/>
+          </p:cNvSpPr>
           <p:nvPr>
-            <p:ph idx="2" type="sldImg"/>
+            <p:ph type="sldImg" idx="2"/>
           </p:nvPr>
         </p:nvSpPr>
         <p:spPr>
           <a:xfrm>
-            <a:off x="381300" y="685800"/>
+            <a:off x="381000" y="685800"/>
             <a:ext cx="6096000" cy="3429000"/>
           </a:xfrm>
           <a:custGeom>
-            <a:rect b="b" l="l" r="r" t="t"/>
+            <a:avLst/>
+            <a:gdLst/>
+            <a:ahLst/>
+            <a:cxnLst/>
+            <a:rect l="l" t="t" r="r" b="b"/>
             <a:pathLst>
-              <a:path extrusionOk="0" h="120000" w="120000">
+              <a:path w="120000" h="120000" extrusionOk="0">
                 <a:moveTo>
                   <a:pt x="0" y="0"/>
                 </a:moveTo>
@@ -1664,9 +1733,11 @@
       <p:sp>
         <p:nvSpPr>
           <p:cNvPr id="138" name="Google Shape;138;g39c14da508a_0_5:notes"/>
-          <p:cNvSpPr txBox="1"/>
+          <p:cNvSpPr txBox="1">
+            <a:spLocks noGrp="1"/>
+          </p:cNvSpPr>
           <p:nvPr>
-            <p:ph idx="1" type="body"/>
+            <p:ph type="body" idx="1"/>
           </p:nvPr>
         </p:nvSpPr>
         <p:spPr>
@@ -1679,12 +1750,12 @@
           </a:prstGeom>
         </p:spPr>
         <p:txBody>
-          <a:bodyPr anchorCtr="0" anchor="t" bIns="91425" lIns="91425" spcFirstLastPara="1" rIns="91425" wrap="square" tIns="91425">
+          <a:bodyPr spcFirstLastPara="1" wrap="square" lIns="91425" tIns="91425" rIns="91425" bIns="91425" anchor="t" anchorCtr="0">
             <a:noAutofit/>
           </a:bodyPr>
           <a:lstStyle/>
           <a:p>
-            <a:pPr indent="0" lvl="0" marL="0" rtl="0" algn="l">
+            <a:pPr marL="0" lvl="0" indent="0" algn="l" rtl="0">
               <a:spcBef>
                 <a:spcPts val="0"/>
               </a:spcBef>
@@ -1693,9 +1764,6 @@
               </a:spcAft>
               <a:buNone/>
             </a:pPr>
-            <a:r>
-              <a:t/>
-            </a:r>
             <a:endParaRPr/>
           </a:p>
         </p:txBody>
@@ -1709,11 +1777,11 @@
 </file>
 
 <file path=ppt/notesSlides/notesSlide3.xml><?xml version="1.0" encoding="utf-8"?>
-<p:notes xmlns:a="http://schemas.openxmlformats.org/drawingml/2006/main" xmlns:r="http://schemas.openxmlformats.org/officeDocument/2006/relationships" xmlns:mc="http://schemas.openxmlformats.org/markup-compatibility/2006" xmlns:mv="urn:schemas-microsoft-com:mac:vml" xmlns:p="http://schemas.openxmlformats.org/presentationml/2006/main" xmlns:c="http://schemas.openxmlformats.org/drawingml/2006/chart" xmlns:dgm="http://schemas.openxmlformats.org/drawingml/2006/diagram" xmlns:o="urn:schemas-microsoft-com:office:office" xmlns:v="urn:schemas-microsoft-com:vml" xmlns:pvml="urn:schemas-microsoft-com:office:powerpoint" xmlns:com="http://schemas.openxmlformats.org/drawingml/2006/compatibility" xmlns:p14="http://schemas.microsoft.com/office/powerpoint/2010/main" xmlns:p15="http://schemas.microsoft.com/office/powerpoint/2012/main" xmlns:ahyp="http://schemas.microsoft.com/office/drawing/2018/hyperlinkcolor" showMasterPhAnim="0" showMasterSp="0">
+<p:notes xmlns:a="http://schemas.openxmlformats.org/drawingml/2006/main" xmlns:r="http://schemas.openxmlformats.org/officeDocument/2006/relationships" xmlns:p="http://schemas.openxmlformats.org/presentationml/2006/main" showMasterSp="0" showMasterPhAnim="0">
   <p:cSld>
     <p:spTree>
       <p:nvGrpSpPr>
-        <p:cNvPr id="142" name="Shape 142"/>
+        <p:cNvPr id="1" name="Shape 142"/>
         <p:cNvGrpSpPr/>
         <p:nvPr/>
       </p:nvGrpSpPr>
@@ -1728,20 +1796,26 @@
       <p:sp>
         <p:nvSpPr>
           <p:cNvPr id="143" name="Google Shape;143;g39c13a02943_0_125:notes"/>
-          <p:cNvSpPr/>
+          <p:cNvSpPr>
+            <a:spLocks noGrp="1" noRot="1" noChangeAspect="1"/>
+          </p:cNvSpPr>
           <p:nvPr>
-            <p:ph idx="2" type="sldImg"/>
+            <p:ph type="sldImg" idx="2"/>
           </p:nvPr>
         </p:nvSpPr>
         <p:spPr>
           <a:xfrm>
-            <a:off x="381300" y="685800"/>
+            <a:off x="381000" y="685800"/>
             <a:ext cx="6096000" cy="3429000"/>
           </a:xfrm>
           <a:custGeom>
-            <a:rect b="b" l="l" r="r" t="t"/>
+            <a:avLst/>
+            <a:gdLst/>
+            <a:ahLst/>
+            <a:cxnLst/>
+            <a:rect l="l" t="t" r="r" b="b"/>
             <a:pathLst>
-              <a:path extrusionOk="0" h="120000" w="120000">
+              <a:path w="120000" h="120000" extrusionOk="0">
                 <a:moveTo>
                   <a:pt x="0" y="0"/>
                 </a:moveTo>
@@ -1763,9 +1837,11 @@
       <p:sp>
         <p:nvSpPr>
           <p:cNvPr id="144" name="Google Shape;144;g39c13a02943_0_125:notes"/>
-          <p:cNvSpPr txBox="1"/>
+          <p:cNvSpPr txBox="1">
+            <a:spLocks noGrp="1"/>
+          </p:cNvSpPr>
           <p:nvPr>
-            <p:ph idx="1" type="body"/>
+            <p:ph type="body" idx="1"/>
           </p:nvPr>
         </p:nvSpPr>
         <p:spPr>
@@ -1778,12 +1854,12 @@
           </a:prstGeom>
         </p:spPr>
         <p:txBody>
-          <a:bodyPr anchorCtr="0" anchor="t" bIns="91425" lIns="91425" spcFirstLastPara="1" rIns="91425" wrap="square" tIns="91425">
+          <a:bodyPr spcFirstLastPara="1" wrap="square" lIns="91425" tIns="91425" rIns="91425" bIns="91425" anchor="t" anchorCtr="0">
             <a:noAutofit/>
           </a:bodyPr>
           <a:lstStyle/>
           <a:p>
-            <a:pPr indent="0" lvl="0" marL="0" rtl="0" algn="l">
+            <a:pPr marL="0" lvl="0" indent="0" algn="l" rtl="0">
               <a:spcBef>
                 <a:spcPts val="0"/>
               </a:spcBef>
@@ -1792,9 +1868,6 @@
               </a:spcAft>
               <a:buNone/>
             </a:pPr>
-            <a:r>
-              <a:t/>
-            </a:r>
             <a:endParaRPr/>
           </a:p>
         </p:txBody>
@@ -1808,11 +1881,11 @@
 </file>
 
 <file path=ppt/notesSlides/notesSlide4.xml><?xml version="1.0" encoding="utf-8"?>
-<p:notes xmlns:a="http://schemas.openxmlformats.org/drawingml/2006/main" xmlns:r="http://schemas.openxmlformats.org/officeDocument/2006/relationships" xmlns:mc="http://schemas.openxmlformats.org/markup-compatibility/2006" xmlns:mv="urn:schemas-microsoft-com:mac:vml" xmlns:p="http://schemas.openxmlformats.org/presentationml/2006/main" xmlns:c="http://schemas.openxmlformats.org/drawingml/2006/chart" xmlns:dgm="http://schemas.openxmlformats.org/drawingml/2006/diagram" xmlns:o="urn:schemas-microsoft-com:office:office" xmlns:v="urn:schemas-microsoft-com:vml" xmlns:pvml="urn:schemas-microsoft-com:office:powerpoint" xmlns:com="http://schemas.openxmlformats.org/drawingml/2006/compatibility" xmlns:p14="http://schemas.microsoft.com/office/powerpoint/2010/main" xmlns:p15="http://schemas.microsoft.com/office/powerpoint/2012/main" xmlns:ahyp="http://schemas.microsoft.com/office/drawing/2018/hyperlinkcolor" showMasterPhAnim="0" showMasterSp="0">
+<p:notes xmlns:a="http://schemas.openxmlformats.org/drawingml/2006/main" xmlns:r="http://schemas.openxmlformats.org/officeDocument/2006/relationships" xmlns:p="http://schemas.openxmlformats.org/presentationml/2006/main" showMasterSp="0" showMasterPhAnim="0">
   <p:cSld>
     <p:spTree>
       <p:nvGrpSpPr>
-        <p:cNvPr id="149" name="Shape 149"/>
+        <p:cNvPr id="1" name="Shape 149"/>
         <p:cNvGrpSpPr/>
         <p:nvPr/>
       </p:nvGrpSpPr>
@@ -1827,20 +1900,26 @@
       <p:sp>
         <p:nvSpPr>
           <p:cNvPr id="150" name="Google Shape;150;g39c13a02943_0_130:notes"/>
-          <p:cNvSpPr/>
+          <p:cNvSpPr>
+            <a:spLocks noGrp="1" noRot="1" noChangeAspect="1"/>
+          </p:cNvSpPr>
           <p:nvPr>
-            <p:ph idx="2" type="sldImg"/>
+            <p:ph type="sldImg" idx="2"/>
           </p:nvPr>
         </p:nvSpPr>
         <p:spPr>
           <a:xfrm>
-            <a:off x="381300" y="685800"/>
+            <a:off x="381000" y="685800"/>
             <a:ext cx="6096000" cy="3429000"/>
           </a:xfrm>
           <a:custGeom>
-            <a:rect b="b" l="l" r="r" t="t"/>
+            <a:avLst/>
+            <a:gdLst/>
+            <a:ahLst/>
+            <a:cxnLst/>
+            <a:rect l="l" t="t" r="r" b="b"/>
             <a:pathLst>
-              <a:path extrusionOk="0" h="120000" w="120000">
+              <a:path w="120000" h="120000" extrusionOk="0">
                 <a:moveTo>
                   <a:pt x="0" y="0"/>
                 </a:moveTo>
@@ -1862,9 +1941,11 @@
       <p:sp>
         <p:nvSpPr>
           <p:cNvPr id="151" name="Google Shape;151;g39c13a02943_0_130:notes"/>
-          <p:cNvSpPr txBox="1"/>
+          <p:cNvSpPr txBox="1">
+            <a:spLocks noGrp="1"/>
+          </p:cNvSpPr>
           <p:nvPr>
-            <p:ph idx="1" type="body"/>
+            <p:ph type="body" idx="1"/>
           </p:nvPr>
         </p:nvSpPr>
         <p:spPr>
@@ -1877,12 +1958,12 @@
           </a:prstGeom>
         </p:spPr>
         <p:txBody>
-          <a:bodyPr anchorCtr="0" anchor="t" bIns="91425" lIns="91425" spcFirstLastPara="1" rIns="91425" wrap="square" tIns="91425">
+          <a:bodyPr spcFirstLastPara="1" wrap="square" lIns="91425" tIns="91425" rIns="91425" bIns="91425" anchor="t" anchorCtr="0">
             <a:noAutofit/>
           </a:bodyPr>
           <a:lstStyle/>
           <a:p>
-            <a:pPr indent="0" lvl="0" marL="0" rtl="0" algn="l">
+            <a:pPr marL="0" lvl="0" indent="0" algn="l" rtl="0">
               <a:spcBef>
                 <a:spcPts val="0"/>
               </a:spcBef>
@@ -1891,9 +1972,6 @@
               </a:spcAft>
               <a:buNone/>
             </a:pPr>
-            <a:r>
-              <a:t/>
-            </a:r>
             <a:endParaRPr/>
           </a:p>
         </p:txBody>
@@ -1907,11 +1985,11 @@
 </file>
 
 <file path=ppt/notesSlides/notesSlide5.xml><?xml version="1.0" encoding="utf-8"?>
-<p:notes xmlns:a="http://schemas.openxmlformats.org/drawingml/2006/main" xmlns:r="http://schemas.openxmlformats.org/officeDocument/2006/relationships" xmlns:mc="http://schemas.openxmlformats.org/markup-compatibility/2006" xmlns:mv="urn:schemas-microsoft-com:mac:vml" xmlns:p="http://schemas.openxmlformats.org/presentationml/2006/main" xmlns:c="http://schemas.openxmlformats.org/drawingml/2006/chart" xmlns:dgm="http://schemas.openxmlformats.org/drawingml/2006/diagram" xmlns:o="urn:schemas-microsoft-com:office:office" xmlns:v="urn:schemas-microsoft-com:vml" xmlns:pvml="urn:schemas-microsoft-com:office:powerpoint" xmlns:com="http://schemas.openxmlformats.org/drawingml/2006/compatibility" xmlns:p14="http://schemas.microsoft.com/office/powerpoint/2010/main" xmlns:p15="http://schemas.microsoft.com/office/powerpoint/2012/main" xmlns:ahyp="http://schemas.microsoft.com/office/drawing/2018/hyperlinkcolor" showMasterPhAnim="0" showMasterSp="0">
+<p:notes xmlns:a="http://schemas.openxmlformats.org/drawingml/2006/main" xmlns:r="http://schemas.openxmlformats.org/officeDocument/2006/relationships" xmlns:p="http://schemas.openxmlformats.org/presentationml/2006/main" showMasterSp="0" showMasterPhAnim="0">
   <p:cSld>
     <p:spTree>
       <p:nvGrpSpPr>
-        <p:cNvPr id="156" name="Shape 156"/>
+        <p:cNvPr id="1" name="Shape 156"/>
         <p:cNvGrpSpPr/>
         <p:nvPr/>
       </p:nvGrpSpPr>
@@ -1926,20 +2004,26 @@
       <p:sp>
         <p:nvSpPr>
           <p:cNvPr id="157" name="Google Shape;157;g39c13a02943_0_135:notes"/>
-          <p:cNvSpPr/>
+          <p:cNvSpPr>
+            <a:spLocks noGrp="1" noRot="1" noChangeAspect="1"/>
+          </p:cNvSpPr>
           <p:nvPr>
-            <p:ph idx="2" type="sldImg"/>
+            <p:ph type="sldImg" idx="2"/>
           </p:nvPr>
         </p:nvSpPr>
         <p:spPr>
           <a:xfrm>
-            <a:off x="381300" y="685800"/>
+            <a:off x="381000" y="685800"/>
             <a:ext cx="6096000" cy="3429000"/>
           </a:xfrm>
           <a:custGeom>
-            <a:rect b="b" l="l" r="r" t="t"/>
+            <a:avLst/>
+            <a:gdLst/>
+            <a:ahLst/>
+            <a:cxnLst/>
+            <a:rect l="l" t="t" r="r" b="b"/>
             <a:pathLst>
-              <a:path extrusionOk="0" h="120000" w="120000">
+              <a:path w="120000" h="120000" extrusionOk="0">
                 <a:moveTo>
                   <a:pt x="0" y="0"/>
                 </a:moveTo>
@@ -1961,9 +2045,11 @@
       <p:sp>
         <p:nvSpPr>
           <p:cNvPr id="158" name="Google Shape;158;g39c13a02943_0_135:notes"/>
-          <p:cNvSpPr txBox="1"/>
+          <p:cNvSpPr txBox="1">
+            <a:spLocks noGrp="1"/>
+          </p:cNvSpPr>
           <p:nvPr>
-            <p:ph idx="1" type="body"/>
+            <p:ph type="body" idx="1"/>
           </p:nvPr>
         </p:nvSpPr>
         <p:spPr>
@@ -1976,12 +2062,12 @@
           </a:prstGeom>
         </p:spPr>
         <p:txBody>
-          <a:bodyPr anchorCtr="0" anchor="t" bIns="91425" lIns="91425" spcFirstLastPara="1" rIns="91425" wrap="square" tIns="91425">
+          <a:bodyPr spcFirstLastPara="1" wrap="square" lIns="91425" tIns="91425" rIns="91425" bIns="91425" anchor="t" anchorCtr="0">
             <a:noAutofit/>
           </a:bodyPr>
           <a:lstStyle/>
           <a:p>
-            <a:pPr indent="0" lvl="0" marL="0" rtl="0" algn="l">
+            <a:pPr marL="0" lvl="0" indent="0" algn="l" rtl="0">
               <a:spcBef>
                 <a:spcPts val="0"/>
               </a:spcBef>
@@ -1990,9 +2076,6 @@
               </a:spcAft>
               <a:buNone/>
             </a:pPr>
-            <a:r>
-              <a:t/>
-            </a:r>
             <a:endParaRPr/>
           </a:p>
         </p:txBody>
@@ -2006,11 +2089,11 @@
 </file>
 
 <file path=ppt/notesSlides/notesSlide6.xml><?xml version="1.0" encoding="utf-8"?>
-<p:notes xmlns:a="http://schemas.openxmlformats.org/drawingml/2006/main" xmlns:r="http://schemas.openxmlformats.org/officeDocument/2006/relationships" xmlns:mc="http://schemas.openxmlformats.org/markup-compatibility/2006" xmlns:mv="urn:schemas-microsoft-com:mac:vml" xmlns:p="http://schemas.openxmlformats.org/presentationml/2006/main" xmlns:c="http://schemas.openxmlformats.org/drawingml/2006/chart" xmlns:dgm="http://schemas.openxmlformats.org/drawingml/2006/diagram" xmlns:o="urn:schemas-microsoft-com:office:office" xmlns:v="urn:schemas-microsoft-com:vml" xmlns:pvml="urn:schemas-microsoft-com:office:powerpoint" xmlns:com="http://schemas.openxmlformats.org/drawingml/2006/compatibility" xmlns:p14="http://schemas.microsoft.com/office/powerpoint/2010/main" xmlns:p15="http://schemas.microsoft.com/office/powerpoint/2012/main" xmlns:ahyp="http://schemas.microsoft.com/office/drawing/2018/hyperlinkcolor" showMasterPhAnim="0" showMasterSp="0">
+<p:notes xmlns:a="http://schemas.openxmlformats.org/drawingml/2006/main" xmlns:r="http://schemas.openxmlformats.org/officeDocument/2006/relationships" xmlns:p="http://schemas.openxmlformats.org/presentationml/2006/main" showMasterSp="0" showMasterPhAnim="0">
   <p:cSld>
     <p:spTree>
       <p:nvGrpSpPr>
-        <p:cNvPr id="163" name="Shape 163"/>
+        <p:cNvPr id="1" name="Shape 163"/>
         <p:cNvGrpSpPr/>
         <p:nvPr/>
       </p:nvGrpSpPr>
@@ -2025,20 +2108,26 @@
       <p:sp>
         <p:nvSpPr>
           <p:cNvPr id="164" name="Google Shape;164;g39c13a02943_0_163:notes"/>
-          <p:cNvSpPr/>
+          <p:cNvSpPr>
+            <a:spLocks noGrp="1" noRot="1" noChangeAspect="1"/>
+          </p:cNvSpPr>
           <p:nvPr>
-            <p:ph idx="2" type="sldImg"/>
+            <p:ph type="sldImg" idx="2"/>
           </p:nvPr>
         </p:nvSpPr>
         <p:spPr>
           <a:xfrm>
-            <a:off x="381300" y="685800"/>
+            <a:off x="381000" y="685800"/>
             <a:ext cx="6096000" cy="3429000"/>
           </a:xfrm>
           <a:custGeom>
-            <a:rect b="b" l="l" r="r" t="t"/>
+            <a:avLst/>
+            <a:gdLst/>
+            <a:ahLst/>
+            <a:cxnLst/>
+            <a:rect l="l" t="t" r="r" b="b"/>
             <a:pathLst>
-              <a:path extrusionOk="0" h="120000" w="120000">
+              <a:path w="120000" h="120000" extrusionOk="0">
                 <a:moveTo>
                   <a:pt x="0" y="0"/>
                 </a:moveTo>
@@ -2060,9 +2149,11 @@
       <p:sp>
         <p:nvSpPr>
           <p:cNvPr id="165" name="Google Shape;165;g39c13a02943_0_163:notes"/>
-          <p:cNvSpPr txBox="1"/>
+          <p:cNvSpPr txBox="1">
+            <a:spLocks noGrp="1"/>
+          </p:cNvSpPr>
           <p:nvPr>
-            <p:ph idx="1" type="body"/>
+            <p:ph type="body" idx="1"/>
           </p:nvPr>
         </p:nvSpPr>
         <p:spPr>
@@ -2075,12 +2166,12 @@
           </a:prstGeom>
         </p:spPr>
         <p:txBody>
-          <a:bodyPr anchorCtr="0" anchor="t" bIns="91425" lIns="91425" spcFirstLastPara="1" rIns="91425" wrap="square" tIns="91425">
+          <a:bodyPr spcFirstLastPara="1" wrap="square" lIns="91425" tIns="91425" rIns="91425" bIns="91425" anchor="t" anchorCtr="0">
             <a:noAutofit/>
           </a:bodyPr>
           <a:lstStyle/>
           <a:p>
-            <a:pPr indent="0" lvl="0" marL="0" rtl="0" algn="l">
+            <a:pPr marL="0" lvl="0" indent="0" algn="l" rtl="0">
               <a:spcBef>
                 <a:spcPts val="0"/>
               </a:spcBef>
@@ -2089,9 +2180,6 @@
               </a:spcAft>
               <a:buNone/>
             </a:pPr>
-            <a:r>
-              <a:t/>
-            </a:r>
             <a:endParaRPr/>
           </a:p>
         </p:txBody>
@@ -2105,11 +2193,11 @@
 </file>
 
 <file path=ppt/notesSlides/notesSlide7.xml><?xml version="1.0" encoding="utf-8"?>
-<p:notes xmlns:a="http://schemas.openxmlformats.org/drawingml/2006/main" xmlns:r="http://schemas.openxmlformats.org/officeDocument/2006/relationships" xmlns:mc="http://schemas.openxmlformats.org/markup-compatibility/2006" xmlns:mv="urn:schemas-microsoft-com:mac:vml" xmlns:p="http://schemas.openxmlformats.org/presentationml/2006/main" xmlns:c="http://schemas.openxmlformats.org/drawingml/2006/chart" xmlns:dgm="http://schemas.openxmlformats.org/drawingml/2006/diagram" xmlns:o="urn:schemas-microsoft-com:office:office" xmlns:v="urn:schemas-microsoft-com:vml" xmlns:pvml="urn:schemas-microsoft-com:office:powerpoint" xmlns:com="http://schemas.openxmlformats.org/drawingml/2006/compatibility" xmlns:p14="http://schemas.microsoft.com/office/powerpoint/2010/main" xmlns:p15="http://schemas.microsoft.com/office/powerpoint/2012/main" xmlns:ahyp="http://schemas.microsoft.com/office/drawing/2018/hyperlinkcolor" showMasterPhAnim="0" showMasterSp="0">
+<p:notes xmlns:a="http://schemas.openxmlformats.org/drawingml/2006/main" xmlns:r="http://schemas.openxmlformats.org/officeDocument/2006/relationships" xmlns:p="http://schemas.openxmlformats.org/presentationml/2006/main" showMasterSp="0" showMasterPhAnim="0">
   <p:cSld>
     <p:spTree>
       <p:nvGrpSpPr>
-        <p:cNvPr id="170" name="Shape 170"/>
+        <p:cNvPr id="1" name="Shape 170"/>
         <p:cNvGrpSpPr/>
         <p:nvPr/>
       </p:nvGrpSpPr>
@@ -2124,20 +2212,26 @@
       <p:sp>
         <p:nvSpPr>
           <p:cNvPr id="171" name="Google Shape;171;g3a299dda798_1_9:notes"/>
-          <p:cNvSpPr/>
+          <p:cNvSpPr>
+            <a:spLocks noGrp="1" noRot="1" noChangeAspect="1"/>
+          </p:cNvSpPr>
           <p:nvPr>
-            <p:ph idx="2" type="sldImg"/>
+            <p:ph type="sldImg" idx="2"/>
           </p:nvPr>
         </p:nvSpPr>
         <p:spPr>
           <a:xfrm>
-            <a:off x="381300" y="685800"/>
+            <a:off x="381000" y="685800"/>
             <a:ext cx="6096000" cy="3429000"/>
           </a:xfrm>
           <a:custGeom>
-            <a:rect b="b" l="l" r="r" t="t"/>
+            <a:avLst/>
+            <a:gdLst/>
+            <a:ahLst/>
+            <a:cxnLst/>
+            <a:rect l="l" t="t" r="r" b="b"/>
             <a:pathLst>
-              <a:path extrusionOk="0" h="120000" w="120000">
+              <a:path w="120000" h="120000" extrusionOk="0">
                 <a:moveTo>
                   <a:pt x="0" y="0"/>
                 </a:moveTo>
@@ -2159,9 +2253,11 @@
       <p:sp>
         <p:nvSpPr>
           <p:cNvPr id="172" name="Google Shape;172;g3a299dda798_1_9:notes"/>
-          <p:cNvSpPr txBox="1"/>
+          <p:cNvSpPr txBox="1">
+            <a:spLocks noGrp="1"/>
+          </p:cNvSpPr>
           <p:nvPr>
-            <p:ph idx="1" type="body"/>
+            <p:ph type="body" idx="1"/>
           </p:nvPr>
         </p:nvSpPr>
         <p:spPr>
@@ -2174,12 +2270,12 @@
           </a:prstGeom>
         </p:spPr>
         <p:txBody>
-          <a:bodyPr anchorCtr="0" anchor="t" bIns="91425" lIns="91425" spcFirstLastPara="1" rIns="91425" wrap="square" tIns="91425">
+          <a:bodyPr spcFirstLastPara="1" wrap="square" lIns="91425" tIns="91425" rIns="91425" bIns="91425" anchor="t" anchorCtr="0">
             <a:noAutofit/>
           </a:bodyPr>
           <a:lstStyle/>
           <a:p>
-            <a:pPr indent="0" lvl="0" marL="0" rtl="0" algn="l">
+            <a:pPr marL="0" lvl="0" indent="0" algn="l" rtl="0">
               <a:spcBef>
                 <a:spcPts val="0"/>
               </a:spcBef>
@@ -2188,9 +2284,6 @@
               </a:spcAft>
               <a:buNone/>
             </a:pPr>
-            <a:r>
-              <a:t/>
-            </a:r>
             <a:endParaRPr/>
           </a:p>
         </p:txBody>
@@ -2204,11 +2297,11 @@
 </file>
 
 <file path=ppt/notesSlides/notesSlide8.xml><?xml version="1.0" encoding="utf-8"?>
-<p:notes xmlns:a="http://schemas.openxmlformats.org/drawingml/2006/main" xmlns:r="http://schemas.openxmlformats.org/officeDocument/2006/relationships" xmlns:mc="http://schemas.openxmlformats.org/markup-compatibility/2006" xmlns:mv="urn:schemas-microsoft-com:mac:vml" xmlns:p="http://schemas.openxmlformats.org/presentationml/2006/main" xmlns:c="http://schemas.openxmlformats.org/drawingml/2006/chart" xmlns:dgm="http://schemas.openxmlformats.org/drawingml/2006/diagram" xmlns:o="urn:schemas-microsoft-com:office:office" xmlns:v="urn:schemas-microsoft-com:vml" xmlns:pvml="urn:schemas-microsoft-com:office:powerpoint" xmlns:com="http://schemas.openxmlformats.org/drawingml/2006/compatibility" xmlns:p14="http://schemas.microsoft.com/office/powerpoint/2010/main" xmlns:p15="http://schemas.microsoft.com/office/powerpoint/2012/main" xmlns:ahyp="http://schemas.microsoft.com/office/drawing/2018/hyperlinkcolor" showMasterPhAnim="0" showMasterSp="0">
+<p:notes xmlns:a="http://schemas.openxmlformats.org/drawingml/2006/main" xmlns:r="http://schemas.openxmlformats.org/officeDocument/2006/relationships" xmlns:p="http://schemas.openxmlformats.org/presentationml/2006/main" showMasterSp="0" showMasterPhAnim="0">
   <p:cSld>
     <p:spTree>
       <p:nvGrpSpPr>
-        <p:cNvPr id="177" name="Shape 177"/>
+        <p:cNvPr id="1" name="Shape 177"/>
         <p:cNvGrpSpPr/>
         <p:nvPr/>
       </p:nvGrpSpPr>
@@ -2223,20 +2316,26 @@
       <p:sp>
         <p:nvSpPr>
           <p:cNvPr id="178" name="Google Shape;178;g3a299dda798_1_15:notes"/>
-          <p:cNvSpPr/>
+          <p:cNvSpPr>
+            <a:spLocks noGrp="1" noRot="1" noChangeAspect="1"/>
+          </p:cNvSpPr>
           <p:nvPr>
-            <p:ph idx="2" type="sldImg"/>
+            <p:ph type="sldImg" idx="2"/>
           </p:nvPr>
         </p:nvSpPr>
         <p:spPr>
           <a:xfrm>
-            <a:off x="381300" y="685800"/>
+            <a:off x="381000" y="685800"/>
             <a:ext cx="6096000" cy="3429000"/>
           </a:xfrm>
           <a:custGeom>
-            <a:rect b="b" l="l" r="r" t="t"/>
+            <a:avLst/>
+            <a:gdLst/>
+            <a:ahLst/>
+            <a:cxnLst/>
+            <a:rect l="l" t="t" r="r" b="b"/>
             <a:pathLst>
-              <a:path extrusionOk="0" h="120000" w="120000">
+              <a:path w="120000" h="120000" extrusionOk="0">
                 <a:moveTo>
                   <a:pt x="0" y="0"/>
                 </a:moveTo>
@@ -2258,9 +2357,11 @@
       <p:sp>
         <p:nvSpPr>
           <p:cNvPr id="179" name="Google Shape;179;g3a299dda798_1_15:notes"/>
-          <p:cNvSpPr txBox="1"/>
+          <p:cNvSpPr txBox="1">
+            <a:spLocks noGrp="1"/>
+          </p:cNvSpPr>
           <p:nvPr>
-            <p:ph idx="1" type="body"/>
+            <p:ph type="body" idx="1"/>
           </p:nvPr>
         </p:nvSpPr>
         <p:spPr>
@@ -2273,12 +2374,12 @@
           </a:prstGeom>
         </p:spPr>
         <p:txBody>
-          <a:bodyPr anchorCtr="0" anchor="t" bIns="91425" lIns="91425" spcFirstLastPara="1" rIns="91425" wrap="square" tIns="91425">
+          <a:bodyPr spcFirstLastPara="1" wrap="square" lIns="91425" tIns="91425" rIns="91425" bIns="91425" anchor="t" anchorCtr="0">
             <a:noAutofit/>
           </a:bodyPr>
           <a:lstStyle/>
           <a:p>
-            <a:pPr indent="0" lvl="0" marL="0" rtl="0" algn="l">
+            <a:pPr marL="0" lvl="0" indent="0" algn="l" rtl="0">
               <a:spcBef>
                 <a:spcPts val="0"/>
               </a:spcBef>
@@ -2287,9 +2388,6 @@
               </a:spcAft>
               <a:buNone/>
             </a:pPr>
-            <a:r>
-              <a:t/>
-            </a:r>
             <a:endParaRPr/>
           </a:p>
         </p:txBody>
@@ -2303,11 +2401,11 @@
 </file>
 
 <file path=ppt/notesSlides/notesSlide9.xml><?xml version="1.0" encoding="utf-8"?>
-<p:notes xmlns:a="http://schemas.openxmlformats.org/drawingml/2006/main" xmlns:r="http://schemas.openxmlformats.org/officeDocument/2006/relationships" xmlns:mc="http://schemas.openxmlformats.org/markup-compatibility/2006" xmlns:mv="urn:schemas-microsoft-com:mac:vml" xmlns:p="http://schemas.openxmlformats.org/presentationml/2006/main" xmlns:c="http://schemas.openxmlformats.org/drawingml/2006/chart" xmlns:dgm="http://schemas.openxmlformats.org/drawingml/2006/diagram" xmlns:o="urn:schemas-microsoft-com:office:office" xmlns:v="urn:schemas-microsoft-com:vml" xmlns:pvml="urn:schemas-microsoft-com:office:powerpoint" xmlns:com="http://schemas.openxmlformats.org/drawingml/2006/compatibility" xmlns:p14="http://schemas.microsoft.com/office/powerpoint/2010/main" xmlns:p15="http://schemas.microsoft.com/office/powerpoint/2012/main" xmlns:ahyp="http://schemas.microsoft.com/office/drawing/2018/hyperlinkcolor" showMasterPhAnim="0" showMasterSp="0">
+<p:notes xmlns:a="http://schemas.openxmlformats.org/drawingml/2006/main" xmlns:r="http://schemas.openxmlformats.org/officeDocument/2006/relationships" xmlns:p="http://schemas.openxmlformats.org/presentationml/2006/main" showMasterSp="0" showMasterPhAnim="0">
   <p:cSld>
     <p:spTree>
       <p:nvGrpSpPr>
-        <p:cNvPr id="184" name="Shape 184"/>
+        <p:cNvPr id="1" name="Shape 184"/>
         <p:cNvGrpSpPr/>
         <p:nvPr/>
       </p:nvGrpSpPr>
@@ -2322,20 +2420,26 @@
       <p:sp>
         <p:nvSpPr>
           <p:cNvPr id="185" name="Google Shape;185;g39c13a02943_0_148:notes"/>
-          <p:cNvSpPr/>
+          <p:cNvSpPr>
+            <a:spLocks noGrp="1" noRot="1" noChangeAspect="1"/>
+          </p:cNvSpPr>
           <p:nvPr>
-            <p:ph idx="2" type="sldImg"/>
+            <p:ph type="sldImg" idx="2"/>
           </p:nvPr>
         </p:nvSpPr>
         <p:spPr>
           <a:xfrm>
-            <a:off x="381300" y="685800"/>
+            <a:off x="381000" y="685800"/>
             <a:ext cx="6096000" cy="3429000"/>
           </a:xfrm>
           <a:custGeom>
-            <a:rect b="b" l="l" r="r" t="t"/>
+            <a:avLst/>
+            <a:gdLst/>
+            <a:ahLst/>
+            <a:cxnLst/>
+            <a:rect l="l" t="t" r="r" b="b"/>
             <a:pathLst>
-              <a:path extrusionOk="0" h="120000" w="120000">
+              <a:path w="120000" h="120000" extrusionOk="0">
                 <a:moveTo>
                   <a:pt x="0" y="0"/>
                 </a:moveTo>
@@ -2357,9 +2461,11 @@
       <p:sp>
         <p:nvSpPr>
           <p:cNvPr id="186" name="Google Shape;186;g39c13a02943_0_148:notes"/>
-          <p:cNvSpPr txBox="1"/>
+          <p:cNvSpPr txBox="1">
+            <a:spLocks noGrp="1"/>
+          </p:cNvSpPr>
           <p:nvPr>
-            <p:ph idx="1" type="body"/>
+            <p:ph type="body" idx="1"/>
           </p:nvPr>
         </p:nvSpPr>
         <p:spPr>
@@ -2372,12 +2478,12 @@
           </a:prstGeom>
         </p:spPr>
         <p:txBody>
-          <a:bodyPr anchorCtr="0" anchor="t" bIns="91425" lIns="91425" spcFirstLastPara="1" rIns="91425" wrap="square" tIns="91425">
+          <a:bodyPr spcFirstLastPara="1" wrap="square" lIns="91425" tIns="91425" rIns="91425" bIns="91425" anchor="t" anchorCtr="0">
             <a:noAutofit/>
           </a:bodyPr>
           <a:lstStyle/>
           <a:p>
-            <a:pPr indent="0" lvl="0" marL="0" rtl="0" algn="l">
+            <a:pPr marL="0" lvl="0" indent="0" algn="l" rtl="0">
               <a:spcBef>
                 <a:spcPts val="0"/>
               </a:spcBef>
@@ -2386,9 +2492,6 @@
               </a:spcAft>
               <a:buNone/>
             </a:pPr>
-            <a:r>
-              <a:t/>
-            </a:r>
             <a:endParaRPr/>
           </a:p>
         </p:txBody>
@@ -2402,11 +2505,11 @@
 </file>
 
 <file path=ppt/slideLayouts/slideLayout1.xml><?xml version="1.0" encoding="utf-8"?>
-<p:sldLayout xmlns:a="http://schemas.openxmlformats.org/drawingml/2006/main" xmlns:r="http://schemas.openxmlformats.org/officeDocument/2006/relationships" xmlns:mc="http://schemas.openxmlformats.org/markup-compatibility/2006" xmlns:mv="urn:schemas-microsoft-com:mac:vml" xmlns:p="http://schemas.openxmlformats.org/presentationml/2006/main" xmlns:c="http://schemas.openxmlformats.org/drawingml/2006/chart" xmlns:dgm="http://schemas.openxmlformats.org/drawingml/2006/diagram" xmlns:o="urn:schemas-microsoft-com:office:office" xmlns:v="urn:schemas-microsoft-com:vml" xmlns:pvml="urn:schemas-microsoft-com:office:powerpoint" xmlns:com="http://schemas.openxmlformats.org/drawingml/2006/compatibility" xmlns:p14="http://schemas.microsoft.com/office/powerpoint/2010/main" xmlns:p15="http://schemas.microsoft.com/office/powerpoint/2012/main" xmlns:ahyp="http://schemas.microsoft.com/office/drawing/2018/hyperlinkcolor" matchingName="Title slide" type="title">
+<p:sldLayout xmlns:a="http://schemas.openxmlformats.org/drawingml/2006/main" xmlns:r="http://schemas.openxmlformats.org/officeDocument/2006/relationships" xmlns:p="http://schemas.openxmlformats.org/presentationml/2006/main" matchingName="Title slide" type="title">
   <p:cSld name="TITLE">
     <p:spTree>
       <p:nvGrpSpPr>
-        <p:cNvPr id="9" name="Shape 9"/>
+        <p:cNvPr id="1" name="Shape 9"/>
         <p:cNvGrpSpPr/>
         <p:nvPr/>
       </p:nvGrpSpPr>
@@ -2431,7 +2534,7 @@
           </a:xfrm>
           <a:prstGeom prst="diagStripe">
             <a:avLst>
-              <a:gd fmla="val 0" name="adj"/>
+              <a:gd name="adj" fmla="val 0"/>
             </a:avLst>
           </a:prstGeom>
           <a:solidFill>
@@ -2444,12 +2547,12 @@
           </a:ln>
         </p:spPr>
         <p:txBody>
-          <a:bodyPr anchorCtr="0" anchor="ctr" bIns="91425" lIns="91425" spcFirstLastPara="1" rIns="91425" wrap="square" tIns="91425">
+          <a:bodyPr spcFirstLastPara="1" wrap="square" lIns="91425" tIns="91425" rIns="91425" bIns="91425" anchor="ctr" anchorCtr="0">
             <a:noAutofit/>
           </a:bodyPr>
           <a:lstStyle/>
           <a:p>
-            <a:pPr indent="0" lvl="0" marL="0" rtl="0" algn="l">
+            <a:pPr marL="0" lvl="0" indent="0" algn="l" rtl="0">
               <a:spcBef>
                 <a:spcPts val="0"/>
               </a:spcBef>
@@ -2458,9 +2561,6 @@
               </a:spcAft>
               <a:buNone/>
             </a:pPr>
-            <a:r>
-              <a:t/>
-            </a:r>
             <a:endParaRPr/>
           </a:p>
         </p:txBody>
@@ -2492,7 +2592,7 @@
             </a:xfrm>
             <a:prstGeom prst="diagStripe">
               <a:avLst>
-                <a:gd fmla="val 50000" name="adj"/>
+                <a:gd name="adj" fmla="val 50000"/>
               </a:avLst>
             </a:prstGeom>
             <a:solidFill>
@@ -2505,12 +2605,12 @@
             </a:ln>
           </p:spPr>
           <p:txBody>
-            <a:bodyPr anchorCtr="0" anchor="ctr" bIns="91425" lIns="91425" spcFirstLastPara="1" rIns="91425" wrap="square" tIns="91425">
+            <a:bodyPr spcFirstLastPara="1" wrap="square" lIns="91425" tIns="91425" rIns="91425" bIns="91425" anchor="ctr" anchorCtr="0">
               <a:noAutofit/>
             </a:bodyPr>
             <a:lstStyle/>
             <a:p>
-              <a:pPr indent="0" lvl="0" marL="0" rtl="0" algn="l">
+              <a:pPr marL="0" lvl="0" indent="0" algn="l" rtl="0">
                 <a:spcBef>
                   <a:spcPts val="0"/>
                 </a:spcBef>
@@ -2519,9 +2619,6 @@
                 </a:spcAft>
                 <a:buNone/>
               </a:pPr>
-              <a:r>
-                <a:t/>
-              </a:r>
               <a:endParaRPr/>
             </a:p>
           </p:txBody>
@@ -2539,7 +2636,7 @@
             </a:xfrm>
             <a:prstGeom prst="diagStripe">
               <a:avLst>
-                <a:gd fmla="val 58774" name="adj"/>
+                <a:gd name="adj" fmla="val 58774"/>
               </a:avLst>
             </a:prstGeom>
             <a:solidFill>
@@ -2552,12 +2649,12 @@
             </a:ln>
           </p:spPr>
           <p:txBody>
-            <a:bodyPr anchorCtr="0" anchor="ctr" bIns="91425" lIns="91425" spcFirstLastPara="1" rIns="91425" wrap="square" tIns="91425">
+            <a:bodyPr spcFirstLastPara="1" wrap="square" lIns="91425" tIns="91425" rIns="91425" bIns="91425" anchor="ctr" anchorCtr="0">
               <a:noAutofit/>
             </a:bodyPr>
             <a:lstStyle/>
             <a:p>
-              <a:pPr indent="0" lvl="0" marL="0" rtl="0" algn="l">
+              <a:pPr marL="0" lvl="0" indent="0" algn="l" rtl="0">
                 <a:spcBef>
                   <a:spcPts val="0"/>
                 </a:spcBef>
@@ -2566,9 +2663,6 @@
                 </a:spcAft>
                 <a:buNone/>
               </a:pPr>
-              <a:r>
-                <a:t/>
-              </a:r>
               <a:endParaRPr/>
             </a:p>
           </p:txBody>
@@ -2586,7 +2680,7 @@
             </a:xfrm>
             <a:prstGeom prst="diagStripe">
               <a:avLst>
-                <a:gd fmla="val 50000" name="adj"/>
+                <a:gd name="adj" fmla="val 50000"/>
               </a:avLst>
             </a:prstGeom>
             <a:solidFill>
@@ -2597,12 +2691,12 @@
             </a:ln>
           </p:spPr>
           <p:txBody>
-            <a:bodyPr anchorCtr="0" anchor="ctr" bIns="91425" lIns="91425" spcFirstLastPara="1" rIns="91425" wrap="square" tIns="91425">
+            <a:bodyPr spcFirstLastPara="1" wrap="square" lIns="91425" tIns="91425" rIns="91425" bIns="91425" anchor="ctr" anchorCtr="0">
               <a:noAutofit/>
             </a:bodyPr>
             <a:lstStyle/>
             <a:p>
-              <a:pPr indent="0" lvl="0" marL="0" rtl="0" algn="l">
+              <a:pPr marL="0" lvl="0" indent="0" algn="l" rtl="0">
                 <a:spcBef>
                   <a:spcPts val="0"/>
                 </a:spcBef>
@@ -2611,9 +2705,6 @@
                 </a:spcAft>
                 <a:buNone/>
               </a:pPr>
-              <a:r>
-                <a:t/>
-              </a:r>
               <a:endParaRPr/>
             </a:p>
           </p:txBody>
@@ -2631,7 +2722,7 @@
             </a:xfrm>
             <a:prstGeom prst="diagStripe">
               <a:avLst>
-                <a:gd fmla="val 50000" name="adj"/>
+                <a:gd name="adj" fmla="val 50000"/>
               </a:avLst>
             </a:prstGeom>
             <a:solidFill>
@@ -2642,12 +2733,12 @@
             </a:ln>
           </p:spPr>
           <p:txBody>
-            <a:bodyPr anchorCtr="0" anchor="ctr" bIns="91425" lIns="91425" spcFirstLastPara="1" rIns="91425" wrap="square" tIns="91425">
+            <a:bodyPr spcFirstLastPara="1" wrap="square" lIns="91425" tIns="91425" rIns="91425" bIns="91425" anchor="ctr" anchorCtr="0">
               <a:noAutofit/>
             </a:bodyPr>
             <a:lstStyle/>
             <a:p>
-              <a:pPr indent="0" lvl="0" marL="0" rtl="0" algn="l">
+              <a:pPr marL="0" lvl="0" indent="0" algn="l" rtl="0">
                 <a:spcBef>
                   <a:spcPts val="0"/>
                 </a:spcBef>
@@ -2656,9 +2747,6 @@
                 </a:spcAft>
                 <a:buNone/>
               </a:pPr>
-              <a:r>
-                <a:t/>
-              </a:r>
               <a:endParaRPr/>
             </a:p>
           </p:txBody>
@@ -2667,7 +2755,9 @@
       <p:sp>
         <p:nvSpPr>
           <p:cNvPr id="16" name="Google Shape;16;p2"/>
-          <p:cNvSpPr txBox="1"/>
+          <p:cNvSpPr txBox="1">
+            <a:spLocks noGrp="1"/>
+          </p:cNvSpPr>
           <p:nvPr>
             <p:ph type="ctrTitle"/>
           </p:nvPr>
@@ -2682,7 +2772,7 @@
           </a:prstGeom>
         </p:spPr>
         <p:txBody>
-          <a:bodyPr anchorCtr="0" anchor="t" bIns="91425" lIns="91425" spcFirstLastPara="1" rIns="91425" wrap="square" tIns="91425">
+          <a:bodyPr spcFirstLastPara="1" wrap="square" lIns="91425" tIns="91425" rIns="91425" bIns="91425" anchor="t" anchorCtr="0">
             <a:normAutofit/>
           </a:bodyPr>
           <a:lstStyle>
@@ -2786,15 +2876,19 @@
               <a:defRPr sz="4000"/>
             </a:lvl9pPr>
           </a:lstStyle>
-          <a:p/>
+          <a:p>
+            <a:endParaRPr/>
+          </a:p>
         </p:txBody>
       </p:sp>
       <p:sp>
         <p:nvSpPr>
           <p:cNvPr id="17" name="Google Shape;17;p2"/>
-          <p:cNvSpPr txBox="1"/>
+          <p:cNvSpPr txBox="1">
+            <a:spLocks noGrp="1"/>
+          </p:cNvSpPr>
           <p:nvPr>
-            <p:ph idx="1" type="subTitle"/>
+            <p:ph type="subTitle" idx="1"/>
           </p:nvPr>
         </p:nvSpPr>
         <p:spPr>
@@ -2807,7 +2901,7 @@
           </a:prstGeom>
         </p:spPr>
         <p:txBody>
-          <a:bodyPr anchorCtr="0" anchor="t" bIns="91425" lIns="91425" spcFirstLastPara="1" rIns="91425" wrap="square" tIns="91425">
+          <a:bodyPr spcFirstLastPara="1" wrap="square" lIns="91425" tIns="91425" rIns="91425" bIns="91425" anchor="t" anchorCtr="0">
             <a:normAutofit/>
           </a:bodyPr>
           <a:lstStyle>
@@ -2938,15 +3032,19 @@
               <a:defRPr sz="1300"/>
             </a:lvl9pPr>
           </a:lstStyle>
-          <a:p/>
+          <a:p>
+            <a:endParaRPr/>
+          </a:p>
         </p:txBody>
       </p:sp>
       <p:sp>
         <p:nvSpPr>
           <p:cNvPr id="18" name="Google Shape;18;p2"/>
-          <p:cNvSpPr txBox="1"/>
+          <p:cNvSpPr txBox="1">
+            <a:spLocks noGrp="1"/>
+          </p:cNvSpPr>
           <p:nvPr>
-            <p:ph idx="12" type="sldNum"/>
+            <p:ph type="sldNum" idx="12"/>
           </p:nvPr>
         </p:nvSpPr>
         <p:spPr>
@@ -2959,7 +3057,7 @@
           </a:prstGeom>
         </p:spPr>
         <p:txBody>
-          <a:bodyPr anchorCtr="0" anchor="ctr" bIns="91425" lIns="91425" spcFirstLastPara="1" rIns="91425" wrap="square" tIns="91425">
+          <a:bodyPr spcFirstLastPara="1" wrap="square" lIns="91425" tIns="91425" rIns="91425" bIns="91425" anchor="ctr" anchorCtr="0">
             <a:normAutofit/>
           </a:bodyPr>
           <a:lstStyle>
@@ -3001,7 +3099,7 @@
             </a:lvl9pPr>
           </a:lstStyle>
           <a:p>
-            <a:pPr indent="0" lvl="0" marL="0" rtl="0" algn="r">
+            <a:pPr marL="0" lvl="0" indent="0" algn="r" rtl="0">
               <a:spcBef>
                 <a:spcPts val="0"/>
               </a:spcBef>
@@ -3027,11 +3125,11 @@
 </file>
 
 <file path=ppt/slideLayouts/slideLayout10.xml><?xml version="1.0" encoding="utf-8"?>
-<p:sldLayout xmlns:a="http://schemas.openxmlformats.org/drawingml/2006/main" xmlns:r="http://schemas.openxmlformats.org/officeDocument/2006/relationships" xmlns:mc="http://schemas.openxmlformats.org/markup-compatibility/2006" xmlns:mv="urn:schemas-microsoft-com:mac:vml" xmlns:p="http://schemas.openxmlformats.org/presentationml/2006/main" xmlns:c="http://schemas.openxmlformats.org/drawingml/2006/chart" xmlns:dgm="http://schemas.openxmlformats.org/drawingml/2006/diagram" xmlns:o="urn:schemas-microsoft-com:office:office" xmlns:v="urn:schemas-microsoft-com:vml" xmlns:pvml="urn:schemas-microsoft-com:office:powerpoint" xmlns:com="http://schemas.openxmlformats.org/drawingml/2006/compatibility" xmlns:p14="http://schemas.microsoft.com/office/powerpoint/2010/main" xmlns:p15="http://schemas.microsoft.com/office/powerpoint/2012/main" xmlns:ahyp="http://schemas.microsoft.com/office/drawing/2018/hyperlinkcolor" matchingName="Big number">
+<p:sldLayout xmlns:a="http://schemas.openxmlformats.org/drawingml/2006/main" xmlns:r="http://schemas.openxmlformats.org/officeDocument/2006/relationships" xmlns:p="http://schemas.openxmlformats.org/presentationml/2006/main" matchingName="Big number">
   <p:cSld name="BIG_NUMBER">
     <p:spTree>
       <p:nvGrpSpPr>
-        <p:cNvPr id="105" name="Shape 105"/>
+        <p:cNvPr id="1" name="Shape 105"/>
         <p:cNvGrpSpPr/>
         <p:nvPr/>
       </p:nvGrpSpPr>
@@ -3070,7 +3168,7 @@
             </a:xfrm>
             <a:prstGeom prst="diagStripe">
               <a:avLst>
-                <a:gd fmla="val 49469" name="adj"/>
+                <a:gd name="adj" fmla="val 49469"/>
               </a:avLst>
             </a:prstGeom>
             <a:solidFill>
@@ -3083,12 +3181,12 @@
             </a:ln>
           </p:spPr>
           <p:txBody>
-            <a:bodyPr anchorCtr="0" anchor="ctr" bIns="91425" lIns="91425" spcFirstLastPara="1" rIns="91425" wrap="square" tIns="91425">
+            <a:bodyPr spcFirstLastPara="1" wrap="square" lIns="91425" tIns="91425" rIns="91425" bIns="91425" anchor="ctr" anchorCtr="0">
               <a:noAutofit/>
             </a:bodyPr>
             <a:lstStyle/>
             <a:p>
-              <a:pPr indent="0" lvl="0" marL="0" rtl="0" algn="l">
+              <a:pPr marL="0" lvl="0" indent="0" algn="l" rtl="0">
                 <a:spcBef>
                   <a:spcPts val="0"/>
                 </a:spcBef>
@@ -3097,9 +3195,6 @@
                 </a:spcAft>
                 <a:buNone/>
               </a:pPr>
-              <a:r>
-                <a:t/>
-              </a:r>
               <a:endParaRPr/>
             </a:p>
           </p:txBody>
@@ -3117,7 +3212,7 @@
             </a:xfrm>
             <a:prstGeom prst="diagStripe">
               <a:avLst>
-                <a:gd fmla="val 0" name="adj"/>
+                <a:gd name="adj" fmla="val 0"/>
               </a:avLst>
             </a:prstGeom>
             <a:solidFill>
@@ -3130,12 +3225,12 @@
             </a:ln>
           </p:spPr>
           <p:txBody>
-            <a:bodyPr anchorCtr="0" anchor="ctr" bIns="91425" lIns="91425" spcFirstLastPara="1" rIns="91425" wrap="square" tIns="91425">
+            <a:bodyPr spcFirstLastPara="1" wrap="square" lIns="91425" tIns="91425" rIns="91425" bIns="91425" anchor="ctr" anchorCtr="0">
               <a:noAutofit/>
             </a:bodyPr>
             <a:lstStyle/>
             <a:p>
-              <a:pPr indent="0" lvl="0" marL="0" rtl="0" algn="l">
+              <a:pPr marL="0" lvl="0" indent="0" algn="l" rtl="0">
                 <a:spcBef>
                   <a:spcPts val="0"/>
                 </a:spcBef>
@@ -3144,9 +3239,6 @@
                 </a:spcAft>
                 <a:buNone/>
               </a:pPr>
-              <a:r>
-                <a:t/>
-              </a:r>
               <a:endParaRPr/>
             </a:p>
           </p:txBody>
@@ -3164,7 +3256,7 @@
             </a:xfrm>
             <a:prstGeom prst="diagStripe">
               <a:avLst>
-                <a:gd fmla="val 50000" name="adj"/>
+                <a:gd name="adj" fmla="val 50000"/>
               </a:avLst>
             </a:prstGeom>
             <a:solidFill>
@@ -3177,12 +3269,12 @@
             </a:ln>
           </p:spPr>
           <p:txBody>
-            <a:bodyPr anchorCtr="0" anchor="ctr" bIns="91425" lIns="91425" spcFirstLastPara="1" rIns="91425" wrap="square" tIns="91425">
+            <a:bodyPr spcFirstLastPara="1" wrap="square" lIns="91425" tIns="91425" rIns="91425" bIns="91425" anchor="ctr" anchorCtr="0">
               <a:noAutofit/>
             </a:bodyPr>
             <a:lstStyle/>
             <a:p>
-              <a:pPr indent="0" lvl="0" marL="0" rtl="0" algn="l">
+              <a:pPr marL="0" lvl="0" indent="0" algn="l" rtl="0">
                 <a:spcBef>
                   <a:spcPts val="0"/>
                 </a:spcBef>
@@ -3191,9 +3283,6 @@
                 </a:spcAft>
                 <a:buNone/>
               </a:pPr>
-              <a:r>
-                <a:t/>
-              </a:r>
               <a:endParaRPr/>
             </a:p>
           </p:txBody>
@@ -3211,7 +3300,7 @@
             </a:xfrm>
             <a:prstGeom prst="diagStripe">
               <a:avLst>
-                <a:gd fmla="val 50000" name="adj"/>
+                <a:gd name="adj" fmla="val 50000"/>
               </a:avLst>
             </a:prstGeom>
             <a:solidFill>
@@ -3224,12 +3313,12 @@
             </a:ln>
           </p:spPr>
           <p:txBody>
-            <a:bodyPr anchorCtr="0" anchor="ctr" bIns="91425" lIns="91425" spcFirstLastPara="1" rIns="91425" wrap="square" tIns="91425">
+            <a:bodyPr spcFirstLastPara="1" wrap="square" lIns="91425" tIns="91425" rIns="91425" bIns="91425" anchor="ctr" anchorCtr="0">
               <a:noAutofit/>
             </a:bodyPr>
             <a:lstStyle/>
             <a:p>
-              <a:pPr indent="0" lvl="0" marL="0" rtl="0" algn="l">
+              <a:pPr marL="0" lvl="0" indent="0" algn="l" rtl="0">
                 <a:spcBef>
                   <a:spcPts val="0"/>
                 </a:spcBef>
@@ -3238,9 +3327,6 @@
                 </a:spcAft>
                 <a:buNone/>
               </a:pPr>
-              <a:r>
-                <a:t/>
-              </a:r>
               <a:endParaRPr/>
             </a:p>
           </p:txBody>
@@ -3258,7 +3344,7 @@
             </a:xfrm>
             <a:prstGeom prst="diagStripe">
               <a:avLst>
-                <a:gd fmla="val 50000" name="adj"/>
+                <a:gd name="adj" fmla="val 50000"/>
               </a:avLst>
             </a:prstGeom>
             <a:solidFill>
@@ -3271,12 +3357,12 @@
             </a:ln>
           </p:spPr>
           <p:txBody>
-            <a:bodyPr anchorCtr="0" anchor="ctr" bIns="91425" lIns="91425" spcFirstLastPara="1" rIns="91425" wrap="square" tIns="91425">
+            <a:bodyPr spcFirstLastPara="1" wrap="square" lIns="91425" tIns="91425" rIns="91425" bIns="91425" anchor="ctr" anchorCtr="0">
               <a:noAutofit/>
             </a:bodyPr>
             <a:lstStyle/>
             <a:p>
-              <a:pPr indent="0" lvl="0" marL="0" rtl="0" algn="l">
+              <a:pPr marL="0" lvl="0" indent="0" algn="l" rtl="0">
                 <a:spcBef>
                   <a:spcPts val="0"/>
                 </a:spcBef>
@@ -3285,9 +3371,6 @@
                 </a:spcAft>
                 <a:buNone/>
               </a:pPr>
-              <a:r>
-                <a:t/>
-              </a:r>
               <a:endParaRPr/>
             </a:p>
           </p:txBody>
@@ -3305,7 +3388,7 @@
             </a:xfrm>
             <a:prstGeom prst="diagStripe">
               <a:avLst>
-                <a:gd fmla="val 50000" name="adj"/>
+                <a:gd name="adj" fmla="val 50000"/>
               </a:avLst>
             </a:prstGeom>
             <a:solidFill>
@@ -3318,12 +3401,12 @@
             </a:ln>
           </p:spPr>
           <p:txBody>
-            <a:bodyPr anchorCtr="0" anchor="ctr" bIns="91425" lIns="91425" spcFirstLastPara="1" rIns="91425" wrap="square" tIns="91425">
+            <a:bodyPr spcFirstLastPara="1" wrap="square" lIns="91425" tIns="91425" rIns="91425" bIns="91425" anchor="ctr" anchorCtr="0">
               <a:noAutofit/>
             </a:bodyPr>
             <a:lstStyle/>
             <a:p>
-              <a:pPr indent="0" lvl="0" marL="0" rtl="0" algn="l">
+              <a:pPr marL="0" lvl="0" indent="0" algn="l" rtl="0">
                 <a:spcBef>
                   <a:spcPts val="0"/>
                 </a:spcBef>
@@ -3332,9 +3415,6 @@
                 </a:spcAft>
                 <a:buNone/>
               </a:pPr>
-              <a:r>
-                <a:t/>
-              </a:r>
               <a:endParaRPr/>
             </a:p>
           </p:txBody>
@@ -3352,7 +3432,7 @@
             </a:xfrm>
             <a:prstGeom prst="diagStripe">
               <a:avLst>
-                <a:gd fmla="val 50000" name="adj"/>
+                <a:gd name="adj" fmla="val 50000"/>
               </a:avLst>
             </a:prstGeom>
             <a:solidFill>
@@ -3365,12 +3445,12 @@
             </a:ln>
           </p:spPr>
           <p:txBody>
-            <a:bodyPr anchorCtr="0" anchor="ctr" bIns="91425" lIns="91425" spcFirstLastPara="1" rIns="91425" wrap="square" tIns="91425">
+            <a:bodyPr spcFirstLastPara="1" wrap="square" lIns="91425" tIns="91425" rIns="91425" bIns="91425" anchor="ctr" anchorCtr="0">
               <a:noAutofit/>
             </a:bodyPr>
             <a:lstStyle/>
             <a:p>
-              <a:pPr indent="0" lvl="0" marL="0" rtl="0" algn="l">
+              <a:pPr marL="0" lvl="0" indent="0" algn="l" rtl="0">
                 <a:spcBef>
                   <a:spcPts val="0"/>
                 </a:spcBef>
@@ -3379,9 +3459,6 @@
                 </a:spcAft>
                 <a:buNone/>
               </a:pPr>
-              <a:r>
-                <a:t/>
-              </a:r>
               <a:endParaRPr/>
             </a:p>
           </p:txBody>
@@ -3399,7 +3476,7 @@
             </a:xfrm>
             <a:prstGeom prst="diagStripe">
               <a:avLst>
-                <a:gd fmla="val 50000" name="adj"/>
+                <a:gd name="adj" fmla="val 50000"/>
               </a:avLst>
             </a:prstGeom>
             <a:solidFill>
@@ -3410,12 +3487,12 @@
             </a:ln>
           </p:spPr>
           <p:txBody>
-            <a:bodyPr anchorCtr="0" anchor="ctr" bIns="91425" lIns="91425" spcFirstLastPara="1" rIns="91425" wrap="square" tIns="91425">
+            <a:bodyPr spcFirstLastPara="1" wrap="square" lIns="91425" tIns="91425" rIns="91425" bIns="91425" anchor="ctr" anchorCtr="0">
               <a:noAutofit/>
             </a:bodyPr>
             <a:lstStyle/>
             <a:p>
-              <a:pPr indent="0" lvl="0" marL="0" rtl="0" algn="l">
+              <a:pPr marL="0" lvl="0" indent="0" algn="l" rtl="0">
                 <a:spcBef>
                   <a:spcPts val="0"/>
                 </a:spcBef>
@@ -3424,9 +3501,6 @@
                 </a:spcAft>
                 <a:buNone/>
               </a:pPr>
-              <a:r>
-                <a:t/>
-              </a:r>
               <a:endParaRPr/>
             </a:p>
           </p:txBody>
@@ -3444,7 +3518,7 @@
             </a:xfrm>
             <a:prstGeom prst="diagStripe">
               <a:avLst>
-                <a:gd fmla="val 50000" name="adj"/>
+                <a:gd name="adj" fmla="val 50000"/>
               </a:avLst>
             </a:prstGeom>
             <a:solidFill>
@@ -3457,12 +3531,12 @@
             </a:ln>
           </p:spPr>
           <p:txBody>
-            <a:bodyPr anchorCtr="0" anchor="ctr" bIns="91425" lIns="91425" spcFirstLastPara="1" rIns="91425" wrap="square" tIns="91425">
+            <a:bodyPr spcFirstLastPara="1" wrap="square" lIns="91425" tIns="91425" rIns="91425" bIns="91425" anchor="ctr" anchorCtr="0">
               <a:noAutofit/>
             </a:bodyPr>
             <a:lstStyle/>
             <a:p>
-              <a:pPr indent="0" lvl="0" marL="0" rtl="0" algn="l">
+              <a:pPr marL="0" lvl="0" indent="0" algn="l" rtl="0">
                 <a:spcBef>
                   <a:spcPts val="0"/>
                 </a:spcBef>
@@ -3471,9 +3545,6 @@
                 </a:spcAft>
                 <a:buNone/>
               </a:pPr>
-              <a:r>
-                <a:t/>
-              </a:r>
               <a:endParaRPr/>
             </a:p>
           </p:txBody>
@@ -3491,7 +3562,7 @@
             </a:xfrm>
             <a:prstGeom prst="diagStripe">
               <a:avLst>
-                <a:gd fmla="val 50000" name="adj"/>
+                <a:gd name="adj" fmla="val 50000"/>
               </a:avLst>
             </a:prstGeom>
             <a:solidFill>
@@ -3504,12 +3575,12 @@
             </a:ln>
           </p:spPr>
           <p:txBody>
-            <a:bodyPr anchorCtr="0" anchor="ctr" bIns="91425" lIns="91425" spcFirstLastPara="1" rIns="91425" wrap="square" tIns="91425">
+            <a:bodyPr spcFirstLastPara="1" wrap="square" lIns="91425" tIns="91425" rIns="91425" bIns="91425" anchor="ctr" anchorCtr="0">
               <a:noAutofit/>
             </a:bodyPr>
             <a:lstStyle/>
             <a:p>
-              <a:pPr indent="0" lvl="0" marL="0" rtl="0" algn="l">
+              <a:pPr marL="0" lvl="0" indent="0" algn="l" rtl="0">
                 <a:spcBef>
                   <a:spcPts val="0"/>
                 </a:spcBef>
@@ -3518,9 +3589,6 @@
                 </a:spcAft>
                 <a:buNone/>
               </a:pPr>
-              <a:r>
-                <a:t/>
-              </a:r>
               <a:endParaRPr/>
             </a:p>
           </p:txBody>
@@ -3538,7 +3606,7 @@
             </a:xfrm>
             <a:prstGeom prst="diagStripe">
               <a:avLst>
-                <a:gd fmla="val 50000" name="adj"/>
+                <a:gd name="adj" fmla="val 50000"/>
               </a:avLst>
             </a:prstGeom>
             <a:solidFill>
@@ -3551,12 +3619,12 @@
             </a:ln>
           </p:spPr>
           <p:txBody>
-            <a:bodyPr anchorCtr="0" anchor="ctr" bIns="91425" lIns="91425" spcFirstLastPara="1" rIns="91425" wrap="square" tIns="91425">
+            <a:bodyPr spcFirstLastPara="1" wrap="square" lIns="91425" tIns="91425" rIns="91425" bIns="91425" anchor="ctr" anchorCtr="0">
               <a:noAutofit/>
             </a:bodyPr>
             <a:lstStyle/>
             <a:p>
-              <a:pPr indent="0" lvl="0" marL="0" rtl="0" algn="l">
+              <a:pPr marL="0" lvl="0" indent="0" algn="l" rtl="0">
                 <a:spcBef>
                   <a:spcPts val="0"/>
                 </a:spcBef>
@@ -3565,9 +3633,6 @@
                 </a:spcAft>
                 <a:buNone/>
               </a:pPr>
-              <a:r>
-                <a:t/>
-              </a:r>
               <a:endParaRPr/>
             </a:p>
           </p:txBody>
@@ -3585,7 +3650,7 @@
             </a:xfrm>
             <a:prstGeom prst="diagStripe">
               <a:avLst>
-                <a:gd fmla="val 50000" name="adj"/>
+                <a:gd name="adj" fmla="val 50000"/>
               </a:avLst>
             </a:prstGeom>
             <a:solidFill>
@@ -3598,12 +3663,12 @@
             </a:ln>
           </p:spPr>
           <p:txBody>
-            <a:bodyPr anchorCtr="0" anchor="ctr" bIns="91425" lIns="91425" spcFirstLastPara="1" rIns="91425" wrap="square" tIns="91425">
+            <a:bodyPr spcFirstLastPara="1" wrap="square" lIns="91425" tIns="91425" rIns="91425" bIns="91425" anchor="ctr" anchorCtr="0">
               <a:noAutofit/>
             </a:bodyPr>
             <a:lstStyle/>
             <a:p>
-              <a:pPr indent="0" lvl="0" marL="0" rtl="0" algn="l">
+              <a:pPr marL="0" lvl="0" indent="0" algn="l" rtl="0">
                 <a:spcBef>
                   <a:spcPts val="0"/>
                 </a:spcBef>
@@ -3612,9 +3677,6 @@
                 </a:spcAft>
                 <a:buNone/>
               </a:pPr>
-              <a:r>
-                <a:t/>
-              </a:r>
               <a:endParaRPr/>
             </a:p>
           </p:txBody>
@@ -3632,7 +3694,7 @@
             </a:xfrm>
             <a:prstGeom prst="diagStripe">
               <a:avLst>
-                <a:gd fmla="val 50000" name="adj"/>
+                <a:gd name="adj" fmla="val 50000"/>
               </a:avLst>
             </a:prstGeom>
             <a:solidFill>
@@ -3645,12 +3707,12 @@
             </a:ln>
           </p:spPr>
           <p:txBody>
-            <a:bodyPr anchorCtr="0" anchor="ctr" bIns="91425" lIns="91425" spcFirstLastPara="1" rIns="91425" wrap="square" tIns="91425">
+            <a:bodyPr spcFirstLastPara="1" wrap="square" lIns="91425" tIns="91425" rIns="91425" bIns="91425" anchor="ctr" anchorCtr="0">
               <a:noAutofit/>
             </a:bodyPr>
             <a:lstStyle/>
             <a:p>
-              <a:pPr indent="0" lvl="0" marL="0" rtl="0" algn="l">
+              <a:pPr marL="0" lvl="0" indent="0" algn="l" rtl="0">
                 <a:spcBef>
                   <a:spcPts val="0"/>
                 </a:spcBef>
@@ -3659,9 +3721,6 @@
                 </a:spcAft>
                 <a:buNone/>
               </a:pPr>
-              <a:r>
-                <a:t/>
-              </a:r>
               <a:endParaRPr/>
             </a:p>
           </p:txBody>
@@ -3679,7 +3738,7 @@
             </a:xfrm>
             <a:prstGeom prst="diagStripe">
               <a:avLst>
-                <a:gd fmla="val 50000" name="adj"/>
+                <a:gd name="adj" fmla="val 50000"/>
               </a:avLst>
             </a:prstGeom>
             <a:solidFill>
@@ -3690,12 +3749,12 @@
             </a:ln>
           </p:spPr>
           <p:txBody>
-            <a:bodyPr anchorCtr="0" anchor="ctr" bIns="91425" lIns="91425" spcFirstLastPara="1" rIns="91425" wrap="square" tIns="91425">
+            <a:bodyPr spcFirstLastPara="1" wrap="square" lIns="91425" tIns="91425" rIns="91425" bIns="91425" anchor="ctr" anchorCtr="0">
               <a:noAutofit/>
             </a:bodyPr>
             <a:lstStyle/>
             <a:p>
-              <a:pPr indent="0" lvl="0" marL="0" rtl="0" algn="l">
+              <a:pPr marL="0" lvl="0" indent="0" algn="l" rtl="0">
                 <a:spcBef>
                   <a:spcPts val="0"/>
                 </a:spcBef>
@@ -3704,9 +3763,6 @@
                 </a:spcAft>
                 <a:buNone/>
               </a:pPr>
-              <a:r>
-                <a:t/>
-              </a:r>
               <a:endParaRPr/>
             </a:p>
           </p:txBody>
@@ -3724,7 +3780,7 @@
             </a:xfrm>
             <a:prstGeom prst="diagStripe">
               <a:avLst>
-                <a:gd fmla="val 50000" name="adj"/>
+                <a:gd name="adj" fmla="val 50000"/>
               </a:avLst>
             </a:prstGeom>
             <a:solidFill>
@@ -3737,12 +3793,12 @@
             </a:ln>
           </p:spPr>
           <p:txBody>
-            <a:bodyPr anchorCtr="0" anchor="ctr" bIns="91425" lIns="91425" spcFirstLastPara="1" rIns="91425" wrap="square" tIns="91425">
+            <a:bodyPr spcFirstLastPara="1" wrap="square" lIns="91425" tIns="91425" rIns="91425" bIns="91425" anchor="ctr" anchorCtr="0">
               <a:noAutofit/>
             </a:bodyPr>
             <a:lstStyle/>
             <a:p>
-              <a:pPr indent="0" lvl="0" marL="0" rtl="0" algn="l">
+              <a:pPr marL="0" lvl="0" indent="0" algn="l" rtl="0">
                 <a:spcBef>
                   <a:spcPts val="0"/>
                 </a:spcBef>
@@ -3751,9 +3807,6 @@
                 </a:spcAft>
                 <a:buNone/>
               </a:pPr>
-              <a:r>
-                <a:t/>
-              </a:r>
               <a:endParaRPr/>
             </a:p>
           </p:txBody>
@@ -3771,7 +3824,7 @@
             </a:xfrm>
             <a:prstGeom prst="diagStripe">
               <a:avLst>
-                <a:gd fmla="val 50000" name="adj"/>
+                <a:gd name="adj" fmla="val 50000"/>
               </a:avLst>
             </a:prstGeom>
             <a:solidFill>
@@ -3784,12 +3837,12 @@
             </a:ln>
           </p:spPr>
           <p:txBody>
-            <a:bodyPr anchorCtr="0" anchor="ctr" bIns="91425" lIns="91425" spcFirstLastPara="1" rIns="91425" wrap="square" tIns="91425">
+            <a:bodyPr spcFirstLastPara="1" wrap="square" lIns="91425" tIns="91425" rIns="91425" bIns="91425" anchor="ctr" anchorCtr="0">
               <a:noAutofit/>
             </a:bodyPr>
             <a:lstStyle/>
             <a:p>
-              <a:pPr indent="0" lvl="0" marL="0" rtl="0" algn="l">
+              <a:pPr marL="0" lvl="0" indent="0" algn="l" rtl="0">
                 <a:spcBef>
                   <a:spcPts val="0"/>
                 </a:spcBef>
@@ -3798,9 +3851,6 @@
                 </a:spcAft>
                 <a:buNone/>
               </a:pPr>
-              <a:r>
-                <a:t/>
-              </a:r>
               <a:endParaRPr/>
             </a:p>
           </p:txBody>
@@ -3818,7 +3868,7 @@
             </a:xfrm>
             <a:prstGeom prst="diagStripe">
               <a:avLst>
-                <a:gd fmla="val 50000" name="adj"/>
+                <a:gd name="adj" fmla="val 50000"/>
               </a:avLst>
             </a:prstGeom>
             <a:solidFill>
@@ -3831,12 +3881,12 @@
             </a:ln>
           </p:spPr>
           <p:txBody>
-            <a:bodyPr anchorCtr="0" anchor="ctr" bIns="91425" lIns="91425" spcFirstLastPara="1" rIns="91425" wrap="square" tIns="91425">
+            <a:bodyPr spcFirstLastPara="1" wrap="square" lIns="91425" tIns="91425" rIns="91425" bIns="91425" anchor="ctr" anchorCtr="0">
               <a:noAutofit/>
             </a:bodyPr>
             <a:lstStyle/>
             <a:p>
-              <a:pPr indent="0" lvl="0" marL="0" rtl="0" algn="l">
+              <a:pPr marL="0" lvl="0" indent="0" algn="l" rtl="0">
                 <a:spcBef>
                   <a:spcPts val="0"/>
                 </a:spcBef>
@@ -3845,9 +3895,6 @@
                 </a:spcAft>
                 <a:buNone/>
               </a:pPr>
-              <a:r>
-                <a:t/>
-              </a:r>
               <a:endParaRPr/>
             </a:p>
           </p:txBody>
@@ -3865,7 +3912,7 @@
             </a:xfrm>
             <a:prstGeom prst="diagStripe">
               <a:avLst>
-                <a:gd fmla="val 50000" name="adj"/>
+                <a:gd name="adj" fmla="val 50000"/>
               </a:avLst>
             </a:prstGeom>
             <a:solidFill>
@@ -3878,12 +3925,12 @@
             </a:ln>
           </p:spPr>
           <p:txBody>
-            <a:bodyPr anchorCtr="0" anchor="ctr" bIns="91425" lIns="91425" spcFirstLastPara="1" rIns="91425" wrap="square" tIns="91425">
+            <a:bodyPr spcFirstLastPara="1" wrap="square" lIns="91425" tIns="91425" rIns="91425" bIns="91425" anchor="ctr" anchorCtr="0">
               <a:noAutofit/>
             </a:bodyPr>
             <a:lstStyle/>
             <a:p>
-              <a:pPr indent="0" lvl="0" marL="0" rtl="0" algn="l">
+              <a:pPr marL="0" lvl="0" indent="0" algn="l" rtl="0">
                 <a:spcBef>
                   <a:spcPts val="0"/>
                 </a:spcBef>
@@ -3892,9 +3939,6 @@
                 </a:spcAft>
                 <a:buNone/>
               </a:pPr>
-              <a:r>
-                <a:t/>
-              </a:r>
               <a:endParaRPr/>
             </a:p>
           </p:txBody>
@@ -3903,9 +3947,11 @@
       <p:sp>
         <p:nvSpPr>
           <p:cNvPr id="125" name="Google Shape;125;p11"/>
-          <p:cNvSpPr txBox="1"/>
+          <p:cNvSpPr txBox="1">
+            <a:spLocks noGrp="1"/>
+          </p:cNvSpPr>
           <p:nvPr>
-            <p:ph hasCustomPrompt="1" type="title"/>
+            <p:ph type="title" hasCustomPrompt="1"/>
           </p:nvPr>
         </p:nvSpPr>
         <p:spPr>
@@ -3918,7 +3964,7 @@
           </a:prstGeom>
         </p:spPr>
         <p:txBody>
-          <a:bodyPr anchorCtr="0" anchor="t" bIns="91425" lIns="91425" spcFirstLastPara="1" rIns="91425" wrap="square" tIns="91425">
+          <a:bodyPr spcFirstLastPara="1" wrap="square" lIns="91425" tIns="91425" rIns="91425" bIns="91425" anchor="t" anchorCtr="0">
             <a:normAutofit/>
           </a:bodyPr>
           <a:lstStyle>
@@ -4032,9 +4078,11 @@
       <p:sp>
         <p:nvSpPr>
           <p:cNvPr id="126" name="Google Shape;126;p11"/>
-          <p:cNvSpPr txBox="1"/>
+          <p:cNvSpPr txBox="1">
+            <a:spLocks noGrp="1"/>
+          </p:cNvSpPr>
           <p:nvPr>
-            <p:ph idx="1" type="body"/>
+            <p:ph type="body" idx="1"/>
           </p:nvPr>
         </p:nvSpPr>
         <p:spPr>
@@ -4047,11 +4095,11 @@
           </a:prstGeom>
         </p:spPr>
         <p:txBody>
-          <a:bodyPr anchorCtr="0" anchor="t" bIns="91425" lIns="91425" spcFirstLastPara="1" rIns="91425" wrap="square" tIns="91425">
+          <a:bodyPr spcFirstLastPara="1" wrap="square" lIns="91425" tIns="91425" rIns="91425" bIns="91425" anchor="t" anchorCtr="0">
             <a:normAutofit/>
           </a:bodyPr>
           <a:lstStyle>
-            <a:lvl1pPr indent="-311150" lvl="0" marL="457200">
+            <a:lvl1pPr marL="457200" lvl="0" indent="-311150">
               <a:spcBef>
                 <a:spcPts val="0"/>
               </a:spcBef>
@@ -4062,7 +4110,7 @@
               <a:buChar char="●"/>
               <a:defRPr/>
             </a:lvl1pPr>
-            <a:lvl2pPr indent="-298450" lvl="1" marL="914400">
+            <a:lvl2pPr marL="914400" lvl="1" indent="-298450">
               <a:spcBef>
                 <a:spcPts val="0"/>
               </a:spcBef>
@@ -4073,7 +4121,7 @@
               <a:buChar char="○"/>
               <a:defRPr/>
             </a:lvl2pPr>
-            <a:lvl3pPr indent="-298450" lvl="2" marL="1371600">
+            <a:lvl3pPr marL="1371600" lvl="2" indent="-298450">
               <a:spcBef>
                 <a:spcPts val="0"/>
               </a:spcBef>
@@ -4084,7 +4132,7 @@
               <a:buChar char="■"/>
               <a:defRPr/>
             </a:lvl3pPr>
-            <a:lvl4pPr indent="-298450" lvl="3" marL="1828800">
+            <a:lvl4pPr marL="1828800" lvl="3" indent="-298450">
               <a:spcBef>
                 <a:spcPts val="0"/>
               </a:spcBef>
@@ -4095,7 +4143,7 @@
               <a:buChar char="●"/>
               <a:defRPr/>
             </a:lvl4pPr>
-            <a:lvl5pPr indent="-298450" lvl="4" marL="2286000">
+            <a:lvl5pPr marL="2286000" lvl="4" indent="-298450">
               <a:spcBef>
                 <a:spcPts val="0"/>
               </a:spcBef>
@@ -4106,7 +4154,7 @@
               <a:buChar char="○"/>
               <a:defRPr/>
             </a:lvl5pPr>
-            <a:lvl6pPr indent="-298450" lvl="5" marL="2743200">
+            <a:lvl6pPr marL="2743200" lvl="5" indent="-298450">
               <a:spcBef>
                 <a:spcPts val="0"/>
               </a:spcBef>
@@ -4117,7 +4165,7 @@
               <a:buChar char="■"/>
               <a:defRPr/>
             </a:lvl6pPr>
-            <a:lvl7pPr indent="-298450" lvl="6" marL="3200400">
+            <a:lvl7pPr marL="3200400" lvl="6" indent="-298450">
               <a:spcBef>
                 <a:spcPts val="0"/>
               </a:spcBef>
@@ -4128,7 +4176,7 @@
               <a:buChar char="●"/>
               <a:defRPr/>
             </a:lvl7pPr>
-            <a:lvl8pPr indent="-298450" lvl="7" marL="3657600">
+            <a:lvl8pPr marL="3657600" lvl="7" indent="-298450">
               <a:spcBef>
                 <a:spcPts val="0"/>
               </a:spcBef>
@@ -4139,7 +4187,7 @@
               <a:buChar char="○"/>
               <a:defRPr/>
             </a:lvl8pPr>
-            <a:lvl9pPr indent="-298450" lvl="8" marL="4114800">
+            <a:lvl9pPr marL="4114800" lvl="8" indent="-298450">
               <a:spcBef>
                 <a:spcPts val="0"/>
               </a:spcBef>
@@ -4151,15 +4199,19 @@
               <a:defRPr/>
             </a:lvl9pPr>
           </a:lstStyle>
-          <a:p/>
+          <a:p>
+            <a:endParaRPr/>
+          </a:p>
         </p:txBody>
       </p:sp>
       <p:sp>
         <p:nvSpPr>
           <p:cNvPr id="127" name="Google Shape;127;p11"/>
-          <p:cNvSpPr txBox="1"/>
+          <p:cNvSpPr txBox="1">
+            <a:spLocks noGrp="1"/>
+          </p:cNvSpPr>
           <p:nvPr>
-            <p:ph idx="12" type="sldNum"/>
+            <p:ph type="sldNum" idx="12"/>
           </p:nvPr>
         </p:nvSpPr>
         <p:spPr>
@@ -4172,7 +4224,7 @@
           </a:prstGeom>
         </p:spPr>
         <p:txBody>
-          <a:bodyPr anchorCtr="0" anchor="ctr" bIns="91425" lIns="91425" spcFirstLastPara="1" rIns="91425" wrap="square" tIns="91425">
+          <a:bodyPr spcFirstLastPara="1" wrap="square" lIns="91425" tIns="91425" rIns="91425" bIns="91425" anchor="ctr" anchorCtr="0">
             <a:normAutofit/>
           </a:bodyPr>
           <a:lstStyle>
@@ -4214,7 +4266,7 @@
             </a:lvl9pPr>
           </a:lstStyle>
           <a:p>
-            <a:pPr indent="0" lvl="0" marL="0" rtl="0" algn="r">
+            <a:pPr marL="0" lvl="0" indent="0" algn="r" rtl="0">
               <a:spcBef>
                 <a:spcPts val="0"/>
               </a:spcBef>
@@ -4240,11 +4292,11 @@
 </file>
 
 <file path=ppt/slideLayouts/slideLayout11.xml><?xml version="1.0" encoding="utf-8"?>
-<p:sldLayout xmlns:a="http://schemas.openxmlformats.org/drawingml/2006/main" xmlns:r="http://schemas.openxmlformats.org/officeDocument/2006/relationships" xmlns:mc="http://schemas.openxmlformats.org/markup-compatibility/2006" xmlns:mv="urn:schemas-microsoft-com:mac:vml" xmlns:p="http://schemas.openxmlformats.org/presentationml/2006/main" xmlns:c="http://schemas.openxmlformats.org/drawingml/2006/chart" xmlns:dgm="http://schemas.openxmlformats.org/drawingml/2006/diagram" xmlns:o="urn:schemas-microsoft-com:office:office" xmlns:v="urn:schemas-microsoft-com:vml" xmlns:pvml="urn:schemas-microsoft-com:office:powerpoint" xmlns:com="http://schemas.openxmlformats.org/drawingml/2006/compatibility" xmlns:p14="http://schemas.microsoft.com/office/powerpoint/2010/main" xmlns:p15="http://schemas.microsoft.com/office/powerpoint/2012/main" xmlns:ahyp="http://schemas.microsoft.com/office/drawing/2018/hyperlinkcolor" matchingName="Blank" type="blank">
+<p:sldLayout xmlns:a="http://schemas.openxmlformats.org/drawingml/2006/main" xmlns:r="http://schemas.openxmlformats.org/officeDocument/2006/relationships" xmlns:p="http://schemas.openxmlformats.org/presentationml/2006/main" matchingName="Blank" type="blank">
   <p:cSld name="BLANK">
     <p:spTree>
       <p:nvGrpSpPr>
-        <p:cNvPr id="128" name="Shape 128"/>
+        <p:cNvPr id="1" name="Shape 128"/>
         <p:cNvGrpSpPr/>
         <p:nvPr/>
       </p:nvGrpSpPr>
@@ -4259,9 +4311,11 @@
       <p:sp>
         <p:nvSpPr>
           <p:cNvPr id="129" name="Google Shape;129;p12"/>
-          <p:cNvSpPr txBox="1"/>
+          <p:cNvSpPr txBox="1">
+            <a:spLocks noGrp="1"/>
+          </p:cNvSpPr>
           <p:nvPr>
-            <p:ph idx="12" type="sldNum"/>
+            <p:ph type="sldNum" idx="12"/>
           </p:nvPr>
         </p:nvSpPr>
         <p:spPr>
@@ -4274,7 +4328,7 @@
           </a:prstGeom>
         </p:spPr>
         <p:txBody>
-          <a:bodyPr anchorCtr="0" anchor="ctr" bIns="91425" lIns="91425" spcFirstLastPara="1" rIns="91425" wrap="square" tIns="91425">
+          <a:bodyPr spcFirstLastPara="1" wrap="square" lIns="91425" tIns="91425" rIns="91425" bIns="91425" anchor="ctr" anchorCtr="0">
             <a:normAutofit/>
           </a:bodyPr>
           <a:lstStyle>
@@ -4316,7 +4370,7 @@
             </a:lvl9pPr>
           </a:lstStyle>
           <a:p>
-            <a:pPr indent="0" lvl="0" marL="0" rtl="0" algn="r">
+            <a:pPr marL="0" lvl="0" indent="0" algn="r" rtl="0">
               <a:spcBef>
                 <a:spcPts val="0"/>
               </a:spcBef>
@@ -4342,11 +4396,11 @@
 </file>
 
 <file path=ppt/slideLayouts/slideLayout2.xml><?xml version="1.0" encoding="utf-8"?>
-<p:sldLayout xmlns:a="http://schemas.openxmlformats.org/drawingml/2006/main" xmlns:r="http://schemas.openxmlformats.org/officeDocument/2006/relationships" xmlns:mc="http://schemas.openxmlformats.org/markup-compatibility/2006" xmlns:mv="urn:schemas-microsoft-com:mac:vml" xmlns:p="http://schemas.openxmlformats.org/presentationml/2006/main" xmlns:c="http://schemas.openxmlformats.org/drawingml/2006/chart" xmlns:dgm="http://schemas.openxmlformats.org/drawingml/2006/diagram" xmlns:o="urn:schemas-microsoft-com:office:office" xmlns:v="urn:schemas-microsoft-com:vml" xmlns:pvml="urn:schemas-microsoft-com:office:powerpoint" xmlns:com="http://schemas.openxmlformats.org/drawingml/2006/compatibility" xmlns:p14="http://schemas.microsoft.com/office/powerpoint/2010/main" xmlns:p15="http://schemas.microsoft.com/office/powerpoint/2012/main" xmlns:ahyp="http://schemas.microsoft.com/office/drawing/2018/hyperlinkcolor" matchingName="Section header" type="secHead">
+<p:sldLayout xmlns:a="http://schemas.openxmlformats.org/drawingml/2006/main" xmlns:r="http://schemas.openxmlformats.org/officeDocument/2006/relationships" xmlns:p="http://schemas.openxmlformats.org/presentationml/2006/main" matchingName="Section header" type="secHead">
   <p:cSld name="SECTION_HEADER">
     <p:spTree>
       <p:nvGrpSpPr>
-        <p:cNvPr id="19" name="Shape 19"/>
+        <p:cNvPr id="1" name="Shape 19"/>
         <p:cNvGrpSpPr/>
         <p:nvPr/>
       </p:nvGrpSpPr>
@@ -4385,7 +4439,7 @@
             </a:xfrm>
             <a:prstGeom prst="diagStripe">
               <a:avLst>
-                <a:gd fmla="val 49469" name="adj"/>
+                <a:gd name="adj" fmla="val 49469"/>
               </a:avLst>
             </a:prstGeom>
             <a:solidFill>
@@ -4398,12 +4452,12 @@
             </a:ln>
           </p:spPr>
           <p:txBody>
-            <a:bodyPr anchorCtr="0" anchor="ctr" bIns="91425" lIns="91425" spcFirstLastPara="1" rIns="91425" wrap="square" tIns="91425">
+            <a:bodyPr spcFirstLastPara="1" wrap="square" lIns="91425" tIns="91425" rIns="91425" bIns="91425" anchor="ctr" anchorCtr="0">
               <a:noAutofit/>
             </a:bodyPr>
             <a:lstStyle/>
             <a:p>
-              <a:pPr indent="0" lvl="0" marL="0" rtl="0" algn="l">
+              <a:pPr marL="0" lvl="0" indent="0" algn="l" rtl="0">
                 <a:spcBef>
                   <a:spcPts val="0"/>
                 </a:spcBef>
@@ -4412,9 +4466,6 @@
                 </a:spcAft>
                 <a:buNone/>
               </a:pPr>
-              <a:r>
-                <a:t/>
-              </a:r>
               <a:endParaRPr/>
             </a:p>
           </p:txBody>
@@ -4432,7 +4483,7 @@
             </a:xfrm>
             <a:prstGeom prst="diagStripe">
               <a:avLst>
-                <a:gd fmla="val 0" name="adj"/>
+                <a:gd name="adj" fmla="val 0"/>
               </a:avLst>
             </a:prstGeom>
             <a:solidFill>
@@ -4445,12 +4496,12 @@
             </a:ln>
           </p:spPr>
           <p:txBody>
-            <a:bodyPr anchorCtr="0" anchor="ctr" bIns="91425" lIns="91425" spcFirstLastPara="1" rIns="91425" wrap="square" tIns="91425">
+            <a:bodyPr spcFirstLastPara="1" wrap="square" lIns="91425" tIns="91425" rIns="91425" bIns="91425" anchor="ctr" anchorCtr="0">
               <a:noAutofit/>
             </a:bodyPr>
             <a:lstStyle/>
             <a:p>
-              <a:pPr indent="0" lvl="0" marL="0" rtl="0" algn="l">
+              <a:pPr marL="0" lvl="0" indent="0" algn="l" rtl="0">
                 <a:spcBef>
                   <a:spcPts val="0"/>
                 </a:spcBef>
@@ -4459,9 +4510,6 @@
                 </a:spcAft>
                 <a:buNone/>
               </a:pPr>
-              <a:r>
-                <a:t/>
-              </a:r>
               <a:endParaRPr/>
             </a:p>
           </p:txBody>
@@ -4479,7 +4527,7 @@
             </a:xfrm>
             <a:prstGeom prst="diagStripe">
               <a:avLst>
-                <a:gd fmla="val 50000" name="adj"/>
+                <a:gd name="adj" fmla="val 50000"/>
               </a:avLst>
             </a:prstGeom>
             <a:solidFill>
@@ -4492,12 +4540,12 @@
             </a:ln>
           </p:spPr>
           <p:txBody>
-            <a:bodyPr anchorCtr="0" anchor="ctr" bIns="91425" lIns="91425" spcFirstLastPara="1" rIns="91425" wrap="square" tIns="91425">
+            <a:bodyPr spcFirstLastPara="1" wrap="square" lIns="91425" tIns="91425" rIns="91425" bIns="91425" anchor="ctr" anchorCtr="0">
               <a:noAutofit/>
             </a:bodyPr>
             <a:lstStyle/>
             <a:p>
-              <a:pPr indent="0" lvl="0" marL="0" rtl="0" algn="l">
+              <a:pPr marL="0" lvl="0" indent="0" algn="l" rtl="0">
                 <a:spcBef>
                   <a:spcPts val="0"/>
                 </a:spcBef>
@@ -4506,9 +4554,6 @@
                 </a:spcAft>
                 <a:buNone/>
               </a:pPr>
-              <a:r>
-                <a:t/>
-              </a:r>
               <a:endParaRPr/>
             </a:p>
           </p:txBody>
@@ -4526,7 +4571,7 @@
             </a:xfrm>
             <a:prstGeom prst="diagStripe">
               <a:avLst>
-                <a:gd fmla="val 50000" name="adj"/>
+                <a:gd name="adj" fmla="val 50000"/>
               </a:avLst>
             </a:prstGeom>
             <a:solidFill>
@@ -4539,12 +4584,12 @@
             </a:ln>
           </p:spPr>
           <p:txBody>
-            <a:bodyPr anchorCtr="0" anchor="ctr" bIns="91425" lIns="91425" spcFirstLastPara="1" rIns="91425" wrap="square" tIns="91425">
+            <a:bodyPr spcFirstLastPara="1" wrap="square" lIns="91425" tIns="91425" rIns="91425" bIns="91425" anchor="ctr" anchorCtr="0">
               <a:noAutofit/>
             </a:bodyPr>
             <a:lstStyle/>
             <a:p>
-              <a:pPr indent="0" lvl="0" marL="0" rtl="0" algn="l">
+              <a:pPr marL="0" lvl="0" indent="0" algn="l" rtl="0">
                 <a:spcBef>
                   <a:spcPts val="0"/>
                 </a:spcBef>
@@ -4553,9 +4598,6 @@
                 </a:spcAft>
                 <a:buNone/>
               </a:pPr>
-              <a:r>
-                <a:t/>
-              </a:r>
               <a:endParaRPr/>
             </a:p>
           </p:txBody>
@@ -4573,7 +4615,7 @@
             </a:xfrm>
             <a:prstGeom prst="diagStripe">
               <a:avLst>
-                <a:gd fmla="val 50000" name="adj"/>
+                <a:gd name="adj" fmla="val 50000"/>
               </a:avLst>
             </a:prstGeom>
             <a:solidFill>
@@ -4586,12 +4628,12 @@
             </a:ln>
           </p:spPr>
           <p:txBody>
-            <a:bodyPr anchorCtr="0" anchor="ctr" bIns="91425" lIns="91425" spcFirstLastPara="1" rIns="91425" wrap="square" tIns="91425">
+            <a:bodyPr spcFirstLastPara="1" wrap="square" lIns="91425" tIns="91425" rIns="91425" bIns="91425" anchor="ctr" anchorCtr="0">
               <a:noAutofit/>
             </a:bodyPr>
             <a:lstStyle/>
             <a:p>
-              <a:pPr indent="0" lvl="0" marL="0" rtl="0" algn="l">
+              <a:pPr marL="0" lvl="0" indent="0" algn="l" rtl="0">
                 <a:spcBef>
                   <a:spcPts val="0"/>
                 </a:spcBef>
@@ -4600,9 +4642,6 @@
                 </a:spcAft>
                 <a:buNone/>
               </a:pPr>
-              <a:r>
-                <a:t/>
-              </a:r>
               <a:endParaRPr/>
             </a:p>
           </p:txBody>
@@ -4620,7 +4659,7 @@
             </a:xfrm>
             <a:prstGeom prst="diagStripe">
               <a:avLst>
-                <a:gd fmla="val 50000" name="adj"/>
+                <a:gd name="adj" fmla="val 50000"/>
               </a:avLst>
             </a:prstGeom>
             <a:solidFill>
@@ -4633,12 +4672,12 @@
             </a:ln>
           </p:spPr>
           <p:txBody>
-            <a:bodyPr anchorCtr="0" anchor="ctr" bIns="91425" lIns="91425" spcFirstLastPara="1" rIns="91425" wrap="square" tIns="91425">
+            <a:bodyPr spcFirstLastPara="1" wrap="square" lIns="91425" tIns="91425" rIns="91425" bIns="91425" anchor="ctr" anchorCtr="0">
               <a:noAutofit/>
             </a:bodyPr>
             <a:lstStyle/>
             <a:p>
-              <a:pPr indent="0" lvl="0" marL="0" rtl="0" algn="l">
+              <a:pPr marL="0" lvl="0" indent="0" algn="l" rtl="0">
                 <a:spcBef>
                   <a:spcPts val="0"/>
                 </a:spcBef>
@@ -4647,9 +4686,6 @@
                 </a:spcAft>
                 <a:buNone/>
               </a:pPr>
-              <a:r>
-                <a:t/>
-              </a:r>
               <a:endParaRPr/>
             </a:p>
           </p:txBody>
@@ -4667,7 +4703,7 @@
             </a:xfrm>
             <a:prstGeom prst="diagStripe">
               <a:avLst>
-                <a:gd fmla="val 50000" name="adj"/>
+                <a:gd name="adj" fmla="val 50000"/>
               </a:avLst>
             </a:prstGeom>
             <a:solidFill>
@@ -4680,12 +4716,12 @@
             </a:ln>
           </p:spPr>
           <p:txBody>
-            <a:bodyPr anchorCtr="0" anchor="ctr" bIns="91425" lIns="91425" spcFirstLastPara="1" rIns="91425" wrap="square" tIns="91425">
+            <a:bodyPr spcFirstLastPara="1" wrap="square" lIns="91425" tIns="91425" rIns="91425" bIns="91425" anchor="ctr" anchorCtr="0">
               <a:noAutofit/>
             </a:bodyPr>
             <a:lstStyle/>
             <a:p>
-              <a:pPr indent="0" lvl="0" marL="0" rtl="0" algn="l">
+              <a:pPr marL="0" lvl="0" indent="0" algn="l" rtl="0">
                 <a:spcBef>
                   <a:spcPts val="0"/>
                 </a:spcBef>
@@ -4694,9 +4730,6 @@
                 </a:spcAft>
                 <a:buNone/>
               </a:pPr>
-              <a:r>
-                <a:t/>
-              </a:r>
               <a:endParaRPr/>
             </a:p>
           </p:txBody>
@@ -4714,7 +4747,7 @@
             </a:xfrm>
             <a:prstGeom prst="diagStripe">
               <a:avLst>
-                <a:gd fmla="val 50000" name="adj"/>
+                <a:gd name="adj" fmla="val 50000"/>
               </a:avLst>
             </a:prstGeom>
             <a:solidFill>
@@ -4725,12 +4758,12 @@
             </a:ln>
           </p:spPr>
           <p:txBody>
-            <a:bodyPr anchorCtr="0" anchor="ctr" bIns="91425" lIns="91425" spcFirstLastPara="1" rIns="91425" wrap="square" tIns="91425">
+            <a:bodyPr spcFirstLastPara="1" wrap="square" lIns="91425" tIns="91425" rIns="91425" bIns="91425" anchor="ctr" anchorCtr="0">
               <a:noAutofit/>
             </a:bodyPr>
             <a:lstStyle/>
             <a:p>
-              <a:pPr indent="0" lvl="0" marL="0" rtl="0" algn="l">
+              <a:pPr marL="0" lvl="0" indent="0" algn="l" rtl="0">
                 <a:spcBef>
                   <a:spcPts val="0"/>
                 </a:spcBef>
@@ -4739,9 +4772,6 @@
                 </a:spcAft>
                 <a:buNone/>
               </a:pPr>
-              <a:r>
-                <a:t/>
-              </a:r>
               <a:endParaRPr/>
             </a:p>
           </p:txBody>
@@ -4759,7 +4789,7 @@
             </a:xfrm>
             <a:prstGeom prst="diagStripe">
               <a:avLst>
-                <a:gd fmla="val 50000" name="adj"/>
+                <a:gd name="adj" fmla="val 50000"/>
               </a:avLst>
             </a:prstGeom>
             <a:solidFill>
@@ -4772,12 +4802,12 @@
             </a:ln>
           </p:spPr>
           <p:txBody>
-            <a:bodyPr anchorCtr="0" anchor="ctr" bIns="91425" lIns="91425" spcFirstLastPara="1" rIns="91425" wrap="square" tIns="91425">
+            <a:bodyPr spcFirstLastPara="1" wrap="square" lIns="91425" tIns="91425" rIns="91425" bIns="91425" anchor="ctr" anchorCtr="0">
               <a:noAutofit/>
             </a:bodyPr>
             <a:lstStyle/>
             <a:p>
-              <a:pPr indent="0" lvl="0" marL="0" rtl="0" algn="l">
+              <a:pPr marL="0" lvl="0" indent="0" algn="l" rtl="0">
                 <a:spcBef>
                   <a:spcPts val="0"/>
                 </a:spcBef>
@@ -4786,9 +4816,6 @@
                 </a:spcAft>
                 <a:buNone/>
               </a:pPr>
-              <a:r>
-                <a:t/>
-              </a:r>
               <a:endParaRPr/>
             </a:p>
           </p:txBody>
@@ -4806,7 +4833,7 @@
             </a:xfrm>
             <a:prstGeom prst="diagStripe">
               <a:avLst>
-                <a:gd fmla="val 50000" name="adj"/>
+                <a:gd name="adj" fmla="val 50000"/>
               </a:avLst>
             </a:prstGeom>
             <a:solidFill>
@@ -4819,12 +4846,12 @@
             </a:ln>
           </p:spPr>
           <p:txBody>
-            <a:bodyPr anchorCtr="0" anchor="ctr" bIns="91425" lIns="91425" spcFirstLastPara="1" rIns="91425" wrap="square" tIns="91425">
+            <a:bodyPr spcFirstLastPara="1" wrap="square" lIns="91425" tIns="91425" rIns="91425" bIns="91425" anchor="ctr" anchorCtr="0">
               <a:noAutofit/>
             </a:bodyPr>
             <a:lstStyle/>
             <a:p>
-              <a:pPr indent="0" lvl="0" marL="0" rtl="0" algn="l">
+              <a:pPr marL="0" lvl="0" indent="0" algn="l" rtl="0">
                 <a:spcBef>
                   <a:spcPts val="0"/>
                 </a:spcBef>
@@ -4833,9 +4860,6 @@
                 </a:spcAft>
                 <a:buNone/>
               </a:pPr>
-              <a:r>
-                <a:t/>
-              </a:r>
               <a:endParaRPr/>
             </a:p>
           </p:txBody>
@@ -4853,7 +4877,7 @@
             </a:xfrm>
             <a:prstGeom prst="diagStripe">
               <a:avLst>
-                <a:gd fmla="val 50000" name="adj"/>
+                <a:gd name="adj" fmla="val 50000"/>
               </a:avLst>
             </a:prstGeom>
             <a:solidFill>
@@ -4866,12 +4890,12 @@
             </a:ln>
           </p:spPr>
           <p:txBody>
-            <a:bodyPr anchorCtr="0" anchor="ctr" bIns="91425" lIns="91425" spcFirstLastPara="1" rIns="91425" wrap="square" tIns="91425">
+            <a:bodyPr spcFirstLastPara="1" wrap="square" lIns="91425" tIns="91425" rIns="91425" bIns="91425" anchor="ctr" anchorCtr="0">
               <a:noAutofit/>
             </a:bodyPr>
             <a:lstStyle/>
             <a:p>
-              <a:pPr indent="0" lvl="0" marL="0" rtl="0" algn="l">
+              <a:pPr marL="0" lvl="0" indent="0" algn="l" rtl="0">
                 <a:spcBef>
                   <a:spcPts val="0"/>
                 </a:spcBef>
@@ -4880,9 +4904,6 @@
                 </a:spcAft>
                 <a:buNone/>
               </a:pPr>
-              <a:r>
-                <a:t/>
-              </a:r>
               <a:endParaRPr/>
             </a:p>
           </p:txBody>
@@ -4900,7 +4921,7 @@
             </a:xfrm>
             <a:prstGeom prst="diagStripe">
               <a:avLst>
-                <a:gd fmla="val 50000" name="adj"/>
+                <a:gd name="adj" fmla="val 50000"/>
               </a:avLst>
             </a:prstGeom>
             <a:solidFill>
@@ -4913,12 +4934,12 @@
             </a:ln>
           </p:spPr>
           <p:txBody>
-            <a:bodyPr anchorCtr="0" anchor="ctr" bIns="91425" lIns="91425" spcFirstLastPara="1" rIns="91425" wrap="square" tIns="91425">
+            <a:bodyPr spcFirstLastPara="1" wrap="square" lIns="91425" tIns="91425" rIns="91425" bIns="91425" anchor="ctr" anchorCtr="0">
               <a:noAutofit/>
             </a:bodyPr>
             <a:lstStyle/>
             <a:p>
-              <a:pPr indent="0" lvl="0" marL="0" rtl="0" algn="l">
+              <a:pPr marL="0" lvl="0" indent="0" algn="l" rtl="0">
                 <a:spcBef>
                   <a:spcPts val="0"/>
                 </a:spcBef>
@@ -4927,9 +4948,6 @@
                 </a:spcAft>
                 <a:buNone/>
               </a:pPr>
-              <a:r>
-                <a:t/>
-              </a:r>
               <a:endParaRPr/>
             </a:p>
           </p:txBody>
@@ -4947,7 +4965,7 @@
             </a:xfrm>
             <a:prstGeom prst="diagStripe">
               <a:avLst>
-                <a:gd fmla="val 50000" name="adj"/>
+                <a:gd name="adj" fmla="val 50000"/>
               </a:avLst>
             </a:prstGeom>
             <a:solidFill>
@@ -4960,12 +4978,12 @@
             </a:ln>
           </p:spPr>
           <p:txBody>
-            <a:bodyPr anchorCtr="0" anchor="ctr" bIns="91425" lIns="91425" spcFirstLastPara="1" rIns="91425" wrap="square" tIns="91425">
+            <a:bodyPr spcFirstLastPara="1" wrap="square" lIns="91425" tIns="91425" rIns="91425" bIns="91425" anchor="ctr" anchorCtr="0">
               <a:noAutofit/>
             </a:bodyPr>
             <a:lstStyle/>
             <a:p>
-              <a:pPr indent="0" lvl="0" marL="0" rtl="0" algn="l">
+              <a:pPr marL="0" lvl="0" indent="0" algn="l" rtl="0">
                 <a:spcBef>
                   <a:spcPts val="0"/>
                 </a:spcBef>
@@ -4974,9 +4992,6 @@
                 </a:spcAft>
                 <a:buNone/>
               </a:pPr>
-              <a:r>
-                <a:t/>
-              </a:r>
               <a:endParaRPr/>
             </a:p>
           </p:txBody>
@@ -4994,7 +5009,7 @@
             </a:xfrm>
             <a:prstGeom prst="diagStripe">
               <a:avLst>
-                <a:gd fmla="val 50000" name="adj"/>
+                <a:gd name="adj" fmla="val 50000"/>
               </a:avLst>
             </a:prstGeom>
             <a:solidFill>
@@ -5005,12 +5020,12 @@
             </a:ln>
           </p:spPr>
           <p:txBody>
-            <a:bodyPr anchorCtr="0" anchor="ctr" bIns="91425" lIns="91425" spcFirstLastPara="1" rIns="91425" wrap="square" tIns="91425">
+            <a:bodyPr spcFirstLastPara="1" wrap="square" lIns="91425" tIns="91425" rIns="91425" bIns="91425" anchor="ctr" anchorCtr="0">
               <a:noAutofit/>
             </a:bodyPr>
             <a:lstStyle/>
             <a:p>
-              <a:pPr indent="0" lvl="0" marL="0" rtl="0" algn="l">
+              <a:pPr marL="0" lvl="0" indent="0" algn="l" rtl="0">
                 <a:spcBef>
                   <a:spcPts val="0"/>
                 </a:spcBef>
@@ -5019,9 +5034,6 @@
                 </a:spcAft>
                 <a:buNone/>
               </a:pPr>
-              <a:r>
-                <a:t/>
-              </a:r>
               <a:endParaRPr/>
             </a:p>
           </p:txBody>
@@ -5039,7 +5051,7 @@
             </a:xfrm>
             <a:prstGeom prst="diagStripe">
               <a:avLst>
-                <a:gd fmla="val 50000" name="adj"/>
+                <a:gd name="adj" fmla="val 50000"/>
               </a:avLst>
             </a:prstGeom>
             <a:solidFill>
@@ -5052,12 +5064,12 @@
             </a:ln>
           </p:spPr>
           <p:txBody>
-            <a:bodyPr anchorCtr="0" anchor="ctr" bIns="91425" lIns="91425" spcFirstLastPara="1" rIns="91425" wrap="square" tIns="91425">
+            <a:bodyPr spcFirstLastPara="1" wrap="square" lIns="91425" tIns="91425" rIns="91425" bIns="91425" anchor="ctr" anchorCtr="0">
               <a:noAutofit/>
             </a:bodyPr>
             <a:lstStyle/>
             <a:p>
-              <a:pPr indent="0" lvl="0" marL="0" rtl="0" algn="l">
+              <a:pPr marL="0" lvl="0" indent="0" algn="l" rtl="0">
                 <a:spcBef>
                   <a:spcPts val="0"/>
                 </a:spcBef>
@@ -5066,9 +5078,6 @@
                 </a:spcAft>
                 <a:buNone/>
               </a:pPr>
-              <a:r>
-                <a:t/>
-              </a:r>
               <a:endParaRPr/>
             </a:p>
           </p:txBody>
@@ -5086,7 +5095,7 @@
             </a:xfrm>
             <a:prstGeom prst="diagStripe">
               <a:avLst>
-                <a:gd fmla="val 50000" name="adj"/>
+                <a:gd name="adj" fmla="val 50000"/>
               </a:avLst>
             </a:prstGeom>
             <a:solidFill>
@@ -5099,12 +5108,12 @@
             </a:ln>
           </p:spPr>
           <p:txBody>
-            <a:bodyPr anchorCtr="0" anchor="ctr" bIns="91425" lIns="91425" spcFirstLastPara="1" rIns="91425" wrap="square" tIns="91425">
+            <a:bodyPr spcFirstLastPara="1" wrap="square" lIns="91425" tIns="91425" rIns="91425" bIns="91425" anchor="ctr" anchorCtr="0">
               <a:noAutofit/>
             </a:bodyPr>
             <a:lstStyle/>
             <a:p>
-              <a:pPr indent="0" lvl="0" marL="0" rtl="0" algn="l">
+              <a:pPr marL="0" lvl="0" indent="0" algn="l" rtl="0">
                 <a:spcBef>
                   <a:spcPts val="0"/>
                 </a:spcBef>
@@ -5113,9 +5122,6 @@
                 </a:spcAft>
                 <a:buNone/>
               </a:pPr>
-              <a:r>
-                <a:t/>
-              </a:r>
               <a:endParaRPr/>
             </a:p>
           </p:txBody>
@@ -5133,7 +5139,7 @@
             </a:xfrm>
             <a:prstGeom prst="diagStripe">
               <a:avLst>
-                <a:gd fmla="val 50000" name="adj"/>
+                <a:gd name="adj" fmla="val 50000"/>
               </a:avLst>
             </a:prstGeom>
             <a:solidFill>
@@ -5146,12 +5152,12 @@
             </a:ln>
           </p:spPr>
           <p:txBody>
-            <a:bodyPr anchorCtr="0" anchor="ctr" bIns="91425" lIns="91425" spcFirstLastPara="1" rIns="91425" wrap="square" tIns="91425">
+            <a:bodyPr spcFirstLastPara="1" wrap="square" lIns="91425" tIns="91425" rIns="91425" bIns="91425" anchor="ctr" anchorCtr="0">
               <a:noAutofit/>
             </a:bodyPr>
             <a:lstStyle/>
             <a:p>
-              <a:pPr indent="0" lvl="0" marL="0" rtl="0" algn="l">
+              <a:pPr marL="0" lvl="0" indent="0" algn="l" rtl="0">
                 <a:spcBef>
                   <a:spcPts val="0"/>
                 </a:spcBef>
@@ -5160,9 +5166,6 @@
                 </a:spcAft>
                 <a:buNone/>
               </a:pPr>
-              <a:r>
-                <a:t/>
-              </a:r>
               <a:endParaRPr/>
             </a:p>
           </p:txBody>
@@ -5180,7 +5183,7 @@
             </a:xfrm>
             <a:prstGeom prst="diagStripe">
               <a:avLst>
-                <a:gd fmla="val 50000" name="adj"/>
+                <a:gd name="adj" fmla="val 50000"/>
               </a:avLst>
             </a:prstGeom>
             <a:solidFill>
@@ -5193,12 +5196,12 @@
             </a:ln>
           </p:spPr>
           <p:txBody>
-            <a:bodyPr anchorCtr="0" anchor="ctr" bIns="91425" lIns="91425" spcFirstLastPara="1" rIns="91425" wrap="square" tIns="91425">
+            <a:bodyPr spcFirstLastPara="1" wrap="square" lIns="91425" tIns="91425" rIns="91425" bIns="91425" anchor="ctr" anchorCtr="0">
               <a:noAutofit/>
             </a:bodyPr>
             <a:lstStyle/>
             <a:p>
-              <a:pPr indent="0" lvl="0" marL="0" rtl="0" algn="l">
+              <a:pPr marL="0" lvl="0" indent="0" algn="l" rtl="0">
                 <a:spcBef>
                   <a:spcPts val="0"/>
                 </a:spcBef>
@@ -5207,9 +5210,6 @@
                 </a:spcAft>
                 <a:buNone/>
               </a:pPr>
-              <a:r>
-                <a:t/>
-              </a:r>
               <a:endParaRPr/>
             </a:p>
           </p:txBody>
@@ -5218,7 +5218,9 @@
       <p:sp>
         <p:nvSpPr>
           <p:cNvPr id="39" name="Google Shape;39;p3"/>
-          <p:cNvSpPr txBox="1"/>
+          <p:cNvSpPr txBox="1">
+            <a:spLocks noGrp="1"/>
+          </p:cNvSpPr>
           <p:nvPr>
             <p:ph type="title"/>
           </p:nvPr>
@@ -5233,7 +5235,7 @@
           </a:prstGeom>
         </p:spPr>
         <p:txBody>
-          <a:bodyPr anchorCtr="0" anchor="ctr" bIns="91425" lIns="91425" spcFirstLastPara="1" rIns="91425" wrap="square" tIns="91425">
+          <a:bodyPr spcFirstLastPara="1" wrap="square" lIns="91425" tIns="91425" rIns="91425" bIns="91425" anchor="ctr" anchorCtr="0">
             <a:normAutofit/>
           </a:bodyPr>
           <a:lstStyle>
@@ -5337,15 +5339,19 @@
               <a:defRPr/>
             </a:lvl9pPr>
           </a:lstStyle>
-          <a:p/>
+          <a:p>
+            <a:endParaRPr/>
+          </a:p>
         </p:txBody>
       </p:sp>
       <p:sp>
         <p:nvSpPr>
           <p:cNvPr id="40" name="Google Shape;40;p3"/>
-          <p:cNvSpPr txBox="1"/>
+          <p:cNvSpPr txBox="1">
+            <a:spLocks noGrp="1"/>
+          </p:cNvSpPr>
           <p:nvPr>
-            <p:ph idx="12" type="sldNum"/>
+            <p:ph type="sldNum" idx="12"/>
           </p:nvPr>
         </p:nvSpPr>
         <p:spPr>
@@ -5358,7 +5364,7 @@
           </a:prstGeom>
         </p:spPr>
         <p:txBody>
-          <a:bodyPr anchorCtr="0" anchor="ctr" bIns="91425" lIns="91425" spcFirstLastPara="1" rIns="91425" wrap="square" tIns="91425">
+          <a:bodyPr spcFirstLastPara="1" wrap="square" lIns="91425" tIns="91425" rIns="91425" bIns="91425" anchor="ctr" anchorCtr="0">
             <a:normAutofit/>
           </a:bodyPr>
           <a:lstStyle>
@@ -5400,7 +5406,7 @@
             </a:lvl9pPr>
           </a:lstStyle>
           <a:p>
-            <a:pPr indent="0" lvl="0" marL="0" rtl="0" algn="r">
+            <a:pPr marL="0" lvl="0" indent="0" algn="r" rtl="0">
               <a:spcBef>
                 <a:spcPts val="0"/>
               </a:spcBef>
@@ -5426,11 +5432,11 @@
 </file>
 
 <file path=ppt/slideLayouts/slideLayout3.xml><?xml version="1.0" encoding="utf-8"?>
-<p:sldLayout xmlns:a="http://schemas.openxmlformats.org/drawingml/2006/main" xmlns:r="http://schemas.openxmlformats.org/officeDocument/2006/relationships" xmlns:mc="http://schemas.openxmlformats.org/markup-compatibility/2006" xmlns:mv="urn:schemas-microsoft-com:mac:vml" xmlns:p="http://schemas.openxmlformats.org/presentationml/2006/main" xmlns:c="http://schemas.openxmlformats.org/drawingml/2006/chart" xmlns:dgm="http://schemas.openxmlformats.org/drawingml/2006/diagram" xmlns:o="urn:schemas-microsoft-com:office:office" xmlns:v="urn:schemas-microsoft-com:vml" xmlns:pvml="urn:schemas-microsoft-com:office:powerpoint" xmlns:com="http://schemas.openxmlformats.org/drawingml/2006/compatibility" xmlns:p14="http://schemas.microsoft.com/office/powerpoint/2010/main" xmlns:p15="http://schemas.microsoft.com/office/powerpoint/2012/main" xmlns:ahyp="http://schemas.microsoft.com/office/drawing/2018/hyperlinkcolor" matchingName="Title and body" type="tx">
+<p:sldLayout xmlns:a="http://schemas.openxmlformats.org/drawingml/2006/main" xmlns:r="http://schemas.openxmlformats.org/officeDocument/2006/relationships" xmlns:p="http://schemas.openxmlformats.org/presentationml/2006/main" matchingName="Title and body" type="tx">
   <p:cSld name="TITLE_AND_BODY">
     <p:spTree>
       <p:nvGrpSpPr>
-        <p:cNvPr id="41" name="Shape 41"/>
+        <p:cNvPr id="1" name="Shape 41"/>
         <p:cNvGrpSpPr/>
         <p:nvPr/>
       </p:nvGrpSpPr>
@@ -5469,7 +5475,7 @@
             </a:xfrm>
             <a:prstGeom prst="diagStripe">
               <a:avLst>
-                <a:gd fmla="val 50000" name="adj"/>
+                <a:gd name="adj" fmla="val 50000"/>
               </a:avLst>
             </a:prstGeom>
             <a:solidFill>
@@ -5480,12 +5486,12 @@
             </a:ln>
           </p:spPr>
           <p:txBody>
-            <a:bodyPr anchorCtr="0" anchor="ctr" bIns="91425" lIns="91425" spcFirstLastPara="1" rIns="91425" wrap="square" tIns="91425">
+            <a:bodyPr spcFirstLastPara="1" wrap="square" lIns="91425" tIns="91425" rIns="91425" bIns="91425" anchor="ctr" anchorCtr="0">
               <a:noAutofit/>
             </a:bodyPr>
             <a:lstStyle/>
             <a:p>
-              <a:pPr indent="0" lvl="0" marL="0" rtl="0" algn="l">
+              <a:pPr marL="0" lvl="0" indent="0" algn="l" rtl="0">
                 <a:spcBef>
                   <a:spcPts val="0"/>
                 </a:spcBef>
@@ -5494,9 +5500,6 @@
                 </a:spcAft>
                 <a:buNone/>
               </a:pPr>
-              <a:r>
-                <a:t/>
-              </a:r>
               <a:endParaRPr/>
             </a:p>
           </p:txBody>
@@ -5514,7 +5517,7 @@
             </a:xfrm>
             <a:prstGeom prst="diagStripe">
               <a:avLst>
-                <a:gd fmla="val 50000" name="adj"/>
+                <a:gd name="adj" fmla="val 50000"/>
               </a:avLst>
             </a:prstGeom>
             <a:solidFill>
@@ -5525,12 +5528,12 @@
             </a:ln>
           </p:spPr>
           <p:txBody>
-            <a:bodyPr anchorCtr="0" anchor="ctr" bIns="91425" lIns="91425" spcFirstLastPara="1" rIns="91425" wrap="square" tIns="91425">
+            <a:bodyPr spcFirstLastPara="1" wrap="square" lIns="91425" tIns="91425" rIns="91425" bIns="91425" anchor="ctr" anchorCtr="0">
               <a:noAutofit/>
             </a:bodyPr>
             <a:lstStyle/>
             <a:p>
-              <a:pPr indent="0" lvl="0" marL="0" rtl="0" algn="l">
+              <a:pPr marL="0" lvl="0" indent="0" algn="l" rtl="0">
                 <a:spcBef>
                   <a:spcPts val="0"/>
                 </a:spcBef>
@@ -5539,9 +5542,6 @@
                 </a:spcAft>
                 <a:buNone/>
               </a:pPr>
-              <a:r>
-                <a:t/>
-              </a:r>
               <a:endParaRPr/>
             </a:p>
           </p:txBody>
@@ -5550,7 +5550,9 @@
       <p:sp>
         <p:nvSpPr>
           <p:cNvPr id="45" name="Google Shape;45;p4"/>
-          <p:cNvSpPr txBox="1"/>
+          <p:cNvSpPr txBox="1">
+            <a:spLocks noGrp="1"/>
+          </p:cNvSpPr>
           <p:nvPr>
             <p:ph type="title"/>
           </p:nvPr>
@@ -5565,7 +5567,7 @@
           </a:prstGeom>
         </p:spPr>
         <p:txBody>
-          <a:bodyPr anchorCtr="0" anchor="t" bIns="91425" lIns="91425" spcFirstLastPara="1" rIns="91425" wrap="square" tIns="91425">
+          <a:bodyPr spcFirstLastPara="1" wrap="square" lIns="91425" tIns="91425" rIns="91425" bIns="91425" anchor="t" anchorCtr="0">
             <a:normAutofit/>
           </a:bodyPr>
           <a:lstStyle>
@@ -5669,15 +5671,19 @@
               <a:defRPr sz="2400"/>
             </a:lvl9pPr>
           </a:lstStyle>
-          <a:p/>
+          <a:p>
+            <a:endParaRPr/>
+          </a:p>
         </p:txBody>
       </p:sp>
       <p:sp>
         <p:nvSpPr>
           <p:cNvPr id="46" name="Google Shape;46;p4"/>
-          <p:cNvSpPr txBox="1"/>
+          <p:cNvSpPr txBox="1">
+            <a:spLocks noGrp="1"/>
+          </p:cNvSpPr>
           <p:nvPr>
-            <p:ph idx="1" type="body"/>
+            <p:ph type="body" idx="1"/>
           </p:nvPr>
         </p:nvSpPr>
         <p:spPr>
@@ -5690,11 +5696,11 @@
           </a:prstGeom>
         </p:spPr>
         <p:txBody>
-          <a:bodyPr anchorCtr="0" anchor="t" bIns="91425" lIns="91425" spcFirstLastPara="1" rIns="91425" wrap="square" tIns="91425">
+          <a:bodyPr spcFirstLastPara="1" wrap="square" lIns="91425" tIns="91425" rIns="91425" bIns="91425" anchor="t" anchorCtr="0">
             <a:normAutofit/>
           </a:bodyPr>
           <a:lstStyle>
-            <a:lvl1pPr indent="-311150" lvl="0" marL="457200">
+            <a:lvl1pPr marL="457200" lvl="0" indent="-311150">
               <a:spcBef>
                 <a:spcPts val="0"/>
               </a:spcBef>
@@ -5705,7 +5711,7 @@
               <a:buChar char="●"/>
               <a:defRPr/>
             </a:lvl1pPr>
-            <a:lvl2pPr indent="-298450" lvl="1" marL="914400">
+            <a:lvl2pPr marL="914400" lvl="1" indent="-298450">
               <a:spcBef>
                 <a:spcPts val="0"/>
               </a:spcBef>
@@ -5716,7 +5722,7 @@
               <a:buChar char="○"/>
               <a:defRPr/>
             </a:lvl2pPr>
-            <a:lvl3pPr indent="-298450" lvl="2" marL="1371600">
+            <a:lvl3pPr marL="1371600" lvl="2" indent="-298450">
               <a:spcBef>
                 <a:spcPts val="0"/>
               </a:spcBef>
@@ -5727,7 +5733,7 @@
               <a:buChar char="■"/>
               <a:defRPr/>
             </a:lvl3pPr>
-            <a:lvl4pPr indent="-298450" lvl="3" marL="1828800">
+            <a:lvl4pPr marL="1828800" lvl="3" indent="-298450">
               <a:spcBef>
                 <a:spcPts val="0"/>
               </a:spcBef>
@@ -5738,7 +5744,7 @@
               <a:buChar char="●"/>
               <a:defRPr/>
             </a:lvl4pPr>
-            <a:lvl5pPr indent="-298450" lvl="4" marL="2286000">
+            <a:lvl5pPr marL="2286000" lvl="4" indent="-298450">
               <a:spcBef>
                 <a:spcPts val="0"/>
               </a:spcBef>
@@ -5749,7 +5755,7 @@
               <a:buChar char="○"/>
               <a:defRPr/>
             </a:lvl5pPr>
-            <a:lvl6pPr indent="-298450" lvl="5" marL="2743200">
+            <a:lvl6pPr marL="2743200" lvl="5" indent="-298450">
               <a:spcBef>
                 <a:spcPts val="0"/>
               </a:spcBef>
@@ -5760,7 +5766,7 @@
               <a:buChar char="■"/>
               <a:defRPr/>
             </a:lvl6pPr>
-            <a:lvl7pPr indent="-298450" lvl="6" marL="3200400">
+            <a:lvl7pPr marL="3200400" lvl="6" indent="-298450">
               <a:spcBef>
                 <a:spcPts val="0"/>
               </a:spcBef>
@@ -5771,7 +5777,7 @@
               <a:buChar char="●"/>
               <a:defRPr/>
             </a:lvl7pPr>
-            <a:lvl8pPr indent="-298450" lvl="7" marL="3657600">
+            <a:lvl8pPr marL="3657600" lvl="7" indent="-298450">
               <a:spcBef>
                 <a:spcPts val="0"/>
               </a:spcBef>
@@ -5782,7 +5788,7 @@
               <a:buChar char="○"/>
               <a:defRPr/>
             </a:lvl8pPr>
-            <a:lvl9pPr indent="-298450" lvl="8" marL="4114800">
+            <a:lvl9pPr marL="4114800" lvl="8" indent="-298450">
               <a:spcBef>
                 <a:spcPts val="0"/>
               </a:spcBef>
@@ -5794,15 +5800,19 @@
               <a:defRPr/>
             </a:lvl9pPr>
           </a:lstStyle>
-          <a:p/>
+          <a:p>
+            <a:endParaRPr/>
+          </a:p>
         </p:txBody>
       </p:sp>
       <p:sp>
         <p:nvSpPr>
           <p:cNvPr id="47" name="Google Shape;47;p4"/>
-          <p:cNvSpPr txBox="1"/>
+          <p:cNvSpPr txBox="1">
+            <a:spLocks noGrp="1"/>
+          </p:cNvSpPr>
           <p:nvPr>
-            <p:ph idx="12" type="sldNum"/>
+            <p:ph type="sldNum" idx="12"/>
           </p:nvPr>
         </p:nvSpPr>
         <p:spPr>
@@ -5815,7 +5825,7 @@
           </a:prstGeom>
         </p:spPr>
         <p:txBody>
-          <a:bodyPr anchorCtr="0" anchor="ctr" bIns="91425" lIns="91425" spcFirstLastPara="1" rIns="91425" wrap="square" tIns="91425">
+          <a:bodyPr spcFirstLastPara="1" wrap="square" lIns="91425" tIns="91425" rIns="91425" bIns="91425" anchor="ctr" anchorCtr="0">
             <a:normAutofit/>
           </a:bodyPr>
           <a:lstStyle>
@@ -5857,7 +5867,7 @@
             </a:lvl9pPr>
           </a:lstStyle>
           <a:p>
-            <a:pPr indent="0" lvl="0" marL="0" rtl="0" algn="r">
+            <a:pPr marL="0" lvl="0" indent="0" algn="r" rtl="0">
               <a:spcBef>
                 <a:spcPts val="0"/>
               </a:spcBef>
@@ -5883,11 +5893,11 @@
 </file>
 
 <file path=ppt/slideLayouts/slideLayout4.xml><?xml version="1.0" encoding="utf-8"?>
-<p:sldLayout xmlns:a="http://schemas.openxmlformats.org/drawingml/2006/main" xmlns:r="http://schemas.openxmlformats.org/officeDocument/2006/relationships" xmlns:mc="http://schemas.openxmlformats.org/markup-compatibility/2006" xmlns:mv="urn:schemas-microsoft-com:mac:vml" xmlns:p="http://schemas.openxmlformats.org/presentationml/2006/main" xmlns:c="http://schemas.openxmlformats.org/drawingml/2006/chart" xmlns:dgm="http://schemas.openxmlformats.org/drawingml/2006/diagram" xmlns:o="urn:schemas-microsoft-com:office:office" xmlns:v="urn:schemas-microsoft-com:vml" xmlns:pvml="urn:schemas-microsoft-com:office:powerpoint" xmlns:com="http://schemas.openxmlformats.org/drawingml/2006/compatibility" xmlns:p14="http://schemas.microsoft.com/office/powerpoint/2010/main" xmlns:p15="http://schemas.microsoft.com/office/powerpoint/2012/main" xmlns:ahyp="http://schemas.microsoft.com/office/drawing/2018/hyperlinkcolor" matchingName="Title and two columns" type="twoColTx">
+<p:sldLayout xmlns:a="http://schemas.openxmlformats.org/drawingml/2006/main" xmlns:r="http://schemas.openxmlformats.org/officeDocument/2006/relationships" xmlns:p="http://schemas.openxmlformats.org/presentationml/2006/main" matchingName="Title and two columns" type="twoColTx">
   <p:cSld name="TITLE_AND_TWO_COLUMNS">
     <p:spTree>
       <p:nvGrpSpPr>
-        <p:cNvPr id="48" name="Shape 48"/>
+        <p:cNvPr id="1" name="Shape 48"/>
         <p:cNvGrpSpPr/>
         <p:nvPr/>
       </p:nvGrpSpPr>
@@ -5926,7 +5936,7 @@
             </a:xfrm>
             <a:prstGeom prst="diagStripe">
               <a:avLst>
-                <a:gd fmla="val 50000" name="adj"/>
+                <a:gd name="adj" fmla="val 50000"/>
               </a:avLst>
             </a:prstGeom>
             <a:solidFill>
@@ -5937,12 +5947,12 @@
             </a:ln>
           </p:spPr>
           <p:txBody>
-            <a:bodyPr anchorCtr="0" anchor="ctr" bIns="91425" lIns="91425" spcFirstLastPara="1" rIns="91425" wrap="square" tIns="91425">
+            <a:bodyPr spcFirstLastPara="1" wrap="square" lIns="91425" tIns="91425" rIns="91425" bIns="91425" anchor="ctr" anchorCtr="0">
               <a:noAutofit/>
             </a:bodyPr>
             <a:lstStyle/>
             <a:p>
-              <a:pPr indent="0" lvl="0" marL="0" rtl="0" algn="l">
+              <a:pPr marL="0" lvl="0" indent="0" algn="l" rtl="0">
                 <a:spcBef>
                   <a:spcPts val="0"/>
                 </a:spcBef>
@@ -5951,9 +5961,6 @@
                 </a:spcAft>
                 <a:buNone/>
               </a:pPr>
-              <a:r>
-                <a:t/>
-              </a:r>
               <a:endParaRPr/>
             </a:p>
           </p:txBody>
@@ -5971,7 +5978,7 @@
             </a:xfrm>
             <a:prstGeom prst="diagStripe">
               <a:avLst>
-                <a:gd fmla="val 50000" name="adj"/>
+                <a:gd name="adj" fmla="val 50000"/>
               </a:avLst>
             </a:prstGeom>
             <a:solidFill>
@@ -5982,12 +5989,12 @@
             </a:ln>
           </p:spPr>
           <p:txBody>
-            <a:bodyPr anchorCtr="0" anchor="ctr" bIns="91425" lIns="91425" spcFirstLastPara="1" rIns="91425" wrap="square" tIns="91425">
+            <a:bodyPr spcFirstLastPara="1" wrap="square" lIns="91425" tIns="91425" rIns="91425" bIns="91425" anchor="ctr" anchorCtr="0">
               <a:noAutofit/>
             </a:bodyPr>
             <a:lstStyle/>
             <a:p>
-              <a:pPr indent="0" lvl="0" marL="0" rtl="0" algn="l">
+              <a:pPr marL="0" lvl="0" indent="0" algn="l" rtl="0">
                 <a:spcBef>
                   <a:spcPts val="0"/>
                 </a:spcBef>
@@ -5996,9 +6003,6 @@
                 </a:spcAft>
                 <a:buNone/>
               </a:pPr>
-              <a:r>
-                <a:t/>
-              </a:r>
               <a:endParaRPr/>
             </a:p>
           </p:txBody>
@@ -6007,7 +6011,9 @@
       <p:sp>
         <p:nvSpPr>
           <p:cNvPr id="52" name="Google Shape;52;p5"/>
-          <p:cNvSpPr txBox="1"/>
+          <p:cNvSpPr txBox="1">
+            <a:spLocks noGrp="1"/>
+          </p:cNvSpPr>
           <p:nvPr>
             <p:ph type="title"/>
           </p:nvPr>
@@ -6022,7 +6028,7 @@
           </a:prstGeom>
         </p:spPr>
         <p:txBody>
-          <a:bodyPr anchorCtr="0" anchor="t" bIns="91425" lIns="91425" spcFirstLastPara="1" rIns="91425" wrap="square" tIns="91425">
+          <a:bodyPr spcFirstLastPara="1" wrap="square" lIns="91425" tIns="91425" rIns="91425" bIns="91425" anchor="t" anchorCtr="0">
             <a:normAutofit/>
           </a:bodyPr>
           <a:lstStyle>
@@ -6126,15 +6132,19 @@
               <a:defRPr sz="2400"/>
             </a:lvl9pPr>
           </a:lstStyle>
-          <a:p/>
+          <a:p>
+            <a:endParaRPr/>
+          </a:p>
         </p:txBody>
       </p:sp>
       <p:sp>
         <p:nvSpPr>
           <p:cNvPr id="53" name="Google Shape;53;p5"/>
-          <p:cNvSpPr txBox="1"/>
+          <p:cNvSpPr txBox="1">
+            <a:spLocks noGrp="1"/>
+          </p:cNvSpPr>
           <p:nvPr>
-            <p:ph idx="1" type="body"/>
+            <p:ph type="body" idx="1"/>
           </p:nvPr>
         </p:nvSpPr>
         <p:spPr>
@@ -6147,11 +6157,11 @@
           </a:prstGeom>
         </p:spPr>
         <p:txBody>
-          <a:bodyPr anchorCtr="0" anchor="t" bIns="91425" lIns="91425" spcFirstLastPara="1" rIns="91425" wrap="square" tIns="91425">
+          <a:bodyPr spcFirstLastPara="1" wrap="square" lIns="91425" tIns="91425" rIns="91425" bIns="91425" anchor="t" anchorCtr="0">
             <a:normAutofit/>
           </a:bodyPr>
           <a:lstStyle>
-            <a:lvl1pPr indent="-311150" lvl="0" marL="457200">
+            <a:lvl1pPr marL="457200" lvl="0" indent="-311150">
               <a:spcBef>
                 <a:spcPts val="0"/>
               </a:spcBef>
@@ -6162,7 +6172,7 @@
               <a:buChar char="●"/>
               <a:defRPr/>
             </a:lvl1pPr>
-            <a:lvl2pPr indent="-298450" lvl="1" marL="914400">
+            <a:lvl2pPr marL="914400" lvl="1" indent="-298450">
               <a:spcBef>
                 <a:spcPts val="0"/>
               </a:spcBef>
@@ -6173,7 +6183,7 @@
               <a:buChar char="○"/>
               <a:defRPr/>
             </a:lvl2pPr>
-            <a:lvl3pPr indent="-298450" lvl="2" marL="1371600">
+            <a:lvl3pPr marL="1371600" lvl="2" indent="-298450">
               <a:spcBef>
                 <a:spcPts val="0"/>
               </a:spcBef>
@@ -6184,7 +6194,7 @@
               <a:buChar char="■"/>
               <a:defRPr/>
             </a:lvl3pPr>
-            <a:lvl4pPr indent="-298450" lvl="3" marL="1828800">
+            <a:lvl4pPr marL="1828800" lvl="3" indent="-298450">
               <a:spcBef>
                 <a:spcPts val="0"/>
               </a:spcBef>
@@ -6195,7 +6205,7 @@
               <a:buChar char="●"/>
               <a:defRPr/>
             </a:lvl4pPr>
-            <a:lvl5pPr indent="-298450" lvl="4" marL="2286000">
+            <a:lvl5pPr marL="2286000" lvl="4" indent="-298450">
               <a:spcBef>
                 <a:spcPts val="0"/>
               </a:spcBef>
@@ -6206,7 +6216,7 @@
               <a:buChar char="○"/>
               <a:defRPr/>
             </a:lvl5pPr>
-            <a:lvl6pPr indent="-298450" lvl="5" marL="2743200">
+            <a:lvl6pPr marL="2743200" lvl="5" indent="-298450">
               <a:spcBef>
                 <a:spcPts val="0"/>
               </a:spcBef>
@@ -6217,7 +6227,7 @@
               <a:buChar char="■"/>
               <a:defRPr/>
             </a:lvl6pPr>
-            <a:lvl7pPr indent="-298450" lvl="6" marL="3200400">
+            <a:lvl7pPr marL="3200400" lvl="6" indent="-298450">
               <a:spcBef>
                 <a:spcPts val="0"/>
               </a:spcBef>
@@ -6228,7 +6238,7 @@
               <a:buChar char="●"/>
               <a:defRPr/>
             </a:lvl7pPr>
-            <a:lvl8pPr indent="-298450" lvl="7" marL="3657600">
+            <a:lvl8pPr marL="3657600" lvl="7" indent="-298450">
               <a:spcBef>
                 <a:spcPts val="0"/>
               </a:spcBef>
@@ -6239,7 +6249,7 @@
               <a:buChar char="○"/>
               <a:defRPr/>
             </a:lvl8pPr>
-            <a:lvl9pPr indent="-298450" lvl="8" marL="4114800">
+            <a:lvl9pPr marL="4114800" lvl="8" indent="-298450">
               <a:spcBef>
                 <a:spcPts val="0"/>
               </a:spcBef>
@@ -6251,15 +6261,19 @@
               <a:defRPr/>
             </a:lvl9pPr>
           </a:lstStyle>
-          <a:p/>
+          <a:p>
+            <a:endParaRPr/>
+          </a:p>
         </p:txBody>
       </p:sp>
       <p:sp>
         <p:nvSpPr>
           <p:cNvPr id="54" name="Google Shape;54;p5"/>
-          <p:cNvSpPr txBox="1"/>
+          <p:cNvSpPr txBox="1">
+            <a:spLocks noGrp="1"/>
+          </p:cNvSpPr>
           <p:nvPr>
-            <p:ph idx="2" type="body"/>
+            <p:ph type="body" idx="2"/>
           </p:nvPr>
         </p:nvSpPr>
         <p:spPr>
@@ -6272,11 +6286,11 @@
           </a:prstGeom>
         </p:spPr>
         <p:txBody>
-          <a:bodyPr anchorCtr="0" anchor="t" bIns="91425" lIns="91425" spcFirstLastPara="1" rIns="91425" wrap="square" tIns="91425">
+          <a:bodyPr spcFirstLastPara="1" wrap="square" lIns="91425" tIns="91425" rIns="91425" bIns="91425" anchor="t" anchorCtr="0">
             <a:normAutofit/>
           </a:bodyPr>
           <a:lstStyle>
-            <a:lvl1pPr indent="-311150" lvl="0" marL="457200">
+            <a:lvl1pPr marL="457200" lvl="0" indent="-311150">
               <a:spcBef>
                 <a:spcPts val="0"/>
               </a:spcBef>
@@ -6287,7 +6301,7 @@
               <a:buChar char="●"/>
               <a:defRPr/>
             </a:lvl1pPr>
-            <a:lvl2pPr indent="-298450" lvl="1" marL="914400">
+            <a:lvl2pPr marL="914400" lvl="1" indent="-298450">
               <a:spcBef>
                 <a:spcPts val="0"/>
               </a:spcBef>
@@ -6298,7 +6312,7 @@
               <a:buChar char="○"/>
               <a:defRPr/>
             </a:lvl2pPr>
-            <a:lvl3pPr indent="-298450" lvl="2" marL="1371600">
+            <a:lvl3pPr marL="1371600" lvl="2" indent="-298450">
               <a:spcBef>
                 <a:spcPts val="0"/>
               </a:spcBef>
@@ -6309,7 +6323,7 @@
               <a:buChar char="■"/>
               <a:defRPr/>
             </a:lvl3pPr>
-            <a:lvl4pPr indent="-298450" lvl="3" marL="1828800">
+            <a:lvl4pPr marL="1828800" lvl="3" indent="-298450">
               <a:spcBef>
                 <a:spcPts val="0"/>
               </a:spcBef>
@@ -6320,7 +6334,7 @@
               <a:buChar char="●"/>
               <a:defRPr/>
             </a:lvl4pPr>
-            <a:lvl5pPr indent="-298450" lvl="4" marL="2286000">
+            <a:lvl5pPr marL="2286000" lvl="4" indent="-298450">
               <a:spcBef>
                 <a:spcPts val="0"/>
               </a:spcBef>
@@ -6331,7 +6345,7 @@
               <a:buChar char="○"/>
               <a:defRPr/>
             </a:lvl5pPr>
-            <a:lvl6pPr indent="-298450" lvl="5" marL="2743200">
+            <a:lvl6pPr marL="2743200" lvl="5" indent="-298450">
               <a:spcBef>
                 <a:spcPts val="0"/>
               </a:spcBef>
@@ -6342,7 +6356,7 @@
               <a:buChar char="■"/>
               <a:defRPr/>
             </a:lvl6pPr>
-            <a:lvl7pPr indent="-298450" lvl="6" marL="3200400">
+            <a:lvl7pPr marL="3200400" lvl="6" indent="-298450">
               <a:spcBef>
                 <a:spcPts val="0"/>
               </a:spcBef>
@@ -6353,7 +6367,7 @@
               <a:buChar char="●"/>
               <a:defRPr/>
             </a:lvl7pPr>
-            <a:lvl8pPr indent="-298450" lvl="7" marL="3657600">
+            <a:lvl8pPr marL="3657600" lvl="7" indent="-298450">
               <a:spcBef>
                 <a:spcPts val="0"/>
               </a:spcBef>
@@ -6364,7 +6378,7 @@
               <a:buChar char="○"/>
               <a:defRPr/>
             </a:lvl8pPr>
-            <a:lvl9pPr indent="-298450" lvl="8" marL="4114800">
+            <a:lvl9pPr marL="4114800" lvl="8" indent="-298450">
               <a:spcBef>
                 <a:spcPts val="0"/>
               </a:spcBef>
@@ -6376,15 +6390,19 @@
               <a:defRPr/>
             </a:lvl9pPr>
           </a:lstStyle>
-          <a:p/>
+          <a:p>
+            <a:endParaRPr/>
+          </a:p>
         </p:txBody>
       </p:sp>
       <p:sp>
         <p:nvSpPr>
           <p:cNvPr id="55" name="Google Shape;55;p5"/>
-          <p:cNvSpPr txBox="1"/>
+          <p:cNvSpPr txBox="1">
+            <a:spLocks noGrp="1"/>
+          </p:cNvSpPr>
           <p:nvPr>
-            <p:ph idx="12" type="sldNum"/>
+            <p:ph type="sldNum" idx="12"/>
           </p:nvPr>
         </p:nvSpPr>
         <p:spPr>
@@ -6397,7 +6415,7 @@
           </a:prstGeom>
         </p:spPr>
         <p:txBody>
-          <a:bodyPr anchorCtr="0" anchor="ctr" bIns="91425" lIns="91425" spcFirstLastPara="1" rIns="91425" wrap="square" tIns="91425">
+          <a:bodyPr spcFirstLastPara="1" wrap="square" lIns="91425" tIns="91425" rIns="91425" bIns="91425" anchor="ctr" anchorCtr="0">
             <a:normAutofit/>
           </a:bodyPr>
           <a:lstStyle>
@@ -6439,7 +6457,7 @@
             </a:lvl9pPr>
           </a:lstStyle>
           <a:p>
-            <a:pPr indent="0" lvl="0" marL="0" rtl="0" algn="r">
+            <a:pPr marL="0" lvl="0" indent="0" algn="r" rtl="0">
               <a:spcBef>
                 <a:spcPts val="0"/>
               </a:spcBef>
@@ -6465,11 +6483,11 @@
 </file>
 
 <file path=ppt/slideLayouts/slideLayout5.xml><?xml version="1.0" encoding="utf-8"?>
-<p:sldLayout xmlns:a="http://schemas.openxmlformats.org/drawingml/2006/main" xmlns:r="http://schemas.openxmlformats.org/officeDocument/2006/relationships" xmlns:mc="http://schemas.openxmlformats.org/markup-compatibility/2006" xmlns:mv="urn:schemas-microsoft-com:mac:vml" xmlns:p="http://schemas.openxmlformats.org/presentationml/2006/main" xmlns:c="http://schemas.openxmlformats.org/drawingml/2006/chart" xmlns:dgm="http://schemas.openxmlformats.org/drawingml/2006/diagram" xmlns:o="urn:schemas-microsoft-com:office:office" xmlns:v="urn:schemas-microsoft-com:vml" xmlns:pvml="urn:schemas-microsoft-com:office:powerpoint" xmlns:com="http://schemas.openxmlformats.org/drawingml/2006/compatibility" xmlns:p14="http://schemas.microsoft.com/office/powerpoint/2010/main" xmlns:p15="http://schemas.microsoft.com/office/powerpoint/2012/main" xmlns:ahyp="http://schemas.microsoft.com/office/drawing/2018/hyperlinkcolor" matchingName="Title only" type="titleOnly">
+<p:sldLayout xmlns:a="http://schemas.openxmlformats.org/drawingml/2006/main" xmlns:r="http://schemas.openxmlformats.org/officeDocument/2006/relationships" xmlns:p="http://schemas.openxmlformats.org/presentationml/2006/main" matchingName="Title only" type="titleOnly">
   <p:cSld name="TITLE_ONLY">
     <p:spTree>
       <p:nvGrpSpPr>
-        <p:cNvPr id="56" name="Shape 56"/>
+        <p:cNvPr id="1" name="Shape 56"/>
         <p:cNvGrpSpPr/>
         <p:nvPr/>
       </p:nvGrpSpPr>
@@ -6508,7 +6526,7 @@
             </a:xfrm>
             <a:prstGeom prst="diagStripe">
               <a:avLst>
-                <a:gd fmla="val 50000" name="adj"/>
+                <a:gd name="adj" fmla="val 50000"/>
               </a:avLst>
             </a:prstGeom>
             <a:solidFill>
@@ -6519,12 +6537,12 @@
             </a:ln>
           </p:spPr>
           <p:txBody>
-            <a:bodyPr anchorCtr="0" anchor="ctr" bIns="91425" lIns="91425" spcFirstLastPara="1" rIns="91425" wrap="square" tIns="91425">
+            <a:bodyPr spcFirstLastPara="1" wrap="square" lIns="91425" tIns="91425" rIns="91425" bIns="91425" anchor="ctr" anchorCtr="0">
               <a:noAutofit/>
             </a:bodyPr>
             <a:lstStyle/>
             <a:p>
-              <a:pPr indent="0" lvl="0" marL="0" rtl="0" algn="l">
+              <a:pPr marL="0" lvl="0" indent="0" algn="l" rtl="0">
                 <a:spcBef>
                   <a:spcPts val="0"/>
                 </a:spcBef>
@@ -6533,9 +6551,6 @@
                 </a:spcAft>
                 <a:buNone/>
               </a:pPr>
-              <a:r>
-                <a:t/>
-              </a:r>
               <a:endParaRPr/>
             </a:p>
           </p:txBody>
@@ -6553,7 +6568,7 @@
             </a:xfrm>
             <a:prstGeom prst="diagStripe">
               <a:avLst>
-                <a:gd fmla="val 50000" name="adj"/>
+                <a:gd name="adj" fmla="val 50000"/>
               </a:avLst>
             </a:prstGeom>
             <a:solidFill>
@@ -6564,12 +6579,12 @@
             </a:ln>
           </p:spPr>
           <p:txBody>
-            <a:bodyPr anchorCtr="0" anchor="ctr" bIns="91425" lIns="91425" spcFirstLastPara="1" rIns="91425" wrap="square" tIns="91425">
+            <a:bodyPr spcFirstLastPara="1" wrap="square" lIns="91425" tIns="91425" rIns="91425" bIns="91425" anchor="ctr" anchorCtr="0">
               <a:noAutofit/>
             </a:bodyPr>
             <a:lstStyle/>
             <a:p>
-              <a:pPr indent="0" lvl="0" marL="0" rtl="0" algn="l">
+              <a:pPr marL="0" lvl="0" indent="0" algn="l" rtl="0">
                 <a:spcBef>
                   <a:spcPts val="0"/>
                 </a:spcBef>
@@ -6578,9 +6593,6 @@
                 </a:spcAft>
                 <a:buNone/>
               </a:pPr>
-              <a:r>
-                <a:t/>
-              </a:r>
               <a:endParaRPr/>
             </a:p>
           </p:txBody>
@@ -6589,7 +6601,9 @@
       <p:sp>
         <p:nvSpPr>
           <p:cNvPr id="60" name="Google Shape;60;p6"/>
-          <p:cNvSpPr txBox="1"/>
+          <p:cNvSpPr txBox="1">
+            <a:spLocks noGrp="1"/>
+          </p:cNvSpPr>
           <p:nvPr>
             <p:ph type="title"/>
           </p:nvPr>
@@ -6604,7 +6618,7 @@
           </a:prstGeom>
         </p:spPr>
         <p:txBody>
-          <a:bodyPr anchorCtr="0" anchor="t" bIns="91425" lIns="91425" spcFirstLastPara="1" rIns="91425" wrap="square" tIns="91425">
+          <a:bodyPr spcFirstLastPara="1" wrap="square" lIns="91425" tIns="91425" rIns="91425" bIns="91425" anchor="t" anchorCtr="0">
             <a:normAutofit/>
           </a:bodyPr>
           <a:lstStyle>
@@ -6708,15 +6722,19 @@
               <a:defRPr sz="2400"/>
             </a:lvl9pPr>
           </a:lstStyle>
-          <a:p/>
+          <a:p>
+            <a:endParaRPr/>
+          </a:p>
         </p:txBody>
       </p:sp>
       <p:sp>
         <p:nvSpPr>
           <p:cNvPr id="61" name="Google Shape;61;p6"/>
-          <p:cNvSpPr txBox="1"/>
+          <p:cNvSpPr txBox="1">
+            <a:spLocks noGrp="1"/>
+          </p:cNvSpPr>
           <p:nvPr>
-            <p:ph idx="12" type="sldNum"/>
+            <p:ph type="sldNum" idx="12"/>
           </p:nvPr>
         </p:nvSpPr>
         <p:spPr>
@@ -6729,7 +6747,7 @@
           </a:prstGeom>
         </p:spPr>
         <p:txBody>
-          <a:bodyPr anchorCtr="0" anchor="ctr" bIns="91425" lIns="91425" spcFirstLastPara="1" rIns="91425" wrap="square" tIns="91425">
+          <a:bodyPr spcFirstLastPara="1" wrap="square" lIns="91425" tIns="91425" rIns="91425" bIns="91425" anchor="ctr" anchorCtr="0">
             <a:normAutofit/>
           </a:bodyPr>
           <a:lstStyle>
@@ -6771,7 +6789,7 @@
             </a:lvl9pPr>
           </a:lstStyle>
           <a:p>
-            <a:pPr indent="0" lvl="0" marL="0" rtl="0" algn="r">
+            <a:pPr marL="0" lvl="0" indent="0" algn="r" rtl="0">
               <a:spcBef>
                 <a:spcPts val="0"/>
               </a:spcBef>
@@ -6797,11 +6815,11 @@
 </file>
 
 <file path=ppt/slideLayouts/slideLayout6.xml><?xml version="1.0" encoding="utf-8"?>
-<p:sldLayout xmlns:a="http://schemas.openxmlformats.org/drawingml/2006/main" xmlns:r="http://schemas.openxmlformats.org/officeDocument/2006/relationships" xmlns:mc="http://schemas.openxmlformats.org/markup-compatibility/2006" xmlns:mv="urn:schemas-microsoft-com:mac:vml" xmlns:p="http://schemas.openxmlformats.org/presentationml/2006/main" xmlns:c="http://schemas.openxmlformats.org/drawingml/2006/chart" xmlns:dgm="http://schemas.openxmlformats.org/drawingml/2006/diagram" xmlns:o="urn:schemas-microsoft-com:office:office" xmlns:v="urn:schemas-microsoft-com:vml" xmlns:pvml="urn:schemas-microsoft-com:office:powerpoint" xmlns:com="http://schemas.openxmlformats.org/drawingml/2006/compatibility" xmlns:p14="http://schemas.microsoft.com/office/powerpoint/2010/main" xmlns:p15="http://schemas.microsoft.com/office/powerpoint/2012/main" xmlns:ahyp="http://schemas.microsoft.com/office/drawing/2018/hyperlinkcolor" matchingName="One column text">
+<p:sldLayout xmlns:a="http://schemas.openxmlformats.org/drawingml/2006/main" xmlns:r="http://schemas.openxmlformats.org/officeDocument/2006/relationships" xmlns:p="http://schemas.openxmlformats.org/presentationml/2006/main" matchingName="One column text">
   <p:cSld name="ONE_COLUMN_TEXT">
     <p:spTree>
       <p:nvGrpSpPr>
-        <p:cNvPr id="62" name="Shape 62"/>
+        <p:cNvPr id="1" name="Shape 62"/>
         <p:cNvGrpSpPr/>
         <p:nvPr/>
       </p:nvGrpSpPr>
@@ -6840,7 +6858,7 @@
             </a:xfrm>
             <a:prstGeom prst="diagStripe">
               <a:avLst>
-                <a:gd fmla="val 50000" name="adj"/>
+                <a:gd name="adj" fmla="val 50000"/>
               </a:avLst>
             </a:prstGeom>
             <a:solidFill>
@@ -6851,12 +6869,12 @@
             </a:ln>
           </p:spPr>
           <p:txBody>
-            <a:bodyPr anchorCtr="0" anchor="ctr" bIns="91425" lIns="91425" spcFirstLastPara="1" rIns="91425" wrap="square" tIns="91425">
+            <a:bodyPr spcFirstLastPara="1" wrap="square" lIns="91425" tIns="91425" rIns="91425" bIns="91425" anchor="ctr" anchorCtr="0">
               <a:noAutofit/>
             </a:bodyPr>
             <a:lstStyle/>
             <a:p>
-              <a:pPr indent="0" lvl="0" marL="0" rtl="0" algn="l">
+              <a:pPr marL="0" lvl="0" indent="0" algn="l" rtl="0">
                 <a:spcBef>
                   <a:spcPts val="0"/>
                 </a:spcBef>
@@ -6865,9 +6883,6 @@
                 </a:spcAft>
                 <a:buNone/>
               </a:pPr>
-              <a:r>
-                <a:t/>
-              </a:r>
               <a:endParaRPr/>
             </a:p>
           </p:txBody>
@@ -6885,7 +6900,7 @@
             </a:xfrm>
             <a:prstGeom prst="diagStripe">
               <a:avLst>
-                <a:gd fmla="val 50000" name="adj"/>
+                <a:gd name="adj" fmla="val 50000"/>
               </a:avLst>
             </a:prstGeom>
             <a:solidFill>
@@ -6896,12 +6911,12 @@
             </a:ln>
           </p:spPr>
           <p:txBody>
-            <a:bodyPr anchorCtr="0" anchor="ctr" bIns="91425" lIns="91425" spcFirstLastPara="1" rIns="91425" wrap="square" tIns="91425">
+            <a:bodyPr spcFirstLastPara="1" wrap="square" lIns="91425" tIns="91425" rIns="91425" bIns="91425" anchor="ctr" anchorCtr="0">
               <a:noAutofit/>
             </a:bodyPr>
             <a:lstStyle/>
             <a:p>
-              <a:pPr indent="0" lvl="0" marL="0" rtl="0" algn="l">
+              <a:pPr marL="0" lvl="0" indent="0" algn="l" rtl="0">
                 <a:spcBef>
                   <a:spcPts val="0"/>
                 </a:spcBef>
@@ -6910,9 +6925,6 @@
                 </a:spcAft>
                 <a:buNone/>
               </a:pPr>
-              <a:r>
-                <a:t/>
-              </a:r>
               <a:endParaRPr/>
             </a:p>
           </p:txBody>
@@ -6921,7 +6933,9 @@
       <p:sp>
         <p:nvSpPr>
           <p:cNvPr id="66" name="Google Shape;66;p7"/>
-          <p:cNvSpPr txBox="1"/>
+          <p:cNvSpPr txBox="1">
+            <a:spLocks noGrp="1"/>
+          </p:cNvSpPr>
           <p:nvPr>
             <p:ph type="title"/>
           </p:nvPr>
@@ -6936,7 +6950,7 @@
           </a:prstGeom>
         </p:spPr>
         <p:txBody>
-          <a:bodyPr anchorCtr="0" anchor="t" bIns="91425" lIns="91425" spcFirstLastPara="1" rIns="91425" wrap="square" tIns="91425">
+          <a:bodyPr spcFirstLastPara="1" wrap="square" lIns="91425" tIns="91425" rIns="91425" bIns="91425" anchor="t" anchorCtr="0">
             <a:normAutofit/>
           </a:bodyPr>
           <a:lstStyle>
@@ -7040,15 +7054,19 @@
               <a:defRPr sz="2400"/>
             </a:lvl9pPr>
           </a:lstStyle>
-          <a:p/>
+          <a:p>
+            <a:endParaRPr/>
+          </a:p>
         </p:txBody>
       </p:sp>
       <p:sp>
         <p:nvSpPr>
           <p:cNvPr id="67" name="Google Shape;67;p7"/>
-          <p:cNvSpPr txBox="1"/>
+          <p:cNvSpPr txBox="1">
+            <a:spLocks noGrp="1"/>
+          </p:cNvSpPr>
           <p:nvPr>
-            <p:ph idx="1" type="body"/>
+            <p:ph type="body" idx="1"/>
           </p:nvPr>
         </p:nvSpPr>
         <p:spPr>
@@ -7061,11 +7079,11 @@
           </a:prstGeom>
         </p:spPr>
         <p:txBody>
-          <a:bodyPr anchorCtr="0" anchor="t" bIns="91425" lIns="91425" spcFirstLastPara="1" rIns="91425" wrap="square" tIns="91425">
+          <a:bodyPr spcFirstLastPara="1" wrap="square" lIns="91425" tIns="91425" rIns="91425" bIns="91425" anchor="t" anchorCtr="0">
             <a:normAutofit/>
           </a:bodyPr>
           <a:lstStyle>
-            <a:lvl1pPr indent="-311150" lvl="0" marL="457200">
+            <a:lvl1pPr marL="457200" lvl="0" indent="-311150">
               <a:spcBef>
                 <a:spcPts val="0"/>
               </a:spcBef>
@@ -7076,7 +7094,7 @@
               <a:buChar char="●"/>
               <a:defRPr/>
             </a:lvl1pPr>
-            <a:lvl2pPr indent="-298450" lvl="1" marL="914400">
+            <a:lvl2pPr marL="914400" lvl="1" indent="-298450">
               <a:spcBef>
                 <a:spcPts val="0"/>
               </a:spcBef>
@@ -7087,7 +7105,7 @@
               <a:buChar char="○"/>
               <a:defRPr/>
             </a:lvl2pPr>
-            <a:lvl3pPr indent="-298450" lvl="2" marL="1371600">
+            <a:lvl3pPr marL="1371600" lvl="2" indent="-298450">
               <a:spcBef>
                 <a:spcPts val="0"/>
               </a:spcBef>
@@ -7098,7 +7116,7 @@
               <a:buChar char="■"/>
               <a:defRPr/>
             </a:lvl3pPr>
-            <a:lvl4pPr indent="-298450" lvl="3" marL="1828800">
+            <a:lvl4pPr marL="1828800" lvl="3" indent="-298450">
               <a:spcBef>
                 <a:spcPts val="0"/>
               </a:spcBef>
@@ -7109,7 +7127,7 @@
               <a:buChar char="●"/>
               <a:defRPr/>
             </a:lvl4pPr>
-            <a:lvl5pPr indent="-298450" lvl="4" marL="2286000">
+            <a:lvl5pPr marL="2286000" lvl="4" indent="-298450">
               <a:spcBef>
                 <a:spcPts val="0"/>
               </a:spcBef>
@@ -7120,7 +7138,7 @@
               <a:buChar char="○"/>
               <a:defRPr/>
             </a:lvl5pPr>
-            <a:lvl6pPr indent="-298450" lvl="5" marL="2743200">
+            <a:lvl6pPr marL="2743200" lvl="5" indent="-298450">
               <a:spcBef>
                 <a:spcPts val="0"/>
               </a:spcBef>
@@ -7131,7 +7149,7 @@
               <a:buChar char="■"/>
               <a:defRPr/>
             </a:lvl6pPr>
-            <a:lvl7pPr indent="-298450" lvl="6" marL="3200400">
+            <a:lvl7pPr marL="3200400" lvl="6" indent="-298450">
               <a:spcBef>
                 <a:spcPts val="0"/>
               </a:spcBef>
@@ -7142,7 +7160,7 @@
               <a:buChar char="●"/>
               <a:defRPr/>
             </a:lvl7pPr>
-            <a:lvl8pPr indent="-298450" lvl="7" marL="3657600">
+            <a:lvl8pPr marL="3657600" lvl="7" indent="-298450">
               <a:spcBef>
                 <a:spcPts val="0"/>
               </a:spcBef>
@@ -7153,7 +7171,7 @@
               <a:buChar char="○"/>
               <a:defRPr/>
             </a:lvl8pPr>
-            <a:lvl9pPr indent="-298450" lvl="8" marL="4114800">
+            <a:lvl9pPr marL="4114800" lvl="8" indent="-298450">
               <a:spcBef>
                 <a:spcPts val="0"/>
               </a:spcBef>
@@ -7165,15 +7183,19 @@
               <a:defRPr/>
             </a:lvl9pPr>
           </a:lstStyle>
-          <a:p/>
+          <a:p>
+            <a:endParaRPr/>
+          </a:p>
         </p:txBody>
       </p:sp>
       <p:sp>
         <p:nvSpPr>
           <p:cNvPr id="68" name="Google Shape;68;p7"/>
-          <p:cNvSpPr txBox="1"/>
+          <p:cNvSpPr txBox="1">
+            <a:spLocks noGrp="1"/>
+          </p:cNvSpPr>
           <p:nvPr>
-            <p:ph idx="12" type="sldNum"/>
+            <p:ph type="sldNum" idx="12"/>
           </p:nvPr>
         </p:nvSpPr>
         <p:spPr>
@@ -7186,7 +7208,7 @@
           </a:prstGeom>
         </p:spPr>
         <p:txBody>
-          <a:bodyPr anchorCtr="0" anchor="ctr" bIns="91425" lIns="91425" spcFirstLastPara="1" rIns="91425" wrap="square" tIns="91425">
+          <a:bodyPr spcFirstLastPara="1" wrap="square" lIns="91425" tIns="91425" rIns="91425" bIns="91425" anchor="ctr" anchorCtr="0">
             <a:normAutofit/>
           </a:bodyPr>
           <a:lstStyle>
@@ -7228,7 +7250,7 @@
             </a:lvl9pPr>
           </a:lstStyle>
           <a:p>
-            <a:pPr indent="0" lvl="0" marL="0" rtl="0" algn="r">
+            <a:pPr marL="0" lvl="0" indent="0" algn="r" rtl="0">
               <a:spcBef>
                 <a:spcPts val="0"/>
               </a:spcBef>
@@ -7254,11 +7276,11 @@
 </file>
 
 <file path=ppt/slideLayouts/slideLayout7.xml><?xml version="1.0" encoding="utf-8"?>
-<p:sldLayout xmlns:a="http://schemas.openxmlformats.org/drawingml/2006/main" xmlns:r="http://schemas.openxmlformats.org/officeDocument/2006/relationships" xmlns:mc="http://schemas.openxmlformats.org/markup-compatibility/2006" xmlns:mv="urn:schemas-microsoft-com:mac:vml" xmlns:p="http://schemas.openxmlformats.org/presentationml/2006/main" xmlns:c="http://schemas.openxmlformats.org/drawingml/2006/chart" xmlns:dgm="http://schemas.openxmlformats.org/drawingml/2006/diagram" xmlns:o="urn:schemas-microsoft-com:office:office" xmlns:v="urn:schemas-microsoft-com:vml" xmlns:pvml="urn:schemas-microsoft-com:office:powerpoint" xmlns:com="http://schemas.openxmlformats.org/drawingml/2006/compatibility" xmlns:p14="http://schemas.microsoft.com/office/powerpoint/2010/main" xmlns:p15="http://schemas.microsoft.com/office/powerpoint/2012/main" xmlns:ahyp="http://schemas.microsoft.com/office/drawing/2018/hyperlinkcolor" matchingName="Main point">
+<p:sldLayout xmlns:a="http://schemas.openxmlformats.org/drawingml/2006/main" xmlns:r="http://schemas.openxmlformats.org/officeDocument/2006/relationships" xmlns:p="http://schemas.openxmlformats.org/presentationml/2006/main" matchingName="Main point">
   <p:cSld name="MAIN_POINT">
     <p:spTree>
       <p:nvGrpSpPr>
-        <p:cNvPr id="69" name="Shape 69"/>
+        <p:cNvPr id="1" name="Shape 69"/>
         <p:cNvGrpSpPr/>
         <p:nvPr/>
       </p:nvGrpSpPr>
@@ -7297,7 +7319,7 @@
             </a:xfrm>
             <a:prstGeom prst="diagStripe">
               <a:avLst>
-                <a:gd fmla="val 49469" name="adj"/>
+                <a:gd name="adj" fmla="val 49469"/>
               </a:avLst>
             </a:prstGeom>
             <a:solidFill>
@@ -7310,12 +7332,12 @@
             </a:ln>
           </p:spPr>
           <p:txBody>
-            <a:bodyPr anchorCtr="0" anchor="ctr" bIns="91425" lIns="91425" spcFirstLastPara="1" rIns="91425" wrap="square" tIns="91425">
+            <a:bodyPr spcFirstLastPara="1" wrap="square" lIns="91425" tIns="91425" rIns="91425" bIns="91425" anchor="ctr" anchorCtr="0">
               <a:noAutofit/>
             </a:bodyPr>
             <a:lstStyle/>
             <a:p>
-              <a:pPr indent="0" lvl="0" marL="0" rtl="0" algn="l">
+              <a:pPr marL="0" lvl="0" indent="0" algn="l" rtl="0">
                 <a:spcBef>
                   <a:spcPts val="0"/>
                 </a:spcBef>
@@ -7324,9 +7346,6 @@
                 </a:spcAft>
                 <a:buNone/>
               </a:pPr>
-              <a:r>
-                <a:t/>
-              </a:r>
               <a:endParaRPr/>
             </a:p>
           </p:txBody>
@@ -7344,7 +7363,7 @@
             </a:xfrm>
             <a:prstGeom prst="diagStripe">
               <a:avLst>
-                <a:gd fmla="val 0" name="adj"/>
+                <a:gd name="adj" fmla="val 0"/>
               </a:avLst>
             </a:prstGeom>
             <a:solidFill>
@@ -7357,12 +7376,12 @@
             </a:ln>
           </p:spPr>
           <p:txBody>
-            <a:bodyPr anchorCtr="0" anchor="ctr" bIns="91425" lIns="91425" spcFirstLastPara="1" rIns="91425" wrap="square" tIns="91425">
+            <a:bodyPr spcFirstLastPara="1" wrap="square" lIns="91425" tIns="91425" rIns="91425" bIns="91425" anchor="ctr" anchorCtr="0">
               <a:noAutofit/>
             </a:bodyPr>
             <a:lstStyle/>
             <a:p>
-              <a:pPr indent="0" lvl="0" marL="0" rtl="0" algn="l">
+              <a:pPr marL="0" lvl="0" indent="0" algn="l" rtl="0">
                 <a:spcBef>
                   <a:spcPts val="0"/>
                 </a:spcBef>
@@ -7371,9 +7390,6 @@
                 </a:spcAft>
                 <a:buNone/>
               </a:pPr>
-              <a:r>
-                <a:t/>
-              </a:r>
               <a:endParaRPr/>
             </a:p>
           </p:txBody>
@@ -7391,7 +7407,7 @@
             </a:xfrm>
             <a:prstGeom prst="diagStripe">
               <a:avLst>
-                <a:gd fmla="val 50000" name="adj"/>
+                <a:gd name="adj" fmla="val 50000"/>
               </a:avLst>
             </a:prstGeom>
             <a:solidFill>
@@ -7404,12 +7420,12 @@
             </a:ln>
           </p:spPr>
           <p:txBody>
-            <a:bodyPr anchorCtr="0" anchor="ctr" bIns="91425" lIns="91425" spcFirstLastPara="1" rIns="91425" wrap="square" tIns="91425">
+            <a:bodyPr spcFirstLastPara="1" wrap="square" lIns="91425" tIns="91425" rIns="91425" bIns="91425" anchor="ctr" anchorCtr="0">
               <a:noAutofit/>
             </a:bodyPr>
             <a:lstStyle/>
             <a:p>
-              <a:pPr indent="0" lvl="0" marL="0" rtl="0" algn="l">
+              <a:pPr marL="0" lvl="0" indent="0" algn="l" rtl="0">
                 <a:spcBef>
                   <a:spcPts val="0"/>
                 </a:spcBef>
@@ -7418,9 +7434,6 @@
                 </a:spcAft>
                 <a:buNone/>
               </a:pPr>
-              <a:r>
-                <a:t/>
-              </a:r>
               <a:endParaRPr/>
             </a:p>
           </p:txBody>
@@ -7438,7 +7451,7 @@
             </a:xfrm>
             <a:prstGeom prst="diagStripe">
               <a:avLst>
-                <a:gd fmla="val 50000" name="adj"/>
+                <a:gd name="adj" fmla="val 50000"/>
               </a:avLst>
             </a:prstGeom>
             <a:solidFill>
@@ -7451,12 +7464,12 @@
             </a:ln>
           </p:spPr>
           <p:txBody>
-            <a:bodyPr anchorCtr="0" anchor="ctr" bIns="91425" lIns="91425" spcFirstLastPara="1" rIns="91425" wrap="square" tIns="91425">
+            <a:bodyPr spcFirstLastPara="1" wrap="square" lIns="91425" tIns="91425" rIns="91425" bIns="91425" anchor="ctr" anchorCtr="0">
               <a:noAutofit/>
             </a:bodyPr>
             <a:lstStyle/>
             <a:p>
-              <a:pPr indent="0" lvl="0" marL="0" rtl="0" algn="l">
+              <a:pPr marL="0" lvl="0" indent="0" algn="l" rtl="0">
                 <a:spcBef>
                   <a:spcPts val="0"/>
                 </a:spcBef>
@@ -7465,9 +7478,6 @@
                 </a:spcAft>
                 <a:buNone/>
               </a:pPr>
-              <a:r>
-                <a:t/>
-              </a:r>
               <a:endParaRPr/>
             </a:p>
           </p:txBody>
@@ -7485,7 +7495,7 @@
             </a:xfrm>
             <a:prstGeom prst="diagStripe">
               <a:avLst>
-                <a:gd fmla="val 50000" name="adj"/>
+                <a:gd name="adj" fmla="val 50000"/>
               </a:avLst>
             </a:prstGeom>
             <a:solidFill>
@@ -7498,12 +7508,12 @@
             </a:ln>
           </p:spPr>
           <p:txBody>
-            <a:bodyPr anchorCtr="0" anchor="ctr" bIns="91425" lIns="91425" spcFirstLastPara="1" rIns="91425" wrap="square" tIns="91425">
+            <a:bodyPr spcFirstLastPara="1" wrap="square" lIns="91425" tIns="91425" rIns="91425" bIns="91425" anchor="ctr" anchorCtr="0">
               <a:noAutofit/>
             </a:bodyPr>
             <a:lstStyle/>
             <a:p>
-              <a:pPr indent="0" lvl="0" marL="0" rtl="0" algn="l">
+              <a:pPr marL="0" lvl="0" indent="0" algn="l" rtl="0">
                 <a:spcBef>
                   <a:spcPts val="0"/>
                 </a:spcBef>
@@ -7512,9 +7522,6 @@
                 </a:spcAft>
                 <a:buNone/>
               </a:pPr>
-              <a:r>
-                <a:t/>
-              </a:r>
               <a:endParaRPr/>
             </a:p>
           </p:txBody>
@@ -7532,7 +7539,7 @@
             </a:xfrm>
             <a:prstGeom prst="diagStripe">
               <a:avLst>
-                <a:gd fmla="val 50000" name="adj"/>
+                <a:gd name="adj" fmla="val 50000"/>
               </a:avLst>
             </a:prstGeom>
             <a:solidFill>
@@ -7545,12 +7552,12 @@
             </a:ln>
           </p:spPr>
           <p:txBody>
-            <a:bodyPr anchorCtr="0" anchor="ctr" bIns="91425" lIns="91425" spcFirstLastPara="1" rIns="91425" wrap="square" tIns="91425">
+            <a:bodyPr spcFirstLastPara="1" wrap="square" lIns="91425" tIns="91425" rIns="91425" bIns="91425" anchor="ctr" anchorCtr="0">
               <a:noAutofit/>
             </a:bodyPr>
             <a:lstStyle/>
             <a:p>
-              <a:pPr indent="0" lvl="0" marL="0" rtl="0" algn="l">
+              <a:pPr marL="0" lvl="0" indent="0" algn="l" rtl="0">
                 <a:spcBef>
                   <a:spcPts val="0"/>
                 </a:spcBef>
@@ -7559,9 +7566,6 @@
                 </a:spcAft>
                 <a:buNone/>
               </a:pPr>
-              <a:r>
-                <a:t/>
-              </a:r>
               <a:endParaRPr/>
             </a:p>
           </p:txBody>
@@ -7579,7 +7583,7 @@
             </a:xfrm>
             <a:prstGeom prst="diagStripe">
               <a:avLst>
-                <a:gd fmla="val 50000" name="adj"/>
+                <a:gd name="adj" fmla="val 50000"/>
               </a:avLst>
             </a:prstGeom>
             <a:solidFill>
@@ -7592,12 +7596,12 @@
             </a:ln>
           </p:spPr>
           <p:txBody>
-            <a:bodyPr anchorCtr="0" anchor="ctr" bIns="91425" lIns="91425" spcFirstLastPara="1" rIns="91425" wrap="square" tIns="91425">
+            <a:bodyPr spcFirstLastPara="1" wrap="square" lIns="91425" tIns="91425" rIns="91425" bIns="91425" anchor="ctr" anchorCtr="0">
               <a:noAutofit/>
             </a:bodyPr>
             <a:lstStyle/>
             <a:p>
-              <a:pPr indent="0" lvl="0" marL="0" rtl="0" algn="l">
+              <a:pPr marL="0" lvl="0" indent="0" algn="l" rtl="0">
                 <a:spcBef>
                   <a:spcPts val="0"/>
                 </a:spcBef>
@@ -7606,9 +7610,6 @@
                 </a:spcAft>
                 <a:buNone/>
               </a:pPr>
-              <a:r>
-                <a:t/>
-              </a:r>
               <a:endParaRPr/>
             </a:p>
           </p:txBody>
@@ -7626,7 +7627,7 @@
             </a:xfrm>
             <a:prstGeom prst="diagStripe">
               <a:avLst>
-                <a:gd fmla="val 50000" name="adj"/>
+                <a:gd name="adj" fmla="val 50000"/>
               </a:avLst>
             </a:prstGeom>
             <a:solidFill>
@@ -7637,12 +7638,12 @@
             </a:ln>
           </p:spPr>
           <p:txBody>
-            <a:bodyPr anchorCtr="0" anchor="ctr" bIns="91425" lIns="91425" spcFirstLastPara="1" rIns="91425" wrap="square" tIns="91425">
+            <a:bodyPr spcFirstLastPara="1" wrap="square" lIns="91425" tIns="91425" rIns="91425" bIns="91425" anchor="ctr" anchorCtr="0">
               <a:noAutofit/>
             </a:bodyPr>
             <a:lstStyle/>
             <a:p>
-              <a:pPr indent="0" lvl="0" marL="0" rtl="0" algn="l">
+              <a:pPr marL="0" lvl="0" indent="0" algn="l" rtl="0">
                 <a:spcBef>
                   <a:spcPts val="0"/>
                 </a:spcBef>
@@ -7651,9 +7652,6 @@
                 </a:spcAft>
                 <a:buNone/>
               </a:pPr>
-              <a:r>
-                <a:t/>
-              </a:r>
               <a:endParaRPr/>
             </a:p>
           </p:txBody>
@@ -7671,7 +7669,7 @@
             </a:xfrm>
             <a:prstGeom prst="diagStripe">
               <a:avLst>
-                <a:gd fmla="val 50000" name="adj"/>
+                <a:gd name="adj" fmla="val 50000"/>
               </a:avLst>
             </a:prstGeom>
             <a:solidFill>
@@ -7684,12 +7682,12 @@
             </a:ln>
           </p:spPr>
           <p:txBody>
-            <a:bodyPr anchorCtr="0" anchor="ctr" bIns="91425" lIns="91425" spcFirstLastPara="1" rIns="91425" wrap="square" tIns="91425">
+            <a:bodyPr spcFirstLastPara="1" wrap="square" lIns="91425" tIns="91425" rIns="91425" bIns="91425" anchor="ctr" anchorCtr="0">
               <a:noAutofit/>
             </a:bodyPr>
             <a:lstStyle/>
             <a:p>
-              <a:pPr indent="0" lvl="0" marL="0" rtl="0" algn="l">
+              <a:pPr marL="0" lvl="0" indent="0" algn="l" rtl="0">
                 <a:spcBef>
                   <a:spcPts val="0"/>
                 </a:spcBef>
@@ -7698,9 +7696,6 @@
                 </a:spcAft>
                 <a:buNone/>
               </a:pPr>
-              <a:r>
-                <a:t/>
-              </a:r>
               <a:endParaRPr/>
             </a:p>
           </p:txBody>
@@ -7718,7 +7713,7 @@
             </a:xfrm>
             <a:prstGeom prst="diagStripe">
               <a:avLst>
-                <a:gd fmla="val 50000" name="adj"/>
+                <a:gd name="adj" fmla="val 50000"/>
               </a:avLst>
             </a:prstGeom>
             <a:solidFill>
@@ -7731,12 +7726,12 @@
             </a:ln>
           </p:spPr>
           <p:txBody>
-            <a:bodyPr anchorCtr="0" anchor="ctr" bIns="91425" lIns="91425" spcFirstLastPara="1" rIns="91425" wrap="square" tIns="91425">
+            <a:bodyPr spcFirstLastPara="1" wrap="square" lIns="91425" tIns="91425" rIns="91425" bIns="91425" anchor="ctr" anchorCtr="0">
               <a:noAutofit/>
             </a:bodyPr>
             <a:lstStyle/>
             <a:p>
-              <a:pPr indent="0" lvl="0" marL="0" rtl="0" algn="l">
+              <a:pPr marL="0" lvl="0" indent="0" algn="l" rtl="0">
                 <a:spcBef>
                   <a:spcPts val="0"/>
                 </a:spcBef>
@@ -7745,9 +7740,6 @@
                 </a:spcAft>
                 <a:buNone/>
               </a:pPr>
-              <a:r>
-                <a:t/>
-              </a:r>
               <a:endParaRPr/>
             </a:p>
           </p:txBody>
@@ -7765,7 +7757,7 @@
             </a:xfrm>
             <a:prstGeom prst="diagStripe">
               <a:avLst>
-                <a:gd fmla="val 50000" name="adj"/>
+                <a:gd name="adj" fmla="val 50000"/>
               </a:avLst>
             </a:prstGeom>
             <a:solidFill>
@@ -7778,12 +7770,12 @@
             </a:ln>
           </p:spPr>
           <p:txBody>
-            <a:bodyPr anchorCtr="0" anchor="ctr" bIns="91425" lIns="91425" spcFirstLastPara="1" rIns="91425" wrap="square" tIns="91425">
+            <a:bodyPr spcFirstLastPara="1" wrap="square" lIns="91425" tIns="91425" rIns="91425" bIns="91425" anchor="ctr" anchorCtr="0">
               <a:noAutofit/>
             </a:bodyPr>
             <a:lstStyle/>
             <a:p>
-              <a:pPr indent="0" lvl="0" marL="0" rtl="0" algn="l">
+              <a:pPr marL="0" lvl="0" indent="0" algn="l" rtl="0">
                 <a:spcBef>
                   <a:spcPts val="0"/>
                 </a:spcBef>
@@ -7792,9 +7784,6 @@
                 </a:spcAft>
                 <a:buNone/>
               </a:pPr>
-              <a:r>
-                <a:t/>
-              </a:r>
               <a:endParaRPr/>
             </a:p>
           </p:txBody>
@@ -7812,7 +7801,7 @@
             </a:xfrm>
             <a:prstGeom prst="diagStripe">
               <a:avLst>
-                <a:gd fmla="val 50000" name="adj"/>
+                <a:gd name="adj" fmla="val 50000"/>
               </a:avLst>
             </a:prstGeom>
             <a:solidFill>
@@ -7825,12 +7814,12 @@
             </a:ln>
           </p:spPr>
           <p:txBody>
-            <a:bodyPr anchorCtr="0" anchor="ctr" bIns="91425" lIns="91425" spcFirstLastPara="1" rIns="91425" wrap="square" tIns="91425">
+            <a:bodyPr spcFirstLastPara="1" wrap="square" lIns="91425" tIns="91425" rIns="91425" bIns="91425" anchor="ctr" anchorCtr="0">
               <a:noAutofit/>
             </a:bodyPr>
             <a:lstStyle/>
             <a:p>
-              <a:pPr indent="0" lvl="0" marL="0" rtl="0" algn="l">
+              <a:pPr marL="0" lvl="0" indent="0" algn="l" rtl="0">
                 <a:spcBef>
                   <a:spcPts val="0"/>
                 </a:spcBef>
@@ -7839,9 +7828,6 @@
                 </a:spcAft>
                 <a:buNone/>
               </a:pPr>
-              <a:r>
-                <a:t/>
-              </a:r>
               <a:endParaRPr/>
             </a:p>
           </p:txBody>
@@ -7859,7 +7845,7 @@
             </a:xfrm>
             <a:prstGeom prst="diagStripe">
               <a:avLst>
-                <a:gd fmla="val 50000" name="adj"/>
+                <a:gd name="adj" fmla="val 50000"/>
               </a:avLst>
             </a:prstGeom>
             <a:solidFill>
@@ -7872,12 +7858,12 @@
             </a:ln>
           </p:spPr>
           <p:txBody>
-            <a:bodyPr anchorCtr="0" anchor="ctr" bIns="91425" lIns="91425" spcFirstLastPara="1" rIns="91425" wrap="square" tIns="91425">
+            <a:bodyPr spcFirstLastPara="1" wrap="square" lIns="91425" tIns="91425" rIns="91425" bIns="91425" anchor="ctr" anchorCtr="0">
               <a:noAutofit/>
             </a:bodyPr>
             <a:lstStyle/>
             <a:p>
-              <a:pPr indent="0" lvl="0" marL="0" rtl="0" algn="l">
+              <a:pPr marL="0" lvl="0" indent="0" algn="l" rtl="0">
                 <a:spcBef>
                   <a:spcPts val="0"/>
                 </a:spcBef>
@@ -7886,9 +7872,6 @@
                 </a:spcAft>
                 <a:buNone/>
               </a:pPr>
-              <a:r>
-                <a:t/>
-              </a:r>
               <a:endParaRPr/>
             </a:p>
           </p:txBody>
@@ -7906,7 +7889,7 @@
             </a:xfrm>
             <a:prstGeom prst="diagStripe">
               <a:avLst>
-                <a:gd fmla="val 50000" name="adj"/>
+                <a:gd name="adj" fmla="val 50000"/>
               </a:avLst>
             </a:prstGeom>
             <a:solidFill>
@@ -7917,12 +7900,12 @@
             </a:ln>
           </p:spPr>
           <p:txBody>
-            <a:bodyPr anchorCtr="0" anchor="ctr" bIns="91425" lIns="91425" spcFirstLastPara="1" rIns="91425" wrap="square" tIns="91425">
+            <a:bodyPr spcFirstLastPara="1" wrap="square" lIns="91425" tIns="91425" rIns="91425" bIns="91425" anchor="ctr" anchorCtr="0">
               <a:noAutofit/>
             </a:bodyPr>
             <a:lstStyle/>
             <a:p>
-              <a:pPr indent="0" lvl="0" marL="0" rtl="0" algn="l">
+              <a:pPr marL="0" lvl="0" indent="0" algn="l" rtl="0">
                 <a:spcBef>
                   <a:spcPts val="0"/>
                 </a:spcBef>
@@ -7931,9 +7914,6 @@
                 </a:spcAft>
                 <a:buNone/>
               </a:pPr>
-              <a:r>
-                <a:t/>
-              </a:r>
               <a:endParaRPr/>
             </a:p>
           </p:txBody>
@@ -7951,7 +7931,7 @@
             </a:xfrm>
             <a:prstGeom prst="diagStripe">
               <a:avLst>
-                <a:gd fmla="val 50000" name="adj"/>
+                <a:gd name="adj" fmla="val 50000"/>
               </a:avLst>
             </a:prstGeom>
             <a:solidFill>
@@ -7964,12 +7944,12 @@
             </a:ln>
           </p:spPr>
           <p:txBody>
-            <a:bodyPr anchorCtr="0" anchor="ctr" bIns="91425" lIns="91425" spcFirstLastPara="1" rIns="91425" wrap="square" tIns="91425">
+            <a:bodyPr spcFirstLastPara="1" wrap="square" lIns="91425" tIns="91425" rIns="91425" bIns="91425" anchor="ctr" anchorCtr="0">
               <a:noAutofit/>
             </a:bodyPr>
             <a:lstStyle/>
             <a:p>
-              <a:pPr indent="0" lvl="0" marL="0" rtl="0" algn="l">
+              <a:pPr marL="0" lvl="0" indent="0" algn="l" rtl="0">
                 <a:spcBef>
                   <a:spcPts val="0"/>
                 </a:spcBef>
@@ -7978,9 +7958,6 @@
                 </a:spcAft>
                 <a:buNone/>
               </a:pPr>
-              <a:r>
-                <a:t/>
-              </a:r>
               <a:endParaRPr/>
             </a:p>
           </p:txBody>
@@ -7998,7 +7975,7 @@
             </a:xfrm>
             <a:prstGeom prst="diagStripe">
               <a:avLst>
-                <a:gd fmla="val 50000" name="adj"/>
+                <a:gd name="adj" fmla="val 50000"/>
               </a:avLst>
             </a:prstGeom>
             <a:solidFill>
@@ -8011,12 +7988,12 @@
             </a:ln>
           </p:spPr>
           <p:txBody>
-            <a:bodyPr anchorCtr="0" anchor="ctr" bIns="91425" lIns="91425" spcFirstLastPara="1" rIns="91425" wrap="square" tIns="91425">
+            <a:bodyPr spcFirstLastPara="1" wrap="square" lIns="91425" tIns="91425" rIns="91425" bIns="91425" anchor="ctr" anchorCtr="0">
               <a:noAutofit/>
             </a:bodyPr>
             <a:lstStyle/>
             <a:p>
-              <a:pPr indent="0" lvl="0" marL="0" rtl="0" algn="l">
+              <a:pPr marL="0" lvl="0" indent="0" algn="l" rtl="0">
                 <a:spcBef>
                   <a:spcPts val="0"/>
                 </a:spcBef>
@@ -8025,9 +8002,6 @@
                 </a:spcAft>
                 <a:buNone/>
               </a:pPr>
-              <a:r>
-                <a:t/>
-              </a:r>
               <a:endParaRPr/>
             </a:p>
           </p:txBody>
@@ -8045,7 +8019,7 @@
             </a:xfrm>
             <a:prstGeom prst="diagStripe">
               <a:avLst>
-                <a:gd fmla="val 50000" name="adj"/>
+                <a:gd name="adj" fmla="val 50000"/>
               </a:avLst>
             </a:prstGeom>
             <a:solidFill>
@@ -8058,12 +8032,12 @@
             </a:ln>
           </p:spPr>
           <p:txBody>
-            <a:bodyPr anchorCtr="0" anchor="ctr" bIns="91425" lIns="91425" spcFirstLastPara="1" rIns="91425" wrap="square" tIns="91425">
+            <a:bodyPr spcFirstLastPara="1" wrap="square" lIns="91425" tIns="91425" rIns="91425" bIns="91425" anchor="ctr" anchorCtr="0">
               <a:noAutofit/>
             </a:bodyPr>
             <a:lstStyle/>
             <a:p>
-              <a:pPr indent="0" lvl="0" marL="0" rtl="0" algn="l">
+              <a:pPr marL="0" lvl="0" indent="0" algn="l" rtl="0">
                 <a:spcBef>
                   <a:spcPts val="0"/>
                 </a:spcBef>
@@ -8072,9 +8046,6 @@
                 </a:spcAft>
                 <a:buNone/>
               </a:pPr>
-              <a:r>
-                <a:t/>
-              </a:r>
               <a:endParaRPr/>
             </a:p>
           </p:txBody>
@@ -8092,7 +8063,7 @@
             </a:xfrm>
             <a:prstGeom prst="diagStripe">
               <a:avLst>
-                <a:gd fmla="val 50000" name="adj"/>
+                <a:gd name="adj" fmla="val 50000"/>
               </a:avLst>
             </a:prstGeom>
             <a:solidFill>
@@ -8105,12 +8076,12 @@
             </a:ln>
           </p:spPr>
           <p:txBody>
-            <a:bodyPr anchorCtr="0" anchor="ctr" bIns="91425" lIns="91425" spcFirstLastPara="1" rIns="91425" wrap="square" tIns="91425">
+            <a:bodyPr spcFirstLastPara="1" wrap="square" lIns="91425" tIns="91425" rIns="91425" bIns="91425" anchor="ctr" anchorCtr="0">
               <a:noAutofit/>
             </a:bodyPr>
             <a:lstStyle/>
             <a:p>
-              <a:pPr indent="0" lvl="0" marL="0" rtl="0" algn="l">
+              <a:pPr marL="0" lvl="0" indent="0" algn="l" rtl="0">
                 <a:spcBef>
                   <a:spcPts val="0"/>
                 </a:spcBef>
@@ -8119,9 +8090,6 @@
                 </a:spcAft>
                 <a:buNone/>
               </a:pPr>
-              <a:r>
-                <a:t/>
-              </a:r>
               <a:endParaRPr/>
             </a:p>
           </p:txBody>
@@ -8130,7 +8098,9 @@
       <p:sp>
         <p:nvSpPr>
           <p:cNvPr id="89" name="Google Shape;89;p8"/>
-          <p:cNvSpPr txBox="1"/>
+          <p:cNvSpPr txBox="1">
+            <a:spLocks noGrp="1"/>
+          </p:cNvSpPr>
           <p:nvPr>
             <p:ph type="title"/>
           </p:nvPr>
@@ -8145,7 +8115,7 @@
           </a:prstGeom>
         </p:spPr>
         <p:txBody>
-          <a:bodyPr anchorCtr="0" anchor="ctr" bIns="91425" lIns="91425" spcFirstLastPara="1" rIns="91425" wrap="square" tIns="91425">
+          <a:bodyPr spcFirstLastPara="1" wrap="square" lIns="91425" tIns="91425" rIns="91425" bIns="91425" anchor="ctr" anchorCtr="0">
             <a:normAutofit/>
           </a:bodyPr>
           <a:lstStyle>
@@ -8249,15 +8219,19 @@
               <a:defRPr/>
             </a:lvl9pPr>
           </a:lstStyle>
-          <a:p/>
+          <a:p>
+            <a:endParaRPr/>
+          </a:p>
         </p:txBody>
       </p:sp>
       <p:sp>
         <p:nvSpPr>
           <p:cNvPr id="90" name="Google Shape;90;p8"/>
-          <p:cNvSpPr txBox="1"/>
+          <p:cNvSpPr txBox="1">
+            <a:spLocks noGrp="1"/>
+          </p:cNvSpPr>
           <p:nvPr>
-            <p:ph idx="12" type="sldNum"/>
+            <p:ph type="sldNum" idx="12"/>
           </p:nvPr>
         </p:nvSpPr>
         <p:spPr>
@@ -8270,7 +8244,7 @@
           </a:prstGeom>
         </p:spPr>
         <p:txBody>
-          <a:bodyPr anchorCtr="0" anchor="ctr" bIns="91425" lIns="91425" spcFirstLastPara="1" rIns="91425" wrap="square" tIns="91425">
+          <a:bodyPr spcFirstLastPara="1" wrap="square" lIns="91425" tIns="91425" rIns="91425" bIns="91425" anchor="ctr" anchorCtr="0">
             <a:normAutofit/>
           </a:bodyPr>
           <a:lstStyle>
@@ -8312,7 +8286,7 @@
             </a:lvl9pPr>
           </a:lstStyle>
           <a:p>
-            <a:pPr indent="0" lvl="0" marL="0" rtl="0" algn="r">
+            <a:pPr marL="0" lvl="0" indent="0" algn="r" rtl="0">
               <a:spcBef>
                 <a:spcPts val="0"/>
               </a:spcBef>
@@ -8338,11 +8312,11 @@
 </file>
 
 <file path=ppt/slideLayouts/slideLayout8.xml><?xml version="1.0" encoding="utf-8"?>
-<p:sldLayout xmlns:a="http://schemas.openxmlformats.org/drawingml/2006/main" xmlns:r="http://schemas.openxmlformats.org/officeDocument/2006/relationships" xmlns:mc="http://schemas.openxmlformats.org/markup-compatibility/2006" xmlns:mv="urn:schemas-microsoft-com:mac:vml" xmlns:p="http://schemas.openxmlformats.org/presentationml/2006/main" xmlns:c="http://schemas.openxmlformats.org/drawingml/2006/chart" xmlns:dgm="http://schemas.openxmlformats.org/drawingml/2006/diagram" xmlns:o="urn:schemas-microsoft-com:office:office" xmlns:v="urn:schemas-microsoft-com:vml" xmlns:pvml="urn:schemas-microsoft-com:office:powerpoint" xmlns:com="http://schemas.openxmlformats.org/drawingml/2006/compatibility" xmlns:p14="http://schemas.microsoft.com/office/powerpoint/2010/main" xmlns:p15="http://schemas.microsoft.com/office/powerpoint/2012/main" xmlns:ahyp="http://schemas.microsoft.com/office/drawing/2018/hyperlinkcolor" matchingName="Section title and description">
+<p:sldLayout xmlns:a="http://schemas.openxmlformats.org/drawingml/2006/main" xmlns:r="http://schemas.openxmlformats.org/officeDocument/2006/relationships" xmlns:p="http://schemas.openxmlformats.org/presentationml/2006/main" matchingName="Section title and description">
   <p:cSld name="SECTION_TITLE_AND_DESCRIPTION">
     <p:spTree>
       <p:nvGrpSpPr>
-        <p:cNvPr id="91" name="Shape 91"/>
+        <p:cNvPr id="1" name="Shape 91"/>
         <p:cNvGrpSpPr/>
         <p:nvPr/>
       </p:nvGrpSpPr>
@@ -8381,7 +8355,7 @@
             </a:xfrm>
             <a:prstGeom prst="diagStripe">
               <a:avLst>
-                <a:gd fmla="val 50000" name="adj"/>
+                <a:gd name="adj" fmla="val 50000"/>
               </a:avLst>
             </a:prstGeom>
             <a:solidFill>
@@ -8392,12 +8366,12 @@
             </a:ln>
           </p:spPr>
           <p:txBody>
-            <a:bodyPr anchorCtr="0" anchor="ctr" bIns="91425" lIns="91425" spcFirstLastPara="1" rIns="91425" wrap="square" tIns="91425">
+            <a:bodyPr spcFirstLastPara="1" wrap="square" lIns="91425" tIns="91425" rIns="91425" bIns="91425" anchor="ctr" anchorCtr="0">
               <a:noAutofit/>
             </a:bodyPr>
             <a:lstStyle/>
             <a:p>
-              <a:pPr indent="0" lvl="0" marL="0" rtl="0" algn="l">
+              <a:pPr marL="0" lvl="0" indent="0" algn="l" rtl="0">
                 <a:spcBef>
                   <a:spcPts val="0"/>
                 </a:spcBef>
@@ -8406,9 +8380,6 @@
                 </a:spcAft>
                 <a:buNone/>
               </a:pPr>
-              <a:r>
-                <a:t/>
-              </a:r>
               <a:endParaRPr/>
             </a:p>
           </p:txBody>
@@ -8426,7 +8397,7 @@
             </a:xfrm>
             <a:prstGeom prst="diagStripe">
               <a:avLst>
-                <a:gd fmla="val 50000" name="adj"/>
+                <a:gd name="adj" fmla="val 50000"/>
               </a:avLst>
             </a:prstGeom>
             <a:solidFill>
@@ -8437,12 +8408,12 @@
             </a:ln>
           </p:spPr>
           <p:txBody>
-            <a:bodyPr anchorCtr="0" anchor="ctr" bIns="91425" lIns="91425" spcFirstLastPara="1" rIns="91425" wrap="square" tIns="91425">
+            <a:bodyPr spcFirstLastPara="1" wrap="square" lIns="91425" tIns="91425" rIns="91425" bIns="91425" anchor="ctr" anchorCtr="0">
               <a:noAutofit/>
             </a:bodyPr>
             <a:lstStyle/>
             <a:p>
-              <a:pPr indent="0" lvl="0" marL="0" rtl="0" algn="l">
+              <a:pPr marL="0" lvl="0" indent="0" algn="l" rtl="0">
                 <a:spcBef>
                   <a:spcPts val="0"/>
                 </a:spcBef>
@@ -8451,9 +8422,6 @@
                 </a:spcAft>
                 <a:buNone/>
               </a:pPr>
-              <a:r>
-                <a:t/>
-              </a:r>
               <a:endParaRPr/>
             </a:p>
           </p:txBody>
@@ -8462,7 +8430,9 @@
       <p:sp>
         <p:nvSpPr>
           <p:cNvPr id="95" name="Google Shape;95;p9"/>
-          <p:cNvSpPr txBox="1"/>
+          <p:cNvSpPr txBox="1">
+            <a:spLocks noGrp="1"/>
+          </p:cNvSpPr>
           <p:nvPr>
             <p:ph type="title"/>
           </p:nvPr>
@@ -8477,7 +8447,7 @@
           </a:prstGeom>
         </p:spPr>
         <p:txBody>
-          <a:bodyPr anchorCtr="0" anchor="t" bIns="91425" lIns="91425" spcFirstLastPara="1" rIns="91425" wrap="square" tIns="91425">
+          <a:bodyPr spcFirstLastPara="1" wrap="square" lIns="91425" tIns="91425" rIns="91425" bIns="91425" anchor="t" anchorCtr="0">
             <a:normAutofit/>
           </a:bodyPr>
           <a:lstStyle>
@@ -8581,15 +8551,19 @@
               <a:defRPr sz="2400"/>
             </a:lvl9pPr>
           </a:lstStyle>
-          <a:p/>
+          <a:p>
+            <a:endParaRPr/>
+          </a:p>
         </p:txBody>
       </p:sp>
       <p:sp>
         <p:nvSpPr>
           <p:cNvPr id="96" name="Google Shape;96;p9"/>
-          <p:cNvSpPr txBox="1"/>
+          <p:cNvSpPr txBox="1">
+            <a:spLocks noGrp="1"/>
+          </p:cNvSpPr>
           <p:nvPr>
-            <p:ph idx="1" type="subTitle"/>
+            <p:ph type="subTitle" idx="1"/>
           </p:nvPr>
         </p:nvSpPr>
         <p:spPr>
@@ -8602,7 +8576,7 @@
           </a:prstGeom>
         </p:spPr>
         <p:txBody>
-          <a:bodyPr anchorCtr="0" anchor="t" bIns="91425" lIns="91425" spcFirstLastPara="1" rIns="91425" wrap="square" tIns="91425">
+          <a:bodyPr spcFirstLastPara="1" wrap="square" lIns="91425" tIns="91425" rIns="91425" bIns="91425" anchor="t" anchorCtr="0">
             <a:normAutofit/>
           </a:bodyPr>
           <a:lstStyle>
@@ -8733,15 +8707,19 @@
               <a:defRPr sz="1300"/>
             </a:lvl9pPr>
           </a:lstStyle>
-          <a:p/>
+          <a:p>
+            <a:endParaRPr/>
+          </a:p>
         </p:txBody>
       </p:sp>
       <p:sp>
         <p:nvSpPr>
           <p:cNvPr id="97" name="Google Shape;97;p9"/>
-          <p:cNvSpPr txBox="1"/>
+          <p:cNvSpPr txBox="1">
+            <a:spLocks noGrp="1"/>
+          </p:cNvSpPr>
           <p:nvPr>
-            <p:ph idx="2" type="body"/>
+            <p:ph type="body" idx="2"/>
           </p:nvPr>
         </p:nvSpPr>
         <p:spPr>
@@ -8754,11 +8732,11 @@
           </a:prstGeom>
         </p:spPr>
         <p:txBody>
-          <a:bodyPr anchorCtr="0" anchor="t" bIns="91425" lIns="91425" spcFirstLastPara="1" rIns="91425" wrap="square" tIns="91425">
+          <a:bodyPr spcFirstLastPara="1" wrap="square" lIns="91425" tIns="91425" rIns="91425" bIns="91425" anchor="t" anchorCtr="0">
             <a:normAutofit/>
           </a:bodyPr>
           <a:lstStyle>
-            <a:lvl1pPr indent="-311150" lvl="0" marL="457200">
+            <a:lvl1pPr marL="457200" lvl="0" indent="-311150">
               <a:spcBef>
                 <a:spcPts val="0"/>
               </a:spcBef>
@@ -8769,7 +8747,7 @@
               <a:buChar char="●"/>
               <a:defRPr/>
             </a:lvl1pPr>
-            <a:lvl2pPr indent="-298450" lvl="1" marL="914400">
+            <a:lvl2pPr marL="914400" lvl="1" indent="-298450">
               <a:spcBef>
                 <a:spcPts val="0"/>
               </a:spcBef>
@@ -8780,7 +8758,7 @@
               <a:buChar char="○"/>
               <a:defRPr/>
             </a:lvl2pPr>
-            <a:lvl3pPr indent="-298450" lvl="2" marL="1371600">
+            <a:lvl3pPr marL="1371600" lvl="2" indent="-298450">
               <a:spcBef>
                 <a:spcPts val="0"/>
               </a:spcBef>
@@ -8791,7 +8769,7 @@
               <a:buChar char="■"/>
               <a:defRPr/>
             </a:lvl3pPr>
-            <a:lvl4pPr indent="-298450" lvl="3" marL="1828800">
+            <a:lvl4pPr marL="1828800" lvl="3" indent="-298450">
               <a:spcBef>
                 <a:spcPts val="0"/>
               </a:spcBef>
@@ -8802,7 +8780,7 @@
               <a:buChar char="●"/>
               <a:defRPr/>
             </a:lvl4pPr>
-            <a:lvl5pPr indent="-298450" lvl="4" marL="2286000">
+            <a:lvl5pPr marL="2286000" lvl="4" indent="-298450">
               <a:spcBef>
                 <a:spcPts val="0"/>
               </a:spcBef>
@@ -8813,7 +8791,7 @@
               <a:buChar char="○"/>
               <a:defRPr/>
             </a:lvl5pPr>
-            <a:lvl6pPr indent="-298450" lvl="5" marL="2743200">
+            <a:lvl6pPr marL="2743200" lvl="5" indent="-298450">
               <a:spcBef>
                 <a:spcPts val="0"/>
               </a:spcBef>
@@ -8824,7 +8802,7 @@
               <a:buChar char="■"/>
               <a:defRPr/>
             </a:lvl6pPr>
-            <a:lvl7pPr indent="-298450" lvl="6" marL="3200400">
+            <a:lvl7pPr marL="3200400" lvl="6" indent="-298450">
               <a:spcBef>
                 <a:spcPts val="0"/>
               </a:spcBef>
@@ -8835,7 +8813,7 @@
               <a:buChar char="●"/>
               <a:defRPr/>
             </a:lvl7pPr>
-            <a:lvl8pPr indent="-298450" lvl="7" marL="3657600">
+            <a:lvl8pPr marL="3657600" lvl="7" indent="-298450">
               <a:spcBef>
                 <a:spcPts val="0"/>
               </a:spcBef>
@@ -8846,7 +8824,7 @@
               <a:buChar char="○"/>
               <a:defRPr/>
             </a:lvl8pPr>
-            <a:lvl9pPr indent="-298450" lvl="8" marL="4114800">
+            <a:lvl9pPr marL="4114800" lvl="8" indent="-298450">
               <a:spcBef>
                 <a:spcPts val="0"/>
               </a:spcBef>
@@ -8858,15 +8836,19 @@
               <a:defRPr/>
             </a:lvl9pPr>
           </a:lstStyle>
-          <a:p/>
+          <a:p>
+            <a:endParaRPr/>
+          </a:p>
         </p:txBody>
       </p:sp>
       <p:sp>
         <p:nvSpPr>
           <p:cNvPr id="98" name="Google Shape;98;p9"/>
-          <p:cNvSpPr txBox="1"/>
+          <p:cNvSpPr txBox="1">
+            <a:spLocks noGrp="1"/>
+          </p:cNvSpPr>
           <p:nvPr>
-            <p:ph idx="12" type="sldNum"/>
+            <p:ph type="sldNum" idx="12"/>
           </p:nvPr>
         </p:nvSpPr>
         <p:spPr>
@@ -8879,7 +8861,7 @@
           </a:prstGeom>
         </p:spPr>
         <p:txBody>
-          <a:bodyPr anchorCtr="0" anchor="ctr" bIns="91425" lIns="91425" spcFirstLastPara="1" rIns="91425" wrap="square" tIns="91425">
+          <a:bodyPr spcFirstLastPara="1" wrap="square" lIns="91425" tIns="91425" rIns="91425" bIns="91425" anchor="ctr" anchorCtr="0">
             <a:normAutofit/>
           </a:bodyPr>
           <a:lstStyle>
@@ -8921,7 +8903,7 @@
             </a:lvl9pPr>
           </a:lstStyle>
           <a:p>
-            <a:pPr indent="0" lvl="0" marL="0" rtl="0" algn="r">
+            <a:pPr marL="0" lvl="0" indent="0" algn="r" rtl="0">
               <a:spcBef>
                 <a:spcPts val="0"/>
               </a:spcBef>
@@ -8947,11 +8929,11 @@
 </file>
 
 <file path=ppt/slideLayouts/slideLayout9.xml><?xml version="1.0" encoding="utf-8"?>
-<p:sldLayout xmlns:a="http://schemas.openxmlformats.org/drawingml/2006/main" xmlns:r="http://schemas.openxmlformats.org/officeDocument/2006/relationships" xmlns:mc="http://schemas.openxmlformats.org/markup-compatibility/2006" xmlns:mv="urn:schemas-microsoft-com:mac:vml" xmlns:p="http://schemas.openxmlformats.org/presentationml/2006/main" xmlns:c="http://schemas.openxmlformats.org/drawingml/2006/chart" xmlns:dgm="http://schemas.openxmlformats.org/drawingml/2006/diagram" xmlns:o="urn:schemas-microsoft-com:office:office" xmlns:v="urn:schemas-microsoft-com:vml" xmlns:pvml="urn:schemas-microsoft-com:office:powerpoint" xmlns:com="http://schemas.openxmlformats.org/drawingml/2006/compatibility" xmlns:p14="http://schemas.microsoft.com/office/powerpoint/2010/main" xmlns:p15="http://schemas.microsoft.com/office/powerpoint/2012/main" xmlns:ahyp="http://schemas.microsoft.com/office/drawing/2018/hyperlinkcolor" matchingName="Caption">
+<p:sldLayout xmlns:a="http://schemas.openxmlformats.org/drawingml/2006/main" xmlns:r="http://schemas.openxmlformats.org/officeDocument/2006/relationships" xmlns:p="http://schemas.openxmlformats.org/presentationml/2006/main" matchingName="Caption">
   <p:cSld name="CAPTION_ONLY">
     <p:spTree>
       <p:nvGrpSpPr>
-        <p:cNvPr id="99" name="Shape 99"/>
+        <p:cNvPr id="1" name="Shape 99"/>
         <p:cNvGrpSpPr/>
         <p:nvPr/>
       </p:nvGrpSpPr>
@@ -8990,7 +8972,7 @@
             </a:xfrm>
             <a:prstGeom prst="diagStripe">
               <a:avLst>
-                <a:gd fmla="val 50000" name="adj"/>
+                <a:gd name="adj" fmla="val 50000"/>
               </a:avLst>
             </a:prstGeom>
             <a:solidFill>
@@ -9003,12 +8985,12 @@
             </a:ln>
           </p:spPr>
           <p:txBody>
-            <a:bodyPr anchorCtr="0" anchor="ctr" bIns="91425" lIns="91425" spcFirstLastPara="1" rIns="91425" wrap="square" tIns="91425">
+            <a:bodyPr spcFirstLastPara="1" wrap="square" lIns="91425" tIns="91425" rIns="91425" bIns="91425" anchor="ctr" anchorCtr="0">
               <a:noAutofit/>
             </a:bodyPr>
             <a:lstStyle/>
             <a:p>
-              <a:pPr indent="0" lvl="0" marL="0" rtl="0" algn="l">
+              <a:pPr marL="0" lvl="0" indent="0" algn="l" rtl="0">
                 <a:spcBef>
                   <a:spcPts val="0"/>
                 </a:spcBef>
@@ -9017,9 +8999,6 @@
                 </a:spcAft>
                 <a:buNone/>
               </a:pPr>
-              <a:r>
-                <a:t/>
-              </a:r>
               <a:endParaRPr/>
             </a:p>
           </p:txBody>
@@ -9037,7 +9016,7 @@
             </a:xfrm>
             <a:prstGeom prst="diagStripe">
               <a:avLst>
-                <a:gd fmla="val 50000" name="adj"/>
+                <a:gd name="adj" fmla="val 50000"/>
               </a:avLst>
             </a:prstGeom>
             <a:solidFill>
@@ -9050,12 +9029,12 @@
             </a:ln>
           </p:spPr>
           <p:txBody>
-            <a:bodyPr anchorCtr="0" anchor="ctr" bIns="91425" lIns="91425" spcFirstLastPara="1" rIns="91425" wrap="square" tIns="91425">
+            <a:bodyPr spcFirstLastPara="1" wrap="square" lIns="91425" tIns="91425" rIns="91425" bIns="91425" anchor="ctr" anchorCtr="0">
               <a:noAutofit/>
             </a:bodyPr>
             <a:lstStyle/>
             <a:p>
-              <a:pPr indent="0" lvl="0" marL="0" rtl="0" algn="l">
+              <a:pPr marL="0" lvl="0" indent="0" algn="l" rtl="0">
                 <a:spcBef>
                   <a:spcPts val="0"/>
                 </a:spcBef>
@@ -9064,9 +9043,6 @@
                 </a:spcAft>
                 <a:buNone/>
               </a:pPr>
-              <a:r>
-                <a:t/>
-              </a:r>
               <a:endParaRPr/>
             </a:p>
           </p:txBody>
@@ -9075,9 +9051,11 @@
       <p:sp>
         <p:nvSpPr>
           <p:cNvPr id="103" name="Google Shape;103;p10"/>
-          <p:cNvSpPr txBox="1"/>
+          <p:cNvSpPr txBox="1">
+            <a:spLocks noGrp="1"/>
+          </p:cNvSpPr>
           <p:nvPr>
-            <p:ph idx="1" type="body"/>
+            <p:ph type="body" idx="1"/>
           </p:nvPr>
         </p:nvSpPr>
         <p:spPr>
@@ -9090,11 +9068,11 @@
           </a:prstGeom>
         </p:spPr>
         <p:txBody>
-          <a:bodyPr anchorCtr="0" anchor="ctr" bIns="91425" lIns="91425" spcFirstLastPara="1" rIns="91425" wrap="square" tIns="91425">
+          <a:bodyPr spcFirstLastPara="1" wrap="square" lIns="91425" tIns="91425" rIns="91425" bIns="91425" anchor="ctr" anchorCtr="0">
             <a:normAutofit/>
           </a:bodyPr>
           <a:lstStyle>
-            <a:lvl1pPr indent="-228600" lvl="0" marL="457200">
+            <a:lvl1pPr marL="457200" lvl="0" indent="-228600">
               <a:lnSpc>
                 <a:spcPct val="100000"/>
               </a:lnSpc>
@@ -9109,15 +9087,19 @@
               <a:defRPr/>
             </a:lvl1pPr>
           </a:lstStyle>
-          <a:p/>
+          <a:p>
+            <a:endParaRPr/>
+          </a:p>
         </p:txBody>
       </p:sp>
       <p:sp>
         <p:nvSpPr>
           <p:cNvPr id="104" name="Google Shape;104;p10"/>
-          <p:cNvSpPr txBox="1"/>
+          <p:cNvSpPr txBox="1">
+            <a:spLocks noGrp="1"/>
+          </p:cNvSpPr>
           <p:nvPr>
-            <p:ph idx="12" type="sldNum"/>
+            <p:ph type="sldNum" idx="12"/>
           </p:nvPr>
         </p:nvSpPr>
         <p:spPr>
@@ -9130,7 +9112,7 @@
           </a:prstGeom>
         </p:spPr>
         <p:txBody>
-          <a:bodyPr anchorCtr="0" anchor="ctr" bIns="91425" lIns="91425" spcFirstLastPara="1" rIns="91425" wrap="square" tIns="91425">
+          <a:bodyPr spcFirstLastPara="1" wrap="square" lIns="91425" tIns="91425" rIns="91425" bIns="91425" anchor="ctr" anchorCtr="0">
             <a:normAutofit/>
           </a:bodyPr>
           <a:lstStyle>
@@ -9172,7 +9154,7 @@
             </a:lvl9pPr>
           </a:lstStyle>
           <a:p>
-            <a:pPr indent="0" lvl="0" marL="0" rtl="0" algn="r">
+            <a:pPr marL="0" lvl="0" indent="0" algn="r" rtl="0">
               <a:spcBef>
                 <a:spcPts val="0"/>
               </a:spcBef>
@@ -9198,18 +9180,19 @@
 </file>
 
 <file path=ppt/slideMasters/slideMaster1.xml><?xml version="1.0" encoding="utf-8"?>
-<p:sldMaster xmlns:a="http://schemas.openxmlformats.org/drawingml/2006/main" xmlns:r="http://schemas.openxmlformats.org/officeDocument/2006/relationships" xmlns:mc="http://schemas.openxmlformats.org/markup-compatibility/2006" xmlns:mv="urn:schemas-microsoft-com:mac:vml" xmlns:p="http://schemas.openxmlformats.org/presentationml/2006/main" xmlns:c="http://schemas.openxmlformats.org/drawingml/2006/chart" xmlns:dgm="http://schemas.openxmlformats.org/drawingml/2006/diagram" xmlns:o="urn:schemas-microsoft-com:office:office" xmlns:v="urn:schemas-microsoft-com:vml" xmlns:pvml="urn:schemas-microsoft-com:office:powerpoint" xmlns:com="http://schemas.openxmlformats.org/drawingml/2006/compatibility" xmlns:p14="http://schemas.microsoft.com/office/powerpoint/2010/main" xmlns:p15="http://schemas.microsoft.com/office/powerpoint/2012/main" xmlns:ahyp="http://schemas.microsoft.com/office/drawing/2018/hyperlinkcolor">
+<p:sldMaster xmlns:a="http://schemas.openxmlformats.org/drawingml/2006/main" xmlns:r="http://schemas.openxmlformats.org/officeDocument/2006/relationships" xmlns:p="http://schemas.openxmlformats.org/presentationml/2006/main">
   <p:cSld name="focus">
     <p:bg>
       <p:bgPr>
         <a:solidFill>
           <a:schemeClr val="dk1"/>
         </a:solidFill>
+        <a:effectLst/>
       </p:bgPr>
     </p:bg>
     <p:spTree>
       <p:nvGrpSpPr>
-        <p:cNvPr id="5" name="Shape 5"/>
+        <p:cNvPr id="1" name="Shape 5"/>
         <p:cNvGrpSpPr/>
         <p:nvPr/>
       </p:nvGrpSpPr>
@@ -9224,7 +9207,9 @@
       <p:sp>
         <p:nvSpPr>
           <p:cNvPr id="6" name="Google Shape;6;p1"/>
-          <p:cNvSpPr txBox="1"/>
+          <p:cNvSpPr txBox="1">
+            <a:spLocks noGrp="1"/>
+          </p:cNvSpPr>
           <p:nvPr>
             <p:ph type="title"/>
           </p:nvPr>
@@ -9243,7 +9228,7 @@
           </a:ln>
         </p:spPr>
         <p:txBody>
-          <a:bodyPr anchorCtr="0" anchor="t" bIns="91425" lIns="91425" spcFirstLastPara="1" rIns="91425" wrap="square" tIns="91425">
+          <a:bodyPr spcFirstLastPara="1" wrap="square" lIns="91425" tIns="91425" rIns="91425" bIns="91425" anchor="t" anchorCtr="0">
             <a:normAutofit/>
           </a:bodyPr>
           <a:lstStyle>
@@ -9455,15 +9440,19 @@
               </a:defRPr>
             </a:lvl9pPr>
           </a:lstStyle>
-          <a:p/>
+          <a:p>
+            <a:endParaRPr/>
+          </a:p>
         </p:txBody>
       </p:sp>
       <p:sp>
         <p:nvSpPr>
           <p:cNvPr id="7" name="Google Shape;7;p1"/>
-          <p:cNvSpPr txBox="1"/>
+          <p:cNvSpPr txBox="1">
+            <a:spLocks noGrp="1"/>
+          </p:cNvSpPr>
           <p:nvPr>
-            <p:ph idx="1" type="body"/>
+            <p:ph type="body" idx="1"/>
           </p:nvPr>
         </p:nvSpPr>
         <p:spPr>
@@ -9480,11 +9469,11 @@
           </a:ln>
         </p:spPr>
         <p:txBody>
-          <a:bodyPr anchorCtr="0" anchor="t" bIns="91425" lIns="91425" spcFirstLastPara="1" rIns="91425" wrap="square" tIns="91425">
+          <a:bodyPr spcFirstLastPara="1" wrap="square" lIns="91425" tIns="91425" rIns="91425" bIns="91425" anchor="t" anchorCtr="0">
             <a:normAutofit/>
           </a:bodyPr>
           <a:lstStyle>
-            <a:lvl1pPr indent="-311150" lvl="0" marL="457200">
+            <a:lvl1pPr marL="457200" lvl="0" indent="-311150">
               <a:lnSpc>
                 <a:spcPct val="115000"/>
               </a:lnSpc>
@@ -9510,7 +9499,7 @@
                 <a:sym typeface="Lato"/>
               </a:defRPr>
             </a:lvl1pPr>
-            <a:lvl2pPr indent="-298450" lvl="1" marL="914400">
+            <a:lvl2pPr marL="914400" lvl="1" indent="-298450">
               <a:lnSpc>
                 <a:spcPct val="115000"/>
               </a:lnSpc>
@@ -9536,7 +9525,7 @@
                 <a:sym typeface="Lato"/>
               </a:defRPr>
             </a:lvl2pPr>
-            <a:lvl3pPr indent="-298450" lvl="2" marL="1371600">
+            <a:lvl3pPr marL="1371600" lvl="2" indent="-298450">
               <a:lnSpc>
                 <a:spcPct val="115000"/>
               </a:lnSpc>
@@ -9562,7 +9551,7 @@
                 <a:sym typeface="Lato"/>
               </a:defRPr>
             </a:lvl3pPr>
-            <a:lvl4pPr indent="-298450" lvl="3" marL="1828800">
+            <a:lvl4pPr marL="1828800" lvl="3" indent="-298450">
               <a:lnSpc>
                 <a:spcPct val="115000"/>
               </a:lnSpc>
@@ -9588,7 +9577,7 @@
                 <a:sym typeface="Lato"/>
               </a:defRPr>
             </a:lvl4pPr>
-            <a:lvl5pPr indent="-298450" lvl="4" marL="2286000">
+            <a:lvl5pPr marL="2286000" lvl="4" indent="-298450">
               <a:lnSpc>
                 <a:spcPct val="115000"/>
               </a:lnSpc>
@@ -9614,7 +9603,7 @@
                 <a:sym typeface="Lato"/>
               </a:defRPr>
             </a:lvl5pPr>
-            <a:lvl6pPr indent="-298450" lvl="5" marL="2743200">
+            <a:lvl6pPr marL="2743200" lvl="5" indent="-298450">
               <a:lnSpc>
                 <a:spcPct val="115000"/>
               </a:lnSpc>
@@ -9640,7 +9629,7 @@
                 <a:sym typeface="Lato"/>
               </a:defRPr>
             </a:lvl6pPr>
-            <a:lvl7pPr indent="-298450" lvl="6" marL="3200400">
+            <a:lvl7pPr marL="3200400" lvl="6" indent="-298450">
               <a:lnSpc>
                 <a:spcPct val="115000"/>
               </a:lnSpc>
@@ -9666,7 +9655,7 @@
                 <a:sym typeface="Lato"/>
               </a:defRPr>
             </a:lvl7pPr>
-            <a:lvl8pPr indent="-298450" lvl="7" marL="3657600">
+            <a:lvl8pPr marL="3657600" lvl="7" indent="-298450">
               <a:lnSpc>
                 <a:spcPct val="115000"/>
               </a:lnSpc>
@@ -9692,7 +9681,7 @@
                 <a:sym typeface="Lato"/>
               </a:defRPr>
             </a:lvl8pPr>
-            <a:lvl9pPr indent="-298450" lvl="8" marL="4114800">
+            <a:lvl9pPr marL="4114800" lvl="8" indent="-298450">
               <a:lnSpc>
                 <a:spcPct val="115000"/>
               </a:lnSpc>
@@ -9719,15 +9708,19 @@
               </a:defRPr>
             </a:lvl9pPr>
           </a:lstStyle>
-          <a:p/>
+          <a:p>
+            <a:endParaRPr/>
+          </a:p>
         </p:txBody>
       </p:sp>
       <p:sp>
         <p:nvSpPr>
           <p:cNvPr id="8" name="Google Shape;8;p1"/>
-          <p:cNvSpPr txBox="1"/>
+          <p:cNvSpPr txBox="1">
+            <a:spLocks noGrp="1"/>
+          </p:cNvSpPr>
           <p:nvPr>
-            <p:ph idx="12" type="sldNum"/>
+            <p:ph type="sldNum" idx="12"/>
           </p:nvPr>
         </p:nvSpPr>
         <p:spPr>
@@ -9744,7 +9737,7 @@
           </a:ln>
         </p:spPr>
         <p:txBody>
-          <a:bodyPr anchorCtr="0" anchor="ctr" bIns="91425" lIns="91425" spcFirstLastPara="1" rIns="91425" wrap="square" tIns="91425">
+          <a:bodyPr spcFirstLastPara="1" wrap="square" lIns="91425" tIns="91425" rIns="91425" bIns="91425" anchor="ctr" anchorCtr="0">
             <a:normAutofit/>
           </a:bodyPr>
           <a:lstStyle>
@@ -9858,7 +9851,7 @@
             </a:lvl9pPr>
           </a:lstStyle>
           <a:p>
-            <a:pPr indent="0" lvl="0" marL="0" rtl="0" algn="r">
+            <a:pPr marL="0" lvl="0" indent="0" algn="r" rtl="0">
               <a:spcBef>
                 <a:spcPts val="0"/>
               </a:spcBef>
@@ -9877,7 +9870,7 @@
       </p:sp>
     </p:spTree>
   </p:cSld>
-  <p:clrMap accent1="accent1" accent2="accent2" accent3="accent3" accent4="accent4" accent5="accent5" accent6="accent6" bg1="lt1" bg2="dk2" tx1="dk1" tx2="lt2" folHlink="folHlink" hlink="hlink"/>
+  <p:clrMap bg1="lt1" tx1="dk1" bg2="dk2" tx2="lt2" accent1="accent1" accent2="accent2" accent3="accent3" accent4="accent4" accent5="accent5" accent6="accent6" hlink="hlink" folHlink="folHlink"/>
   <p:sldLayoutIdLst>
     <p:sldLayoutId id="2147483648" r:id="rId1"/>
     <p:sldLayoutId id="2147483649" r:id="rId2"/>
@@ -9891,10 +9884,10 @@
     <p:sldLayoutId id="2147483657" r:id="rId10"/>
     <p:sldLayoutId id="2147483658" r:id="rId11"/>
   </p:sldLayoutIdLst>
-  <p:hf dt="0" ftr="0" hdr="0" sldNum="0"/>
+  <p:hf sldNum="0" hdr="0" ftr="0" dt="0"/>
   <p:txStyles>
     <p:titleStyle>
-      <a:defPPr lvl="0" marR="0" rtl="0" algn="l">
+      <a:defPPr marR="0" lvl="0" algn="l" rtl="0">
         <a:lnSpc>
           <a:spcPct val="100000"/>
         </a:lnSpc>
@@ -9905,7 +9898,7 @@
           <a:spcPts val="0"/>
         </a:spcAft>
       </a:defPPr>
-      <a:lvl1pPr lvl="0" marR="0" rtl="0" algn="l">
+      <a:lvl1pPr marR="0" lvl="0" algn="l" rtl="0">
         <a:lnSpc>
           <a:spcPct val="100000"/>
         </a:lnSpc>
@@ -9919,7 +9912,7 @@
           <a:srgbClr val="000000"/>
         </a:buClr>
         <a:buFont typeface="Arial"/>
-        <a:defRPr b="0" i="0" sz="1400" u="none" cap="none" strike="noStrike">
+        <a:defRPr sz="1400" b="0" i="0" u="none" strike="noStrike" cap="none">
           <a:solidFill>
             <a:srgbClr val="000000"/>
           </a:solidFill>
@@ -9929,7 +9922,7 @@
           <a:sym typeface="Arial"/>
         </a:defRPr>
       </a:lvl1pPr>
-      <a:lvl2pPr lvl="1" marR="0" rtl="0" algn="l">
+      <a:lvl2pPr marR="0" lvl="1" algn="l" rtl="0">
         <a:lnSpc>
           <a:spcPct val="100000"/>
         </a:lnSpc>
@@ -9943,7 +9936,7 @@
           <a:srgbClr val="000000"/>
         </a:buClr>
         <a:buFont typeface="Arial"/>
-        <a:defRPr b="0" i="0" sz="1400" u="none" cap="none" strike="noStrike">
+        <a:defRPr sz="1400" b="0" i="0" u="none" strike="noStrike" cap="none">
           <a:solidFill>
             <a:srgbClr val="000000"/>
           </a:solidFill>
@@ -9953,7 +9946,7 @@
           <a:sym typeface="Arial"/>
         </a:defRPr>
       </a:lvl2pPr>
-      <a:lvl3pPr lvl="2" marR="0" rtl="0" algn="l">
+      <a:lvl3pPr marR="0" lvl="2" algn="l" rtl="0">
         <a:lnSpc>
           <a:spcPct val="100000"/>
         </a:lnSpc>
@@ -9967,7 +9960,7 @@
           <a:srgbClr val="000000"/>
         </a:buClr>
         <a:buFont typeface="Arial"/>
-        <a:defRPr b="0" i="0" sz="1400" u="none" cap="none" strike="noStrike">
+        <a:defRPr sz="1400" b="0" i="0" u="none" strike="noStrike" cap="none">
           <a:solidFill>
             <a:srgbClr val="000000"/>
           </a:solidFill>
@@ -9977,7 +9970,7 @@
           <a:sym typeface="Arial"/>
         </a:defRPr>
       </a:lvl3pPr>
-      <a:lvl4pPr lvl="3" marR="0" rtl="0" algn="l">
+      <a:lvl4pPr marR="0" lvl="3" algn="l" rtl="0">
         <a:lnSpc>
           <a:spcPct val="100000"/>
         </a:lnSpc>
@@ -9991,7 +9984,7 @@
           <a:srgbClr val="000000"/>
         </a:buClr>
         <a:buFont typeface="Arial"/>
-        <a:defRPr b="0" i="0" sz="1400" u="none" cap="none" strike="noStrike">
+        <a:defRPr sz="1400" b="0" i="0" u="none" strike="noStrike" cap="none">
           <a:solidFill>
             <a:srgbClr val="000000"/>
           </a:solidFill>
@@ -10001,7 +9994,7 @@
           <a:sym typeface="Arial"/>
         </a:defRPr>
       </a:lvl4pPr>
-      <a:lvl5pPr lvl="4" marR="0" rtl="0" algn="l">
+      <a:lvl5pPr marR="0" lvl="4" algn="l" rtl="0">
         <a:lnSpc>
           <a:spcPct val="100000"/>
         </a:lnSpc>
@@ -10015,7 +10008,7 @@
           <a:srgbClr val="000000"/>
         </a:buClr>
         <a:buFont typeface="Arial"/>
-        <a:defRPr b="0" i="0" sz="1400" u="none" cap="none" strike="noStrike">
+        <a:defRPr sz="1400" b="0" i="0" u="none" strike="noStrike" cap="none">
           <a:solidFill>
             <a:srgbClr val="000000"/>
           </a:solidFill>
@@ -10025,7 +10018,7 @@
           <a:sym typeface="Arial"/>
         </a:defRPr>
       </a:lvl5pPr>
-      <a:lvl6pPr lvl="5" marR="0" rtl="0" algn="l">
+      <a:lvl6pPr marR="0" lvl="5" algn="l" rtl="0">
         <a:lnSpc>
           <a:spcPct val="100000"/>
         </a:lnSpc>
@@ -10039,7 +10032,7 @@
           <a:srgbClr val="000000"/>
         </a:buClr>
         <a:buFont typeface="Arial"/>
-        <a:defRPr b="0" i="0" sz="1400" u="none" cap="none" strike="noStrike">
+        <a:defRPr sz="1400" b="0" i="0" u="none" strike="noStrike" cap="none">
           <a:solidFill>
             <a:srgbClr val="000000"/>
           </a:solidFill>
@@ -10049,7 +10042,7 @@
           <a:sym typeface="Arial"/>
         </a:defRPr>
       </a:lvl6pPr>
-      <a:lvl7pPr lvl="6" marR="0" rtl="0" algn="l">
+      <a:lvl7pPr marR="0" lvl="6" algn="l" rtl="0">
         <a:lnSpc>
           <a:spcPct val="100000"/>
         </a:lnSpc>
@@ -10063,7 +10056,7 @@
           <a:srgbClr val="000000"/>
         </a:buClr>
         <a:buFont typeface="Arial"/>
-        <a:defRPr b="0" i="0" sz="1400" u="none" cap="none" strike="noStrike">
+        <a:defRPr sz="1400" b="0" i="0" u="none" strike="noStrike" cap="none">
           <a:solidFill>
             <a:srgbClr val="000000"/>
           </a:solidFill>
@@ -10073,7 +10066,7 @@
           <a:sym typeface="Arial"/>
         </a:defRPr>
       </a:lvl7pPr>
-      <a:lvl8pPr lvl="7" marR="0" rtl="0" algn="l">
+      <a:lvl8pPr marR="0" lvl="7" algn="l" rtl="0">
         <a:lnSpc>
           <a:spcPct val="100000"/>
         </a:lnSpc>
@@ -10087,7 +10080,7 @@
           <a:srgbClr val="000000"/>
         </a:buClr>
         <a:buFont typeface="Arial"/>
-        <a:defRPr b="0" i="0" sz="1400" u="none" cap="none" strike="noStrike">
+        <a:defRPr sz="1400" b="0" i="0" u="none" strike="noStrike" cap="none">
           <a:solidFill>
             <a:srgbClr val="000000"/>
           </a:solidFill>
@@ -10097,7 +10090,7 @@
           <a:sym typeface="Arial"/>
         </a:defRPr>
       </a:lvl8pPr>
-      <a:lvl9pPr lvl="8" marR="0" rtl="0" algn="l">
+      <a:lvl9pPr marR="0" lvl="8" algn="l" rtl="0">
         <a:lnSpc>
           <a:spcPct val="100000"/>
         </a:lnSpc>
@@ -10111,7 +10104,7 @@
           <a:srgbClr val="000000"/>
         </a:buClr>
         <a:buFont typeface="Arial"/>
-        <a:defRPr b="0" i="0" sz="1400" u="none" cap="none" strike="noStrike">
+        <a:defRPr sz="1400" b="0" i="0" u="none" strike="noStrike" cap="none">
           <a:solidFill>
             <a:srgbClr val="000000"/>
           </a:solidFill>
@@ -10123,7 +10116,7 @@
       </a:lvl9pPr>
     </p:titleStyle>
     <p:bodyStyle>
-      <a:defPPr lvl="0" marR="0" rtl="0" algn="l">
+      <a:defPPr marR="0" lvl="0" algn="l" rtl="0">
         <a:lnSpc>
           <a:spcPct val="100000"/>
         </a:lnSpc>
@@ -10134,7 +10127,7 @@
           <a:spcPts val="0"/>
         </a:spcAft>
       </a:defPPr>
-      <a:lvl1pPr lvl="0" marR="0" rtl="0" algn="l">
+      <a:lvl1pPr marR="0" lvl="0" algn="l" rtl="0">
         <a:lnSpc>
           <a:spcPct val="100000"/>
         </a:lnSpc>
@@ -10148,7 +10141,7 @@
           <a:srgbClr val="000000"/>
         </a:buClr>
         <a:buFont typeface="Arial"/>
-        <a:defRPr b="0" i="0" sz="1400" u="none" cap="none" strike="noStrike">
+        <a:defRPr sz="1400" b="0" i="0" u="none" strike="noStrike" cap="none">
           <a:solidFill>
             <a:srgbClr val="000000"/>
           </a:solidFill>
@@ -10158,7 +10151,7 @@
           <a:sym typeface="Arial"/>
         </a:defRPr>
       </a:lvl1pPr>
-      <a:lvl2pPr lvl="1" marR="0" rtl="0" algn="l">
+      <a:lvl2pPr marR="0" lvl="1" algn="l" rtl="0">
         <a:lnSpc>
           <a:spcPct val="100000"/>
         </a:lnSpc>
@@ -10172,7 +10165,7 @@
           <a:srgbClr val="000000"/>
         </a:buClr>
         <a:buFont typeface="Arial"/>
-        <a:defRPr b="0" i="0" sz="1400" u="none" cap="none" strike="noStrike">
+        <a:defRPr sz="1400" b="0" i="0" u="none" strike="noStrike" cap="none">
           <a:solidFill>
             <a:srgbClr val="000000"/>
           </a:solidFill>
@@ -10182,7 +10175,7 @@
           <a:sym typeface="Arial"/>
         </a:defRPr>
       </a:lvl2pPr>
-      <a:lvl3pPr lvl="2" marR="0" rtl="0" algn="l">
+      <a:lvl3pPr marR="0" lvl="2" algn="l" rtl="0">
         <a:lnSpc>
           <a:spcPct val="100000"/>
         </a:lnSpc>
@@ -10196,7 +10189,7 @@
           <a:srgbClr val="000000"/>
         </a:buClr>
         <a:buFont typeface="Arial"/>
-        <a:defRPr b="0" i="0" sz="1400" u="none" cap="none" strike="noStrike">
+        <a:defRPr sz="1400" b="0" i="0" u="none" strike="noStrike" cap="none">
           <a:solidFill>
             <a:srgbClr val="000000"/>
           </a:solidFill>
@@ -10206,7 +10199,7 @@
           <a:sym typeface="Arial"/>
         </a:defRPr>
       </a:lvl3pPr>
-      <a:lvl4pPr lvl="3" marR="0" rtl="0" algn="l">
+      <a:lvl4pPr marR="0" lvl="3" algn="l" rtl="0">
         <a:lnSpc>
           <a:spcPct val="100000"/>
         </a:lnSpc>
@@ -10220,7 +10213,7 @@
           <a:srgbClr val="000000"/>
         </a:buClr>
         <a:buFont typeface="Arial"/>
-        <a:defRPr b="0" i="0" sz="1400" u="none" cap="none" strike="noStrike">
+        <a:defRPr sz="1400" b="0" i="0" u="none" strike="noStrike" cap="none">
           <a:solidFill>
             <a:srgbClr val="000000"/>
           </a:solidFill>
@@ -10230,7 +10223,7 @@
           <a:sym typeface="Arial"/>
         </a:defRPr>
       </a:lvl4pPr>
-      <a:lvl5pPr lvl="4" marR="0" rtl="0" algn="l">
+      <a:lvl5pPr marR="0" lvl="4" algn="l" rtl="0">
         <a:lnSpc>
           <a:spcPct val="100000"/>
         </a:lnSpc>
@@ -10244,7 +10237,7 @@
           <a:srgbClr val="000000"/>
         </a:buClr>
         <a:buFont typeface="Arial"/>
-        <a:defRPr b="0" i="0" sz="1400" u="none" cap="none" strike="noStrike">
+        <a:defRPr sz="1400" b="0" i="0" u="none" strike="noStrike" cap="none">
           <a:solidFill>
             <a:srgbClr val="000000"/>
           </a:solidFill>
@@ -10254,7 +10247,7 @@
           <a:sym typeface="Arial"/>
         </a:defRPr>
       </a:lvl5pPr>
-      <a:lvl6pPr lvl="5" marR="0" rtl="0" algn="l">
+      <a:lvl6pPr marR="0" lvl="5" algn="l" rtl="0">
         <a:lnSpc>
           <a:spcPct val="100000"/>
         </a:lnSpc>
@@ -10268,7 +10261,7 @@
           <a:srgbClr val="000000"/>
         </a:buClr>
         <a:buFont typeface="Arial"/>
-        <a:defRPr b="0" i="0" sz="1400" u="none" cap="none" strike="noStrike">
+        <a:defRPr sz="1400" b="0" i="0" u="none" strike="noStrike" cap="none">
           <a:solidFill>
             <a:srgbClr val="000000"/>
           </a:solidFill>
@@ -10278,7 +10271,7 @@
           <a:sym typeface="Arial"/>
         </a:defRPr>
       </a:lvl6pPr>
-      <a:lvl7pPr lvl="6" marR="0" rtl="0" algn="l">
+      <a:lvl7pPr marR="0" lvl="6" algn="l" rtl="0">
         <a:lnSpc>
           <a:spcPct val="100000"/>
         </a:lnSpc>
@@ -10292,7 +10285,7 @@
           <a:srgbClr val="000000"/>
         </a:buClr>
         <a:buFont typeface="Arial"/>
-        <a:defRPr b="0" i="0" sz="1400" u="none" cap="none" strike="noStrike">
+        <a:defRPr sz="1400" b="0" i="0" u="none" strike="noStrike" cap="none">
           <a:solidFill>
             <a:srgbClr val="000000"/>
           </a:solidFill>
@@ -10302,7 +10295,7 @@
           <a:sym typeface="Arial"/>
         </a:defRPr>
       </a:lvl7pPr>
-      <a:lvl8pPr lvl="7" marR="0" rtl="0" algn="l">
+      <a:lvl8pPr marR="0" lvl="7" algn="l" rtl="0">
         <a:lnSpc>
           <a:spcPct val="100000"/>
         </a:lnSpc>
@@ -10316,7 +10309,7 @@
           <a:srgbClr val="000000"/>
         </a:buClr>
         <a:buFont typeface="Arial"/>
-        <a:defRPr b="0" i="0" sz="1400" u="none" cap="none" strike="noStrike">
+        <a:defRPr sz="1400" b="0" i="0" u="none" strike="noStrike" cap="none">
           <a:solidFill>
             <a:srgbClr val="000000"/>
           </a:solidFill>
@@ -10326,7 +10319,7 @@
           <a:sym typeface="Arial"/>
         </a:defRPr>
       </a:lvl8pPr>
-      <a:lvl9pPr lvl="8" marR="0" rtl="0" algn="l">
+      <a:lvl9pPr marR="0" lvl="8" algn="l" rtl="0">
         <a:lnSpc>
           <a:spcPct val="100000"/>
         </a:lnSpc>
@@ -10340,7 +10333,7 @@
           <a:srgbClr val="000000"/>
         </a:buClr>
         <a:buFont typeface="Arial"/>
-        <a:defRPr b="0" i="0" sz="1400" u="none" cap="none" strike="noStrike">
+        <a:defRPr sz="1400" b="0" i="0" u="none" strike="noStrike" cap="none">
           <a:solidFill>
             <a:srgbClr val="000000"/>
           </a:solidFill>
@@ -10352,7 +10345,7 @@
       </a:lvl9pPr>
     </p:bodyStyle>
     <p:otherStyle>
-      <a:defPPr lvl="0" marR="0" rtl="0" algn="l">
+      <a:defPPr marR="0" lvl="0" algn="l" rtl="0">
         <a:lnSpc>
           <a:spcPct val="100000"/>
         </a:lnSpc>
@@ -10363,7 +10356,7 @@
           <a:spcPts val="0"/>
         </a:spcAft>
       </a:defPPr>
-      <a:lvl1pPr lvl="0" marR="0" rtl="0" algn="l">
+      <a:lvl1pPr marR="0" lvl="0" algn="l" rtl="0">
         <a:lnSpc>
           <a:spcPct val="100000"/>
         </a:lnSpc>
@@ -10377,7 +10370,7 @@
           <a:srgbClr val="000000"/>
         </a:buClr>
         <a:buFont typeface="Arial"/>
-        <a:defRPr b="0" i="0" sz="1400" u="none" cap="none" strike="noStrike">
+        <a:defRPr sz="1400" b="0" i="0" u="none" strike="noStrike" cap="none">
           <a:solidFill>
             <a:srgbClr val="000000"/>
           </a:solidFill>
@@ -10387,7 +10380,7 @@
           <a:sym typeface="Arial"/>
         </a:defRPr>
       </a:lvl1pPr>
-      <a:lvl2pPr lvl="1" marR="0" rtl="0" algn="l">
+      <a:lvl2pPr marR="0" lvl="1" algn="l" rtl="0">
         <a:lnSpc>
           <a:spcPct val="100000"/>
         </a:lnSpc>
@@ -10401,7 +10394,7 @@
           <a:srgbClr val="000000"/>
         </a:buClr>
         <a:buFont typeface="Arial"/>
-        <a:defRPr b="0" i="0" sz="1400" u="none" cap="none" strike="noStrike">
+        <a:defRPr sz="1400" b="0" i="0" u="none" strike="noStrike" cap="none">
           <a:solidFill>
             <a:srgbClr val="000000"/>
           </a:solidFill>
@@ -10411,7 +10404,7 @@
           <a:sym typeface="Arial"/>
         </a:defRPr>
       </a:lvl2pPr>
-      <a:lvl3pPr lvl="2" marR="0" rtl="0" algn="l">
+      <a:lvl3pPr marR="0" lvl="2" algn="l" rtl="0">
         <a:lnSpc>
           <a:spcPct val="100000"/>
         </a:lnSpc>
@@ -10425,7 +10418,7 @@
           <a:srgbClr val="000000"/>
         </a:buClr>
         <a:buFont typeface="Arial"/>
-        <a:defRPr b="0" i="0" sz="1400" u="none" cap="none" strike="noStrike">
+        <a:defRPr sz="1400" b="0" i="0" u="none" strike="noStrike" cap="none">
           <a:solidFill>
             <a:srgbClr val="000000"/>
           </a:solidFill>
@@ -10435,7 +10428,7 @@
           <a:sym typeface="Arial"/>
         </a:defRPr>
       </a:lvl3pPr>
-      <a:lvl4pPr lvl="3" marR="0" rtl="0" algn="l">
+      <a:lvl4pPr marR="0" lvl="3" algn="l" rtl="0">
         <a:lnSpc>
           <a:spcPct val="100000"/>
         </a:lnSpc>
@@ -10449,7 +10442,7 @@
           <a:srgbClr val="000000"/>
         </a:buClr>
         <a:buFont typeface="Arial"/>
-        <a:defRPr b="0" i="0" sz="1400" u="none" cap="none" strike="noStrike">
+        <a:defRPr sz="1400" b="0" i="0" u="none" strike="noStrike" cap="none">
           <a:solidFill>
             <a:srgbClr val="000000"/>
           </a:solidFill>
@@ -10459,7 +10452,7 @@
           <a:sym typeface="Arial"/>
         </a:defRPr>
       </a:lvl4pPr>
-      <a:lvl5pPr lvl="4" marR="0" rtl="0" algn="l">
+      <a:lvl5pPr marR="0" lvl="4" algn="l" rtl="0">
         <a:lnSpc>
           <a:spcPct val="100000"/>
         </a:lnSpc>
@@ -10473,7 +10466,7 @@
           <a:srgbClr val="000000"/>
         </a:buClr>
         <a:buFont typeface="Arial"/>
-        <a:defRPr b="0" i="0" sz="1400" u="none" cap="none" strike="noStrike">
+        <a:defRPr sz="1400" b="0" i="0" u="none" strike="noStrike" cap="none">
           <a:solidFill>
             <a:srgbClr val="000000"/>
           </a:solidFill>
@@ -10483,7 +10476,7 @@
           <a:sym typeface="Arial"/>
         </a:defRPr>
       </a:lvl5pPr>
-      <a:lvl6pPr lvl="5" marR="0" rtl="0" algn="l">
+      <a:lvl6pPr marR="0" lvl="5" algn="l" rtl="0">
         <a:lnSpc>
           <a:spcPct val="100000"/>
         </a:lnSpc>
@@ -10497,7 +10490,7 @@
           <a:srgbClr val="000000"/>
         </a:buClr>
         <a:buFont typeface="Arial"/>
-        <a:defRPr b="0" i="0" sz="1400" u="none" cap="none" strike="noStrike">
+        <a:defRPr sz="1400" b="0" i="0" u="none" strike="noStrike" cap="none">
           <a:solidFill>
             <a:srgbClr val="000000"/>
           </a:solidFill>
@@ -10507,7 +10500,7 @@
           <a:sym typeface="Arial"/>
         </a:defRPr>
       </a:lvl6pPr>
-      <a:lvl7pPr lvl="6" marR="0" rtl="0" algn="l">
+      <a:lvl7pPr marR="0" lvl="6" algn="l" rtl="0">
         <a:lnSpc>
           <a:spcPct val="100000"/>
         </a:lnSpc>
@@ -10521,7 +10514,7 @@
           <a:srgbClr val="000000"/>
         </a:buClr>
         <a:buFont typeface="Arial"/>
-        <a:defRPr b="0" i="0" sz="1400" u="none" cap="none" strike="noStrike">
+        <a:defRPr sz="1400" b="0" i="0" u="none" strike="noStrike" cap="none">
           <a:solidFill>
             <a:srgbClr val="000000"/>
           </a:solidFill>
@@ -10531,7 +10524,7 @@
           <a:sym typeface="Arial"/>
         </a:defRPr>
       </a:lvl7pPr>
-      <a:lvl8pPr lvl="7" marR="0" rtl="0" algn="l">
+      <a:lvl8pPr marR="0" lvl="7" algn="l" rtl="0">
         <a:lnSpc>
           <a:spcPct val="100000"/>
         </a:lnSpc>
@@ -10545,7 +10538,7 @@
           <a:srgbClr val="000000"/>
         </a:buClr>
         <a:buFont typeface="Arial"/>
-        <a:defRPr b="0" i="0" sz="1400" u="none" cap="none" strike="noStrike">
+        <a:defRPr sz="1400" b="0" i="0" u="none" strike="noStrike" cap="none">
           <a:solidFill>
             <a:srgbClr val="000000"/>
           </a:solidFill>
@@ -10555,7 +10548,7 @@
           <a:sym typeface="Arial"/>
         </a:defRPr>
       </a:lvl8pPr>
-      <a:lvl9pPr lvl="8" marR="0" rtl="0" algn="l">
+      <a:lvl9pPr marR="0" lvl="8" algn="l" rtl="0">
         <a:lnSpc>
           <a:spcPct val="100000"/>
         </a:lnSpc>
@@ -10569,7 +10562,7 @@
           <a:srgbClr val="000000"/>
         </a:buClr>
         <a:buFont typeface="Arial"/>
-        <a:defRPr b="0" i="0" sz="1400" u="none" cap="none" strike="noStrike">
+        <a:defRPr sz="1400" b="0" i="0" u="none" strike="noStrike" cap="none">
           <a:solidFill>
             <a:srgbClr val="000000"/>
           </a:solidFill>
@@ -10585,11 +10578,11 @@
 </file>
 
 <file path=ppt/slides/slide1.xml><?xml version="1.0" encoding="utf-8"?>
-<p:sld xmlns:a="http://schemas.openxmlformats.org/drawingml/2006/main" xmlns:r="http://schemas.openxmlformats.org/officeDocument/2006/relationships" xmlns:mc="http://schemas.openxmlformats.org/markup-compatibility/2006" xmlns:mv="urn:schemas-microsoft-com:mac:vml" xmlns:p="http://schemas.openxmlformats.org/presentationml/2006/main" xmlns:c="http://schemas.openxmlformats.org/drawingml/2006/chart" xmlns:dgm="http://schemas.openxmlformats.org/drawingml/2006/diagram" xmlns:o="urn:schemas-microsoft-com:office:office" xmlns:v="urn:schemas-microsoft-com:vml" xmlns:pvml="urn:schemas-microsoft-com:office:powerpoint" xmlns:com="http://schemas.openxmlformats.org/drawingml/2006/compatibility" xmlns:p14="http://schemas.microsoft.com/office/powerpoint/2010/main" xmlns:p15="http://schemas.microsoft.com/office/powerpoint/2012/main" xmlns:ahyp="http://schemas.microsoft.com/office/drawing/2018/hyperlinkcolor">
+<p:sld xmlns:a="http://schemas.openxmlformats.org/drawingml/2006/main" xmlns:r="http://schemas.openxmlformats.org/officeDocument/2006/relationships" xmlns:p="http://schemas.openxmlformats.org/presentationml/2006/main">
   <p:cSld>
     <p:spTree>
       <p:nvGrpSpPr>
-        <p:cNvPr id="133" name="Shape 133"/>
+        <p:cNvPr id="1" name="Shape 133"/>
         <p:cNvGrpSpPr/>
         <p:nvPr/>
       </p:nvGrpSpPr>
@@ -10604,7 +10597,9 @@
       <p:sp>
         <p:nvSpPr>
           <p:cNvPr id="134" name="Google Shape;134;p13"/>
-          <p:cNvSpPr txBox="1"/>
+          <p:cNvSpPr txBox="1">
+            <a:spLocks noGrp="1"/>
+          </p:cNvSpPr>
           <p:nvPr>
             <p:ph type="ctrTitle"/>
           </p:nvPr>
@@ -10619,12 +10614,12 @@
           </a:prstGeom>
         </p:spPr>
         <p:txBody>
-          <a:bodyPr anchorCtr="0" anchor="t" bIns="91425" lIns="91425" spcFirstLastPara="1" rIns="91425" wrap="square" tIns="91425">
+          <a:bodyPr spcFirstLastPara="1" wrap="square" lIns="91425" tIns="91425" rIns="91425" bIns="91425" anchor="t" anchorCtr="0">
             <a:normAutofit/>
           </a:bodyPr>
           <a:lstStyle/>
           <a:p>
-            <a:pPr indent="0" lvl="0" marL="0" rtl="0" algn="l">
+            <a:pPr marL="0" lvl="0" indent="0" algn="l" rtl="0">
               <a:spcBef>
                 <a:spcPts val="0"/>
               </a:spcBef>
@@ -10644,9 +10639,11 @@
       <p:sp>
         <p:nvSpPr>
           <p:cNvPr id="135" name="Google Shape;135;p13"/>
-          <p:cNvSpPr txBox="1"/>
+          <p:cNvSpPr txBox="1">
+            <a:spLocks noGrp="1"/>
+          </p:cNvSpPr>
           <p:nvPr>
-            <p:ph idx="1" type="subTitle"/>
+            <p:ph type="subTitle" idx="1"/>
           </p:nvPr>
         </p:nvSpPr>
         <p:spPr>
@@ -10659,12 +10656,12 @@
           </a:prstGeom>
         </p:spPr>
         <p:txBody>
-          <a:bodyPr anchorCtr="0" anchor="t" bIns="91425" lIns="91425" spcFirstLastPara="1" rIns="91425" wrap="square" tIns="91425">
+          <a:bodyPr spcFirstLastPara="1" wrap="square" lIns="91425" tIns="91425" rIns="91425" bIns="91425" anchor="t" anchorCtr="0">
             <a:normAutofit/>
           </a:bodyPr>
           <a:lstStyle/>
           <a:p>
-            <a:pPr indent="0" lvl="0" marL="0" rtl="0" algn="l">
+            <a:pPr marL="0" lvl="0" indent="0" algn="l" rtl="0">
               <a:spcBef>
                 <a:spcPts val="0"/>
               </a:spcBef>
@@ -10686,13 +10683,13 @@
   <p:clrMapOvr>
     <a:masterClrMapping/>
   </p:clrMapOvr>
-  <mc:AlternateContent>
+  <mc:AlternateContent xmlns:mc="http://schemas.openxmlformats.org/markup-compatibility/2006" xmlns:p14="http://schemas.microsoft.com/office/powerpoint/2010/main">
     <mc:Choice Requires="p14">
       <p:transition spd="slow" p14:dur="1200">
         <p:fade thruBlk="1"/>
       </p:transition>
     </mc:Choice>
-    <mc:Fallback>
+    <mc:Fallback xmlns:ahyp="http://schemas.microsoft.com/office/drawing/2018/hyperlinkcolor" xmlns:p15="http://schemas.microsoft.com/office/powerpoint/2012/main" xmlns:com="http://schemas.openxmlformats.org/drawingml/2006/compatibility" xmlns:pvml="urn:schemas-microsoft-com:office:powerpoint" xmlns:v="urn:schemas-microsoft-com:vml" xmlns:o="urn:schemas-microsoft-com:office:office" xmlns:dgm="http://schemas.openxmlformats.org/drawingml/2006/diagram" xmlns:c="http://schemas.openxmlformats.org/drawingml/2006/chart" xmlns:mv="urn:schemas-microsoft-com:mac:vml" xmlns="">
       <p:transition spd="slow">
         <p:fade/>
       </p:transition>
@@ -10702,11 +10699,11 @@
 </file>
 
 <file path=ppt/slides/slide10.xml><?xml version="1.0" encoding="utf-8"?>
-<p:sld xmlns:a="http://schemas.openxmlformats.org/drawingml/2006/main" xmlns:r="http://schemas.openxmlformats.org/officeDocument/2006/relationships" xmlns:mc="http://schemas.openxmlformats.org/markup-compatibility/2006" xmlns:mv="urn:schemas-microsoft-com:mac:vml" xmlns:p="http://schemas.openxmlformats.org/presentationml/2006/main" xmlns:c="http://schemas.openxmlformats.org/drawingml/2006/chart" xmlns:dgm="http://schemas.openxmlformats.org/drawingml/2006/diagram" xmlns:o="urn:schemas-microsoft-com:office:office" xmlns:v="urn:schemas-microsoft-com:vml" xmlns:pvml="urn:schemas-microsoft-com:office:powerpoint" xmlns:com="http://schemas.openxmlformats.org/drawingml/2006/compatibility" xmlns:p14="http://schemas.microsoft.com/office/powerpoint/2010/main" xmlns:p15="http://schemas.microsoft.com/office/powerpoint/2012/main" xmlns:ahyp="http://schemas.microsoft.com/office/drawing/2018/hyperlinkcolor">
+<p:sld xmlns:a="http://schemas.openxmlformats.org/drawingml/2006/main" xmlns:r="http://schemas.openxmlformats.org/officeDocument/2006/relationships" xmlns:p="http://schemas.openxmlformats.org/presentationml/2006/main">
   <p:cSld>
     <p:spTree>
       <p:nvGrpSpPr>
-        <p:cNvPr id="194" name="Shape 194"/>
+        <p:cNvPr id="1" name="Shape 194"/>
         <p:cNvGrpSpPr/>
         <p:nvPr/>
       </p:nvGrpSpPr>
@@ -10721,7 +10718,9 @@
       <p:sp>
         <p:nvSpPr>
           <p:cNvPr id="195" name="Google Shape;195;p22"/>
-          <p:cNvSpPr txBox="1"/>
+          <p:cNvSpPr txBox="1">
+            <a:spLocks noGrp="1"/>
+          </p:cNvSpPr>
           <p:nvPr>
             <p:ph type="title"/>
           </p:nvPr>
@@ -10736,12 +10735,12 @@
           </a:prstGeom>
         </p:spPr>
         <p:txBody>
-          <a:bodyPr anchorCtr="0" anchor="t" bIns="91425" lIns="91425" spcFirstLastPara="1" rIns="91425" wrap="square" tIns="91425">
+          <a:bodyPr spcFirstLastPara="1" wrap="square" lIns="91425" tIns="91425" rIns="91425" bIns="91425" anchor="t" anchorCtr="0">
             <a:normAutofit/>
           </a:bodyPr>
           <a:lstStyle/>
           <a:p>
-            <a:pPr indent="0" lvl="0" marL="0" rtl="0" algn="l">
+            <a:pPr marL="0" lvl="0" indent="0" algn="l" rtl="0">
               <a:spcBef>
                 <a:spcPts val="0"/>
               </a:spcBef>
@@ -10761,9 +10760,11 @@
       <p:sp>
         <p:nvSpPr>
           <p:cNvPr id="196" name="Google Shape;196;p22"/>
-          <p:cNvSpPr txBox="1"/>
+          <p:cNvSpPr txBox="1">
+            <a:spLocks noGrp="1"/>
+          </p:cNvSpPr>
           <p:nvPr>
-            <p:ph idx="1" type="body"/>
+            <p:ph type="body" idx="1"/>
           </p:nvPr>
         </p:nvSpPr>
         <p:spPr>
@@ -10776,12 +10777,12 @@
           </a:prstGeom>
         </p:spPr>
         <p:txBody>
-          <a:bodyPr anchorCtr="0" anchor="t" bIns="91425" lIns="91425" spcFirstLastPara="1" rIns="91425" wrap="square" tIns="91425">
+          <a:bodyPr spcFirstLastPara="1" wrap="square" lIns="91425" tIns="91425" rIns="91425" bIns="91425" anchor="t" anchorCtr="0">
             <a:normAutofit/>
           </a:bodyPr>
           <a:lstStyle/>
           <a:p>
-            <a:pPr indent="0" lvl="0" marL="0" rtl="0" algn="l">
+            <a:pPr marL="0" lvl="0" indent="0" algn="l" rtl="0">
               <a:spcBef>
                 <a:spcPts val="0"/>
               </a:spcBef>
@@ -10797,7 +10798,7 @@
             <a:endParaRPr/>
           </a:p>
           <a:p>
-            <a:pPr indent="0" lvl="0" marL="0" rtl="0" algn="l">
+            <a:pPr marL="0" lvl="0" indent="0" algn="l" rtl="0">
               <a:spcBef>
                 <a:spcPts val="1200"/>
               </a:spcBef>
@@ -10808,15 +10809,7 @@
             </a:pPr>
             <a:r>
               <a:rPr lang="hu"/>
-              <a:t>laptopok </a:t>
-            </a:r>
-            <a:r>
-              <a:rPr lang="hu"/>
-              <a:t>accesspoint tól</a:t>
-            </a:r>
-            <a:r>
-              <a:rPr lang="hu"/>
-              <a:t> kapnak DHCP-t</a:t>
+              <a:t>laptopok accesspoint tól kapnak DHCP-t</a:t>
             </a:r>
             <a:endParaRPr/>
           </a:p>
@@ -10832,7 +10825,7 @@
           <a:blip r:embed="rId3">
             <a:alphaModFix/>
           </a:blip>
-          <a:srcRect b="0" l="-42836" r="46682" t="0"/>
+          <a:srcRect l="-42836" r="46682"/>
           <a:stretch/>
         </p:blipFill>
         <p:spPr>
@@ -10889,11 +10882,11 @@
 </file>
 
 <file path=ppt/slides/slide11.xml><?xml version="1.0" encoding="utf-8"?>
-<p:sld xmlns:a="http://schemas.openxmlformats.org/drawingml/2006/main" xmlns:r="http://schemas.openxmlformats.org/officeDocument/2006/relationships" xmlns:mc="http://schemas.openxmlformats.org/markup-compatibility/2006" xmlns:mv="urn:schemas-microsoft-com:mac:vml" xmlns:p="http://schemas.openxmlformats.org/presentationml/2006/main" xmlns:c="http://schemas.openxmlformats.org/drawingml/2006/chart" xmlns:dgm="http://schemas.openxmlformats.org/drawingml/2006/diagram" xmlns:o="urn:schemas-microsoft-com:office:office" xmlns:v="urn:schemas-microsoft-com:vml" xmlns:pvml="urn:schemas-microsoft-com:office:powerpoint" xmlns:com="http://schemas.openxmlformats.org/drawingml/2006/compatibility" xmlns:p14="http://schemas.microsoft.com/office/powerpoint/2010/main" xmlns:p15="http://schemas.microsoft.com/office/powerpoint/2012/main" xmlns:ahyp="http://schemas.microsoft.com/office/drawing/2018/hyperlinkcolor">
+<p:sld xmlns:a="http://schemas.openxmlformats.org/drawingml/2006/main" xmlns:r="http://schemas.openxmlformats.org/officeDocument/2006/relationships" xmlns:p="http://schemas.openxmlformats.org/presentationml/2006/main">
   <p:cSld>
     <p:spTree>
       <p:nvGrpSpPr>
-        <p:cNvPr id="202" name="Shape 202"/>
+        <p:cNvPr id="1" name="Shape 202"/>
         <p:cNvGrpSpPr/>
         <p:nvPr/>
       </p:nvGrpSpPr>
@@ -10908,7 +10901,9 @@
       <p:sp>
         <p:nvSpPr>
           <p:cNvPr id="203" name="Google Shape;203;p23"/>
-          <p:cNvSpPr txBox="1"/>
+          <p:cNvSpPr txBox="1">
+            <a:spLocks noGrp="1"/>
+          </p:cNvSpPr>
           <p:nvPr>
             <p:ph type="title"/>
           </p:nvPr>
@@ -10923,12 +10918,12 @@
           </a:prstGeom>
         </p:spPr>
         <p:txBody>
-          <a:bodyPr anchorCtr="0" anchor="t" bIns="91425" lIns="91425" spcFirstLastPara="1" rIns="91425" wrap="square" tIns="91425">
+          <a:bodyPr spcFirstLastPara="1" wrap="square" lIns="91425" tIns="91425" rIns="91425" bIns="91425" anchor="t" anchorCtr="0">
             <a:normAutofit/>
           </a:bodyPr>
           <a:lstStyle/>
           <a:p>
-            <a:pPr indent="0" lvl="0" marL="0" rtl="0" algn="ctr">
+            <a:pPr marL="0" lvl="0" indent="0" algn="ctr" rtl="0">
               <a:spcBef>
                 <a:spcPts val="0"/>
               </a:spcBef>
@@ -10939,11 +10934,7 @@
             </a:pPr>
             <a:r>
               <a:rPr lang="hu"/>
-              <a:t>E</a:t>
-            </a:r>
-            <a:r>
-              <a:rPr lang="hu"/>
-              <a:t>therchannel</a:t>
+              <a:t>Etherchannel</a:t>
             </a:r>
             <a:endParaRPr/>
           </a:p>
@@ -10952,9 +10943,11 @@
       <p:sp>
         <p:nvSpPr>
           <p:cNvPr id="204" name="Google Shape;204;p23"/>
-          <p:cNvSpPr txBox="1"/>
+          <p:cNvSpPr txBox="1">
+            <a:spLocks noGrp="1"/>
+          </p:cNvSpPr>
           <p:nvPr>
-            <p:ph idx="1" type="body"/>
+            <p:ph type="body" idx="1"/>
           </p:nvPr>
         </p:nvSpPr>
         <p:spPr>
@@ -10967,12 +10960,12 @@
           </a:prstGeom>
         </p:spPr>
         <p:txBody>
-          <a:bodyPr anchorCtr="0" anchor="t" bIns="91425" lIns="91425" spcFirstLastPara="1" rIns="91425" wrap="square" tIns="91425">
+          <a:bodyPr spcFirstLastPara="1" wrap="square" lIns="91425" tIns="91425" rIns="91425" bIns="91425" anchor="t" anchorCtr="0">
             <a:normAutofit/>
           </a:bodyPr>
           <a:lstStyle/>
           <a:p>
-            <a:pPr indent="0" lvl="0" marL="0" rtl="0" algn="l">
+            <a:pPr marL="0" lvl="0" indent="0" algn="l" rtl="0">
               <a:spcBef>
                 <a:spcPts val="0"/>
               </a:spcBef>
@@ -10988,7 +10981,7 @@
             <a:endParaRPr/>
           </a:p>
           <a:p>
-            <a:pPr indent="0" lvl="0" marL="0" rtl="0" algn="l">
+            <a:pPr marL="0" lvl="0" indent="0" algn="l" rtl="0">
               <a:spcBef>
                 <a:spcPts val="1200"/>
               </a:spcBef>
@@ -11045,11 +11038,11 @@
 </file>
 
 <file path=ppt/slides/slide12.xml><?xml version="1.0" encoding="utf-8"?>
-<p:sld xmlns:a="http://schemas.openxmlformats.org/drawingml/2006/main" xmlns:r="http://schemas.openxmlformats.org/officeDocument/2006/relationships" xmlns:mc="http://schemas.openxmlformats.org/markup-compatibility/2006" xmlns:mv="urn:schemas-microsoft-com:mac:vml" xmlns:p="http://schemas.openxmlformats.org/presentationml/2006/main" xmlns:c="http://schemas.openxmlformats.org/drawingml/2006/chart" xmlns:dgm="http://schemas.openxmlformats.org/drawingml/2006/diagram" xmlns:o="urn:schemas-microsoft-com:office:office" xmlns:v="urn:schemas-microsoft-com:vml" xmlns:pvml="urn:schemas-microsoft-com:office:powerpoint" xmlns:com="http://schemas.openxmlformats.org/drawingml/2006/compatibility" xmlns:p14="http://schemas.microsoft.com/office/powerpoint/2010/main" xmlns:p15="http://schemas.microsoft.com/office/powerpoint/2012/main" xmlns:ahyp="http://schemas.microsoft.com/office/drawing/2018/hyperlinkcolor">
+<p:sld xmlns:a="http://schemas.openxmlformats.org/drawingml/2006/main" xmlns:r="http://schemas.openxmlformats.org/officeDocument/2006/relationships" xmlns:p="http://schemas.openxmlformats.org/presentationml/2006/main">
   <p:cSld>
     <p:spTree>
       <p:nvGrpSpPr>
-        <p:cNvPr id="209" name="Shape 209"/>
+        <p:cNvPr id="1" name="Shape 209"/>
         <p:cNvGrpSpPr/>
         <p:nvPr/>
       </p:nvGrpSpPr>
@@ -11064,7 +11057,9 @@
       <p:sp>
         <p:nvSpPr>
           <p:cNvPr id="210" name="Google Shape;210;p24"/>
-          <p:cNvSpPr txBox="1"/>
+          <p:cNvSpPr txBox="1">
+            <a:spLocks noGrp="1"/>
+          </p:cNvSpPr>
           <p:nvPr>
             <p:ph type="title"/>
           </p:nvPr>
@@ -11079,12 +11074,12 @@
           </a:prstGeom>
         </p:spPr>
         <p:txBody>
-          <a:bodyPr anchorCtr="0" anchor="t" bIns="91425" lIns="91425" spcFirstLastPara="1" rIns="91425" wrap="square" tIns="91425">
+          <a:bodyPr spcFirstLastPara="1" wrap="square" lIns="91425" tIns="91425" rIns="91425" bIns="91425" anchor="t" anchorCtr="0">
             <a:normAutofit/>
           </a:bodyPr>
           <a:lstStyle/>
           <a:p>
-            <a:pPr indent="0" lvl="0" marL="0" rtl="0" algn="l">
+            <a:pPr marL="0" lvl="0" indent="0" algn="l" rtl="0">
               <a:spcBef>
                 <a:spcPts val="0"/>
               </a:spcBef>
@@ -11104,9 +11099,11 @@
       <p:sp>
         <p:nvSpPr>
           <p:cNvPr id="211" name="Google Shape;211;p24"/>
-          <p:cNvSpPr txBox="1"/>
+          <p:cNvSpPr txBox="1">
+            <a:spLocks noGrp="1"/>
+          </p:cNvSpPr>
           <p:nvPr>
-            <p:ph idx="1" type="body"/>
+            <p:ph type="body" idx="1"/>
           </p:nvPr>
         </p:nvSpPr>
         <p:spPr>
@@ -11119,12 +11116,12 @@
           </a:prstGeom>
         </p:spPr>
         <p:txBody>
-          <a:bodyPr anchorCtr="0" anchor="t" bIns="91425" lIns="91425" spcFirstLastPara="1" rIns="91425" wrap="square" tIns="91425">
+          <a:bodyPr spcFirstLastPara="1" wrap="square" lIns="91425" tIns="91425" rIns="91425" bIns="91425" anchor="t" anchorCtr="0">
             <a:normAutofit/>
           </a:bodyPr>
           <a:lstStyle/>
           <a:p>
-            <a:pPr indent="0" lvl="0" marL="0" rtl="0" algn="l">
+            <a:pPr marL="0" lvl="0" indent="0" algn="l" rtl="0">
               <a:spcBef>
                 <a:spcPts val="0"/>
               </a:spcBef>
@@ -11135,19 +11132,7 @@
             </a:pPr>
             <a:r>
               <a:rPr lang="hu"/>
-              <a:t>weiss és ruby </a:t>
-            </a:r>
-            <a:r>
-              <a:rPr lang="hu"/>
-              <a:t>telephelyek</a:t>
-            </a:r>
-            <a:r>
-              <a:rPr lang="hu"/>
-              <a:t> </a:t>
-            </a:r>
-            <a:r>
-              <a:rPr lang="hu"/>
-              <a:t>között csináltuk meg</a:t>
+              <a:t>weiss és ruby telephelyek között csináltuk meg</a:t>
             </a:r>
             <a:endParaRPr/>
           </a:p>
@@ -11218,11 +11203,11 @@
 </file>
 
 <file path=ppt/slides/slide13.xml><?xml version="1.0" encoding="utf-8"?>
-<p:sld xmlns:a="http://schemas.openxmlformats.org/drawingml/2006/main" xmlns:r="http://schemas.openxmlformats.org/officeDocument/2006/relationships" xmlns:mc="http://schemas.openxmlformats.org/markup-compatibility/2006" xmlns:mv="urn:schemas-microsoft-com:mac:vml" xmlns:p="http://schemas.openxmlformats.org/presentationml/2006/main" xmlns:c="http://schemas.openxmlformats.org/drawingml/2006/chart" xmlns:dgm="http://schemas.openxmlformats.org/drawingml/2006/diagram" xmlns:o="urn:schemas-microsoft-com:office:office" xmlns:v="urn:schemas-microsoft-com:vml" xmlns:pvml="urn:schemas-microsoft-com:office:powerpoint" xmlns:com="http://schemas.openxmlformats.org/drawingml/2006/compatibility" xmlns:p14="http://schemas.microsoft.com/office/powerpoint/2010/main" xmlns:p15="http://schemas.microsoft.com/office/powerpoint/2012/main" xmlns:ahyp="http://schemas.microsoft.com/office/drawing/2018/hyperlinkcolor">
+<p:sld xmlns:a="http://schemas.openxmlformats.org/drawingml/2006/main" xmlns:r="http://schemas.openxmlformats.org/officeDocument/2006/relationships" xmlns:p="http://schemas.openxmlformats.org/presentationml/2006/main">
   <p:cSld>
     <p:spTree>
       <p:nvGrpSpPr>
-        <p:cNvPr id="217" name="Shape 217"/>
+        <p:cNvPr id="1" name="Shape 217"/>
         <p:cNvGrpSpPr/>
         <p:nvPr/>
       </p:nvGrpSpPr>
@@ -11237,7 +11222,9 @@
       <p:sp>
         <p:nvSpPr>
           <p:cNvPr id="218" name="Google Shape;218;p25"/>
-          <p:cNvSpPr txBox="1"/>
+          <p:cNvSpPr txBox="1">
+            <a:spLocks noGrp="1"/>
+          </p:cNvSpPr>
           <p:nvPr>
             <p:ph type="title"/>
           </p:nvPr>
@@ -11252,12 +11239,12 @@
           </a:prstGeom>
         </p:spPr>
         <p:txBody>
-          <a:bodyPr anchorCtr="0" anchor="t" bIns="91425" lIns="91425" spcFirstLastPara="1" rIns="91425" wrap="square" tIns="91425">
+          <a:bodyPr spcFirstLastPara="1" wrap="square" lIns="91425" tIns="91425" rIns="91425" bIns="91425" anchor="t" anchorCtr="0">
             <a:normAutofit/>
           </a:bodyPr>
           <a:lstStyle/>
           <a:p>
-            <a:pPr indent="0" lvl="0" marL="0" rtl="0" algn="l">
+            <a:pPr marL="0" lvl="0" indent="0" algn="l" rtl="0">
               <a:spcBef>
                 <a:spcPts val="0"/>
               </a:spcBef>
@@ -11277,9 +11264,11 @@
       <p:sp>
         <p:nvSpPr>
           <p:cNvPr id="219" name="Google Shape;219;p25"/>
-          <p:cNvSpPr txBox="1"/>
+          <p:cNvSpPr txBox="1">
+            <a:spLocks noGrp="1"/>
+          </p:cNvSpPr>
           <p:nvPr>
-            <p:ph idx="1" type="body"/>
+            <p:ph type="body" idx="1"/>
           </p:nvPr>
         </p:nvSpPr>
         <p:spPr>
@@ -11292,12 +11281,12 @@
           </a:prstGeom>
         </p:spPr>
         <p:txBody>
-          <a:bodyPr anchorCtr="0" anchor="t" bIns="91425" lIns="91425" spcFirstLastPara="1" rIns="91425" wrap="square" tIns="91425">
+          <a:bodyPr spcFirstLastPara="1" wrap="square" lIns="91425" tIns="91425" rIns="91425" bIns="91425" anchor="t" anchorCtr="0">
             <a:normAutofit/>
           </a:bodyPr>
           <a:lstStyle/>
           <a:p>
-            <a:pPr indent="0" lvl="0" marL="0" rtl="0" algn="l">
+            <a:pPr marL="0" lvl="0" indent="0" algn="l" rtl="0">
               <a:spcBef>
                 <a:spcPts val="0"/>
               </a:spcBef>
@@ -11313,7 +11302,7 @@
             <a:endParaRPr/>
           </a:p>
           <a:p>
-            <a:pPr indent="0" lvl="0" marL="0" rtl="0" algn="l">
+            <a:pPr marL="0" lvl="0" indent="0" algn="l" rtl="0">
               <a:spcBef>
                 <a:spcPts val="1200"/>
               </a:spcBef>
@@ -11322,13 +11311,10 @@
               </a:spcAft>
               <a:buNone/>
             </a:pPr>
-            <a:r>
-              <a:t/>
-            </a:r>
             <a:endParaRPr/>
           </a:p>
           <a:p>
-            <a:pPr indent="0" lvl="0" marL="0" rtl="0" algn="l">
+            <a:pPr marL="0" lvl="0" indent="0" algn="l" rtl="0">
               <a:spcBef>
                 <a:spcPts val="1200"/>
               </a:spcBef>
@@ -11337,13 +11323,10 @@
               </a:spcAft>
               <a:buNone/>
             </a:pPr>
-            <a:r>
-              <a:t/>
-            </a:r>
             <a:endParaRPr/>
           </a:p>
           <a:p>
-            <a:pPr indent="0" lvl="0" marL="0" rtl="0" algn="l">
+            <a:pPr marL="0" lvl="0" indent="0" algn="l" rtl="0">
               <a:spcBef>
                 <a:spcPts val="1200"/>
               </a:spcBef>
@@ -11352,13 +11335,10 @@
               </a:spcAft>
               <a:buNone/>
             </a:pPr>
-            <a:r>
-              <a:t/>
-            </a:r>
             <a:endParaRPr/>
           </a:p>
           <a:p>
-            <a:pPr indent="0" lvl="0" marL="0" rtl="0" algn="l">
+            <a:pPr marL="0" lvl="0" indent="0" algn="l" rtl="0">
               <a:spcBef>
                 <a:spcPts val="1200"/>
               </a:spcBef>
@@ -11367,13 +11347,10 @@
               </a:spcAft>
               <a:buNone/>
             </a:pPr>
-            <a:r>
-              <a:t/>
-            </a:r>
             <a:endParaRPr/>
           </a:p>
           <a:p>
-            <a:pPr indent="0" lvl="0" marL="0" rtl="0" algn="l">
+            <a:pPr marL="0" lvl="0" indent="0" algn="l" rtl="0">
               <a:spcBef>
                 <a:spcPts val="1200"/>
               </a:spcBef>
@@ -11428,7 +11405,7 @@
           <a:blip r:embed="rId4">
             <a:alphaModFix/>
           </a:blip>
-          <a:srcRect b="0" l="0" r="8164" t="0"/>
+          <a:srcRect r="8164"/>
           <a:stretch/>
         </p:blipFill>
         <p:spPr>
@@ -11454,11 +11431,11 @@
 </file>
 
 <file path=ppt/slides/slide14.xml><?xml version="1.0" encoding="utf-8"?>
-<p:sld xmlns:a="http://schemas.openxmlformats.org/drawingml/2006/main" xmlns:r="http://schemas.openxmlformats.org/officeDocument/2006/relationships" xmlns:mc="http://schemas.openxmlformats.org/markup-compatibility/2006" xmlns:mv="urn:schemas-microsoft-com:mac:vml" xmlns:p="http://schemas.openxmlformats.org/presentationml/2006/main" xmlns:c="http://schemas.openxmlformats.org/drawingml/2006/chart" xmlns:dgm="http://schemas.openxmlformats.org/drawingml/2006/diagram" xmlns:o="urn:schemas-microsoft-com:office:office" xmlns:v="urn:schemas-microsoft-com:vml" xmlns:pvml="urn:schemas-microsoft-com:office:powerpoint" xmlns:com="http://schemas.openxmlformats.org/drawingml/2006/compatibility" xmlns:p14="http://schemas.microsoft.com/office/powerpoint/2010/main" xmlns:p15="http://schemas.microsoft.com/office/powerpoint/2012/main" xmlns:ahyp="http://schemas.microsoft.com/office/drawing/2018/hyperlinkcolor">
+<p:sld xmlns:a="http://schemas.openxmlformats.org/drawingml/2006/main" xmlns:r="http://schemas.openxmlformats.org/officeDocument/2006/relationships" xmlns:p="http://schemas.openxmlformats.org/presentationml/2006/main">
   <p:cSld>
     <p:spTree>
       <p:nvGrpSpPr>
-        <p:cNvPr id="225" name="Shape 225"/>
+        <p:cNvPr id="1" name="Shape 225"/>
         <p:cNvGrpSpPr/>
         <p:nvPr/>
       </p:nvGrpSpPr>
@@ -11473,7 +11450,9 @@
       <p:sp>
         <p:nvSpPr>
           <p:cNvPr id="226" name="Google Shape;226;p26"/>
-          <p:cNvSpPr txBox="1"/>
+          <p:cNvSpPr txBox="1">
+            <a:spLocks noGrp="1"/>
+          </p:cNvSpPr>
           <p:nvPr>
             <p:ph type="title"/>
           </p:nvPr>
@@ -11488,12 +11467,12 @@
           </a:prstGeom>
         </p:spPr>
         <p:txBody>
-          <a:bodyPr anchorCtr="0" anchor="t" bIns="91425" lIns="91425" spcFirstLastPara="1" rIns="91425" wrap="square" tIns="91425">
+          <a:bodyPr spcFirstLastPara="1" wrap="square" lIns="91425" tIns="91425" rIns="91425" bIns="91425" anchor="t" anchorCtr="0">
             <a:normAutofit/>
           </a:bodyPr>
           <a:lstStyle/>
           <a:p>
-            <a:pPr indent="0" lvl="0" marL="0" rtl="0" algn="l">
+            <a:pPr marL="0" lvl="0" indent="0" algn="l" rtl="0">
               <a:spcBef>
                 <a:spcPts val="0"/>
               </a:spcBef>
@@ -11513,9 +11492,11 @@
       <p:sp>
         <p:nvSpPr>
           <p:cNvPr id="227" name="Google Shape;227;p26"/>
-          <p:cNvSpPr txBox="1"/>
+          <p:cNvSpPr txBox="1">
+            <a:spLocks noGrp="1"/>
+          </p:cNvSpPr>
           <p:nvPr>
-            <p:ph idx="1" type="body"/>
+            <p:ph type="body" idx="1"/>
           </p:nvPr>
         </p:nvSpPr>
         <p:spPr>
@@ -11528,12 +11509,12 @@
           </a:prstGeom>
         </p:spPr>
         <p:txBody>
-          <a:bodyPr anchorCtr="0" anchor="t" bIns="91425" lIns="91425" spcFirstLastPara="1" rIns="91425" wrap="square" tIns="91425">
+          <a:bodyPr spcFirstLastPara="1" wrap="square" lIns="91425" tIns="91425" rIns="91425" bIns="91425" anchor="t" anchorCtr="0">
             <a:normAutofit/>
           </a:bodyPr>
           <a:lstStyle/>
           <a:p>
-            <a:pPr indent="0" lvl="0" marL="0" rtl="0" algn="l">
+            <a:pPr marL="0" lvl="0" indent="0" algn="l" rtl="0">
               <a:spcBef>
                 <a:spcPts val="0"/>
               </a:spcBef>
@@ -11542,9 +11523,6 @@
               </a:spcAft>
               <a:buNone/>
             </a:pPr>
-            <a:r>
-              <a:t/>
-            </a:r>
             <a:endParaRPr/>
           </a:p>
         </p:txBody>
@@ -11617,11 +11595,11 @@
 </file>
 
 <file path=ppt/slides/slide15.xml><?xml version="1.0" encoding="utf-8"?>
-<p:sld xmlns:a="http://schemas.openxmlformats.org/drawingml/2006/main" xmlns:r="http://schemas.openxmlformats.org/officeDocument/2006/relationships" xmlns:mc="http://schemas.openxmlformats.org/markup-compatibility/2006" xmlns:mv="urn:schemas-microsoft-com:mac:vml" xmlns:p="http://schemas.openxmlformats.org/presentationml/2006/main" xmlns:c="http://schemas.openxmlformats.org/drawingml/2006/chart" xmlns:dgm="http://schemas.openxmlformats.org/drawingml/2006/diagram" xmlns:o="urn:schemas-microsoft-com:office:office" xmlns:v="urn:schemas-microsoft-com:vml" xmlns:pvml="urn:schemas-microsoft-com:office:powerpoint" xmlns:com="http://schemas.openxmlformats.org/drawingml/2006/compatibility" xmlns:p14="http://schemas.microsoft.com/office/powerpoint/2010/main" xmlns:p15="http://schemas.microsoft.com/office/powerpoint/2012/main" xmlns:ahyp="http://schemas.microsoft.com/office/drawing/2018/hyperlinkcolor">
+<p:sld xmlns:a="http://schemas.openxmlformats.org/drawingml/2006/main" xmlns:r="http://schemas.openxmlformats.org/officeDocument/2006/relationships" xmlns:p="http://schemas.openxmlformats.org/presentationml/2006/main">
   <p:cSld>
     <p:spTree>
       <p:nvGrpSpPr>
-        <p:cNvPr id="233" name="Shape 233"/>
+        <p:cNvPr id="1" name="Shape 233"/>
         <p:cNvGrpSpPr/>
         <p:nvPr/>
       </p:nvGrpSpPr>
@@ -11636,7 +11614,9 @@
       <p:sp>
         <p:nvSpPr>
           <p:cNvPr id="234" name="Google Shape;234;p27"/>
-          <p:cNvSpPr txBox="1"/>
+          <p:cNvSpPr txBox="1">
+            <a:spLocks noGrp="1"/>
+          </p:cNvSpPr>
           <p:nvPr>
             <p:ph type="title"/>
           </p:nvPr>
@@ -11651,12 +11631,12 @@
           </a:prstGeom>
         </p:spPr>
         <p:txBody>
-          <a:bodyPr anchorCtr="0" anchor="t" bIns="91425" lIns="91425" spcFirstLastPara="1" rIns="91425" wrap="square" tIns="91425">
+          <a:bodyPr spcFirstLastPara="1" wrap="square" lIns="91425" tIns="91425" rIns="91425" bIns="91425" anchor="t" anchorCtr="0">
             <a:normAutofit/>
           </a:bodyPr>
           <a:lstStyle/>
           <a:p>
-            <a:pPr indent="0" lvl="0" marL="0" rtl="0" algn="ctr">
+            <a:pPr marL="0" lvl="0" indent="0" algn="ctr" rtl="0">
               <a:spcBef>
                 <a:spcPts val="0"/>
               </a:spcBef>
@@ -11667,11 +11647,7 @@
             </a:pPr>
             <a:r>
               <a:rPr lang="hu"/>
-              <a:t>Dinamikus F</a:t>
-            </a:r>
-            <a:r>
-              <a:rPr lang="hu"/>
-              <a:t>orgalomirányítás</a:t>
+              <a:t>Dinamikus Forgalomirányítás</a:t>
             </a:r>
             <a:endParaRPr/>
           </a:p>
@@ -11680,9 +11656,11 @@
       <p:sp>
         <p:nvSpPr>
           <p:cNvPr id="235" name="Google Shape;235;p27"/>
-          <p:cNvSpPr txBox="1"/>
+          <p:cNvSpPr txBox="1">
+            <a:spLocks noGrp="1"/>
+          </p:cNvSpPr>
           <p:nvPr>
-            <p:ph idx="1" type="body"/>
+            <p:ph type="body" idx="1"/>
           </p:nvPr>
         </p:nvSpPr>
         <p:spPr>
@@ -11695,12 +11673,12 @@
           </a:prstGeom>
         </p:spPr>
         <p:txBody>
-          <a:bodyPr anchorCtr="0" anchor="t" bIns="91425" lIns="91425" spcFirstLastPara="1" rIns="91425" wrap="square" tIns="91425">
+          <a:bodyPr spcFirstLastPara="1" wrap="square" lIns="91425" tIns="91425" rIns="91425" bIns="91425" anchor="t" anchorCtr="0">
             <a:normAutofit/>
           </a:bodyPr>
           <a:lstStyle/>
           <a:p>
-            <a:pPr indent="0" lvl="0" marL="0" rtl="0" algn="l">
+            <a:pPr marL="0" lvl="0" indent="0" algn="l" rtl="0">
               <a:spcBef>
                 <a:spcPts val="0"/>
               </a:spcBef>
@@ -11709,9 +11687,6 @@
               </a:spcAft>
               <a:buNone/>
             </a:pPr>
-            <a:r>
-              <a:t/>
-            </a:r>
             <a:endParaRPr/>
           </a:p>
         </p:txBody>
@@ -11781,11 +11756,11 @@
 </file>
 
 <file path=ppt/slides/slide16.xml><?xml version="1.0" encoding="utf-8"?>
-<p:sld xmlns:a="http://schemas.openxmlformats.org/drawingml/2006/main" xmlns:r="http://schemas.openxmlformats.org/officeDocument/2006/relationships" xmlns:mc="http://schemas.openxmlformats.org/markup-compatibility/2006" xmlns:mv="urn:schemas-microsoft-com:mac:vml" xmlns:p="http://schemas.openxmlformats.org/presentationml/2006/main" xmlns:c="http://schemas.openxmlformats.org/drawingml/2006/chart" xmlns:dgm="http://schemas.openxmlformats.org/drawingml/2006/diagram" xmlns:o="urn:schemas-microsoft-com:office:office" xmlns:v="urn:schemas-microsoft-com:vml" xmlns:pvml="urn:schemas-microsoft-com:office:powerpoint" xmlns:com="http://schemas.openxmlformats.org/drawingml/2006/compatibility" xmlns:p14="http://schemas.microsoft.com/office/powerpoint/2010/main" xmlns:p15="http://schemas.microsoft.com/office/powerpoint/2012/main" xmlns:ahyp="http://schemas.microsoft.com/office/drawing/2018/hyperlinkcolor">
+<p:sld xmlns:a="http://schemas.openxmlformats.org/drawingml/2006/main" xmlns:r="http://schemas.openxmlformats.org/officeDocument/2006/relationships" xmlns:p="http://schemas.openxmlformats.org/presentationml/2006/main">
   <p:cSld>
     <p:spTree>
       <p:nvGrpSpPr>
-        <p:cNvPr id="241" name="Shape 241"/>
+        <p:cNvPr id="1" name="Shape 241"/>
         <p:cNvGrpSpPr/>
         <p:nvPr/>
       </p:nvGrpSpPr>
@@ -11800,7 +11775,9 @@
       <p:sp>
         <p:nvSpPr>
           <p:cNvPr id="242" name="Google Shape;242;p28"/>
-          <p:cNvSpPr txBox="1"/>
+          <p:cNvSpPr txBox="1">
+            <a:spLocks noGrp="1"/>
+          </p:cNvSpPr>
           <p:nvPr>
             <p:ph type="title"/>
           </p:nvPr>
@@ -11815,12 +11792,12 @@
           </a:prstGeom>
         </p:spPr>
         <p:txBody>
-          <a:bodyPr anchorCtr="0" anchor="t" bIns="91425" lIns="91425" spcFirstLastPara="1" rIns="91425" wrap="square" tIns="91425">
+          <a:bodyPr spcFirstLastPara="1" wrap="square" lIns="91425" tIns="91425" rIns="91425" bIns="91425" anchor="t" anchorCtr="0">
             <a:normAutofit/>
           </a:bodyPr>
           <a:lstStyle/>
           <a:p>
-            <a:pPr indent="0" lvl="0" marL="0" rtl="0" algn="ctr">
+            <a:pPr marL="0" lvl="0" indent="0" algn="ctr" rtl="0">
               <a:spcBef>
                 <a:spcPts val="0"/>
               </a:spcBef>
@@ -11840,9 +11817,11 @@
       <p:sp>
         <p:nvSpPr>
           <p:cNvPr id="243" name="Google Shape;243;p28"/>
-          <p:cNvSpPr txBox="1"/>
+          <p:cNvSpPr txBox="1">
+            <a:spLocks noGrp="1"/>
+          </p:cNvSpPr>
           <p:nvPr>
-            <p:ph idx="1" type="body"/>
+            <p:ph type="body" idx="1"/>
           </p:nvPr>
         </p:nvSpPr>
         <p:spPr>
@@ -11855,12 +11834,12 @@
           </a:prstGeom>
         </p:spPr>
         <p:txBody>
-          <a:bodyPr anchorCtr="0" anchor="t" bIns="91425" lIns="91425" spcFirstLastPara="1" rIns="91425" wrap="square" tIns="91425">
+          <a:bodyPr spcFirstLastPara="1" wrap="square" lIns="91425" tIns="91425" rIns="91425" bIns="91425" anchor="t" anchorCtr="0">
             <a:normAutofit/>
           </a:bodyPr>
           <a:lstStyle/>
           <a:p>
-            <a:pPr indent="0" lvl="0" marL="0" rtl="0" algn="l">
+            <a:pPr marL="0" lvl="0" indent="0" algn="l" rtl="0">
               <a:spcBef>
                 <a:spcPts val="0"/>
               </a:spcBef>
@@ -11869,9 +11848,6 @@
               </a:spcAft>
               <a:buNone/>
             </a:pPr>
-            <a:r>
-              <a:t/>
-            </a:r>
             <a:endParaRPr/>
           </a:p>
         </p:txBody>
@@ -11941,11 +11917,11 @@
 </file>
 
 <file path=ppt/slides/slide17.xml><?xml version="1.0" encoding="utf-8"?>
-<p:sld xmlns:a="http://schemas.openxmlformats.org/drawingml/2006/main" xmlns:r="http://schemas.openxmlformats.org/officeDocument/2006/relationships" xmlns:mc="http://schemas.openxmlformats.org/markup-compatibility/2006" xmlns:mv="urn:schemas-microsoft-com:mac:vml" xmlns:p="http://schemas.openxmlformats.org/presentationml/2006/main" xmlns:c="http://schemas.openxmlformats.org/drawingml/2006/chart" xmlns:dgm="http://schemas.openxmlformats.org/drawingml/2006/diagram" xmlns:o="urn:schemas-microsoft-com:office:office" xmlns:v="urn:schemas-microsoft-com:vml" xmlns:pvml="urn:schemas-microsoft-com:office:powerpoint" xmlns:com="http://schemas.openxmlformats.org/drawingml/2006/compatibility" xmlns:p14="http://schemas.microsoft.com/office/powerpoint/2010/main" xmlns:p15="http://schemas.microsoft.com/office/powerpoint/2012/main" xmlns:ahyp="http://schemas.microsoft.com/office/drawing/2018/hyperlinkcolor">
+<p:sld xmlns:a="http://schemas.openxmlformats.org/drawingml/2006/main" xmlns:r="http://schemas.openxmlformats.org/officeDocument/2006/relationships" xmlns:p="http://schemas.openxmlformats.org/presentationml/2006/main">
   <p:cSld>
     <p:spTree>
       <p:nvGrpSpPr>
-        <p:cNvPr id="249" name="Shape 249"/>
+        <p:cNvPr id="1" name="Shape 249"/>
         <p:cNvGrpSpPr/>
         <p:nvPr/>
       </p:nvGrpSpPr>
@@ -11960,7 +11936,9 @@
       <p:sp>
         <p:nvSpPr>
           <p:cNvPr id="250" name="Google Shape;250;p29"/>
-          <p:cNvSpPr txBox="1"/>
+          <p:cNvSpPr txBox="1">
+            <a:spLocks noGrp="1"/>
+          </p:cNvSpPr>
           <p:nvPr>
             <p:ph type="title"/>
           </p:nvPr>
@@ -11975,12 +11953,12 @@
           </a:prstGeom>
         </p:spPr>
         <p:txBody>
-          <a:bodyPr anchorCtr="0" anchor="t" bIns="91425" lIns="91425" spcFirstLastPara="1" rIns="91425" wrap="square" tIns="91425">
+          <a:bodyPr spcFirstLastPara="1" wrap="square" lIns="91425" tIns="91425" rIns="91425" bIns="91425" anchor="t" anchorCtr="0">
             <a:normAutofit/>
           </a:bodyPr>
           <a:lstStyle/>
           <a:p>
-            <a:pPr indent="0" lvl="0" marL="0" rtl="0" algn="l">
+            <a:pPr marL="0" lvl="0" indent="0" algn="l" rtl="0">
               <a:spcBef>
                 <a:spcPts val="0"/>
               </a:spcBef>
@@ -12000,9 +11978,11 @@
       <p:sp>
         <p:nvSpPr>
           <p:cNvPr id="251" name="Google Shape;251;p29"/>
-          <p:cNvSpPr txBox="1"/>
+          <p:cNvSpPr txBox="1">
+            <a:spLocks noGrp="1"/>
+          </p:cNvSpPr>
           <p:nvPr>
-            <p:ph idx="1" type="body"/>
+            <p:ph type="body" idx="1"/>
           </p:nvPr>
         </p:nvSpPr>
         <p:spPr>
@@ -12015,12 +11995,12 @@
           </a:prstGeom>
         </p:spPr>
         <p:txBody>
-          <a:bodyPr anchorCtr="0" anchor="t" bIns="91425" lIns="91425" spcFirstLastPara="1" rIns="91425" wrap="square" tIns="91425">
+          <a:bodyPr spcFirstLastPara="1" wrap="square" lIns="91425" tIns="91425" rIns="91425" bIns="91425" anchor="t" anchorCtr="0">
             <a:normAutofit/>
           </a:bodyPr>
           <a:lstStyle/>
           <a:p>
-            <a:pPr indent="0" lvl="0" marL="0" rtl="0" algn="l">
+            <a:pPr marL="0" lvl="0" indent="0" algn="l" rtl="0">
               <a:spcBef>
                 <a:spcPts val="0"/>
               </a:spcBef>
@@ -12029,9 +12009,6 @@
               </a:spcAft>
               <a:buNone/>
             </a:pPr>
-            <a:r>
-              <a:t/>
-            </a:r>
             <a:endParaRPr/>
           </a:p>
         </p:txBody>
@@ -12100,12 +12077,268 @@
 </p:sld>
 </file>
 
-<file path=ppt/slides/slide2.xml><?xml version="1.0" encoding="utf-8"?>
-<p:sld xmlns:a="http://schemas.openxmlformats.org/drawingml/2006/main" xmlns:r="http://schemas.openxmlformats.org/officeDocument/2006/relationships" xmlns:mc="http://schemas.openxmlformats.org/markup-compatibility/2006" xmlns:mv="urn:schemas-microsoft-com:mac:vml" xmlns:p="http://schemas.openxmlformats.org/presentationml/2006/main" xmlns:c="http://schemas.openxmlformats.org/drawingml/2006/chart" xmlns:dgm="http://schemas.openxmlformats.org/drawingml/2006/diagram" xmlns:o="urn:schemas-microsoft-com:office:office" xmlns:v="urn:schemas-microsoft-com:vml" xmlns:pvml="urn:schemas-microsoft-com:office:powerpoint" xmlns:com="http://schemas.openxmlformats.org/drawingml/2006/compatibility" xmlns:p14="http://schemas.microsoft.com/office/powerpoint/2010/main" xmlns:p15="http://schemas.microsoft.com/office/powerpoint/2012/main" xmlns:ahyp="http://schemas.microsoft.com/office/drawing/2018/hyperlinkcolor">
+<file path=ppt/slides/slide18.xml><?xml version="1.0" encoding="utf-8"?>
+<p:sld xmlns:a="http://schemas.openxmlformats.org/drawingml/2006/main" xmlns:r="http://schemas.openxmlformats.org/officeDocument/2006/relationships" xmlns:p="http://schemas.openxmlformats.org/presentationml/2006/main">
   <p:cSld>
     <p:spTree>
       <p:nvGrpSpPr>
-        <p:cNvPr id="139" name="Shape 139"/>
+        <p:cNvPr id="1" name=""/>
+        <p:cNvGrpSpPr/>
+        <p:nvPr/>
+      </p:nvGrpSpPr>
+      <p:grpSpPr>
+        <a:xfrm>
+          <a:off x="0" y="0"/>
+          <a:ext cx="0" cy="0"/>
+          <a:chOff x="0" y="0"/>
+          <a:chExt cx="0" cy="0"/>
+        </a:xfrm>
+      </p:grpSpPr>
+      <p:sp>
+        <p:nvSpPr>
+          <p:cNvPr id="2" name="Cím 1">
+            <a:extLst>
+              <a:ext uri="{FF2B5EF4-FFF2-40B4-BE49-F238E27FC236}">
+                <a16:creationId xmlns:a16="http://schemas.microsoft.com/office/drawing/2014/main" id="{A2DCC51D-C558-402B-934D-18E7B564D1BC}"/>
+              </a:ext>
+            </a:extLst>
+          </p:cNvPr>
+          <p:cNvSpPr>
+            <a:spLocks noGrp="1"/>
+          </p:cNvSpPr>
+          <p:nvPr>
+            <p:ph type="title"/>
+          </p:nvPr>
+        </p:nvSpPr>
+        <p:spPr/>
+        <p:txBody>
+          <a:bodyPr/>
+          <a:lstStyle/>
+          <a:p>
+            <a:r>
+              <a:rPr lang="hu-HU" dirty="0"/>
+              <a:t>Oldal</a:t>
+            </a:r>
+          </a:p>
+        </p:txBody>
+      </p:sp>
+      <p:sp>
+        <p:nvSpPr>
+          <p:cNvPr id="3" name="Szöveg helye 2">
+            <a:extLst>
+              <a:ext uri="{FF2B5EF4-FFF2-40B4-BE49-F238E27FC236}">
+                <a16:creationId xmlns:a16="http://schemas.microsoft.com/office/drawing/2014/main" id="{1D55CD0A-442C-488A-9333-CAA5E8F74D38}"/>
+              </a:ext>
+            </a:extLst>
+          </p:cNvPr>
+          <p:cNvSpPr>
+            <a:spLocks noGrp="1"/>
+          </p:cNvSpPr>
+          <p:nvPr>
+            <p:ph type="body" idx="1"/>
+          </p:nvPr>
+        </p:nvSpPr>
+        <p:spPr/>
+        <p:txBody>
+          <a:bodyPr/>
+          <a:lstStyle/>
+          <a:p>
+            <a:endParaRPr lang="hu-HU" dirty="0"/>
+          </a:p>
+        </p:txBody>
+      </p:sp>
+      <p:pic>
+        <p:nvPicPr>
+          <p:cNvPr id="5" name="Kép 4">
+            <a:extLst>
+              <a:ext uri="{FF2B5EF4-FFF2-40B4-BE49-F238E27FC236}">
+                <a16:creationId xmlns:a16="http://schemas.microsoft.com/office/drawing/2014/main" id="{05AE4183-913C-4839-8864-BAAB82966DA6}"/>
+              </a:ext>
+            </a:extLst>
+          </p:cNvPr>
+          <p:cNvPicPr>
+            <a:picLocks noChangeAspect="1"/>
+          </p:cNvPicPr>
+          <p:nvPr/>
+        </p:nvPicPr>
+        <p:blipFill>
+          <a:blip r:embed="rId2"/>
+          <a:stretch>
+            <a:fillRect/>
+          </a:stretch>
+        </p:blipFill>
+        <p:spPr>
+          <a:xfrm>
+            <a:off x="0" y="850800"/>
+            <a:ext cx="9144000" cy="4414015"/>
+          </a:xfrm>
+          <a:prstGeom prst="rect">
+            <a:avLst/>
+          </a:prstGeom>
+        </p:spPr>
+      </p:pic>
+    </p:spTree>
+    <p:extLst>
+      <p:ext uri="{BB962C8B-B14F-4D97-AF65-F5344CB8AC3E}">
+        <p14:creationId xmlns:p14="http://schemas.microsoft.com/office/powerpoint/2010/main" val="736643622"/>
+      </p:ext>
+    </p:extLst>
+  </p:cSld>
+  <p:clrMapOvr>
+    <a:masterClrMapping/>
+  </p:clrMapOvr>
+</p:sld>
+</file>
+
+<file path=ppt/slides/slide19.xml><?xml version="1.0" encoding="utf-8"?>
+<p:sld xmlns:a="http://schemas.openxmlformats.org/drawingml/2006/main" xmlns:r="http://schemas.openxmlformats.org/officeDocument/2006/relationships" xmlns:p="http://schemas.openxmlformats.org/presentationml/2006/main">
+  <p:cSld>
+    <p:spTree>
+      <p:nvGrpSpPr>
+        <p:cNvPr id="1" name=""/>
+        <p:cNvGrpSpPr/>
+        <p:nvPr/>
+      </p:nvGrpSpPr>
+      <p:grpSpPr>
+        <a:xfrm>
+          <a:off x="0" y="0"/>
+          <a:ext cx="0" cy="0"/>
+          <a:chOff x="0" y="0"/>
+          <a:chExt cx="0" cy="0"/>
+        </a:xfrm>
+      </p:grpSpPr>
+      <p:sp>
+        <p:nvSpPr>
+          <p:cNvPr id="2" name="Cím 1">
+            <a:extLst>
+              <a:ext uri="{FF2B5EF4-FFF2-40B4-BE49-F238E27FC236}">
+                <a16:creationId xmlns:a16="http://schemas.microsoft.com/office/drawing/2014/main" id="{DE00A700-5140-4A36-BD51-13CAD7CDE317}"/>
+              </a:ext>
+            </a:extLst>
+          </p:cNvPr>
+          <p:cNvSpPr>
+            <a:spLocks noGrp="1"/>
+          </p:cNvSpPr>
+          <p:nvPr>
+            <p:ph type="title"/>
+          </p:nvPr>
+        </p:nvSpPr>
+        <p:spPr/>
+        <p:txBody>
+          <a:bodyPr/>
+          <a:lstStyle/>
+          <a:p>
+            <a:r>
+              <a:rPr lang="hu-HU" dirty="0"/>
+              <a:t>Oldal</a:t>
+            </a:r>
+          </a:p>
+        </p:txBody>
+      </p:sp>
+      <p:sp>
+        <p:nvSpPr>
+          <p:cNvPr id="3" name="Szöveg helye 2">
+            <a:extLst>
+              <a:ext uri="{FF2B5EF4-FFF2-40B4-BE49-F238E27FC236}">
+                <a16:creationId xmlns:a16="http://schemas.microsoft.com/office/drawing/2014/main" id="{3D5A857D-E8FA-4D63-8893-A538C4F727A3}"/>
+              </a:ext>
+            </a:extLst>
+          </p:cNvPr>
+          <p:cNvSpPr>
+            <a:spLocks noGrp="1"/>
+          </p:cNvSpPr>
+          <p:nvPr>
+            <p:ph type="body" idx="1"/>
+          </p:nvPr>
+        </p:nvSpPr>
+        <p:spPr/>
+        <p:txBody>
+          <a:bodyPr/>
+          <a:lstStyle/>
+          <a:p>
+            <a:endParaRPr lang="hu-HU" dirty="0"/>
+          </a:p>
+        </p:txBody>
+      </p:sp>
+      <p:pic>
+        <p:nvPicPr>
+          <p:cNvPr id="5" name="Kép 4">
+            <a:extLst>
+              <a:ext uri="{FF2B5EF4-FFF2-40B4-BE49-F238E27FC236}">
+                <a16:creationId xmlns:a16="http://schemas.microsoft.com/office/drawing/2014/main" id="{025890FC-7176-4D6C-9EF1-5DE35952ECDE}"/>
+              </a:ext>
+            </a:extLst>
+          </p:cNvPr>
+          <p:cNvPicPr>
+            <a:picLocks noChangeAspect="1"/>
+          </p:cNvPicPr>
+          <p:nvPr/>
+        </p:nvPicPr>
+        <p:blipFill>
+          <a:blip r:embed="rId2"/>
+          <a:stretch>
+            <a:fillRect/>
+          </a:stretch>
+        </p:blipFill>
+        <p:spPr>
+          <a:xfrm>
+            <a:off x="1087111" y="1013102"/>
+            <a:ext cx="3360711" cy="4130398"/>
+          </a:xfrm>
+          <a:prstGeom prst="rect">
+            <a:avLst/>
+          </a:prstGeom>
+        </p:spPr>
+      </p:pic>
+      <p:pic>
+        <p:nvPicPr>
+          <p:cNvPr id="9" name="Kép 8">
+            <a:extLst>
+              <a:ext uri="{FF2B5EF4-FFF2-40B4-BE49-F238E27FC236}">
+                <a16:creationId xmlns:a16="http://schemas.microsoft.com/office/drawing/2014/main" id="{D4CB601A-7E70-492A-8F2E-6BC94C233BAC}"/>
+              </a:ext>
+            </a:extLst>
+          </p:cNvPr>
+          <p:cNvPicPr>
+            <a:picLocks noChangeAspect="1"/>
+          </p:cNvPicPr>
+          <p:nvPr/>
+        </p:nvPicPr>
+        <p:blipFill>
+          <a:blip r:embed="rId3"/>
+          <a:stretch>
+            <a:fillRect/>
+          </a:stretch>
+        </p:blipFill>
+        <p:spPr>
+          <a:xfrm>
+            <a:off x="5148111" y="1048945"/>
+            <a:ext cx="3188289" cy="3948409"/>
+          </a:xfrm>
+          <a:prstGeom prst="rect">
+            <a:avLst/>
+          </a:prstGeom>
+        </p:spPr>
+      </p:pic>
+    </p:spTree>
+    <p:extLst>
+      <p:ext uri="{BB962C8B-B14F-4D97-AF65-F5344CB8AC3E}">
+        <p14:creationId xmlns:p14="http://schemas.microsoft.com/office/powerpoint/2010/main" val="3863494130"/>
+      </p:ext>
+    </p:extLst>
+  </p:cSld>
+  <p:clrMapOvr>
+    <a:masterClrMapping/>
+  </p:clrMapOvr>
+</p:sld>
+</file>
+
+<file path=ppt/slides/slide2.xml><?xml version="1.0" encoding="utf-8"?>
+<p:sld xmlns:a="http://schemas.openxmlformats.org/drawingml/2006/main" xmlns:r="http://schemas.openxmlformats.org/officeDocument/2006/relationships" xmlns:p="http://schemas.openxmlformats.org/presentationml/2006/main">
+  <p:cSld>
+    <p:spTree>
+      <p:nvGrpSpPr>
+        <p:cNvPr id="1" name="Shape 139"/>
         <p:cNvGrpSpPr/>
         <p:nvPr/>
       </p:nvGrpSpPr>
@@ -12120,7 +12353,9 @@
       <p:sp>
         <p:nvSpPr>
           <p:cNvPr id="140" name="Google Shape;140;p14"/>
-          <p:cNvSpPr txBox="1"/>
+          <p:cNvSpPr txBox="1">
+            <a:spLocks noGrp="1"/>
+          </p:cNvSpPr>
           <p:nvPr>
             <p:ph type="title"/>
           </p:nvPr>
@@ -12135,12 +12370,12 @@
           </a:prstGeom>
         </p:spPr>
         <p:txBody>
-          <a:bodyPr anchorCtr="0" anchor="t" bIns="91425" lIns="91425" spcFirstLastPara="1" rIns="91425" wrap="square" tIns="91425">
+          <a:bodyPr spcFirstLastPara="1" wrap="square" lIns="91425" tIns="91425" rIns="91425" bIns="91425" anchor="t" anchorCtr="0">
             <a:normAutofit/>
           </a:bodyPr>
           <a:lstStyle/>
           <a:p>
-            <a:pPr indent="0" lvl="0" marL="0" rtl="0" algn="l">
+            <a:pPr marL="0" lvl="0" indent="0" algn="l" rtl="0">
               <a:spcBef>
                 <a:spcPts val="0"/>
               </a:spcBef>
@@ -12151,15 +12386,7 @@
             </a:pPr>
             <a:r>
               <a:rPr lang="hu"/>
-              <a:t>Proje</a:t>
-            </a:r>
-            <a:r>
-              <a:rPr lang="hu"/>
-              <a:t>kten</a:t>
-            </a:r>
-            <a:r>
-              <a:rPr lang="hu"/>
-              <a:t> Dolgozók</a:t>
+              <a:t>Projekten Dolgozók</a:t>
             </a:r>
             <a:endParaRPr/>
           </a:p>
@@ -12168,9 +12395,11 @@
       <p:sp>
         <p:nvSpPr>
           <p:cNvPr id="141" name="Google Shape;141;p14"/>
-          <p:cNvSpPr txBox="1"/>
+          <p:cNvSpPr txBox="1">
+            <a:spLocks noGrp="1"/>
+          </p:cNvSpPr>
           <p:nvPr>
-            <p:ph idx="1" type="body"/>
+            <p:ph type="body" idx="1"/>
           </p:nvPr>
         </p:nvSpPr>
         <p:spPr>
@@ -12183,12 +12412,12 @@
           </a:prstGeom>
         </p:spPr>
         <p:txBody>
-          <a:bodyPr anchorCtr="0" anchor="t" bIns="91425" lIns="91425" spcFirstLastPara="1" rIns="91425" wrap="square" tIns="91425">
+          <a:bodyPr spcFirstLastPara="1" wrap="square" lIns="91425" tIns="91425" rIns="91425" bIns="91425" anchor="t" anchorCtr="0">
             <a:normAutofit/>
           </a:bodyPr>
           <a:lstStyle/>
           <a:p>
-            <a:pPr indent="-311150" lvl="0" marL="457200" rtl="0" algn="l">
+            <a:pPr marL="457200" lvl="0" indent="-311150" algn="l" rtl="0">
               <a:spcBef>
                 <a:spcPts val="0"/>
               </a:spcBef>
@@ -12205,7 +12434,7 @@
             <a:endParaRPr/>
           </a:p>
           <a:p>
-            <a:pPr indent="0" lvl="0" marL="0" rtl="0" algn="l">
+            <a:pPr marL="0" lvl="0" indent="0" algn="l" rtl="0">
               <a:spcBef>
                 <a:spcPts val="1200"/>
               </a:spcBef>
@@ -12214,13 +12443,10 @@
               </a:spcAft>
               <a:buNone/>
             </a:pPr>
-            <a:r>
-              <a:t/>
-            </a:r>
             <a:endParaRPr/>
           </a:p>
           <a:p>
-            <a:pPr indent="-311150" lvl="0" marL="457200" rtl="0" algn="l">
+            <a:pPr marL="457200" lvl="0" indent="-311150" algn="l" rtl="0">
               <a:spcBef>
                 <a:spcPts val="1200"/>
               </a:spcBef>
@@ -12237,7 +12463,7 @@
             <a:endParaRPr/>
           </a:p>
           <a:p>
-            <a:pPr indent="0" lvl="0" marL="0" rtl="0" algn="l">
+            <a:pPr marL="0" lvl="0" indent="0" algn="l" rtl="0">
               <a:spcBef>
                 <a:spcPts val="1200"/>
               </a:spcBef>
@@ -12246,13 +12472,10 @@
               </a:spcAft>
               <a:buNone/>
             </a:pPr>
-            <a:r>
-              <a:t/>
-            </a:r>
             <a:endParaRPr/>
           </a:p>
           <a:p>
-            <a:pPr indent="-311150" lvl="0" marL="457200" rtl="0" algn="l">
+            <a:pPr marL="457200" lvl="0" indent="-311150" algn="l" rtl="0">
               <a:spcBef>
                 <a:spcPts val="1200"/>
               </a:spcBef>
@@ -12269,7 +12492,7 @@
             <a:endParaRPr/>
           </a:p>
           <a:p>
-            <a:pPr indent="0" lvl="0" marL="0" rtl="0" algn="l">
+            <a:pPr marL="0" lvl="0" indent="0" algn="l" rtl="0">
               <a:spcBef>
                 <a:spcPts val="1200"/>
               </a:spcBef>
@@ -12278,13 +12501,10 @@
               </a:spcAft>
               <a:buNone/>
             </a:pPr>
-            <a:r>
-              <a:t/>
-            </a:r>
             <a:endParaRPr/>
           </a:p>
           <a:p>
-            <a:pPr indent="0" lvl="0" marL="0" rtl="0" algn="l">
+            <a:pPr marL="0" lvl="0" indent="0" algn="l" rtl="0">
               <a:spcBef>
                 <a:spcPts val="1200"/>
               </a:spcBef>
@@ -12293,9 +12513,6 @@
               </a:spcAft>
               <a:buNone/>
             </a:pPr>
-            <a:r>
-              <a:t/>
-            </a:r>
             <a:endParaRPr/>
           </a:p>
         </p:txBody>
@@ -12308,12 +12525,125 @@
 </p:sld>
 </file>
 
-<file path=ppt/slides/slide3.xml><?xml version="1.0" encoding="utf-8"?>
-<p:sld xmlns:a="http://schemas.openxmlformats.org/drawingml/2006/main" xmlns:r="http://schemas.openxmlformats.org/officeDocument/2006/relationships" xmlns:mc="http://schemas.openxmlformats.org/markup-compatibility/2006" xmlns:mv="urn:schemas-microsoft-com:mac:vml" xmlns:p="http://schemas.openxmlformats.org/presentationml/2006/main" xmlns:c="http://schemas.openxmlformats.org/drawingml/2006/chart" xmlns:dgm="http://schemas.openxmlformats.org/drawingml/2006/diagram" xmlns:o="urn:schemas-microsoft-com:office:office" xmlns:v="urn:schemas-microsoft-com:vml" xmlns:pvml="urn:schemas-microsoft-com:office:powerpoint" xmlns:com="http://schemas.openxmlformats.org/drawingml/2006/compatibility" xmlns:p14="http://schemas.microsoft.com/office/powerpoint/2010/main" xmlns:p15="http://schemas.microsoft.com/office/powerpoint/2012/main" xmlns:ahyp="http://schemas.microsoft.com/office/drawing/2018/hyperlinkcolor">
+<file path=ppt/slides/slide20.xml><?xml version="1.0" encoding="utf-8"?>
+<p:sld xmlns:a="http://schemas.openxmlformats.org/drawingml/2006/main" xmlns:r="http://schemas.openxmlformats.org/officeDocument/2006/relationships" xmlns:p="http://schemas.openxmlformats.org/presentationml/2006/main">
   <p:cSld>
     <p:spTree>
       <p:nvGrpSpPr>
-        <p:cNvPr id="145" name="Shape 145"/>
+        <p:cNvPr id="1" name=""/>
+        <p:cNvGrpSpPr/>
+        <p:nvPr/>
+      </p:nvGrpSpPr>
+      <p:grpSpPr>
+        <a:xfrm>
+          <a:off x="0" y="0"/>
+          <a:ext cx="0" cy="0"/>
+          <a:chOff x="0" y="0"/>
+          <a:chExt cx="0" cy="0"/>
+        </a:xfrm>
+      </p:grpSpPr>
+      <p:sp>
+        <p:nvSpPr>
+          <p:cNvPr id="2" name="Cím 1">
+            <a:extLst>
+              <a:ext uri="{FF2B5EF4-FFF2-40B4-BE49-F238E27FC236}">
+                <a16:creationId xmlns:a16="http://schemas.microsoft.com/office/drawing/2014/main" id="{7D62C196-F6E5-44D0-84DB-517B3D3E0826}"/>
+              </a:ext>
+            </a:extLst>
+          </p:cNvPr>
+          <p:cNvSpPr>
+            <a:spLocks noGrp="1"/>
+          </p:cNvSpPr>
+          <p:nvPr>
+            <p:ph type="title"/>
+          </p:nvPr>
+        </p:nvSpPr>
+        <p:spPr/>
+        <p:txBody>
+          <a:bodyPr/>
+          <a:lstStyle/>
+          <a:p>
+            <a:r>
+              <a:rPr lang="hu-HU" dirty="0"/>
+              <a:t>Oldal</a:t>
+            </a:r>
+          </a:p>
+        </p:txBody>
+      </p:sp>
+      <p:sp>
+        <p:nvSpPr>
+          <p:cNvPr id="3" name="Szöveg helye 2">
+            <a:extLst>
+              <a:ext uri="{FF2B5EF4-FFF2-40B4-BE49-F238E27FC236}">
+                <a16:creationId xmlns:a16="http://schemas.microsoft.com/office/drawing/2014/main" id="{833C3CDF-2FB8-41CB-B225-4EB1D2E91CAD}"/>
+              </a:ext>
+            </a:extLst>
+          </p:cNvPr>
+          <p:cNvSpPr>
+            <a:spLocks noGrp="1"/>
+          </p:cNvSpPr>
+          <p:nvPr>
+            <p:ph type="body" idx="1"/>
+          </p:nvPr>
+        </p:nvSpPr>
+        <p:spPr/>
+        <p:txBody>
+          <a:bodyPr/>
+          <a:lstStyle/>
+          <a:p>
+            <a:endParaRPr lang="hu-HU" dirty="0"/>
+          </a:p>
+        </p:txBody>
+      </p:sp>
+      <p:pic>
+        <p:nvPicPr>
+          <p:cNvPr id="5" name="Kép 4">
+            <a:extLst>
+              <a:ext uri="{FF2B5EF4-FFF2-40B4-BE49-F238E27FC236}">
+                <a16:creationId xmlns:a16="http://schemas.microsoft.com/office/drawing/2014/main" id="{A56FD0BA-53C5-4809-B679-36F62E67370D}"/>
+              </a:ext>
+            </a:extLst>
+          </p:cNvPr>
+          <p:cNvPicPr>
+            <a:picLocks noChangeAspect="1"/>
+          </p:cNvPicPr>
+          <p:nvPr/>
+        </p:nvPicPr>
+        <p:blipFill>
+          <a:blip r:embed="rId2"/>
+          <a:stretch>
+            <a:fillRect/>
+          </a:stretch>
+        </p:blipFill>
+        <p:spPr>
+          <a:xfrm>
+            <a:off x="5471487" y="0"/>
+            <a:ext cx="3258448" cy="5143500"/>
+          </a:xfrm>
+          <a:prstGeom prst="rect">
+            <a:avLst/>
+          </a:prstGeom>
+        </p:spPr>
+      </p:pic>
+    </p:spTree>
+    <p:extLst>
+      <p:ext uri="{BB962C8B-B14F-4D97-AF65-F5344CB8AC3E}">
+        <p14:creationId xmlns:p14="http://schemas.microsoft.com/office/powerpoint/2010/main" val="174133942"/>
+      </p:ext>
+    </p:extLst>
+  </p:cSld>
+  <p:clrMapOvr>
+    <a:masterClrMapping/>
+  </p:clrMapOvr>
+</p:sld>
+</file>
+
+<file path=ppt/slides/slide3.xml><?xml version="1.0" encoding="utf-8"?>
+<p:sld xmlns:a="http://schemas.openxmlformats.org/drawingml/2006/main" xmlns:r="http://schemas.openxmlformats.org/officeDocument/2006/relationships" xmlns:p="http://schemas.openxmlformats.org/presentationml/2006/main">
+  <p:cSld>
+    <p:spTree>
+      <p:nvGrpSpPr>
+        <p:cNvPr id="1" name="Shape 145"/>
         <p:cNvGrpSpPr/>
         <p:nvPr/>
       </p:nvGrpSpPr>
@@ -12328,7 +12658,9 @@
       <p:sp>
         <p:nvSpPr>
           <p:cNvPr id="146" name="Google Shape;146;p15"/>
-          <p:cNvSpPr txBox="1"/>
+          <p:cNvSpPr txBox="1">
+            <a:spLocks noGrp="1"/>
+          </p:cNvSpPr>
           <p:nvPr>
             <p:ph type="title"/>
           </p:nvPr>
@@ -12343,12 +12675,12 @@
           </a:prstGeom>
         </p:spPr>
         <p:txBody>
-          <a:bodyPr anchorCtr="0" anchor="t" bIns="91425" lIns="91425" spcFirstLastPara="1" rIns="91425" wrap="square" tIns="91425">
+          <a:bodyPr spcFirstLastPara="1" wrap="square" lIns="91425" tIns="91425" rIns="91425" bIns="91425" anchor="t" anchorCtr="0">
             <a:normAutofit/>
           </a:bodyPr>
           <a:lstStyle/>
           <a:p>
-            <a:pPr indent="0" lvl="0" marL="0" rtl="0" algn="l">
+            <a:pPr marL="0" lvl="0" indent="0" algn="l" rtl="0">
               <a:spcBef>
                 <a:spcPts val="0"/>
               </a:spcBef>
@@ -12368,9 +12700,11 @@
       <p:sp>
         <p:nvSpPr>
           <p:cNvPr id="147" name="Google Shape;147;p15"/>
-          <p:cNvSpPr txBox="1"/>
+          <p:cNvSpPr txBox="1">
+            <a:spLocks noGrp="1"/>
+          </p:cNvSpPr>
           <p:nvPr>
-            <p:ph idx="1" type="body"/>
+            <p:ph type="body" idx="1"/>
           </p:nvPr>
         </p:nvSpPr>
         <p:spPr>
@@ -12383,12 +12717,12 @@
           </a:prstGeom>
         </p:spPr>
         <p:txBody>
-          <a:bodyPr anchorCtr="0" anchor="t" bIns="91425" lIns="91425" spcFirstLastPara="1" rIns="91425" wrap="square" tIns="91425">
+          <a:bodyPr spcFirstLastPara="1" wrap="square" lIns="91425" tIns="91425" rIns="91425" bIns="91425" anchor="t" anchorCtr="0">
             <a:normAutofit/>
           </a:bodyPr>
           <a:lstStyle/>
           <a:p>
-            <a:pPr indent="0" lvl="0" marL="0" rtl="0" algn="l">
+            <a:pPr marL="0" lvl="0" indent="0" algn="l" rtl="0">
               <a:spcBef>
                 <a:spcPts val="0"/>
               </a:spcBef>
@@ -12397,13 +12731,10 @@
               </a:spcAft>
               <a:buNone/>
             </a:pPr>
-            <a:r>
-              <a:t/>
-            </a:r>
             <a:endParaRPr/>
           </a:p>
           <a:p>
-            <a:pPr indent="0" lvl="0" marL="0" rtl="0" algn="l">
+            <a:pPr marL="0" lvl="0" indent="0" algn="l" rtl="0">
               <a:spcBef>
                 <a:spcPts val="1200"/>
               </a:spcBef>
@@ -12412,9 +12743,6 @@
               </a:spcAft>
               <a:buNone/>
             </a:pPr>
-            <a:r>
-              <a:t/>
-            </a:r>
             <a:endParaRPr/>
           </a:p>
         </p:txBody>
@@ -12459,11 +12787,11 @@
 </file>
 
 <file path=ppt/slides/slide4.xml><?xml version="1.0" encoding="utf-8"?>
-<p:sld xmlns:a="http://schemas.openxmlformats.org/drawingml/2006/main" xmlns:r="http://schemas.openxmlformats.org/officeDocument/2006/relationships" xmlns:mc="http://schemas.openxmlformats.org/markup-compatibility/2006" xmlns:mv="urn:schemas-microsoft-com:mac:vml" xmlns:p="http://schemas.openxmlformats.org/presentationml/2006/main" xmlns:c="http://schemas.openxmlformats.org/drawingml/2006/chart" xmlns:dgm="http://schemas.openxmlformats.org/drawingml/2006/diagram" xmlns:o="urn:schemas-microsoft-com:office:office" xmlns:v="urn:schemas-microsoft-com:vml" xmlns:pvml="urn:schemas-microsoft-com:office:powerpoint" xmlns:com="http://schemas.openxmlformats.org/drawingml/2006/compatibility" xmlns:p14="http://schemas.microsoft.com/office/powerpoint/2010/main" xmlns:p15="http://schemas.microsoft.com/office/powerpoint/2012/main" xmlns:ahyp="http://schemas.microsoft.com/office/drawing/2018/hyperlinkcolor">
+<p:sld xmlns:a="http://schemas.openxmlformats.org/drawingml/2006/main" xmlns:r="http://schemas.openxmlformats.org/officeDocument/2006/relationships" xmlns:p="http://schemas.openxmlformats.org/presentationml/2006/main">
   <p:cSld>
     <p:spTree>
       <p:nvGrpSpPr>
-        <p:cNvPr id="152" name="Shape 152"/>
+        <p:cNvPr id="1" name="Shape 152"/>
         <p:cNvGrpSpPr/>
         <p:nvPr/>
       </p:nvGrpSpPr>
@@ -12478,7 +12806,9 @@
       <p:sp>
         <p:nvSpPr>
           <p:cNvPr id="153" name="Google Shape;153;p16"/>
-          <p:cNvSpPr txBox="1"/>
+          <p:cNvSpPr txBox="1">
+            <a:spLocks noGrp="1"/>
+          </p:cNvSpPr>
           <p:nvPr>
             <p:ph type="title"/>
           </p:nvPr>
@@ -12493,12 +12823,12 @@
           </a:prstGeom>
         </p:spPr>
         <p:txBody>
-          <a:bodyPr anchorCtr="0" anchor="t" bIns="91425" lIns="91425" spcFirstLastPara="1" rIns="91425" wrap="square" tIns="91425">
+          <a:bodyPr spcFirstLastPara="1" wrap="square" lIns="91425" tIns="91425" rIns="91425" bIns="91425" anchor="t" anchorCtr="0">
             <a:normAutofit/>
           </a:bodyPr>
           <a:lstStyle/>
           <a:p>
-            <a:pPr indent="0" lvl="0" marL="0" rtl="0" algn="l">
+            <a:pPr marL="0" lvl="0" indent="0" algn="l" rtl="0">
               <a:spcBef>
                 <a:spcPts val="0"/>
               </a:spcBef>
@@ -12509,11 +12839,7 @@
             </a:pPr>
             <a:r>
               <a:rPr lang="hu"/>
-              <a:t>T</a:t>
-            </a:r>
-            <a:r>
-              <a:rPr lang="hu"/>
-              <a:t>opológia</a:t>
+              <a:t>Topológia</a:t>
             </a:r>
             <a:endParaRPr/>
           </a:p>
@@ -12522,9 +12848,11 @@
       <p:sp>
         <p:nvSpPr>
           <p:cNvPr id="154" name="Google Shape;154;p16"/>
-          <p:cNvSpPr txBox="1"/>
+          <p:cNvSpPr txBox="1">
+            <a:spLocks noGrp="1"/>
+          </p:cNvSpPr>
           <p:nvPr>
-            <p:ph idx="1" type="body"/>
+            <p:ph type="body" idx="1"/>
           </p:nvPr>
         </p:nvSpPr>
         <p:spPr>
@@ -12537,12 +12865,12 @@
           </a:prstGeom>
         </p:spPr>
         <p:txBody>
-          <a:bodyPr anchorCtr="0" anchor="t" bIns="91425" lIns="91425" spcFirstLastPara="1" rIns="91425" wrap="square" tIns="91425">
+          <a:bodyPr spcFirstLastPara="1" wrap="square" lIns="91425" tIns="91425" rIns="91425" bIns="91425" anchor="t" anchorCtr="0">
             <a:normAutofit/>
           </a:bodyPr>
           <a:lstStyle/>
           <a:p>
-            <a:pPr indent="0" lvl="0" marL="0" rtl="0" algn="l">
+            <a:pPr marL="0" lvl="0" indent="0" algn="l" rtl="0">
               <a:spcBef>
                 <a:spcPts val="0"/>
               </a:spcBef>
@@ -12551,9 +12879,6 @@
               </a:spcAft>
               <a:buNone/>
             </a:pPr>
-            <a:r>
-              <a:t/>
-            </a:r>
             <a:endParaRPr/>
           </a:p>
         </p:txBody>
@@ -12598,11 +12923,11 @@
 </file>
 
 <file path=ppt/slides/slide5.xml><?xml version="1.0" encoding="utf-8"?>
-<p:sld xmlns:a="http://schemas.openxmlformats.org/drawingml/2006/main" xmlns:r="http://schemas.openxmlformats.org/officeDocument/2006/relationships" xmlns:mc="http://schemas.openxmlformats.org/markup-compatibility/2006" xmlns:mv="urn:schemas-microsoft-com:mac:vml" xmlns:p="http://schemas.openxmlformats.org/presentationml/2006/main" xmlns:c="http://schemas.openxmlformats.org/drawingml/2006/chart" xmlns:dgm="http://schemas.openxmlformats.org/drawingml/2006/diagram" xmlns:o="urn:schemas-microsoft-com:office:office" xmlns:v="urn:schemas-microsoft-com:vml" xmlns:pvml="urn:schemas-microsoft-com:office:powerpoint" xmlns:com="http://schemas.openxmlformats.org/drawingml/2006/compatibility" xmlns:p14="http://schemas.microsoft.com/office/powerpoint/2010/main" xmlns:p15="http://schemas.microsoft.com/office/powerpoint/2012/main" xmlns:ahyp="http://schemas.microsoft.com/office/drawing/2018/hyperlinkcolor">
+<p:sld xmlns:a="http://schemas.openxmlformats.org/drawingml/2006/main" xmlns:r="http://schemas.openxmlformats.org/officeDocument/2006/relationships" xmlns:p="http://schemas.openxmlformats.org/presentationml/2006/main">
   <p:cSld>
     <p:spTree>
       <p:nvGrpSpPr>
-        <p:cNvPr id="159" name="Shape 159"/>
+        <p:cNvPr id="1" name="Shape 159"/>
         <p:cNvGrpSpPr/>
         <p:nvPr/>
       </p:nvGrpSpPr>
@@ -12617,7 +12942,9 @@
       <p:sp>
         <p:nvSpPr>
           <p:cNvPr id="160" name="Google Shape;160;p17"/>
-          <p:cNvSpPr txBox="1"/>
+          <p:cNvSpPr txBox="1">
+            <a:spLocks noGrp="1"/>
+          </p:cNvSpPr>
           <p:nvPr>
             <p:ph type="title"/>
           </p:nvPr>
@@ -12632,12 +12959,12 @@
           </a:prstGeom>
         </p:spPr>
         <p:txBody>
-          <a:bodyPr anchorCtr="0" anchor="t" bIns="91425" lIns="91425" spcFirstLastPara="1" rIns="91425" wrap="square" tIns="91425">
+          <a:bodyPr spcFirstLastPara="1" wrap="square" lIns="91425" tIns="91425" rIns="91425" bIns="91425" anchor="t" anchorCtr="0">
             <a:normAutofit/>
           </a:bodyPr>
           <a:lstStyle/>
           <a:p>
-            <a:pPr indent="0" lvl="0" marL="0" rtl="0" algn="l">
+            <a:pPr marL="0" lvl="0" indent="0" algn="l" rtl="0">
               <a:spcBef>
                 <a:spcPts val="0"/>
               </a:spcBef>
@@ -12657,9 +12984,11 @@
       <p:sp>
         <p:nvSpPr>
           <p:cNvPr id="161" name="Google Shape;161;p17"/>
-          <p:cNvSpPr txBox="1"/>
+          <p:cNvSpPr txBox="1">
+            <a:spLocks noGrp="1"/>
+          </p:cNvSpPr>
           <p:nvPr>
-            <p:ph idx="1" type="body"/>
+            <p:ph type="body" idx="1"/>
           </p:nvPr>
         </p:nvSpPr>
         <p:spPr>
@@ -12672,12 +13001,12 @@
           </a:prstGeom>
         </p:spPr>
         <p:txBody>
-          <a:bodyPr anchorCtr="0" anchor="t" bIns="91425" lIns="91425" spcFirstLastPara="1" rIns="91425" wrap="square" tIns="91425">
+          <a:bodyPr spcFirstLastPara="1" wrap="square" lIns="91425" tIns="91425" rIns="91425" bIns="91425" anchor="t" anchorCtr="0">
             <a:normAutofit/>
           </a:bodyPr>
           <a:lstStyle/>
           <a:p>
-            <a:pPr indent="0" lvl="0" marL="0" rtl="0" algn="l">
+            <a:pPr marL="0" lvl="0" indent="0" algn="l" rtl="0">
               <a:spcBef>
                 <a:spcPts val="0"/>
               </a:spcBef>
@@ -12686,9 +13015,6 @@
               </a:spcAft>
               <a:buNone/>
             </a:pPr>
-            <a:r>
-              <a:t/>
-            </a:r>
             <a:endParaRPr/>
           </a:p>
         </p:txBody>
@@ -12733,11 +13059,11 @@
 </file>
 
 <file path=ppt/slides/slide6.xml><?xml version="1.0" encoding="utf-8"?>
-<p:sld xmlns:a="http://schemas.openxmlformats.org/drawingml/2006/main" xmlns:r="http://schemas.openxmlformats.org/officeDocument/2006/relationships" xmlns:mc="http://schemas.openxmlformats.org/markup-compatibility/2006" xmlns:mv="urn:schemas-microsoft-com:mac:vml" xmlns:p="http://schemas.openxmlformats.org/presentationml/2006/main" xmlns:c="http://schemas.openxmlformats.org/drawingml/2006/chart" xmlns:dgm="http://schemas.openxmlformats.org/drawingml/2006/diagram" xmlns:o="urn:schemas-microsoft-com:office:office" xmlns:v="urn:schemas-microsoft-com:vml" xmlns:pvml="urn:schemas-microsoft-com:office:powerpoint" xmlns:com="http://schemas.openxmlformats.org/drawingml/2006/compatibility" xmlns:p14="http://schemas.microsoft.com/office/powerpoint/2010/main" xmlns:p15="http://schemas.microsoft.com/office/powerpoint/2012/main" xmlns:ahyp="http://schemas.microsoft.com/office/drawing/2018/hyperlinkcolor">
+<p:sld xmlns:a="http://schemas.openxmlformats.org/drawingml/2006/main" xmlns:r="http://schemas.openxmlformats.org/officeDocument/2006/relationships" xmlns:p="http://schemas.openxmlformats.org/presentationml/2006/main">
   <p:cSld>
     <p:spTree>
       <p:nvGrpSpPr>
-        <p:cNvPr id="166" name="Shape 166"/>
+        <p:cNvPr id="1" name="Shape 166"/>
         <p:cNvGrpSpPr/>
         <p:nvPr/>
       </p:nvGrpSpPr>
@@ -12752,7 +13078,9 @@
       <p:sp>
         <p:nvSpPr>
           <p:cNvPr id="167" name="Google Shape;167;p18"/>
-          <p:cNvSpPr txBox="1"/>
+          <p:cNvSpPr txBox="1">
+            <a:spLocks noGrp="1"/>
+          </p:cNvSpPr>
           <p:nvPr>
             <p:ph type="title"/>
           </p:nvPr>
@@ -12767,12 +13095,12 @@
           </a:prstGeom>
         </p:spPr>
         <p:txBody>
-          <a:bodyPr anchorCtr="0" anchor="t" bIns="91425" lIns="91425" spcFirstLastPara="1" rIns="91425" wrap="square" tIns="91425">
+          <a:bodyPr spcFirstLastPara="1" wrap="square" lIns="91425" tIns="91425" rIns="91425" bIns="91425" anchor="t" anchorCtr="0">
             <a:normAutofit/>
           </a:bodyPr>
           <a:lstStyle/>
           <a:p>
-            <a:pPr indent="0" lvl="0" marL="0" rtl="0" algn="l">
+            <a:pPr marL="0" lvl="0" indent="0" algn="l" rtl="0">
               <a:spcBef>
                 <a:spcPts val="0"/>
               </a:spcBef>
@@ -12792,9 +13120,11 @@
       <p:sp>
         <p:nvSpPr>
           <p:cNvPr id="168" name="Google Shape;168;p18"/>
-          <p:cNvSpPr txBox="1"/>
+          <p:cNvSpPr txBox="1">
+            <a:spLocks noGrp="1"/>
+          </p:cNvSpPr>
           <p:nvPr>
-            <p:ph idx="1" type="body"/>
+            <p:ph type="body" idx="1"/>
           </p:nvPr>
         </p:nvSpPr>
         <p:spPr>
@@ -12807,12 +13137,12 @@
           </a:prstGeom>
         </p:spPr>
         <p:txBody>
-          <a:bodyPr anchorCtr="0" anchor="t" bIns="91425" lIns="91425" spcFirstLastPara="1" rIns="91425" wrap="square" tIns="91425">
+          <a:bodyPr spcFirstLastPara="1" wrap="square" lIns="91425" tIns="91425" rIns="91425" bIns="91425" anchor="t" anchorCtr="0">
             <a:normAutofit/>
           </a:bodyPr>
           <a:lstStyle/>
           <a:p>
-            <a:pPr indent="0" lvl="0" marL="0" rtl="0" algn="l">
+            <a:pPr marL="0" lvl="0" indent="0" algn="l" rtl="0">
               <a:spcBef>
                 <a:spcPts val="0"/>
               </a:spcBef>
@@ -12821,9 +13151,6 @@
               </a:spcAft>
               <a:buNone/>
             </a:pPr>
-            <a:r>
-              <a:t/>
-            </a:r>
             <a:endParaRPr/>
           </a:p>
         </p:txBody>
@@ -12868,11 +13195,11 @@
 </file>
 
 <file path=ppt/slides/slide7.xml><?xml version="1.0" encoding="utf-8"?>
-<p:sld xmlns:a="http://schemas.openxmlformats.org/drawingml/2006/main" xmlns:r="http://schemas.openxmlformats.org/officeDocument/2006/relationships" xmlns:mc="http://schemas.openxmlformats.org/markup-compatibility/2006" xmlns:mv="urn:schemas-microsoft-com:mac:vml" xmlns:p="http://schemas.openxmlformats.org/presentationml/2006/main" xmlns:c="http://schemas.openxmlformats.org/drawingml/2006/chart" xmlns:dgm="http://schemas.openxmlformats.org/drawingml/2006/diagram" xmlns:o="urn:schemas-microsoft-com:office:office" xmlns:v="urn:schemas-microsoft-com:vml" xmlns:pvml="urn:schemas-microsoft-com:office:powerpoint" xmlns:com="http://schemas.openxmlformats.org/drawingml/2006/compatibility" xmlns:p14="http://schemas.microsoft.com/office/powerpoint/2010/main" xmlns:p15="http://schemas.microsoft.com/office/powerpoint/2012/main" xmlns:ahyp="http://schemas.microsoft.com/office/drawing/2018/hyperlinkcolor">
+<p:sld xmlns:a="http://schemas.openxmlformats.org/drawingml/2006/main" xmlns:r="http://schemas.openxmlformats.org/officeDocument/2006/relationships" xmlns:p="http://schemas.openxmlformats.org/presentationml/2006/main">
   <p:cSld>
     <p:spTree>
       <p:nvGrpSpPr>
-        <p:cNvPr id="173" name="Shape 173"/>
+        <p:cNvPr id="1" name="Shape 173"/>
         <p:cNvGrpSpPr/>
         <p:nvPr/>
       </p:nvGrpSpPr>
@@ -12887,7 +13214,9 @@
       <p:sp>
         <p:nvSpPr>
           <p:cNvPr id="174" name="Google Shape;174;p19"/>
-          <p:cNvSpPr txBox="1"/>
+          <p:cNvSpPr txBox="1">
+            <a:spLocks noGrp="1"/>
+          </p:cNvSpPr>
           <p:nvPr>
             <p:ph type="title"/>
           </p:nvPr>
@@ -12902,12 +13231,12 @@
           </a:prstGeom>
         </p:spPr>
         <p:txBody>
-          <a:bodyPr anchorCtr="0" anchor="t" bIns="91425" lIns="91425" spcFirstLastPara="1" rIns="91425" wrap="square" tIns="91425">
+          <a:bodyPr spcFirstLastPara="1" wrap="square" lIns="91425" tIns="91425" rIns="91425" bIns="91425" anchor="t" anchorCtr="0">
             <a:normAutofit/>
           </a:bodyPr>
           <a:lstStyle/>
           <a:p>
-            <a:pPr indent="0" lvl="0" marL="0" rtl="0" algn="l">
+            <a:pPr marL="0" lvl="0" indent="0" algn="l" rtl="0">
               <a:spcBef>
                 <a:spcPts val="0"/>
               </a:spcBef>
@@ -12927,9 +13256,11 @@
       <p:sp>
         <p:nvSpPr>
           <p:cNvPr id="175" name="Google Shape;175;p19"/>
-          <p:cNvSpPr txBox="1"/>
+          <p:cNvSpPr txBox="1">
+            <a:spLocks noGrp="1"/>
+          </p:cNvSpPr>
           <p:nvPr>
-            <p:ph idx="1" type="body"/>
+            <p:ph type="body" idx="1"/>
           </p:nvPr>
         </p:nvSpPr>
         <p:spPr>
@@ -12942,12 +13273,12 @@
           </a:prstGeom>
         </p:spPr>
         <p:txBody>
-          <a:bodyPr anchorCtr="0" anchor="t" bIns="91425" lIns="91425" spcFirstLastPara="1" rIns="91425" wrap="square" tIns="91425">
+          <a:bodyPr spcFirstLastPara="1" wrap="square" lIns="91425" tIns="91425" rIns="91425" bIns="91425" anchor="t" anchorCtr="0">
             <a:normAutofit/>
           </a:bodyPr>
           <a:lstStyle/>
           <a:p>
-            <a:pPr indent="0" lvl="0" marL="0" rtl="0" algn="l">
+            <a:pPr marL="0" lvl="0" indent="0" algn="l" rtl="0">
               <a:spcBef>
                 <a:spcPts val="0"/>
               </a:spcBef>
@@ -12956,9 +13287,6 @@
               </a:spcAft>
               <a:buNone/>
             </a:pPr>
-            <a:r>
-              <a:t/>
-            </a:r>
             <a:endParaRPr/>
           </a:p>
         </p:txBody>
@@ -13000,11 +13328,11 @@
 </file>
 
 <file path=ppt/slides/slide8.xml><?xml version="1.0" encoding="utf-8"?>
-<p:sld xmlns:a="http://schemas.openxmlformats.org/drawingml/2006/main" xmlns:r="http://schemas.openxmlformats.org/officeDocument/2006/relationships" xmlns:mc="http://schemas.openxmlformats.org/markup-compatibility/2006" xmlns:mv="urn:schemas-microsoft-com:mac:vml" xmlns:p="http://schemas.openxmlformats.org/presentationml/2006/main" xmlns:c="http://schemas.openxmlformats.org/drawingml/2006/chart" xmlns:dgm="http://schemas.openxmlformats.org/drawingml/2006/diagram" xmlns:o="urn:schemas-microsoft-com:office:office" xmlns:v="urn:schemas-microsoft-com:vml" xmlns:pvml="urn:schemas-microsoft-com:office:powerpoint" xmlns:com="http://schemas.openxmlformats.org/drawingml/2006/compatibility" xmlns:p14="http://schemas.microsoft.com/office/powerpoint/2010/main" xmlns:p15="http://schemas.microsoft.com/office/powerpoint/2012/main" xmlns:ahyp="http://schemas.microsoft.com/office/drawing/2018/hyperlinkcolor">
+<p:sld xmlns:a="http://schemas.openxmlformats.org/drawingml/2006/main" xmlns:r="http://schemas.openxmlformats.org/officeDocument/2006/relationships" xmlns:p="http://schemas.openxmlformats.org/presentationml/2006/main">
   <p:cSld>
     <p:spTree>
       <p:nvGrpSpPr>
-        <p:cNvPr id="180" name="Shape 180"/>
+        <p:cNvPr id="1" name="Shape 180"/>
         <p:cNvGrpSpPr/>
         <p:nvPr/>
       </p:nvGrpSpPr>
@@ -13019,7 +13347,9 @@
       <p:sp>
         <p:nvSpPr>
           <p:cNvPr id="181" name="Google Shape;181;p20"/>
-          <p:cNvSpPr txBox="1"/>
+          <p:cNvSpPr txBox="1">
+            <a:spLocks noGrp="1"/>
+          </p:cNvSpPr>
           <p:nvPr>
             <p:ph type="title"/>
           </p:nvPr>
@@ -13034,12 +13364,12 @@
           </a:prstGeom>
         </p:spPr>
         <p:txBody>
-          <a:bodyPr anchorCtr="0" anchor="t" bIns="91425" lIns="91425" spcFirstLastPara="1" rIns="91425" wrap="square" tIns="91425">
+          <a:bodyPr spcFirstLastPara="1" wrap="square" lIns="91425" tIns="91425" rIns="91425" bIns="91425" anchor="t" anchorCtr="0">
             <a:normAutofit/>
           </a:bodyPr>
           <a:lstStyle/>
           <a:p>
-            <a:pPr indent="0" lvl="0" marL="0" rtl="0" algn="l">
+            <a:pPr marL="0" lvl="0" indent="0" algn="l" rtl="0">
               <a:spcBef>
                 <a:spcPts val="0"/>
               </a:spcBef>
@@ -13059,9 +13389,11 @@
       <p:sp>
         <p:nvSpPr>
           <p:cNvPr id="182" name="Google Shape;182;p20"/>
-          <p:cNvSpPr txBox="1"/>
+          <p:cNvSpPr txBox="1">
+            <a:spLocks noGrp="1"/>
+          </p:cNvSpPr>
           <p:nvPr>
-            <p:ph idx="1" type="body"/>
+            <p:ph type="body" idx="1"/>
           </p:nvPr>
         </p:nvSpPr>
         <p:spPr>
@@ -13074,12 +13406,12 @@
           </a:prstGeom>
         </p:spPr>
         <p:txBody>
-          <a:bodyPr anchorCtr="0" anchor="t" bIns="91425" lIns="91425" spcFirstLastPara="1" rIns="91425" wrap="square" tIns="91425">
+          <a:bodyPr spcFirstLastPara="1" wrap="square" lIns="91425" tIns="91425" rIns="91425" bIns="91425" anchor="t" anchorCtr="0">
             <a:normAutofit/>
           </a:bodyPr>
           <a:lstStyle/>
           <a:p>
-            <a:pPr indent="0" lvl="0" marL="0" rtl="0" algn="l">
+            <a:pPr marL="0" lvl="0" indent="0" algn="l" rtl="0">
               <a:spcBef>
                 <a:spcPts val="0"/>
               </a:spcBef>
@@ -13088,9 +13420,6 @@
               </a:spcAft>
               <a:buNone/>
             </a:pPr>
-            <a:r>
-              <a:t/>
-            </a:r>
             <a:endParaRPr/>
           </a:p>
         </p:txBody>
@@ -13132,11 +13461,11 @@
 </file>
 
 <file path=ppt/slides/slide9.xml><?xml version="1.0" encoding="utf-8"?>
-<p:sld xmlns:a="http://schemas.openxmlformats.org/drawingml/2006/main" xmlns:r="http://schemas.openxmlformats.org/officeDocument/2006/relationships" xmlns:mc="http://schemas.openxmlformats.org/markup-compatibility/2006" xmlns:mv="urn:schemas-microsoft-com:mac:vml" xmlns:p="http://schemas.openxmlformats.org/presentationml/2006/main" xmlns:c="http://schemas.openxmlformats.org/drawingml/2006/chart" xmlns:dgm="http://schemas.openxmlformats.org/drawingml/2006/diagram" xmlns:o="urn:schemas-microsoft-com:office:office" xmlns:v="urn:schemas-microsoft-com:vml" xmlns:pvml="urn:schemas-microsoft-com:office:powerpoint" xmlns:com="http://schemas.openxmlformats.org/drawingml/2006/compatibility" xmlns:p14="http://schemas.microsoft.com/office/powerpoint/2010/main" xmlns:p15="http://schemas.microsoft.com/office/powerpoint/2012/main" xmlns:ahyp="http://schemas.microsoft.com/office/drawing/2018/hyperlinkcolor">
+<p:sld xmlns:a="http://schemas.openxmlformats.org/drawingml/2006/main" xmlns:r="http://schemas.openxmlformats.org/officeDocument/2006/relationships" xmlns:p="http://schemas.openxmlformats.org/presentationml/2006/main">
   <p:cSld>
     <p:spTree>
       <p:nvGrpSpPr>
-        <p:cNvPr id="187" name="Shape 187"/>
+        <p:cNvPr id="1" name="Shape 187"/>
         <p:cNvGrpSpPr/>
         <p:nvPr/>
       </p:nvGrpSpPr>
@@ -13151,7 +13480,9 @@
       <p:sp>
         <p:nvSpPr>
           <p:cNvPr id="188" name="Google Shape;188;p21"/>
-          <p:cNvSpPr txBox="1"/>
+          <p:cNvSpPr txBox="1">
+            <a:spLocks noGrp="1"/>
+          </p:cNvSpPr>
           <p:nvPr>
             <p:ph type="title"/>
           </p:nvPr>
@@ -13166,12 +13497,12 @@
           </a:prstGeom>
         </p:spPr>
         <p:txBody>
-          <a:bodyPr anchorCtr="0" anchor="t" bIns="91425" lIns="91425" spcFirstLastPara="1" rIns="91425" wrap="square" tIns="91425">
+          <a:bodyPr spcFirstLastPara="1" wrap="square" lIns="91425" tIns="91425" rIns="91425" bIns="91425" anchor="t" anchorCtr="0">
             <a:normAutofit/>
           </a:bodyPr>
           <a:lstStyle/>
           <a:p>
-            <a:pPr indent="0" lvl="0" marL="0" rtl="0" algn="l">
+            <a:pPr marL="0" lvl="0" indent="0" algn="l" rtl="0">
               <a:spcBef>
                 <a:spcPts val="0"/>
               </a:spcBef>
@@ -13191,9 +13522,11 @@
       <p:sp>
         <p:nvSpPr>
           <p:cNvPr id="189" name="Google Shape;189;p21"/>
-          <p:cNvSpPr txBox="1"/>
+          <p:cNvSpPr txBox="1">
+            <a:spLocks noGrp="1"/>
+          </p:cNvSpPr>
           <p:nvPr>
-            <p:ph idx="1" type="body"/>
+            <p:ph type="body" idx="1"/>
           </p:nvPr>
         </p:nvSpPr>
         <p:spPr>
@@ -13206,12 +13539,12 @@
           </a:prstGeom>
         </p:spPr>
         <p:txBody>
-          <a:bodyPr anchorCtr="0" anchor="t" bIns="91425" lIns="91425" spcFirstLastPara="1" rIns="91425" wrap="square" tIns="91425">
+          <a:bodyPr spcFirstLastPara="1" wrap="square" lIns="91425" tIns="91425" rIns="91425" bIns="91425" anchor="t" anchorCtr="0">
             <a:normAutofit/>
           </a:bodyPr>
           <a:lstStyle/>
           <a:p>
-            <a:pPr indent="0" lvl="0" marL="0" rtl="0" algn="l">
+            <a:pPr marL="0" lvl="0" indent="0" algn="l" rtl="0">
               <a:spcBef>
                 <a:spcPts val="0"/>
               </a:spcBef>
@@ -13222,20 +13555,12 @@
             </a:pPr>
             <a:r>
               <a:rPr lang="hu"/>
-              <a:t>Vlan 10 és 20 létrehozása hálózatok </a:t>
-            </a:r>
-            <a:r>
-              <a:rPr lang="hu"/>
-              <a:t>elkülönítése</a:t>
-            </a:r>
-            <a:r>
-              <a:rPr lang="hu"/>
-              <a:t> érdekében</a:t>
+              <a:t>Vlan 10 és 20 létrehozása hálózatok elkülönítése érdekében</a:t>
             </a:r>
             <a:endParaRPr/>
           </a:p>
           <a:p>
-            <a:pPr indent="0" lvl="0" marL="0" rtl="0" algn="l">
+            <a:pPr marL="0" lvl="0" indent="0" algn="l" rtl="0">
               <a:spcBef>
                 <a:spcPts val="1200"/>
               </a:spcBef>
@@ -13251,7 +13576,7 @@
             <a:endParaRPr/>
           </a:p>
           <a:p>
-            <a:pPr indent="0" lvl="0" marL="0" rtl="0" algn="l">
+            <a:pPr marL="0" lvl="0" indent="0" algn="l" rtl="0">
               <a:spcBef>
                 <a:spcPts val="1200"/>
               </a:spcBef>
@@ -13267,7 +13592,7 @@
             <a:endParaRPr/>
           </a:p>
           <a:p>
-            <a:pPr indent="0" lvl="0" marL="0" rtl="0" algn="l">
+            <a:pPr marL="0" lvl="0" indent="0" algn="l" rtl="0">
               <a:spcBef>
                 <a:spcPts val="1200"/>
               </a:spcBef>
@@ -13294,7 +13619,7 @@
           <a:blip r:embed="rId3">
             <a:alphaModFix/>
           </a:blip>
-          <a:srcRect b="39788" l="0" r="0" t="0"/>
+          <a:srcRect b="39788"/>
           <a:stretch/>
         </p:blipFill>
         <p:spPr>
@@ -13323,7 +13648,7 @@
 </file>
 
 <file path=ppt/theme/theme1.xml><?xml version="1.0" encoding="utf-8"?>
-<a:theme xmlns:a="http://schemas.openxmlformats.org/drawingml/2006/main" xmlns:r="http://schemas.openxmlformats.org/officeDocument/2006/relationships" name="Focus">
+<a:theme xmlns:a="http://schemas.openxmlformats.org/drawingml/2006/main" name="Focus">
   <a:themeElements>
     <a:clrScheme name="Focus">
       <a:dk1>
@@ -13598,11 +13923,13 @@
       </a:bgFillStyleLst>
     </a:fmtScheme>
   </a:themeElements>
+  <a:objectDefaults/>
+  <a:extraClrSchemeLst/>
 </a:theme>
 </file>
 
 <file path=ppt/theme/theme2.xml><?xml version="1.0" encoding="utf-8"?>
-<a:theme xmlns:a="http://schemas.openxmlformats.org/drawingml/2006/main" xmlns:r="http://schemas.openxmlformats.org/officeDocument/2006/relationships">
+<a:theme xmlns:a="http://schemas.openxmlformats.org/drawingml/2006/main">
   <a:themeElements>
     <a:clrScheme name="Default">
       <a:dk1>
@@ -13877,5 +14204,7 @@
       </a:bgFillStyleLst>
     </a:fmtScheme>
   </a:themeElements>
+  <a:objectDefaults/>
+  <a:extraClrSchemeLst/>
 </a:theme>
 </file>
--- a/Cím nélküli prezentáció.pptx
+++ b/Cím nélküli prezentáció.pptx
@@ -17,14 +17,14 @@
     <p:sldId id="262" r:id="rId8"/>
     <p:sldId id="263" r:id="rId9"/>
     <p:sldId id="264" r:id="rId10"/>
-    <p:sldId id="265" r:id="rId11"/>
-    <p:sldId id="266" r:id="rId12"/>
-    <p:sldId id="267" r:id="rId13"/>
-    <p:sldId id="268" r:id="rId14"/>
-    <p:sldId id="269" r:id="rId15"/>
-    <p:sldId id="270" r:id="rId16"/>
-    <p:sldId id="271" r:id="rId17"/>
-    <p:sldId id="272" r:id="rId18"/>
+    <p:sldId id="266" r:id="rId11"/>
+    <p:sldId id="268" r:id="rId12"/>
+    <p:sldId id="270" r:id="rId13"/>
+    <p:sldId id="271" r:id="rId14"/>
+    <p:sldId id="272" r:id="rId15"/>
+    <p:sldId id="269" r:id="rId16"/>
+    <p:sldId id="267" r:id="rId17"/>
+    <p:sldId id="265" r:id="rId18"/>
     <p:sldId id="273" r:id="rId19"/>
     <p:sldId id="274" r:id="rId20"/>
     <p:sldId id="275" r:id="rId21"/>
@@ -845,110 +845,6 @@
   <p:cSld>
     <p:spTree>
       <p:nvGrpSpPr>
-        <p:cNvPr id="1" name="Shape 191"/>
-        <p:cNvGrpSpPr/>
-        <p:nvPr/>
-      </p:nvGrpSpPr>
-      <p:grpSpPr>
-        <a:xfrm>
-          <a:off x="0" y="0"/>
-          <a:ext cx="0" cy="0"/>
-          <a:chOff x="0" y="0"/>
-          <a:chExt cx="0" cy="0"/>
-        </a:xfrm>
-      </p:grpSpPr>
-      <p:sp>
-        <p:nvSpPr>
-          <p:cNvPr id="192" name="Google Shape;192;g39c13a02943_0_158:notes"/>
-          <p:cNvSpPr>
-            <a:spLocks noGrp="1" noRot="1" noChangeAspect="1"/>
-          </p:cNvSpPr>
-          <p:nvPr>
-            <p:ph type="sldImg" idx="2"/>
-          </p:nvPr>
-        </p:nvSpPr>
-        <p:spPr>
-          <a:xfrm>
-            <a:off x="381000" y="685800"/>
-            <a:ext cx="6096000" cy="3429000"/>
-          </a:xfrm>
-          <a:custGeom>
-            <a:avLst/>
-            <a:gdLst/>
-            <a:ahLst/>
-            <a:cxnLst/>
-            <a:rect l="l" t="t" r="r" b="b"/>
-            <a:pathLst>
-              <a:path w="120000" h="120000" extrusionOk="0">
-                <a:moveTo>
-                  <a:pt x="0" y="0"/>
-                </a:moveTo>
-                <a:lnTo>
-                  <a:pt x="120000" y="0"/>
-                </a:lnTo>
-                <a:lnTo>
-                  <a:pt x="120000" y="120000"/>
-                </a:lnTo>
-                <a:lnTo>
-                  <a:pt x="0" y="120000"/>
-                </a:lnTo>
-                <a:close/>
-              </a:path>
-            </a:pathLst>
-          </a:custGeom>
-        </p:spPr>
-      </p:sp>
-      <p:sp>
-        <p:nvSpPr>
-          <p:cNvPr id="193" name="Google Shape;193;g39c13a02943_0_158:notes"/>
-          <p:cNvSpPr txBox="1">
-            <a:spLocks noGrp="1"/>
-          </p:cNvSpPr>
-          <p:nvPr>
-            <p:ph type="body" idx="1"/>
-          </p:nvPr>
-        </p:nvSpPr>
-        <p:spPr>
-          <a:xfrm>
-            <a:off x="685800" y="4343400"/>
-            <a:ext cx="5486400" cy="4114800"/>
-          </a:xfrm>
-          <a:prstGeom prst="rect">
-            <a:avLst/>
-          </a:prstGeom>
-        </p:spPr>
-        <p:txBody>
-          <a:bodyPr spcFirstLastPara="1" wrap="square" lIns="91425" tIns="91425" rIns="91425" bIns="91425" anchor="t" anchorCtr="0">
-            <a:noAutofit/>
-          </a:bodyPr>
-          <a:lstStyle/>
-          <a:p>
-            <a:pPr marL="0" lvl="0" indent="0" algn="l" rtl="0">
-              <a:spcBef>
-                <a:spcPts val="0"/>
-              </a:spcBef>
-              <a:spcAft>
-                <a:spcPts val="0"/>
-              </a:spcAft>
-              <a:buNone/>
-            </a:pPr>
-            <a:endParaRPr/>
-          </a:p>
-        </p:txBody>
-      </p:sp>
-    </p:spTree>
-  </p:cSld>
-  <p:clrMapOvr>
-    <a:masterClrMapping/>
-  </p:clrMapOvr>
-</p:notes>
-</file>
-
-<file path=ppt/notesSlides/notesSlide11.xml><?xml version="1.0" encoding="utf-8"?>
-<p:notes xmlns:a="http://schemas.openxmlformats.org/drawingml/2006/main" xmlns:r="http://schemas.openxmlformats.org/officeDocument/2006/relationships" xmlns:p="http://schemas.openxmlformats.org/presentationml/2006/main" showMasterSp="0" showMasterPhAnim="0">
-  <p:cSld>
-    <p:spTree>
-      <p:nvGrpSpPr>
         <p:cNvPr id="1" name="Shape 199"/>
         <p:cNvGrpSpPr/>
         <p:nvPr/>
@@ -1048,7 +944,527 @@
 </p:notes>
 </file>
 
+<file path=ppt/notesSlides/notesSlide11.xml><?xml version="1.0" encoding="utf-8"?>
+<p:notes xmlns:a="http://schemas.openxmlformats.org/drawingml/2006/main" xmlns:r="http://schemas.openxmlformats.org/officeDocument/2006/relationships" xmlns:p="http://schemas.openxmlformats.org/presentationml/2006/main" showMasterSp="0" showMasterPhAnim="0">
+  <p:cSld>
+    <p:spTree>
+      <p:nvGrpSpPr>
+        <p:cNvPr id="1" name="Shape 214"/>
+        <p:cNvGrpSpPr/>
+        <p:nvPr/>
+      </p:nvGrpSpPr>
+      <p:grpSpPr>
+        <a:xfrm>
+          <a:off x="0" y="0"/>
+          <a:ext cx="0" cy="0"/>
+          <a:chOff x="0" y="0"/>
+          <a:chExt cx="0" cy="0"/>
+        </a:xfrm>
+      </p:grpSpPr>
+      <p:sp>
+        <p:nvSpPr>
+          <p:cNvPr id="215" name="Google Shape;215;g3a299dda798_1_26:notes"/>
+          <p:cNvSpPr>
+            <a:spLocks noGrp="1" noRot="1" noChangeAspect="1"/>
+          </p:cNvSpPr>
+          <p:nvPr>
+            <p:ph type="sldImg" idx="2"/>
+          </p:nvPr>
+        </p:nvSpPr>
+        <p:spPr>
+          <a:xfrm>
+            <a:off x="381000" y="685800"/>
+            <a:ext cx="6096000" cy="3429000"/>
+          </a:xfrm>
+          <a:custGeom>
+            <a:avLst/>
+            <a:gdLst/>
+            <a:ahLst/>
+            <a:cxnLst/>
+            <a:rect l="l" t="t" r="r" b="b"/>
+            <a:pathLst>
+              <a:path w="120000" h="120000" extrusionOk="0">
+                <a:moveTo>
+                  <a:pt x="0" y="0"/>
+                </a:moveTo>
+                <a:lnTo>
+                  <a:pt x="120000" y="0"/>
+                </a:lnTo>
+                <a:lnTo>
+                  <a:pt x="120000" y="120000"/>
+                </a:lnTo>
+                <a:lnTo>
+                  <a:pt x="0" y="120000"/>
+                </a:lnTo>
+                <a:close/>
+              </a:path>
+            </a:pathLst>
+          </a:custGeom>
+        </p:spPr>
+      </p:sp>
+      <p:sp>
+        <p:nvSpPr>
+          <p:cNvPr id="216" name="Google Shape;216;g3a299dda798_1_26:notes"/>
+          <p:cNvSpPr txBox="1">
+            <a:spLocks noGrp="1"/>
+          </p:cNvSpPr>
+          <p:nvPr>
+            <p:ph type="body" idx="1"/>
+          </p:nvPr>
+        </p:nvSpPr>
+        <p:spPr>
+          <a:xfrm>
+            <a:off x="685800" y="4343400"/>
+            <a:ext cx="5486400" cy="4114800"/>
+          </a:xfrm>
+          <a:prstGeom prst="rect">
+            <a:avLst/>
+          </a:prstGeom>
+        </p:spPr>
+        <p:txBody>
+          <a:bodyPr spcFirstLastPara="1" wrap="square" lIns="91425" tIns="91425" rIns="91425" bIns="91425" anchor="t" anchorCtr="0">
+            <a:noAutofit/>
+          </a:bodyPr>
+          <a:lstStyle/>
+          <a:p>
+            <a:pPr marL="0" lvl="0" indent="0" algn="l" rtl="0">
+              <a:spcBef>
+                <a:spcPts val="0"/>
+              </a:spcBef>
+              <a:spcAft>
+                <a:spcPts val="0"/>
+              </a:spcAft>
+              <a:buNone/>
+            </a:pPr>
+            <a:endParaRPr/>
+          </a:p>
+        </p:txBody>
+      </p:sp>
+    </p:spTree>
+  </p:cSld>
+  <p:clrMapOvr>
+    <a:masterClrMapping/>
+  </p:clrMapOvr>
+</p:notes>
+</file>
+
 <file path=ppt/notesSlides/notesSlide12.xml><?xml version="1.0" encoding="utf-8"?>
+<p:notes xmlns:a="http://schemas.openxmlformats.org/drawingml/2006/main" xmlns:r="http://schemas.openxmlformats.org/officeDocument/2006/relationships" xmlns:p="http://schemas.openxmlformats.org/presentationml/2006/main" showMasterSp="0" showMasterPhAnim="0">
+  <p:cSld>
+    <p:spTree>
+      <p:nvGrpSpPr>
+        <p:cNvPr id="1" name="Shape 230"/>
+        <p:cNvGrpSpPr/>
+        <p:nvPr/>
+      </p:nvGrpSpPr>
+      <p:grpSpPr>
+        <a:xfrm>
+          <a:off x="0" y="0"/>
+          <a:ext cx="0" cy="0"/>
+          <a:chOff x="0" y="0"/>
+          <a:chExt cx="0" cy="0"/>
+        </a:xfrm>
+      </p:grpSpPr>
+      <p:sp>
+        <p:nvSpPr>
+          <p:cNvPr id="231" name="Google Shape;231;g3a299dda798_1_33:notes"/>
+          <p:cNvSpPr>
+            <a:spLocks noGrp="1" noRot="1" noChangeAspect="1"/>
+          </p:cNvSpPr>
+          <p:nvPr>
+            <p:ph type="sldImg" idx="2"/>
+          </p:nvPr>
+        </p:nvSpPr>
+        <p:spPr>
+          <a:xfrm>
+            <a:off x="381000" y="685800"/>
+            <a:ext cx="6096000" cy="3429000"/>
+          </a:xfrm>
+          <a:custGeom>
+            <a:avLst/>
+            <a:gdLst/>
+            <a:ahLst/>
+            <a:cxnLst/>
+            <a:rect l="l" t="t" r="r" b="b"/>
+            <a:pathLst>
+              <a:path w="120000" h="120000" extrusionOk="0">
+                <a:moveTo>
+                  <a:pt x="0" y="0"/>
+                </a:moveTo>
+                <a:lnTo>
+                  <a:pt x="120000" y="0"/>
+                </a:lnTo>
+                <a:lnTo>
+                  <a:pt x="120000" y="120000"/>
+                </a:lnTo>
+                <a:lnTo>
+                  <a:pt x="0" y="120000"/>
+                </a:lnTo>
+                <a:close/>
+              </a:path>
+            </a:pathLst>
+          </a:custGeom>
+        </p:spPr>
+      </p:sp>
+      <p:sp>
+        <p:nvSpPr>
+          <p:cNvPr id="232" name="Google Shape;232;g3a299dda798_1_33:notes"/>
+          <p:cNvSpPr txBox="1">
+            <a:spLocks noGrp="1"/>
+          </p:cNvSpPr>
+          <p:nvPr>
+            <p:ph type="body" idx="1"/>
+          </p:nvPr>
+        </p:nvSpPr>
+        <p:spPr>
+          <a:xfrm>
+            <a:off x="685800" y="4343400"/>
+            <a:ext cx="5486400" cy="4114800"/>
+          </a:xfrm>
+          <a:prstGeom prst="rect">
+            <a:avLst/>
+          </a:prstGeom>
+        </p:spPr>
+        <p:txBody>
+          <a:bodyPr spcFirstLastPara="1" wrap="square" lIns="91425" tIns="91425" rIns="91425" bIns="91425" anchor="t" anchorCtr="0">
+            <a:noAutofit/>
+          </a:bodyPr>
+          <a:lstStyle/>
+          <a:p>
+            <a:pPr marL="0" lvl="0" indent="0" algn="l" rtl="0">
+              <a:spcBef>
+                <a:spcPts val="0"/>
+              </a:spcBef>
+              <a:spcAft>
+                <a:spcPts val="0"/>
+              </a:spcAft>
+              <a:buNone/>
+            </a:pPr>
+            <a:endParaRPr/>
+          </a:p>
+        </p:txBody>
+      </p:sp>
+    </p:spTree>
+  </p:cSld>
+  <p:clrMapOvr>
+    <a:masterClrMapping/>
+  </p:clrMapOvr>
+</p:notes>
+</file>
+
+<file path=ppt/notesSlides/notesSlide13.xml><?xml version="1.0" encoding="utf-8"?>
+<p:notes xmlns:a="http://schemas.openxmlformats.org/drawingml/2006/main" xmlns:r="http://schemas.openxmlformats.org/officeDocument/2006/relationships" xmlns:p="http://schemas.openxmlformats.org/presentationml/2006/main" showMasterSp="0" showMasterPhAnim="0">
+  <p:cSld>
+    <p:spTree>
+      <p:nvGrpSpPr>
+        <p:cNvPr id="1" name="Shape 238"/>
+        <p:cNvGrpSpPr/>
+        <p:nvPr/>
+      </p:nvGrpSpPr>
+      <p:grpSpPr>
+        <a:xfrm>
+          <a:off x="0" y="0"/>
+          <a:ext cx="0" cy="0"/>
+          <a:chOff x="0" y="0"/>
+          <a:chExt cx="0" cy="0"/>
+        </a:xfrm>
+      </p:grpSpPr>
+      <p:sp>
+        <p:nvSpPr>
+          <p:cNvPr id="239" name="Google Shape;239;g3a299dda798_1_39:notes"/>
+          <p:cNvSpPr>
+            <a:spLocks noGrp="1" noRot="1" noChangeAspect="1"/>
+          </p:cNvSpPr>
+          <p:nvPr>
+            <p:ph type="sldImg" idx="2"/>
+          </p:nvPr>
+        </p:nvSpPr>
+        <p:spPr>
+          <a:xfrm>
+            <a:off x="381000" y="685800"/>
+            <a:ext cx="6096000" cy="3429000"/>
+          </a:xfrm>
+          <a:custGeom>
+            <a:avLst/>
+            <a:gdLst/>
+            <a:ahLst/>
+            <a:cxnLst/>
+            <a:rect l="l" t="t" r="r" b="b"/>
+            <a:pathLst>
+              <a:path w="120000" h="120000" extrusionOk="0">
+                <a:moveTo>
+                  <a:pt x="0" y="0"/>
+                </a:moveTo>
+                <a:lnTo>
+                  <a:pt x="120000" y="0"/>
+                </a:lnTo>
+                <a:lnTo>
+                  <a:pt x="120000" y="120000"/>
+                </a:lnTo>
+                <a:lnTo>
+                  <a:pt x="0" y="120000"/>
+                </a:lnTo>
+                <a:close/>
+              </a:path>
+            </a:pathLst>
+          </a:custGeom>
+        </p:spPr>
+      </p:sp>
+      <p:sp>
+        <p:nvSpPr>
+          <p:cNvPr id="240" name="Google Shape;240;g3a299dda798_1_39:notes"/>
+          <p:cNvSpPr txBox="1">
+            <a:spLocks noGrp="1"/>
+          </p:cNvSpPr>
+          <p:nvPr>
+            <p:ph type="body" idx="1"/>
+          </p:nvPr>
+        </p:nvSpPr>
+        <p:spPr>
+          <a:xfrm>
+            <a:off x="685800" y="4343400"/>
+            <a:ext cx="5486400" cy="4114800"/>
+          </a:xfrm>
+          <a:prstGeom prst="rect">
+            <a:avLst/>
+          </a:prstGeom>
+        </p:spPr>
+        <p:txBody>
+          <a:bodyPr spcFirstLastPara="1" wrap="square" lIns="91425" tIns="91425" rIns="91425" bIns="91425" anchor="t" anchorCtr="0">
+            <a:noAutofit/>
+          </a:bodyPr>
+          <a:lstStyle/>
+          <a:p>
+            <a:pPr marL="0" lvl="0" indent="0" algn="l" rtl="0">
+              <a:spcBef>
+                <a:spcPts val="0"/>
+              </a:spcBef>
+              <a:spcAft>
+                <a:spcPts val="0"/>
+              </a:spcAft>
+              <a:buNone/>
+            </a:pPr>
+            <a:endParaRPr/>
+          </a:p>
+        </p:txBody>
+      </p:sp>
+    </p:spTree>
+  </p:cSld>
+  <p:clrMapOvr>
+    <a:masterClrMapping/>
+  </p:clrMapOvr>
+</p:notes>
+</file>
+
+<file path=ppt/notesSlides/notesSlide14.xml><?xml version="1.0" encoding="utf-8"?>
+<p:notes xmlns:a="http://schemas.openxmlformats.org/drawingml/2006/main" xmlns:r="http://schemas.openxmlformats.org/officeDocument/2006/relationships" xmlns:p="http://schemas.openxmlformats.org/presentationml/2006/main" showMasterSp="0" showMasterPhAnim="0">
+  <p:cSld>
+    <p:spTree>
+      <p:nvGrpSpPr>
+        <p:cNvPr id="1" name="Shape 246"/>
+        <p:cNvGrpSpPr/>
+        <p:nvPr/>
+      </p:nvGrpSpPr>
+      <p:grpSpPr>
+        <a:xfrm>
+          <a:off x="0" y="0"/>
+          <a:ext cx="0" cy="0"/>
+          <a:chOff x="0" y="0"/>
+          <a:chExt cx="0" cy="0"/>
+        </a:xfrm>
+      </p:grpSpPr>
+      <p:sp>
+        <p:nvSpPr>
+          <p:cNvPr id="247" name="Google Shape;247;g3a299dda798_1_47:notes"/>
+          <p:cNvSpPr>
+            <a:spLocks noGrp="1" noRot="1" noChangeAspect="1"/>
+          </p:cNvSpPr>
+          <p:nvPr>
+            <p:ph type="sldImg" idx="2"/>
+          </p:nvPr>
+        </p:nvSpPr>
+        <p:spPr>
+          <a:xfrm>
+            <a:off x="381000" y="685800"/>
+            <a:ext cx="6096000" cy="3429000"/>
+          </a:xfrm>
+          <a:custGeom>
+            <a:avLst/>
+            <a:gdLst/>
+            <a:ahLst/>
+            <a:cxnLst/>
+            <a:rect l="l" t="t" r="r" b="b"/>
+            <a:pathLst>
+              <a:path w="120000" h="120000" extrusionOk="0">
+                <a:moveTo>
+                  <a:pt x="0" y="0"/>
+                </a:moveTo>
+                <a:lnTo>
+                  <a:pt x="120000" y="0"/>
+                </a:lnTo>
+                <a:lnTo>
+                  <a:pt x="120000" y="120000"/>
+                </a:lnTo>
+                <a:lnTo>
+                  <a:pt x="0" y="120000"/>
+                </a:lnTo>
+                <a:close/>
+              </a:path>
+            </a:pathLst>
+          </a:custGeom>
+        </p:spPr>
+      </p:sp>
+      <p:sp>
+        <p:nvSpPr>
+          <p:cNvPr id="248" name="Google Shape;248;g3a299dda798_1_47:notes"/>
+          <p:cNvSpPr txBox="1">
+            <a:spLocks noGrp="1"/>
+          </p:cNvSpPr>
+          <p:nvPr>
+            <p:ph type="body" idx="1"/>
+          </p:nvPr>
+        </p:nvSpPr>
+        <p:spPr>
+          <a:xfrm>
+            <a:off x="685800" y="4343400"/>
+            <a:ext cx="5486400" cy="4114800"/>
+          </a:xfrm>
+          <a:prstGeom prst="rect">
+            <a:avLst/>
+          </a:prstGeom>
+        </p:spPr>
+        <p:txBody>
+          <a:bodyPr spcFirstLastPara="1" wrap="square" lIns="91425" tIns="91425" rIns="91425" bIns="91425" anchor="t" anchorCtr="0">
+            <a:noAutofit/>
+          </a:bodyPr>
+          <a:lstStyle/>
+          <a:p>
+            <a:pPr marL="0" lvl="0" indent="0" algn="l" rtl="0">
+              <a:spcBef>
+                <a:spcPts val="0"/>
+              </a:spcBef>
+              <a:spcAft>
+                <a:spcPts val="0"/>
+              </a:spcAft>
+              <a:buNone/>
+            </a:pPr>
+            <a:endParaRPr/>
+          </a:p>
+        </p:txBody>
+      </p:sp>
+    </p:spTree>
+  </p:cSld>
+  <p:clrMapOvr>
+    <a:masterClrMapping/>
+  </p:clrMapOvr>
+</p:notes>
+</file>
+
+<file path=ppt/notesSlides/notesSlide15.xml><?xml version="1.0" encoding="utf-8"?>
+<p:notes xmlns:a="http://schemas.openxmlformats.org/drawingml/2006/main" xmlns:r="http://schemas.openxmlformats.org/officeDocument/2006/relationships" xmlns:p="http://schemas.openxmlformats.org/presentationml/2006/main" showMasterSp="0" showMasterPhAnim="0">
+  <p:cSld>
+    <p:spTree>
+      <p:nvGrpSpPr>
+        <p:cNvPr id="1" name="Shape 222"/>
+        <p:cNvGrpSpPr/>
+        <p:nvPr/>
+      </p:nvGrpSpPr>
+      <p:grpSpPr>
+        <a:xfrm>
+          <a:off x="0" y="0"/>
+          <a:ext cx="0" cy="0"/>
+          <a:chOff x="0" y="0"/>
+          <a:chExt cx="0" cy="0"/>
+        </a:xfrm>
+      </p:grpSpPr>
+      <p:sp>
+        <p:nvSpPr>
+          <p:cNvPr id="223" name="Google Shape;223;g39c13a02943_0_143:notes"/>
+          <p:cNvSpPr>
+            <a:spLocks noGrp="1" noRot="1" noChangeAspect="1"/>
+          </p:cNvSpPr>
+          <p:nvPr>
+            <p:ph type="sldImg" idx="2"/>
+          </p:nvPr>
+        </p:nvSpPr>
+        <p:spPr>
+          <a:xfrm>
+            <a:off x="381000" y="685800"/>
+            <a:ext cx="6096000" cy="3429000"/>
+          </a:xfrm>
+          <a:custGeom>
+            <a:avLst/>
+            <a:gdLst/>
+            <a:ahLst/>
+            <a:cxnLst/>
+            <a:rect l="l" t="t" r="r" b="b"/>
+            <a:pathLst>
+              <a:path w="120000" h="120000" extrusionOk="0">
+                <a:moveTo>
+                  <a:pt x="0" y="0"/>
+                </a:moveTo>
+                <a:lnTo>
+                  <a:pt x="120000" y="0"/>
+                </a:lnTo>
+                <a:lnTo>
+                  <a:pt x="120000" y="120000"/>
+                </a:lnTo>
+                <a:lnTo>
+                  <a:pt x="0" y="120000"/>
+                </a:lnTo>
+                <a:close/>
+              </a:path>
+            </a:pathLst>
+          </a:custGeom>
+        </p:spPr>
+      </p:sp>
+      <p:sp>
+        <p:nvSpPr>
+          <p:cNvPr id="224" name="Google Shape;224;g39c13a02943_0_143:notes"/>
+          <p:cNvSpPr txBox="1">
+            <a:spLocks noGrp="1"/>
+          </p:cNvSpPr>
+          <p:nvPr>
+            <p:ph type="body" idx="1"/>
+          </p:nvPr>
+        </p:nvSpPr>
+        <p:spPr>
+          <a:xfrm>
+            <a:off x="685800" y="4343400"/>
+            <a:ext cx="5486400" cy="4114800"/>
+          </a:xfrm>
+          <a:prstGeom prst="rect">
+            <a:avLst/>
+          </a:prstGeom>
+        </p:spPr>
+        <p:txBody>
+          <a:bodyPr spcFirstLastPara="1" wrap="square" lIns="91425" tIns="91425" rIns="91425" bIns="91425" anchor="t" anchorCtr="0">
+            <a:noAutofit/>
+          </a:bodyPr>
+          <a:lstStyle/>
+          <a:p>
+            <a:pPr marL="0" lvl="0" indent="0" algn="l" rtl="0">
+              <a:spcBef>
+                <a:spcPts val="0"/>
+              </a:spcBef>
+              <a:spcAft>
+                <a:spcPts val="0"/>
+              </a:spcAft>
+              <a:buNone/>
+            </a:pPr>
+            <a:endParaRPr/>
+          </a:p>
+        </p:txBody>
+      </p:sp>
+    </p:spTree>
+  </p:cSld>
+  <p:clrMapOvr>
+    <a:masterClrMapping/>
+  </p:clrMapOvr>
+</p:notes>
+</file>
+
+<file path=ppt/notesSlides/notesSlide16.xml><?xml version="1.0" encoding="utf-8"?>
 <p:notes xmlns:a="http://schemas.openxmlformats.org/drawingml/2006/main" xmlns:r="http://schemas.openxmlformats.org/officeDocument/2006/relationships" xmlns:p="http://schemas.openxmlformats.org/presentationml/2006/main" showMasterSp="0" showMasterPhAnim="0">
   <p:cSld>
     <p:spTree>
@@ -1152,12 +1568,12 @@
 </p:notes>
 </file>
 
-<file path=ppt/notesSlides/notesSlide13.xml><?xml version="1.0" encoding="utf-8"?>
+<file path=ppt/notesSlides/notesSlide17.xml><?xml version="1.0" encoding="utf-8"?>
 <p:notes xmlns:a="http://schemas.openxmlformats.org/drawingml/2006/main" xmlns:r="http://schemas.openxmlformats.org/officeDocument/2006/relationships" xmlns:p="http://schemas.openxmlformats.org/presentationml/2006/main" showMasterSp="0" showMasterPhAnim="0">
   <p:cSld>
     <p:spTree>
       <p:nvGrpSpPr>
-        <p:cNvPr id="1" name="Shape 214"/>
+        <p:cNvPr id="1" name="Shape 191"/>
         <p:cNvGrpSpPr/>
         <p:nvPr/>
       </p:nvGrpSpPr>
@@ -1171,7 +1587,7 @@
       </p:grpSpPr>
       <p:sp>
         <p:nvSpPr>
-          <p:cNvPr id="215" name="Google Shape;215;g3a299dda798_1_26:notes"/>
+          <p:cNvPr id="192" name="Google Shape;192;g39c13a02943_0_158:notes"/>
           <p:cNvSpPr>
             <a:spLocks noGrp="1" noRot="1" noChangeAspect="1"/>
           </p:cNvSpPr>
@@ -1212,423 +1628,7 @@
       </p:sp>
       <p:sp>
         <p:nvSpPr>
-          <p:cNvPr id="216" name="Google Shape;216;g3a299dda798_1_26:notes"/>
-          <p:cNvSpPr txBox="1">
-            <a:spLocks noGrp="1"/>
-          </p:cNvSpPr>
-          <p:nvPr>
-            <p:ph type="body" idx="1"/>
-          </p:nvPr>
-        </p:nvSpPr>
-        <p:spPr>
-          <a:xfrm>
-            <a:off x="685800" y="4343400"/>
-            <a:ext cx="5486400" cy="4114800"/>
-          </a:xfrm>
-          <a:prstGeom prst="rect">
-            <a:avLst/>
-          </a:prstGeom>
-        </p:spPr>
-        <p:txBody>
-          <a:bodyPr spcFirstLastPara="1" wrap="square" lIns="91425" tIns="91425" rIns="91425" bIns="91425" anchor="t" anchorCtr="0">
-            <a:noAutofit/>
-          </a:bodyPr>
-          <a:lstStyle/>
-          <a:p>
-            <a:pPr marL="0" lvl="0" indent="0" algn="l" rtl="0">
-              <a:spcBef>
-                <a:spcPts val="0"/>
-              </a:spcBef>
-              <a:spcAft>
-                <a:spcPts val="0"/>
-              </a:spcAft>
-              <a:buNone/>
-            </a:pPr>
-            <a:endParaRPr/>
-          </a:p>
-        </p:txBody>
-      </p:sp>
-    </p:spTree>
-  </p:cSld>
-  <p:clrMapOvr>
-    <a:masterClrMapping/>
-  </p:clrMapOvr>
-</p:notes>
-</file>
-
-<file path=ppt/notesSlides/notesSlide14.xml><?xml version="1.0" encoding="utf-8"?>
-<p:notes xmlns:a="http://schemas.openxmlformats.org/drawingml/2006/main" xmlns:r="http://schemas.openxmlformats.org/officeDocument/2006/relationships" xmlns:p="http://schemas.openxmlformats.org/presentationml/2006/main" showMasterSp="0" showMasterPhAnim="0">
-  <p:cSld>
-    <p:spTree>
-      <p:nvGrpSpPr>
-        <p:cNvPr id="1" name="Shape 222"/>
-        <p:cNvGrpSpPr/>
-        <p:nvPr/>
-      </p:nvGrpSpPr>
-      <p:grpSpPr>
-        <a:xfrm>
-          <a:off x="0" y="0"/>
-          <a:ext cx="0" cy="0"/>
-          <a:chOff x="0" y="0"/>
-          <a:chExt cx="0" cy="0"/>
-        </a:xfrm>
-      </p:grpSpPr>
-      <p:sp>
-        <p:nvSpPr>
-          <p:cNvPr id="223" name="Google Shape;223;g39c13a02943_0_143:notes"/>
-          <p:cNvSpPr>
-            <a:spLocks noGrp="1" noRot="1" noChangeAspect="1"/>
-          </p:cNvSpPr>
-          <p:nvPr>
-            <p:ph type="sldImg" idx="2"/>
-          </p:nvPr>
-        </p:nvSpPr>
-        <p:spPr>
-          <a:xfrm>
-            <a:off x="381000" y="685800"/>
-            <a:ext cx="6096000" cy="3429000"/>
-          </a:xfrm>
-          <a:custGeom>
-            <a:avLst/>
-            <a:gdLst/>
-            <a:ahLst/>
-            <a:cxnLst/>
-            <a:rect l="l" t="t" r="r" b="b"/>
-            <a:pathLst>
-              <a:path w="120000" h="120000" extrusionOk="0">
-                <a:moveTo>
-                  <a:pt x="0" y="0"/>
-                </a:moveTo>
-                <a:lnTo>
-                  <a:pt x="120000" y="0"/>
-                </a:lnTo>
-                <a:lnTo>
-                  <a:pt x="120000" y="120000"/>
-                </a:lnTo>
-                <a:lnTo>
-                  <a:pt x="0" y="120000"/>
-                </a:lnTo>
-                <a:close/>
-              </a:path>
-            </a:pathLst>
-          </a:custGeom>
-        </p:spPr>
-      </p:sp>
-      <p:sp>
-        <p:nvSpPr>
-          <p:cNvPr id="224" name="Google Shape;224;g39c13a02943_0_143:notes"/>
-          <p:cNvSpPr txBox="1">
-            <a:spLocks noGrp="1"/>
-          </p:cNvSpPr>
-          <p:nvPr>
-            <p:ph type="body" idx="1"/>
-          </p:nvPr>
-        </p:nvSpPr>
-        <p:spPr>
-          <a:xfrm>
-            <a:off x="685800" y="4343400"/>
-            <a:ext cx="5486400" cy="4114800"/>
-          </a:xfrm>
-          <a:prstGeom prst="rect">
-            <a:avLst/>
-          </a:prstGeom>
-        </p:spPr>
-        <p:txBody>
-          <a:bodyPr spcFirstLastPara="1" wrap="square" lIns="91425" tIns="91425" rIns="91425" bIns="91425" anchor="t" anchorCtr="0">
-            <a:noAutofit/>
-          </a:bodyPr>
-          <a:lstStyle/>
-          <a:p>
-            <a:pPr marL="0" lvl="0" indent="0" algn="l" rtl="0">
-              <a:spcBef>
-                <a:spcPts val="0"/>
-              </a:spcBef>
-              <a:spcAft>
-                <a:spcPts val="0"/>
-              </a:spcAft>
-              <a:buNone/>
-            </a:pPr>
-            <a:endParaRPr/>
-          </a:p>
-        </p:txBody>
-      </p:sp>
-    </p:spTree>
-  </p:cSld>
-  <p:clrMapOvr>
-    <a:masterClrMapping/>
-  </p:clrMapOvr>
-</p:notes>
-</file>
-
-<file path=ppt/notesSlides/notesSlide15.xml><?xml version="1.0" encoding="utf-8"?>
-<p:notes xmlns:a="http://schemas.openxmlformats.org/drawingml/2006/main" xmlns:r="http://schemas.openxmlformats.org/officeDocument/2006/relationships" xmlns:p="http://schemas.openxmlformats.org/presentationml/2006/main" showMasterSp="0" showMasterPhAnim="0">
-  <p:cSld>
-    <p:spTree>
-      <p:nvGrpSpPr>
-        <p:cNvPr id="1" name="Shape 230"/>
-        <p:cNvGrpSpPr/>
-        <p:nvPr/>
-      </p:nvGrpSpPr>
-      <p:grpSpPr>
-        <a:xfrm>
-          <a:off x="0" y="0"/>
-          <a:ext cx="0" cy="0"/>
-          <a:chOff x="0" y="0"/>
-          <a:chExt cx="0" cy="0"/>
-        </a:xfrm>
-      </p:grpSpPr>
-      <p:sp>
-        <p:nvSpPr>
-          <p:cNvPr id="231" name="Google Shape;231;g3a299dda798_1_33:notes"/>
-          <p:cNvSpPr>
-            <a:spLocks noGrp="1" noRot="1" noChangeAspect="1"/>
-          </p:cNvSpPr>
-          <p:nvPr>
-            <p:ph type="sldImg" idx="2"/>
-          </p:nvPr>
-        </p:nvSpPr>
-        <p:spPr>
-          <a:xfrm>
-            <a:off x="381000" y="685800"/>
-            <a:ext cx="6096000" cy="3429000"/>
-          </a:xfrm>
-          <a:custGeom>
-            <a:avLst/>
-            <a:gdLst/>
-            <a:ahLst/>
-            <a:cxnLst/>
-            <a:rect l="l" t="t" r="r" b="b"/>
-            <a:pathLst>
-              <a:path w="120000" h="120000" extrusionOk="0">
-                <a:moveTo>
-                  <a:pt x="0" y="0"/>
-                </a:moveTo>
-                <a:lnTo>
-                  <a:pt x="120000" y="0"/>
-                </a:lnTo>
-                <a:lnTo>
-                  <a:pt x="120000" y="120000"/>
-                </a:lnTo>
-                <a:lnTo>
-                  <a:pt x="0" y="120000"/>
-                </a:lnTo>
-                <a:close/>
-              </a:path>
-            </a:pathLst>
-          </a:custGeom>
-        </p:spPr>
-      </p:sp>
-      <p:sp>
-        <p:nvSpPr>
-          <p:cNvPr id="232" name="Google Shape;232;g3a299dda798_1_33:notes"/>
-          <p:cNvSpPr txBox="1">
-            <a:spLocks noGrp="1"/>
-          </p:cNvSpPr>
-          <p:nvPr>
-            <p:ph type="body" idx="1"/>
-          </p:nvPr>
-        </p:nvSpPr>
-        <p:spPr>
-          <a:xfrm>
-            <a:off x="685800" y="4343400"/>
-            <a:ext cx="5486400" cy="4114800"/>
-          </a:xfrm>
-          <a:prstGeom prst="rect">
-            <a:avLst/>
-          </a:prstGeom>
-        </p:spPr>
-        <p:txBody>
-          <a:bodyPr spcFirstLastPara="1" wrap="square" lIns="91425" tIns="91425" rIns="91425" bIns="91425" anchor="t" anchorCtr="0">
-            <a:noAutofit/>
-          </a:bodyPr>
-          <a:lstStyle/>
-          <a:p>
-            <a:pPr marL="0" lvl="0" indent="0" algn="l" rtl="0">
-              <a:spcBef>
-                <a:spcPts val="0"/>
-              </a:spcBef>
-              <a:spcAft>
-                <a:spcPts val="0"/>
-              </a:spcAft>
-              <a:buNone/>
-            </a:pPr>
-            <a:endParaRPr/>
-          </a:p>
-        </p:txBody>
-      </p:sp>
-    </p:spTree>
-  </p:cSld>
-  <p:clrMapOvr>
-    <a:masterClrMapping/>
-  </p:clrMapOvr>
-</p:notes>
-</file>
-
-<file path=ppt/notesSlides/notesSlide16.xml><?xml version="1.0" encoding="utf-8"?>
-<p:notes xmlns:a="http://schemas.openxmlformats.org/drawingml/2006/main" xmlns:r="http://schemas.openxmlformats.org/officeDocument/2006/relationships" xmlns:p="http://schemas.openxmlformats.org/presentationml/2006/main" showMasterSp="0" showMasterPhAnim="0">
-  <p:cSld>
-    <p:spTree>
-      <p:nvGrpSpPr>
-        <p:cNvPr id="1" name="Shape 238"/>
-        <p:cNvGrpSpPr/>
-        <p:nvPr/>
-      </p:nvGrpSpPr>
-      <p:grpSpPr>
-        <a:xfrm>
-          <a:off x="0" y="0"/>
-          <a:ext cx="0" cy="0"/>
-          <a:chOff x="0" y="0"/>
-          <a:chExt cx="0" cy="0"/>
-        </a:xfrm>
-      </p:grpSpPr>
-      <p:sp>
-        <p:nvSpPr>
-          <p:cNvPr id="239" name="Google Shape;239;g3a299dda798_1_39:notes"/>
-          <p:cNvSpPr>
-            <a:spLocks noGrp="1" noRot="1" noChangeAspect="1"/>
-          </p:cNvSpPr>
-          <p:nvPr>
-            <p:ph type="sldImg" idx="2"/>
-          </p:nvPr>
-        </p:nvSpPr>
-        <p:spPr>
-          <a:xfrm>
-            <a:off x="381000" y="685800"/>
-            <a:ext cx="6096000" cy="3429000"/>
-          </a:xfrm>
-          <a:custGeom>
-            <a:avLst/>
-            <a:gdLst/>
-            <a:ahLst/>
-            <a:cxnLst/>
-            <a:rect l="l" t="t" r="r" b="b"/>
-            <a:pathLst>
-              <a:path w="120000" h="120000" extrusionOk="0">
-                <a:moveTo>
-                  <a:pt x="0" y="0"/>
-                </a:moveTo>
-                <a:lnTo>
-                  <a:pt x="120000" y="0"/>
-                </a:lnTo>
-                <a:lnTo>
-                  <a:pt x="120000" y="120000"/>
-                </a:lnTo>
-                <a:lnTo>
-                  <a:pt x="0" y="120000"/>
-                </a:lnTo>
-                <a:close/>
-              </a:path>
-            </a:pathLst>
-          </a:custGeom>
-        </p:spPr>
-      </p:sp>
-      <p:sp>
-        <p:nvSpPr>
-          <p:cNvPr id="240" name="Google Shape;240;g3a299dda798_1_39:notes"/>
-          <p:cNvSpPr txBox="1">
-            <a:spLocks noGrp="1"/>
-          </p:cNvSpPr>
-          <p:nvPr>
-            <p:ph type="body" idx="1"/>
-          </p:nvPr>
-        </p:nvSpPr>
-        <p:spPr>
-          <a:xfrm>
-            <a:off x="685800" y="4343400"/>
-            <a:ext cx="5486400" cy="4114800"/>
-          </a:xfrm>
-          <a:prstGeom prst="rect">
-            <a:avLst/>
-          </a:prstGeom>
-        </p:spPr>
-        <p:txBody>
-          <a:bodyPr spcFirstLastPara="1" wrap="square" lIns="91425" tIns="91425" rIns="91425" bIns="91425" anchor="t" anchorCtr="0">
-            <a:noAutofit/>
-          </a:bodyPr>
-          <a:lstStyle/>
-          <a:p>
-            <a:pPr marL="0" lvl="0" indent="0" algn="l" rtl="0">
-              <a:spcBef>
-                <a:spcPts val="0"/>
-              </a:spcBef>
-              <a:spcAft>
-                <a:spcPts val="0"/>
-              </a:spcAft>
-              <a:buNone/>
-            </a:pPr>
-            <a:endParaRPr/>
-          </a:p>
-        </p:txBody>
-      </p:sp>
-    </p:spTree>
-  </p:cSld>
-  <p:clrMapOvr>
-    <a:masterClrMapping/>
-  </p:clrMapOvr>
-</p:notes>
-</file>
-
-<file path=ppt/notesSlides/notesSlide17.xml><?xml version="1.0" encoding="utf-8"?>
-<p:notes xmlns:a="http://schemas.openxmlformats.org/drawingml/2006/main" xmlns:r="http://schemas.openxmlformats.org/officeDocument/2006/relationships" xmlns:p="http://schemas.openxmlformats.org/presentationml/2006/main" showMasterSp="0" showMasterPhAnim="0">
-  <p:cSld>
-    <p:spTree>
-      <p:nvGrpSpPr>
-        <p:cNvPr id="1" name="Shape 246"/>
-        <p:cNvGrpSpPr/>
-        <p:nvPr/>
-      </p:nvGrpSpPr>
-      <p:grpSpPr>
-        <a:xfrm>
-          <a:off x="0" y="0"/>
-          <a:ext cx="0" cy="0"/>
-          <a:chOff x="0" y="0"/>
-          <a:chExt cx="0" cy="0"/>
-        </a:xfrm>
-      </p:grpSpPr>
-      <p:sp>
-        <p:nvSpPr>
-          <p:cNvPr id="247" name="Google Shape;247;g3a299dda798_1_47:notes"/>
-          <p:cNvSpPr>
-            <a:spLocks noGrp="1" noRot="1" noChangeAspect="1"/>
-          </p:cNvSpPr>
-          <p:nvPr>
-            <p:ph type="sldImg" idx="2"/>
-          </p:nvPr>
-        </p:nvSpPr>
-        <p:spPr>
-          <a:xfrm>
-            <a:off x="381000" y="685800"/>
-            <a:ext cx="6096000" cy="3429000"/>
-          </a:xfrm>
-          <a:custGeom>
-            <a:avLst/>
-            <a:gdLst/>
-            <a:ahLst/>
-            <a:cxnLst/>
-            <a:rect l="l" t="t" r="r" b="b"/>
-            <a:pathLst>
-              <a:path w="120000" h="120000" extrusionOk="0">
-                <a:moveTo>
-                  <a:pt x="0" y="0"/>
-                </a:moveTo>
-                <a:lnTo>
-                  <a:pt x="120000" y="0"/>
-                </a:lnTo>
-                <a:lnTo>
-                  <a:pt x="120000" y="120000"/>
-                </a:lnTo>
-                <a:lnTo>
-                  <a:pt x="0" y="120000"/>
-                </a:lnTo>
-                <a:close/>
-              </a:path>
-            </a:pathLst>
-          </a:custGeom>
-        </p:spPr>
-      </p:sp>
-      <p:sp>
-        <p:nvSpPr>
-          <p:cNvPr id="248" name="Google Shape;248;g3a299dda798_1_47:notes"/>
+          <p:cNvPr id="193" name="Google Shape;193;g39c13a02943_0_158:notes"/>
           <p:cNvSpPr txBox="1">
             <a:spLocks noGrp="1"/>
           </p:cNvSpPr>
@@ -10703,189 +10703,6 @@
   <p:cSld>
     <p:spTree>
       <p:nvGrpSpPr>
-        <p:cNvPr id="1" name="Shape 194"/>
-        <p:cNvGrpSpPr/>
-        <p:nvPr/>
-      </p:nvGrpSpPr>
-      <p:grpSpPr>
-        <a:xfrm>
-          <a:off x="0" y="0"/>
-          <a:ext cx="0" cy="0"/>
-          <a:chOff x="0" y="0"/>
-          <a:chExt cx="0" cy="0"/>
-        </a:xfrm>
-      </p:grpSpPr>
-      <p:sp>
-        <p:nvSpPr>
-          <p:cNvPr id="195" name="Google Shape;195;p22"/>
-          <p:cNvSpPr txBox="1">
-            <a:spLocks noGrp="1"/>
-          </p:cNvSpPr>
-          <p:nvPr>
-            <p:ph type="title"/>
-          </p:nvPr>
-        </p:nvSpPr>
-        <p:spPr>
-          <a:xfrm>
-            <a:off x="1297500" y="393750"/>
-            <a:ext cx="7038900" cy="914100"/>
-          </a:xfrm>
-          <a:prstGeom prst="rect">
-            <a:avLst/>
-          </a:prstGeom>
-        </p:spPr>
-        <p:txBody>
-          <a:bodyPr spcFirstLastPara="1" wrap="square" lIns="91425" tIns="91425" rIns="91425" bIns="91425" anchor="t" anchorCtr="0">
-            <a:normAutofit/>
-          </a:bodyPr>
-          <a:lstStyle/>
-          <a:p>
-            <a:pPr marL="0" lvl="0" indent="0" algn="l" rtl="0">
-              <a:spcBef>
-                <a:spcPts val="0"/>
-              </a:spcBef>
-              <a:spcAft>
-                <a:spcPts val="0"/>
-              </a:spcAft>
-              <a:buNone/>
-            </a:pPr>
-            <a:r>
-              <a:rPr lang="hu"/>
-              <a:t>DHCP</a:t>
-            </a:r>
-            <a:endParaRPr/>
-          </a:p>
-        </p:txBody>
-      </p:sp>
-      <p:sp>
-        <p:nvSpPr>
-          <p:cNvPr id="196" name="Google Shape;196;p22"/>
-          <p:cNvSpPr txBox="1">
-            <a:spLocks noGrp="1"/>
-          </p:cNvSpPr>
-          <p:nvPr>
-            <p:ph type="body" idx="1"/>
-          </p:nvPr>
-        </p:nvSpPr>
-        <p:spPr>
-          <a:xfrm>
-            <a:off x="4081725" y="227775"/>
-            <a:ext cx="2757300" cy="3356400"/>
-          </a:xfrm>
-          <a:prstGeom prst="rect">
-            <a:avLst/>
-          </a:prstGeom>
-        </p:spPr>
-        <p:txBody>
-          <a:bodyPr spcFirstLastPara="1" wrap="square" lIns="91425" tIns="91425" rIns="91425" bIns="91425" anchor="t" anchorCtr="0">
-            <a:normAutofit/>
-          </a:bodyPr>
-          <a:lstStyle/>
-          <a:p>
-            <a:pPr marL="0" lvl="0" indent="0" algn="l" rtl="0">
-              <a:spcBef>
-                <a:spcPts val="0"/>
-              </a:spcBef>
-              <a:spcAft>
-                <a:spcPts val="0"/>
-              </a:spcAft>
-              <a:buNone/>
-            </a:pPr>
-            <a:r>
-              <a:rPr lang="hu"/>
-              <a:t>Weiss telephely</a:t>
-            </a:r>
-            <a:endParaRPr/>
-          </a:p>
-          <a:p>
-            <a:pPr marL="0" lvl="0" indent="0" algn="l" rtl="0">
-              <a:spcBef>
-                <a:spcPts val="1200"/>
-              </a:spcBef>
-              <a:spcAft>
-                <a:spcPts val="1200"/>
-              </a:spcAft>
-              <a:buNone/>
-            </a:pPr>
-            <a:r>
-              <a:rPr lang="hu"/>
-              <a:t>laptopok accesspoint tól kapnak DHCP-t</a:t>
-            </a:r>
-            <a:endParaRPr/>
-          </a:p>
-        </p:txBody>
-      </p:sp>
-      <p:pic>
-        <p:nvPicPr>
-          <p:cNvPr id="197" name="Google Shape;197;p22" title="dhcp.png"/>
-          <p:cNvPicPr preferRelativeResize="0"/>
-          <p:nvPr/>
-        </p:nvPicPr>
-        <p:blipFill rotWithShape="1">
-          <a:blip r:embed="rId3">
-            <a:alphaModFix/>
-          </a:blip>
-          <a:srcRect l="-42836" r="46682"/>
-          <a:stretch/>
-        </p:blipFill>
-        <p:spPr>
-          <a:xfrm>
-            <a:off x="610400" y="1514075"/>
-            <a:ext cx="7967799" cy="3409950"/>
-          </a:xfrm>
-          <a:prstGeom prst="rect">
-            <a:avLst/>
-          </a:prstGeom>
-          <a:noFill/>
-          <a:ln>
-            <a:noFill/>
-          </a:ln>
-        </p:spPr>
-      </p:pic>
-      <p:pic>
-        <p:nvPicPr>
-          <p:cNvPr id="198" name="Google Shape;198;p22" title="dhcp pici.png"/>
-          <p:cNvPicPr preferRelativeResize="0"/>
-          <p:nvPr/>
-        </p:nvPicPr>
-        <p:blipFill>
-          <a:blip r:embed="rId4">
-            <a:alphaModFix/>
-          </a:blip>
-          <a:stretch>
-            <a:fillRect/>
-          </a:stretch>
-        </p:blipFill>
-        <p:spPr>
-          <a:xfrm>
-            <a:off x="1297488" y="1351375"/>
-            <a:ext cx="1724025" cy="3495675"/>
-          </a:xfrm>
-          <a:prstGeom prst="rect">
-            <a:avLst/>
-          </a:prstGeom>
-          <a:noFill/>
-          <a:ln>
-            <a:noFill/>
-          </a:ln>
-        </p:spPr>
-      </p:pic>
-    </p:spTree>
-  </p:cSld>
-  <p:clrMapOvr>
-    <a:masterClrMapping/>
-  </p:clrMapOvr>
-  <p:transition spd="med">
-    <p:fade thruBlk="1"/>
-  </p:transition>
-</p:sld>
-</file>
-
-<file path=ppt/slides/slide11.xml><?xml version="1.0" encoding="utf-8"?>
-<p:sld xmlns:a="http://schemas.openxmlformats.org/drawingml/2006/main" xmlns:r="http://schemas.openxmlformats.org/officeDocument/2006/relationships" xmlns:p="http://schemas.openxmlformats.org/presentationml/2006/main">
-  <p:cSld>
-    <p:spTree>
-      <p:nvGrpSpPr>
         <p:cNvPr id="1" name="Shape 202"/>
         <p:cNvGrpSpPr/>
         <p:nvPr/>
@@ -11037,7 +10854,882 @@
 </p:sld>
 </file>
 
+<file path=ppt/slides/slide11.xml><?xml version="1.0" encoding="utf-8"?>
+<p:sld xmlns:a="http://schemas.openxmlformats.org/drawingml/2006/main" xmlns:r="http://schemas.openxmlformats.org/officeDocument/2006/relationships" xmlns:p="http://schemas.openxmlformats.org/presentationml/2006/main">
+  <p:cSld>
+    <p:spTree>
+      <p:nvGrpSpPr>
+        <p:cNvPr id="1" name="Shape 217"/>
+        <p:cNvGrpSpPr/>
+        <p:nvPr/>
+      </p:nvGrpSpPr>
+      <p:grpSpPr>
+        <a:xfrm>
+          <a:off x="0" y="0"/>
+          <a:ext cx="0" cy="0"/>
+          <a:chOff x="0" y="0"/>
+          <a:chExt cx="0" cy="0"/>
+        </a:xfrm>
+      </p:grpSpPr>
+      <p:sp>
+        <p:nvSpPr>
+          <p:cNvPr id="218" name="Google Shape;218;p25"/>
+          <p:cNvSpPr txBox="1">
+            <a:spLocks noGrp="1"/>
+          </p:cNvSpPr>
+          <p:nvPr>
+            <p:ph type="title"/>
+          </p:nvPr>
+        </p:nvSpPr>
+        <p:spPr>
+          <a:xfrm>
+            <a:off x="3390925" y="414675"/>
+            <a:ext cx="7038900" cy="914100"/>
+          </a:xfrm>
+          <a:prstGeom prst="rect">
+            <a:avLst/>
+          </a:prstGeom>
+        </p:spPr>
+        <p:txBody>
+          <a:bodyPr spcFirstLastPara="1" wrap="square" lIns="91425" tIns="91425" rIns="91425" bIns="91425" anchor="t" anchorCtr="0">
+            <a:normAutofit/>
+          </a:bodyPr>
+          <a:lstStyle/>
+          <a:p>
+            <a:pPr marL="0" lvl="0" indent="0" algn="l" rtl="0">
+              <a:spcBef>
+                <a:spcPts val="0"/>
+              </a:spcBef>
+              <a:spcAft>
+                <a:spcPts val="0"/>
+              </a:spcAft>
+              <a:buNone/>
+            </a:pPr>
+            <a:r>
+              <a:rPr lang="hu"/>
+              <a:t>HSRP</a:t>
+            </a:r>
+            <a:endParaRPr/>
+          </a:p>
+        </p:txBody>
+      </p:sp>
+      <p:sp>
+        <p:nvSpPr>
+          <p:cNvPr id="219" name="Google Shape;219;p25"/>
+          <p:cNvSpPr txBox="1">
+            <a:spLocks noGrp="1"/>
+          </p:cNvSpPr>
+          <p:nvPr>
+            <p:ph type="body" idx="1"/>
+          </p:nvPr>
+        </p:nvSpPr>
+        <p:spPr>
+          <a:xfrm>
+            <a:off x="1297500" y="956675"/>
+            <a:ext cx="7038900" cy="3522000"/>
+          </a:xfrm>
+          <a:prstGeom prst="rect">
+            <a:avLst/>
+          </a:prstGeom>
+        </p:spPr>
+        <p:txBody>
+          <a:bodyPr spcFirstLastPara="1" wrap="square" lIns="91425" tIns="91425" rIns="91425" bIns="91425" anchor="t" anchorCtr="0">
+            <a:normAutofit/>
+          </a:bodyPr>
+          <a:lstStyle/>
+          <a:p>
+            <a:pPr marL="0" lvl="0" indent="0" algn="l" rtl="0">
+              <a:spcBef>
+                <a:spcPts val="0"/>
+              </a:spcBef>
+              <a:spcAft>
+                <a:spcPts val="0"/>
+              </a:spcAft>
+              <a:buNone/>
+            </a:pPr>
+            <a:r>
+              <a:rPr lang="hu"/>
+              <a:t>ruby router 1</a:t>
+            </a:r>
+            <a:endParaRPr/>
+          </a:p>
+          <a:p>
+            <a:pPr marL="0" lvl="0" indent="0" algn="l" rtl="0">
+              <a:spcBef>
+                <a:spcPts val="1200"/>
+              </a:spcBef>
+              <a:spcAft>
+                <a:spcPts val="0"/>
+              </a:spcAft>
+              <a:buNone/>
+            </a:pPr>
+            <a:endParaRPr/>
+          </a:p>
+          <a:p>
+            <a:pPr marL="0" lvl="0" indent="0" algn="l" rtl="0">
+              <a:spcBef>
+                <a:spcPts val="1200"/>
+              </a:spcBef>
+              <a:spcAft>
+                <a:spcPts val="0"/>
+              </a:spcAft>
+              <a:buNone/>
+            </a:pPr>
+            <a:endParaRPr/>
+          </a:p>
+          <a:p>
+            <a:pPr marL="0" lvl="0" indent="0" algn="l" rtl="0">
+              <a:spcBef>
+                <a:spcPts val="1200"/>
+              </a:spcBef>
+              <a:spcAft>
+                <a:spcPts val="0"/>
+              </a:spcAft>
+              <a:buNone/>
+            </a:pPr>
+            <a:endParaRPr/>
+          </a:p>
+          <a:p>
+            <a:pPr marL="0" lvl="0" indent="0" algn="l" rtl="0">
+              <a:spcBef>
+                <a:spcPts val="1200"/>
+              </a:spcBef>
+              <a:spcAft>
+                <a:spcPts val="0"/>
+              </a:spcAft>
+              <a:buNone/>
+            </a:pPr>
+            <a:endParaRPr/>
+          </a:p>
+          <a:p>
+            <a:pPr marL="0" lvl="0" indent="0" algn="l" rtl="0">
+              <a:spcBef>
+                <a:spcPts val="1200"/>
+              </a:spcBef>
+              <a:spcAft>
+                <a:spcPts val="1200"/>
+              </a:spcAft>
+              <a:buNone/>
+            </a:pPr>
+            <a:r>
+              <a:rPr lang="hu"/>
+              <a:t>ruby router 2</a:t>
+            </a:r>
+            <a:endParaRPr/>
+          </a:p>
+        </p:txBody>
+      </p:sp>
+      <p:pic>
+        <p:nvPicPr>
+          <p:cNvPr id="220" name="Google Shape;220;p25" title="HSRP-config-Ruby-R1.png"/>
+          <p:cNvPicPr preferRelativeResize="0"/>
+          <p:nvPr/>
+        </p:nvPicPr>
+        <p:blipFill>
+          <a:blip r:embed="rId3">
+            <a:alphaModFix/>
+          </a:blip>
+          <a:stretch>
+            <a:fillRect/>
+          </a:stretch>
+        </p:blipFill>
+        <p:spPr>
+          <a:xfrm>
+            <a:off x="1297500" y="1328763"/>
+            <a:ext cx="6838950" cy="1362075"/>
+          </a:xfrm>
+          <a:prstGeom prst="rect">
+            <a:avLst/>
+          </a:prstGeom>
+          <a:noFill/>
+          <a:ln>
+            <a:noFill/>
+          </a:ln>
+        </p:spPr>
+      </p:pic>
+      <p:pic>
+        <p:nvPicPr>
+          <p:cNvPr id="221" name="Google Shape;221;p25" title="hsrp-config-Ruby-R2.png"/>
+          <p:cNvPicPr preferRelativeResize="0"/>
+          <p:nvPr/>
+        </p:nvPicPr>
+        <p:blipFill rotWithShape="1">
+          <a:blip r:embed="rId4">
+            <a:alphaModFix/>
+          </a:blip>
+          <a:srcRect r="8164"/>
+          <a:stretch/>
+        </p:blipFill>
+        <p:spPr>
+          <a:xfrm>
+            <a:off x="1297500" y="3215875"/>
+            <a:ext cx="6910750" cy="1676400"/>
+          </a:xfrm>
+          <a:prstGeom prst="rect">
+            <a:avLst/>
+          </a:prstGeom>
+          <a:noFill/>
+          <a:ln>
+            <a:noFill/>
+          </a:ln>
+        </p:spPr>
+      </p:pic>
+    </p:spTree>
+  </p:cSld>
+  <p:clrMapOvr>
+    <a:masterClrMapping/>
+  </p:clrMapOvr>
+</p:sld>
+</file>
+
 <file path=ppt/slides/slide12.xml><?xml version="1.0" encoding="utf-8"?>
+<p:sld xmlns:a="http://schemas.openxmlformats.org/drawingml/2006/main" xmlns:r="http://schemas.openxmlformats.org/officeDocument/2006/relationships" xmlns:p="http://schemas.openxmlformats.org/presentationml/2006/main">
+  <p:cSld>
+    <p:spTree>
+      <p:nvGrpSpPr>
+        <p:cNvPr id="1" name="Shape 233"/>
+        <p:cNvGrpSpPr/>
+        <p:nvPr/>
+      </p:nvGrpSpPr>
+      <p:grpSpPr>
+        <a:xfrm>
+          <a:off x="0" y="0"/>
+          <a:ext cx="0" cy="0"/>
+          <a:chOff x="0" y="0"/>
+          <a:chExt cx="0" cy="0"/>
+        </a:xfrm>
+      </p:grpSpPr>
+      <p:sp>
+        <p:nvSpPr>
+          <p:cNvPr id="234" name="Google Shape;234;p27"/>
+          <p:cNvSpPr txBox="1">
+            <a:spLocks noGrp="1"/>
+          </p:cNvSpPr>
+          <p:nvPr>
+            <p:ph type="title"/>
+          </p:nvPr>
+        </p:nvSpPr>
+        <p:spPr>
+          <a:xfrm>
+            <a:off x="1297500" y="393750"/>
+            <a:ext cx="7038900" cy="914100"/>
+          </a:xfrm>
+          <a:prstGeom prst="rect">
+            <a:avLst/>
+          </a:prstGeom>
+        </p:spPr>
+        <p:txBody>
+          <a:bodyPr spcFirstLastPara="1" wrap="square" lIns="91425" tIns="91425" rIns="91425" bIns="91425" anchor="t" anchorCtr="0">
+            <a:normAutofit/>
+          </a:bodyPr>
+          <a:lstStyle/>
+          <a:p>
+            <a:pPr marL="0" lvl="0" indent="0" algn="ctr" rtl="0">
+              <a:spcBef>
+                <a:spcPts val="0"/>
+              </a:spcBef>
+              <a:spcAft>
+                <a:spcPts val="0"/>
+              </a:spcAft>
+              <a:buNone/>
+            </a:pPr>
+            <a:r>
+              <a:rPr lang="hu"/>
+              <a:t>Dinamikus Forgalomirányítás</a:t>
+            </a:r>
+            <a:endParaRPr/>
+          </a:p>
+        </p:txBody>
+      </p:sp>
+      <p:sp>
+        <p:nvSpPr>
+          <p:cNvPr id="235" name="Google Shape;235;p27"/>
+          <p:cNvSpPr txBox="1">
+            <a:spLocks noGrp="1"/>
+          </p:cNvSpPr>
+          <p:nvPr>
+            <p:ph type="body" idx="1"/>
+          </p:nvPr>
+        </p:nvSpPr>
+        <p:spPr>
+          <a:xfrm>
+            <a:off x="1297500" y="1567550"/>
+            <a:ext cx="7038900" cy="2911200"/>
+          </a:xfrm>
+          <a:prstGeom prst="rect">
+            <a:avLst/>
+          </a:prstGeom>
+        </p:spPr>
+        <p:txBody>
+          <a:bodyPr spcFirstLastPara="1" wrap="square" lIns="91425" tIns="91425" rIns="91425" bIns="91425" anchor="t" anchorCtr="0">
+            <a:normAutofit/>
+          </a:bodyPr>
+          <a:lstStyle/>
+          <a:p>
+            <a:pPr marL="0" lvl="0" indent="0" algn="l" rtl="0">
+              <a:spcBef>
+                <a:spcPts val="0"/>
+              </a:spcBef>
+              <a:spcAft>
+                <a:spcPts val="1200"/>
+              </a:spcAft>
+              <a:buNone/>
+            </a:pPr>
+            <a:endParaRPr/>
+          </a:p>
+        </p:txBody>
+      </p:sp>
+      <p:pic>
+        <p:nvPicPr>
+          <p:cNvPr id="236" name="Google Shape;236;p27" title="OSPF-ip-protocols.png"/>
+          <p:cNvPicPr preferRelativeResize="0"/>
+          <p:nvPr/>
+        </p:nvPicPr>
+        <p:blipFill>
+          <a:blip r:embed="rId3">
+            <a:alphaModFix/>
+          </a:blip>
+          <a:stretch>
+            <a:fillRect/>
+          </a:stretch>
+        </p:blipFill>
+        <p:spPr>
+          <a:xfrm>
+            <a:off x="4391113" y="1198225"/>
+            <a:ext cx="4829175" cy="3524250"/>
+          </a:xfrm>
+          <a:prstGeom prst="rect">
+            <a:avLst/>
+          </a:prstGeom>
+          <a:noFill/>
+          <a:ln>
+            <a:noFill/>
+          </a:ln>
+        </p:spPr>
+      </p:pic>
+      <p:pic>
+        <p:nvPicPr>
+          <p:cNvPr id="237" name="Google Shape;237;p27" title="ospf-ipv6-protocols.png"/>
+          <p:cNvPicPr preferRelativeResize="0"/>
+          <p:nvPr/>
+        </p:nvPicPr>
+        <p:blipFill>
+          <a:blip r:embed="rId4">
+            <a:alphaModFix/>
+          </a:blip>
+          <a:stretch>
+            <a:fillRect/>
+          </a:stretch>
+        </p:blipFill>
+        <p:spPr>
+          <a:xfrm>
+            <a:off x="-4605" y="1198229"/>
+            <a:ext cx="4395701" cy="3524250"/>
+          </a:xfrm>
+          <a:prstGeom prst="rect">
+            <a:avLst/>
+          </a:prstGeom>
+          <a:noFill/>
+          <a:ln>
+            <a:noFill/>
+          </a:ln>
+        </p:spPr>
+      </p:pic>
+    </p:spTree>
+  </p:cSld>
+  <p:clrMapOvr>
+    <a:masterClrMapping/>
+  </p:clrMapOvr>
+</p:sld>
+</file>
+
+<file path=ppt/slides/slide13.xml><?xml version="1.0" encoding="utf-8"?>
+<p:sld xmlns:a="http://schemas.openxmlformats.org/drawingml/2006/main" xmlns:r="http://schemas.openxmlformats.org/officeDocument/2006/relationships" xmlns:p="http://schemas.openxmlformats.org/presentationml/2006/main">
+  <p:cSld>
+    <p:spTree>
+      <p:nvGrpSpPr>
+        <p:cNvPr id="1" name="Shape 241"/>
+        <p:cNvGrpSpPr/>
+        <p:nvPr/>
+      </p:nvGrpSpPr>
+      <p:grpSpPr>
+        <a:xfrm>
+          <a:off x="0" y="0"/>
+          <a:ext cx="0" cy="0"/>
+          <a:chOff x="0" y="0"/>
+          <a:chExt cx="0" cy="0"/>
+        </a:xfrm>
+      </p:grpSpPr>
+      <p:sp>
+        <p:nvSpPr>
+          <p:cNvPr id="242" name="Google Shape;242;p28"/>
+          <p:cNvSpPr txBox="1">
+            <a:spLocks noGrp="1"/>
+          </p:cNvSpPr>
+          <p:nvPr>
+            <p:ph type="title"/>
+          </p:nvPr>
+        </p:nvSpPr>
+        <p:spPr>
+          <a:xfrm>
+            <a:off x="1297500" y="393750"/>
+            <a:ext cx="7038900" cy="914100"/>
+          </a:xfrm>
+          <a:prstGeom prst="rect">
+            <a:avLst/>
+          </a:prstGeom>
+        </p:spPr>
+        <p:txBody>
+          <a:bodyPr spcFirstLastPara="1" wrap="square" lIns="91425" tIns="91425" rIns="91425" bIns="91425" anchor="t" anchorCtr="0">
+            <a:normAutofit/>
+          </a:bodyPr>
+          <a:lstStyle/>
+          <a:p>
+            <a:pPr marL="0" lvl="0" indent="0" algn="ctr" rtl="0">
+              <a:spcBef>
+                <a:spcPts val="0"/>
+              </a:spcBef>
+              <a:spcAft>
+                <a:spcPts val="0"/>
+              </a:spcAft>
+              <a:buNone/>
+            </a:pPr>
+            <a:r>
+              <a:rPr lang="hu"/>
+              <a:t>Dinamikus Forgalomirányítás</a:t>
+            </a:r>
+            <a:endParaRPr/>
+          </a:p>
+        </p:txBody>
+      </p:sp>
+      <p:sp>
+        <p:nvSpPr>
+          <p:cNvPr id="243" name="Google Shape;243;p28"/>
+          <p:cNvSpPr txBox="1">
+            <a:spLocks noGrp="1"/>
+          </p:cNvSpPr>
+          <p:nvPr>
+            <p:ph type="body" idx="1"/>
+          </p:nvPr>
+        </p:nvSpPr>
+        <p:spPr>
+          <a:xfrm>
+            <a:off x="1297500" y="1567550"/>
+            <a:ext cx="7038900" cy="2911200"/>
+          </a:xfrm>
+          <a:prstGeom prst="rect">
+            <a:avLst/>
+          </a:prstGeom>
+        </p:spPr>
+        <p:txBody>
+          <a:bodyPr spcFirstLastPara="1" wrap="square" lIns="91425" tIns="91425" rIns="91425" bIns="91425" anchor="t" anchorCtr="0">
+            <a:normAutofit/>
+          </a:bodyPr>
+          <a:lstStyle/>
+          <a:p>
+            <a:pPr marL="0" lvl="0" indent="0" algn="l" rtl="0">
+              <a:spcBef>
+                <a:spcPts val="0"/>
+              </a:spcBef>
+              <a:spcAft>
+                <a:spcPts val="1200"/>
+              </a:spcAft>
+              <a:buNone/>
+            </a:pPr>
+            <a:endParaRPr/>
+          </a:p>
+        </p:txBody>
+      </p:sp>
+      <p:pic>
+        <p:nvPicPr>
+          <p:cNvPr id="244" name="Google Shape;244;p28" title="ip-ospf-database.png"/>
+          <p:cNvPicPr preferRelativeResize="0"/>
+          <p:nvPr/>
+        </p:nvPicPr>
+        <p:blipFill>
+          <a:blip r:embed="rId3">
+            <a:alphaModFix/>
+          </a:blip>
+          <a:stretch>
+            <a:fillRect/>
+          </a:stretch>
+        </p:blipFill>
+        <p:spPr>
+          <a:xfrm>
+            <a:off x="45697" y="1567550"/>
+            <a:ext cx="4786875" cy="2194300"/>
+          </a:xfrm>
+          <a:prstGeom prst="rect">
+            <a:avLst/>
+          </a:prstGeom>
+          <a:noFill/>
+          <a:ln>
+            <a:noFill/>
+          </a:ln>
+        </p:spPr>
+      </p:pic>
+      <p:pic>
+        <p:nvPicPr>
+          <p:cNvPr id="245" name="Google Shape;245;p28" title="ipv6-ospf-database.png"/>
+          <p:cNvPicPr preferRelativeResize="0"/>
+          <p:nvPr/>
+        </p:nvPicPr>
+        <p:blipFill>
+          <a:blip r:embed="rId4">
+            <a:alphaModFix/>
+          </a:blip>
+          <a:stretch>
+            <a:fillRect/>
+          </a:stretch>
+        </p:blipFill>
+        <p:spPr>
+          <a:xfrm>
+            <a:off x="5016852" y="1307850"/>
+            <a:ext cx="3509144" cy="2911200"/>
+          </a:xfrm>
+          <a:prstGeom prst="rect">
+            <a:avLst/>
+          </a:prstGeom>
+          <a:noFill/>
+          <a:ln>
+            <a:noFill/>
+          </a:ln>
+        </p:spPr>
+      </p:pic>
+    </p:spTree>
+  </p:cSld>
+  <p:clrMapOvr>
+    <a:masterClrMapping/>
+  </p:clrMapOvr>
+</p:sld>
+</file>
+
+<file path=ppt/slides/slide14.xml><?xml version="1.0" encoding="utf-8"?>
+<p:sld xmlns:a="http://schemas.openxmlformats.org/drawingml/2006/main" xmlns:r="http://schemas.openxmlformats.org/officeDocument/2006/relationships" xmlns:p="http://schemas.openxmlformats.org/presentationml/2006/main">
+  <p:cSld>
+    <p:spTree>
+      <p:nvGrpSpPr>
+        <p:cNvPr id="1" name="Shape 249"/>
+        <p:cNvGrpSpPr/>
+        <p:nvPr/>
+      </p:nvGrpSpPr>
+      <p:grpSpPr>
+        <a:xfrm>
+          <a:off x="0" y="0"/>
+          <a:ext cx="0" cy="0"/>
+          <a:chOff x="0" y="0"/>
+          <a:chExt cx="0" cy="0"/>
+        </a:xfrm>
+      </p:grpSpPr>
+      <p:sp>
+        <p:nvSpPr>
+          <p:cNvPr id="250" name="Google Shape;250;p29"/>
+          <p:cNvSpPr txBox="1">
+            <a:spLocks noGrp="1"/>
+          </p:cNvSpPr>
+          <p:nvPr>
+            <p:ph type="title"/>
+          </p:nvPr>
+        </p:nvSpPr>
+        <p:spPr>
+          <a:xfrm>
+            <a:off x="4052825" y="393750"/>
+            <a:ext cx="4283700" cy="914100"/>
+          </a:xfrm>
+          <a:prstGeom prst="rect">
+            <a:avLst/>
+          </a:prstGeom>
+        </p:spPr>
+        <p:txBody>
+          <a:bodyPr spcFirstLastPara="1" wrap="square" lIns="91425" tIns="91425" rIns="91425" bIns="91425" anchor="t" anchorCtr="0">
+            <a:normAutofit/>
+          </a:bodyPr>
+          <a:lstStyle/>
+          <a:p>
+            <a:pPr marL="0" lvl="0" indent="0" algn="l" rtl="0">
+              <a:spcBef>
+                <a:spcPts val="0"/>
+              </a:spcBef>
+              <a:spcAft>
+                <a:spcPts val="0"/>
+              </a:spcAft>
+              <a:buNone/>
+            </a:pPr>
+            <a:r>
+              <a:rPr lang="hu"/>
+              <a:t>PPP</a:t>
+            </a:r>
+            <a:endParaRPr/>
+          </a:p>
+        </p:txBody>
+      </p:sp>
+      <p:sp>
+        <p:nvSpPr>
+          <p:cNvPr id="251" name="Google Shape;251;p29"/>
+          <p:cNvSpPr txBox="1">
+            <a:spLocks noGrp="1"/>
+          </p:cNvSpPr>
+          <p:nvPr>
+            <p:ph type="body" idx="1"/>
+          </p:nvPr>
+        </p:nvSpPr>
+        <p:spPr>
+          <a:xfrm>
+            <a:off x="2270950" y="1391600"/>
+            <a:ext cx="7038900" cy="2911200"/>
+          </a:xfrm>
+          <a:prstGeom prst="rect">
+            <a:avLst/>
+          </a:prstGeom>
+        </p:spPr>
+        <p:txBody>
+          <a:bodyPr spcFirstLastPara="1" wrap="square" lIns="91425" tIns="91425" rIns="91425" bIns="91425" anchor="t" anchorCtr="0">
+            <a:normAutofit/>
+          </a:bodyPr>
+          <a:lstStyle/>
+          <a:p>
+            <a:pPr marL="0" lvl="0" indent="0" algn="l" rtl="0">
+              <a:spcBef>
+                <a:spcPts val="0"/>
+              </a:spcBef>
+              <a:spcAft>
+                <a:spcPts val="1200"/>
+              </a:spcAft>
+              <a:buNone/>
+            </a:pPr>
+            <a:endParaRPr/>
+          </a:p>
+        </p:txBody>
+      </p:sp>
+      <p:pic>
+        <p:nvPicPr>
+          <p:cNvPr id="252" name="Google Shape;252;p29" title="Encapsulation PPP.png"/>
+          <p:cNvPicPr preferRelativeResize="0"/>
+          <p:nvPr/>
+        </p:nvPicPr>
+        <p:blipFill>
+          <a:blip r:embed="rId3">
+            <a:alphaModFix/>
+          </a:blip>
+          <a:stretch>
+            <a:fillRect/>
+          </a:stretch>
+        </p:blipFill>
+        <p:spPr>
+          <a:xfrm>
+            <a:off x="2270950" y="1963925"/>
+            <a:ext cx="4859200" cy="1071325"/>
+          </a:xfrm>
+          <a:prstGeom prst="rect">
+            <a:avLst/>
+          </a:prstGeom>
+          <a:noFill/>
+          <a:ln>
+            <a:noFill/>
+          </a:ln>
+        </p:spPr>
+      </p:pic>
+      <p:pic>
+        <p:nvPicPr>
+          <p:cNvPr id="253" name="Google Shape;253;p29" title="Encapsulation PPP-2.png"/>
+          <p:cNvPicPr preferRelativeResize="0"/>
+          <p:nvPr/>
+        </p:nvPicPr>
+        <p:blipFill>
+          <a:blip r:embed="rId4">
+            <a:alphaModFix/>
+          </a:blip>
+          <a:stretch>
+            <a:fillRect/>
+          </a:stretch>
+        </p:blipFill>
+        <p:spPr>
+          <a:xfrm>
+            <a:off x="2270950" y="3236000"/>
+            <a:ext cx="4859200" cy="1097239"/>
+          </a:xfrm>
+          <a:prstGeom prst="rect">
+            <a:avLst/>
+          </a:prstGeom>
+          <a:noFill/>
+          <a:ln>
+            <a:noFill/>
+          </a:ln>
+        </p:spPr>
+      </p:pic>
+    </p:spTree>
+  </p:cSld>
+  <p:clrMapOvr>
+    <a:masterClrMapping/>
+  </p:clrMapOvr>
+</p:sld>
+</file>
+
+<file path=ppt/slides/slide15.xml><?xml version="1.0" encoding="utf-8"?>
+<p:sld xmlns:a="http://schemas.openxmlformats.org/drawingml/2006/main" xmlns:r="http://schemas.openxmlformats.org/officeDocument/2006/relationships" xmlns:p="http://schemas.openxmlformats.org/presentationml/2006/main">
+  <p:cSld>
+    <p:spTree>
+      <p:nvGrpSpPr>
+        <p:cNvPr id="1" name="Shape 225"/>
+        <p:cNvGrpSpPr/>
+        <p:nvPr/>
+      </p:nvGrpSpPr>
+      <p:grpSpPr>
+        <a:xfrm>
+          <a:off x="0" y="0"/>
+          <a:ext cx="0" cy="0"/>
+          <a:chOff x="0" y="0"/>
+          <a:chExt cx="0" cy="0"/>
+        </a:xfrm>
+      </p:grpSpPr>
+      <p:sp>
+        <p:nvSpPr>
+          <p:cNvPr id="226" name="Google Shape;226;p26"/>
+          <p:cNvSpPr txBox="1">
+            <a:spLocks noGrp="1"/>
+          </p:cNvSpPr>
+          <p:nvPr>
+            <p:ph type="title"/>
+          </p:nvPr>
+        </p:nvSpPr>
+        <p:spPr>
+          <a:xfrm>
+            <a:off x="1297500" y="393750"/>
+            <a:ext cx="7038900" cy="914100"/>
+          </a:xfrm>
+          <a:prstGeom prst="rect">
+            <a:avLst/>
+          </a:prstGeom>
+        </p:spPr>
+        <p:txBody>
+          <a:bodyPr spcFirstLastPara="1" wrap="square" lIns="91425" tIns="91425" rIns="91425" bIns="91425" anchor="t" anchorCtr="0">
+            <a:normAutofit/>
+          </a:bodyPr>
+          <a:lstStyle/>
+          <a:p>
+            <a:pPr marL="0" lvl="0" indent="0" algn="l" rtl="0">
+              <a:spcBef>
+                <a:spcPts val="0"/>
+              </a:spcBef>
+              <a:spcAft>
+                <a:spcPts val="0"/>
+              </a:spcAft>
+              <a:buNone/>
+            </a:pPr>
+            <a:r>
+              <a:rPr lang="hu"/>
+              <a:t>HSRP Teszt</a:t>
+            </a:r>
+            <a:endParaRPr/>
+          </a:p>
+        </p:txBody>
+      </p:sp>
+      <p:sp>
+        <p:nvSpPr>
+          <p:cNvPr id="227" name="Google Shape;227;p26"/>
+          <p:cNvSpPr txBox="1">
+            <a:spLocks noGrp="1"/>
+          </p:cNvSpPr>
+          <p:nvPr>
+            <p:ph type="body" idx="1"/>
+          </p:nvPr>
+        </p:nvSpPr>
+        <p:spPr>
+          <a:xfrm>
+            <a:off x="1297500" y="1567550"/>
+            <a:ext cx="7038900" cy="2911200"/>
+          </a:xfrm>
+          <a:prstGeom prst="rect">
+            <a:avLst/>
+          </a:prstGeom>
+        </p:spPr>
+        <p:txBody>
+          <a:bodyPr spcFirstLastPara="1" wrap="square" lIns="91425" tIns="91425" rIns="91425" bIns="91425" anchor="t" anchorCtr="0">
+            <a:normAutofit/>
+          </a:bodyPr>
+          <a:lstStyle/>
+          <a:p>
+            <a:pPr marL="0" lvl="0" indent="0" algn="l" rtl="0">
+              <a:spcBef>
+                <a:spcPts val="0"/>
+              </a:spcBef>
+              <a:spcAft>
+                <a:spcPts val="1200"/>
+              </a:spcAft>
+              <a:buNone/>
+            </a:pPr>
+            <a:endParaRPr/>
+          </a:p>
+        </p:txBody>
+      </p:sp>
+      <p:pic>
+        <p:nvPicPr>
+          <p:cNvPr id="228" name="Google Shape;228;p26" title="hsrp-teszt-kábel-van.png"/>
+          <p:cNvPicPr preferRelativeResize="0"/>
+          <p:nvPr/>
+        </p:nvPicPr>
+        <p:blipFill>
+          <a:blip r:embed="rId3">
+            <a:alphaModFix/>
+          </a:blip>
+          <a:stretch>
+            <a:fillRect/>
+          </a:stretch>
+        </p:blipFill>
+        <p:spPr>
+          <a:xfrm>
+            <a:off x="0" y="1458849"/>
+            <a:ext cx="4251700" cy="1838450"/>
+          </a:xfrm>
+          <a:prstGeom prst="rect">
+            <a:avLst/>
+          </a:prstGeom>
+          <a:noFill/>
+          <a:ln>
+            <a:noFill/>
+          </a:ln>
+        </p:spPr>
+      </p:pic>
+      <p:pic>
+        <p:nvPicPr>
+          <p:cNvPr id="229" name="Google Shape;229;p26" title="hsrp-teszt-kábel-nincs.png"/>
+          <p:cNvPicPr preferRelativeResize="0"/>
+          <p:nvPr/>
+        </p:nvPicPr>
+        <p:blipFill>
+          <a:blip r:embed="rId4">
+            <a:alphaModFix/>
+          </a:blip>
+          <a:stretch>
+            <a:fillRect/>
+          </a:stretch>
+        </p:blipFill>
+        <p:spPr>
+          <a:xfrm>
+            <a:off x="3730475" y="3297300"/>
+            <a:ext cx="5315125" cy="1623400"/>
+          </a:xfrm>
+          <a:prstGeom prst="rect">
+            <a:avLst/>
+          </a:prstGeom>
+          <a:noFill/>
+          <a:ln>
+            <a:noFill/>
+          </a:ln>
+        </p:spPr>
+      </p:pic>
+    </p:spTree>
+  </p:cSld>
+  <p:clrMapOvr>
+    <a:masterClrMapping/>
+  </p:clrMapOvr>
+  <p:transition spd="med">
+    <p:fade thruBlk="1"/>
+  </p:transition>
+</p:sld>
+</file>
+
+<file path=ppt/slides/slide16.xml><?xml version="1.0" encoding="utf-8"?>
 <p:sld xmlns:a="http://schemas.openxmlformats.org/drawingml/2006/main" xmlns:r="http://schemas.openxmlformats.org/officeDocument/2006/relationships" xmlns:p="http://schemas.openxmlformats.org/presentationml/2006/main">
   <p:cSld>
     <p:spTree>
@@ -11202,12 +11894,12 @@
 </p:sld>
 </file>
 
-<file path=ppt/slides/slide13.xml><?xml version="1.0" encoding="utf-8"?>
+<file path=ppt/slides/slide17.xml><?xml version="1.0" encoding="utf-8"?>
 <p:sld xmlns:a="http://schemas.openxmlformats.org/drawingml/2006/main" xmlns:r="http://schemas.openxmlformats.org/officeDocument/2006/relationships" xmlns:p="http://schemas.openxmlformats.org/presentationml/2006/main">
   <p:cSld>
     <p:spTree>
       <p:nvGrpSpPr>
-        <p:cNvPr id="1" name="Shape 217"/>
+        <p:cNvPr id="1" name="Shape 194"/>
         <p:cNvGrpSpPr/>
         <p:nvPr/>
       </p:nvGrpSpPr>
@@ -11221,235 +11913,7 @@
       </p:grpSpPr>
       <p:sp>
         <p:nvSpPr>
-          <p:cNvPr id="218" name="Google Shape;218;p25"/>
-          <p:cNvSpPr txBox="1">
-            <a:spLocks noGrp="1"/>
-          </p:cNvSpPr>
-          <p:nvPr>
-            <p:ph type="title"/>
-          </p:nvPr>
-        </p:nvSpPr>
-        <p:spPr>
-          <a:xfrm>
-            <a:off x="3390925" y="414675"/>
-            <a:ext cx="7038900" cy="914100"/>
-          </a:xfrm>
-          <a:prstGeom prst="rect">
-            <a:avLst/>
-          </a:prstGeom>
-        </p:spPr>
-        <p:txBody>
-          <a:bodyPr spcFirstLastPara="1" wrap="square" lIns="91425" tIns="91425" rIns="91425" bIns="91425" anchor="t" anchorCtr="0">
-            <a:normAutofit/>
-          </a:bodyPr>
-          <a:lstStyle/>
-          <a:p>
-            <a:pPr marL="0" lvl="0" indent="0" algn="l" rtl="0">
-              <a:spcBef>
-                <a:spcPts val="0"/>
-              </a:spcBef>
-              <a:spcAft>
-                <a:spcPts val="0"/>
-              </a:spcAft>
-              <a:buNone/>
-            </a:pPr>
-            <a:r>
-              <a:rPr lang="hu"/>
-              <a:t>HSRP</a:t>
-            </a:r>
-            <a:endParaRPr/>
-          </a:p>
-        </p:txBody>
-      </p:sp>
-      <p:sp>
-        <p:nvSpPr>
-          <p:cNvPr id="219" name="Google Shape;219;p25"/>
-          <p:cNvSpPr txBox="1">
-            <a:spLocks noGrp="1"/>
-          </p:cNvSpPr>
-          <p:nvPr>
-            <p:ph type="body" idx="1"/>
-          </p:nvPr>
-        </p:nvSpPr>
-        <p:spPr>
-          <a:xfrm>
-            <a:off x="1297500" y="956675"/>
-            <a:ext cx="7038900" cy="3522000"/>
-          </a:xfrm>
-          <a:prstGeom prst="rect">
-            <a:avLst/>
-          </a:prstGeom>
-        </p:spPr>
-        <p:txBody>
-          <a:bodyPr spcFirstLastPara="1" wrap="square" lIns="91425" tIns="91425" rIns="91425" bIns="91425" anchor="t" anchorCtr="0">
-            <a:normAutofit/>
-          </a:bodyPr>
-          <a:lstStyle/>
-          <a:p>
-            <a:pPr marL="0" lvl="0" indent="0" algn="l" rtl="0">
-              <a:spcBef>
-                <a:spcPts val="0"/>
-              </a:spcBef>
-              <a:spcAft>
-                <a:spcPts val="0"/>
-              </a:spcAft>
-              <a:buNone/>
-            </a:pPr>
-            <a:r>
-              <a:rPr lang="hu"/>
-              <a:t>ruby router 1</a:t>
-            </a:r>
-            <a:endParaRPr/>
-          </a:p>
-          <a:p>
-            <a:pPr marL="0" lvl="0" indent="0" algn="l" rtl="0">
-              <a:spcBef>
-                <a:spcPts val="1200"/>
-              </a:spcBef>
-              <a:spcAft>
-                <a:spcPts val="0"/>
-              </a:spcAft>
-              <a:buNone/>
-            </a:pPr>
-            <a:endParaRPr/>
-          </a:p>
-          <a:p>
-            <a:pPr marL="0" lvl="0" indent="0" algn="l" rtl="0">
-              <a:spcBef>
-                <a:spcPts val="1200"/>
-              </a:spcBef>
-              <a:spcAft>
-                <a:spcPts val="0"/>
-              </a:spcAft>
-              <a:buNone/>
-            </a:pPr>
-            <a:endParaRPr/>
-          </a:p>
-          <a:p>
-            <a:pPr marL="0" lvl="0" indent="0" algn="l" rtl="0">
-              <a:spcBef>
-                <a:spcPts val="1200"/>
-              </a:spcBef>
-              <a:spcAft>
-                <a:spcPts val="0"/>
-              </a:spcAft>
-              <a:buNone/>
-            </a:pPr>
-            <a:endParaRPr/>
-          </a:p>
-          <a:p>
-            <a:pPr marL="0" lvl="0" indent="0" algn="l" rtl="0">
-              <a:spcBef>
-                <a:spcPts val="1200"/>
-              </a:spcBef>
-              <a:spcAft>
-                <a:spcPts val="0"/>
-              </a:spcAft>
-              <a:buNone/>
-            </a:pPr>
-            <a:endParaRPr/>
-          </a:p>
-          <a:p>
-            <a:pPr marL="0" lvl="0" indent="0" algn="l" rtl="0">
-              <a:spcBef>
-                <a:spcPts val="1200"/>
-              </a:spcBef>
-              <a:spcAft>
-                <a:spcPts val="1200"/>
-              </a:spcAft>
-              <a:buNone/>
-            </a:pPr>
-            <a:r>
-              <a:rPr lang="hu"/>
-              <a:t>ruby router 2</a:t>
-            </a:r>
-            <a:endParaRPr/>
-          </a:p>
-        </p:txBody>
-      </p:sp>
-      <p:pic>
-        <p:nvPicPr>
-          <p:cNvPr id="220" name="Google Shape;220;p25" title="HSRP-config-Ruby-R1.png"/>
-          <p:cNvPicPr preferRelativeResize="0"/>
-          <p:nvPr/>
-        </p:nvPicPr>
-        <p:blipFill>
-          <a:blip r:embed="rId3">
-            <a:alphaModFix/>
-          </a:blip>
-          <a:stretch>
-            <a:fillRect/>
-          </a:stretch>
-        </p:blipFill>
-        <p:spPr>
-          <a:xfrm>
-            <a:off x="1297500" y="1328763"/>
-            <a:ext cx="6838950" cy="1362075"/>
-          </a:xfrm>
-          <a:prstGeom prst="rect">
-            <a:avLst/>
-          </a:prstGeom>
-          <a:noFill/>
-          <a:ln>
-            <a:noFill/>
-          </a:ln>
-        </p:spPr>
-      </p:pic>
-      <p:pic>
-        <p:nvPicPr>
-          <p:cNvPr id="221" name="Google Shape;221;p25" title="hsrp-config-Ruby-R2.png"/>
-          <p:cNvPicPr preferRelativeResize="0"/>
-          <p:nvPr/>
-        </p:nvPicPr>
-        <p:blipFill rotWithShape="1">
-          <a:blip r:embed="rId4">
-            <a:alphaModFix/>
-          </a:blip>
-          <a:srcRect r="8164"/>
-          <a:stretch/>
-        </p:blipFill>
-        <p:spPr>
-          <a:xfrm>
-            <a:off x="1297500" y="3215875"/>
-            <a:ext cx="6910750" cy="1676400"/>
-          </a:xfrm>
-          <a:prstGeom prst="rect">
-            <a:avLst/>
-          </a:prstGeom>
-          <a:noFill/>
-          <a:ln>
-            <a:noFill/>
-          </a:ln>
-        </p:spPr>
-      </p:pic>
-    </p:spTree>
-  </p:cSld>
-  <p:clrMapOvr>
-    <a:masterClrMapping/>
-  </p:clrMapOvr>
-</p:sld>
-</file>
-
-<file path=ppt/slides/slide14.xml><?xml version="1.0" encoding="utf-8"?>
-<p:sld xmlns:a="http://schemas.openxmlformats.org/drawingml/2006/main" xmlns:r="http://schemas.openxmlformats.org/officeDocument/2006/relationships" xmlns:p="http://schemas.openxmlformats.org/presentationml/2006/main">
-  <p:cSld>
-    <p:spTree>
-      <p:nvGrpSpPr>
-        <p:cNvPr id="1" name="Shape 225"/>
-        <p:cNvGrpSpPr/>
-        <p:nvPr/>
-      </p:nvGrpSpPr>
-      <p:grpSpPr>
-        <a:xfrm>
-          <a:off x="0" y="0"/>
-          <a:ext cx="0" cy="0"/>
-          <a:chOff x="0" y="0"/>
-          <a:chExt cx="0" cy="0"/>
-        </a:xfrm>
-      </p:grpSpPr>
-      <p:sp>
-        <p:nvSpPr>
-          <p:cNvPr id="226" name="Google Shape;226;p26"/>
+          <p:cNvPr id="195" name="Google Shape;195;p22"/>
           <p:cNvSpPr txBox="1">
             <a:spLocks noGrp="1"/>
           </p:cNvSpPr>
@@ -11483,7 +11947,7 @@
             </a:pPr>
             <a:r>
               <a:rPr lang="hu"/>
-              <a:t>HSRP Teszt</a:t>
+              <a:t>DHCP</a:t>
             </a:r>
             <a:endParaRPr/>
           </a:p>
@@ -11491,7 +11955,7 @@
       </p:sp>
       <p:sp>
         <p:nvSpPr>
-          <p:cNvPr id="227" name="Google Shape;227;p26"/>
+          <p:cNvPr id="196" name="Google Shape;196;p22"/>
           <p:cNvSpPr txBox="1">
             <a:spLocks noGrp="1"/>
           </p:cNvSpPr>
@@ -11501,8 +11965,8 @@
         </p:nvSpPr>
         <p:spPr>
           <a:xfrm>
-            <a:off x="1297500" y="1567550"/>
-            <a:ext cx="7038900" cy="2911200"/>
+            <a:off x="4081725" y="227775"/>
+            <a:ext cx="2757300" cy="3356400"/>
           </a:xfrm>
           <a:prstGeom prst="rect">
             <a:avLst/>
@@ -11519,32 +11983,51 @@
                 <a:spcPts val="0"/>
               </a:spcBef>
               <a:spcAft>
+                <a:spcPts val="0"/>
+              </a:spcAft>
+              <a:buNone/>
+            </a:pPr>
+            <a:r>
+              <a:rPr lang="hu"/>
+              <a:t>Weiss telephely</a:t>
+            </a:r>
+            <a:endParaRPr/>
+          </a:p>
+          <a:p>
+            <a:pPr marL="0" lvl="0" indent="0" algn="l" rtl="0">
+              <a:spcBef>
                 <a:spcPts val="1200"/>
+              </a:spcBef>
+              <a:spcAft>
+                <a:spcPts val="1200"/>
               </a:spcAft>
               <a:buNone/>
             </a:pPr>
+            <a:r>
+              <a:rPr lang="hu"/>
+              <a:t>laptopok accesspoint tól kapnak DHCP-t</a:t>
+            </a:r>
             <a:endParaRPr/>
           </a:p>
         </p:txBody>
       </p:sp>
       <p:pic>
         <p:nvPicPr>
-          <p:cNvPr id="228" name="Google Shape;228;p26" title="hsrp-teszt-kábel-van.png"/>
+          <p:cNvPr id="197" name="Google Shape;197;p22" title="dhcp.png"/>
           <p:cNvPicPr preferRelativeResize="0"/>
           <p:nvPr/>
         </p:nvPicPr>
-        <p:blipFill>
+        <p:blipFill rotWithShape="1">
           <a:blip r:embed="rId3">
             <a:alphaModFix/>
           </a:blip>
-          <a:stretch>
-            <a:fillRect/>
-          </a:stretch>
+          <a:srcRect l="-42836" r="46682"/>
+          <a:stretch/>
         </p:blipFill>
         <p:spPr>
           <a:xfrm>
-            <a:off x="0" y="1458849"/>
-            <a:ext cx="4251700" cy="1838450"/>
+            <a:off x="610400" y="1514075"/>
+            <a:ext cx="7967799" cy="3409950"/>
           </a:xfrm>
           <a:prstGeom prst="rect">
             <a:avLst/>
@@ -11557,7 +12040,7 @@
       </p:pic>
       <p:pic>
         <p:nvPicPr>
-          <p:cNvPr id="229" name="Google Shape;229;p26" title="hsrp-teszt-kábel-nincs.png"/>
+          <p:cNvPr id="198" name="Google Shape;198;p22" title="dhcp pici.png"/>
           <p:cNvPicPr preferRelativeResize="0"/>
           <p:nvPr/>
         </p:nvPicPr>
@@ -11571,8 +12054,8 @@
         </p:blipFill>
         <p:spPr>
           <a:xfrm>
-            <a:off x="3730475" y="3297300"/>
-            <a:ext cx="5315125" cy="1623400"/>
+            <a:off x="1297488" y="1351375"/>
+            <a:ext cx="1724025" cy="3495675"/>
           </a:xfrm>
           <a:prstGeom prst="rect">
             <a:avLst/>
@@ -11591,489 +12074,6 @@
   <p:transition spd="med">
     <p:fade thruBlk="1"/>
   </p:transition>
-</p:sld>
-</file>
-
-<file path=ppt/slides/slide15.xml><?xml version="1.0" encoding="utf-8"?>
-<p:sld xmlns:a="http://schemas.openxmlformats.org/drawingml/2006/main" xmlns:r="http://schemas.openxmlformats.org/officeDocument/2006/relationships" xmlns:p="http://schemas.openxmlformats.org/presentationml/2006/main">
-  <p:cSld>
-    <p:spTree>
-      <p:nvGrpSpPr>
-        <p:cNvPr id="1" name="Shape 233"/>
-        <p:cNvGrpSpPr/>
-        <p:nvPr/>
-      </p:nvGrpSpPr>
-      <p:grpSpPr>
-        <a:xfrm>
-          <a:off x="0" y="0"/>
-          <a:ext cx="0" cy="0"/>
-          <a:chOff x="0" y="0"/>
-          <a:chExt cx="0" cy="0"/>
-        </a:xfrm>
-      </p:grpSpPr>
-      <p:sp>
-        <p:nvSpPr>
-          <p:cNvPr id="234" name="Google Shape;234;p27"/>
-          <p:cNvSpPr txBox="1">
-            <a:spLocks noGrp="1"/>
-          </p:cNvSpPr>
-          <p:nvPr>
-            <p:ph type="title"/>
-          </p:nvPr>
-        </p:nvSpPr>
-        <p:spPr>
-          <a:xfrm>
-            <a:off x="1297500" y="393750"/>
-            <a:ext cx="7038900" cy="914100"/>
-          </a:xfrm>
-          <a:prstGeom prst="rect">
-            <a:avLst/>
-          </a:prstGeom>
-        </p:spPr>
-        <p:txBody>
-          <a:bodyPr spcFirstLastPara="1" wrap="square" lIns="91425" tIns="91425" rIns="91425" bIns="91425" anchor="t" anchorCtr="0">
-            <a:normAutofit/>
-          </a:bodyPr>
-          <a:lstStyle/>
-          <a:p>
-            <a:pPr marL="0" lvl="0" indent="0" algn="ctr" rtl="0">
-              <a:spcBef>
-                <a:spcPts val="0"/>
-              </a:spcBef>
-              <a:spcAft>
-                <a:spcPts val="0"/>
-              </a:spcAft>
-              <a:buNone/>
-            </a:pPr>
-            <a:r>
-              <a:rPr lang="hu"/>
-              <a:t>Dinamikus Forgalomirányítás</a:t>
-            </a:r>
-            <a:endParaRPr/>
-          </a:p>
-        </p:txBody>
-      </p:sp>
-      <p:sp>
-        <p:nvSpPr>
-          <p:cNvPr id="235" name="Google Shape;235;p27"/>
-          <p:cNvSpPr txBox="1">
-            <a:spLocks noGrp="1"/>
-          </p:cNvSpPr>
-          <p:nvPr>
-            <p:ph type="body" idx="1"/>
-          </p:nvPr>
-        </p:nvSpPr>
-        <p:spPr>
-          <a:xfrm>
-            <a:off x="1297500" y="1567550"/>
-            <a:ext cx="7038900" cy="2911200"/>
-          </a:xfrm>
-          <a:prstGeom prst="rect">
-            <a:avLst/>
-          </a:prstGeom>
-        </p:spPr>
-        <p:txBody>
-          <a:bodyPr spcFirstLastPara="1" wrap="square" lIns="91425" tIns="91425" rIns="91425" bIns="91425" anchor="t" anchorCtr="0">
-            <a:normAutofit/>
-          </a:bodyPr>
-          <a:lstStyle/>
-          <a:p>
-            <a:pPr marL="0" lvl="0" indent="0" algn="l" rtl="0">
-              <a:spcBef>
-                <a:spcPts val="0"/>
-              </a:spcBef>
-              <a:spcAft>
-                <a:spcPts val="1200"/>
-              </a:spcAft>
-              <a:buNone/>
-            </a:pPr>
-            <a:endParaRPr/>
-          </a:p>
-        </p:txBody>
-      </p:sp>
-      <p:pic>
-        <p:nvPicPr>
-          <p:cNvPr id="236" name="Google Shape;236;p27" title="OSPF-ip-protocols.png"/>
-          <p:cNvPicPr preferRelativeResize="0"/>
-          <p:nvPr/>
-        </p:nvPicPr>
-        <p:blipFill>
-          <a:blip r:embed="rId3">
-            <a:alphaModFix/>
-          </a:blip>
-          <a:stretch>
-            <a:fillRect/>
-          </a:stretch>
-        </p:blipFill>
-        <p:spPr>
-          <a:xfrm>
-            <a:off x="4391113" y="1198225"/>
-            <a:ext cx="4829175" cy="3524250"/>
-          </a:xfrm>
-          <a:prstGeom prst="rect">
-            <a:avLst/>
-          </a:prstGeom>
-          <a:noFill/>
-          <a:ln>
-            <a:noFill/>
-          </a:ln>
-        </p:spPr>
-      </p:pic>
-      <p:pic>
-        <p:nvPicPr>
-          <p:cNvPr id="237" name="Google Shape;237;p27" title="ospf-ipv6-protocols.png"/>
-          <p:cNvPicPr preferRelativeResize="0"/>
-          <p:nvPr/>
-        </p:nvPicPr>
-        <p:blipFill>
-          <a:blip r:embed="rId4">
-            <a:alphaModFix/>
-          </a:blip>
-          <a:stretch>
-            <a:fillRect/>
-          </a:stretch>
-        </p:blipFill>
-        <p:spPr>
-          <a:xfrm>
-            <a:off x="-4605" y="1198229"/>
-            <a:ext cx="4395701" cy="3524250"/>
-          </a:xfrm>
-          <a:prstGeom prst="rect">
-            <a:avLst/>
-          </a:prstGeom>
-          <a:noFill/>
-          <a:ln>
-            <a:noFill/>
-          </a:ln>
-        </p:spPr>
-      </p:pic>
-    </p:spTree>
-  </p:cSld>
-  <p:clrMapOvr>
-    <a:masterClrMapping/>
-  </p:clrMapOvr>
-</p:sld>
-</file>
-
-<file path=ppt/slides/slide16.xml><?xml version="1.0" encoding="utf-8"?>
-<p:sld xmlns:a="http://schemas.openxmlformats.org/drawingml/2006/main" xmlns:r="http://schemas.openxmlformats.org/officeDocument/2006/relationships" xmlns:p="http://schemas.openxmlformats.org/presentationml/2006/main">
-  <p:cSld>
-    <p:spTree>
-      <p:nvGrpSpPr>
-        <p:cNvPr id="1" name="Shape 241"/>
-        <p:cNvGrpSpPr/>
-        <p:nvPr/>
-      </p:nvGrpSpPr>
-      <p:grpSpPr>
-        <a:xfrm>
-          <a:off x="0" y="0"/>
-          <a:ext cx="0" cy="0"/>
-          <a:chOff x="0" y="0"/>
-          <a:chExt cx="0" cy="0"/>
-        </a:xfrm>
-      </p:grpSpPr>
-      <p:sp>
-        <p:nvSpPr>
-          <p:cNvPr id="242" name="Google Shape;242;p28"/>
-          <p:cNvSpPr txBox="1">
-            <a:spLocks noGrp="1"/>
-          </p:cNvSpPr>
-          <p:nvPr>
-            <p:ph type="title"/>
-          </p:nvPr>
-        </p:nvSpPr>
-        <p:spPr>
-          <a:xfrm>
-            <a:off x="1297500" y="393750"/>
-            <a:ext cx="7038900" cy="914100"/>
-          </a:xfrm>
-          <a:prstGeom prst="rect">
-            <a:avLst/>
-          </a:prstGeom>
-        </p:spPr>
-        <p:txBody>
-          <a:bodyPr spcFirstLastPara="1" wrap="square" lIns="91425" tIns="91425" rIns="91425" bIns="91425" anchor="t" anchorCtr="0">
-            <a:normAutofit/>
-          </a:bodyPr>
-          <a:lstStyle/>
-          <a:p>
-            <a:pPr marL="0" lvl="0" indent="0" algn="ctr" rtl="0">
-              <a:spcBef>
-                <a:spcPts val="0"/>
-              </a:spcBef>
-              <a:spcAft>
-                <a:spcPts val="0"/>
-              </a:spcAft>
-              <a:buNone/>
-            </a:pPr>
-            <a:r>
-              <a:rPr lang="hu"/>
-              <a:t>Dinamikus Forgalomirányítás</a:t>
-            </a:r>
-            <a:endParaRPr/>
-          </a:p>
-        </p:txBody>
-      </p:sp>
-      <p:sp>
-        <p:nvSpPr>
-          <p:cNvPr id="243" name="Google Shape;243;p28"/>
-          <p:cNvSpPr txBox="1">
-            <a:spLocks noGrp="1"/>
-          </p:cNvSpPr>
-          <p:nvPr>
-            <p:ph type="body" idx="1"/>
-          </p:nvPr>
-        </p:nvSpPr>
-        <p:spPr>
-          <a:xfrm>
-            <a:off x="1297500" y="1567550"/>
-            <a:ext cx="7038900" cy="2911200"/>
-          </a:xfrm>
-          <a:prstGeom prst="rect">
-            <a:avLst/>
-          </a:prstGeom>
-        </p:spPr>
-        <p:txBody>
-          <a:bodyPr spcFirstLastPara="1" wrap="square" lIns="91425" tIns="91425" rIns="91425" bIns="91425" anchor="t" anchorCtr="0">
-            <a:normAutofit/>
-          </a:bodyPr>
-          <a:lstStyle/>
-          <a:p>
-            <a:pPr marL="0" lvl="0" indent="0" algn="l" rtl="0">
-              <a:spcBef>
-                <a:spcPts val="0"/>
-              </a:spcBef>
-              <a:spcAft>
-                <a:spcPts val="1200"/>
-              </a:spcAft>
-              <a:buNone/>
-            </a:pPr>
-            <a:endParaRPr/>
-          </a:p>
-        </p:txBody>
-      </p:sp>
-      <p:pic>
-        <p:nvPicPr>
-          <p:cNvPr id="244" name="Google Shape;244;p28" title="ip-ospf-database.png"/>
-          <p:cNvPicPr preferRelativeResize="0"/>
-          <p:nvPr/>
-        </p:nvPicPr>
-        <p:blipFill>
-          <a:blip r:embed="rId3">
-            <a:alphaModFix/>
-          </a:blip>
-          <a:stretch>
-            <a:fillRect/>
-          </a:stretch>
-        </p:blipFill>
-        <p:spPr>
-          <a:xfrm>
-            <a:off x="45697" y="1567550"/>
-            <a:ext cx="4786875" cy="2194300"/>
-          </a:xfrm>
-          <a:prstGeom prst="rect">
-            <a:avLst/>
-          </a:prstGeom>
-          <a:noFill/>
-          <a:ln>
-            <a:noFill/>
-          </a:ln>
-        </p:spPr>
-      </p:pic>
-      <p:pic>
-        <p:nvPicPr>
-          <p:cNvPr id="245" name="Google Shape;245;p28" title="ipv6-ospf-database.png"/>
-          <p:cNvPicPr preferRelativeResize="0"/>
-          <p:nvPr/>
-        </p:nvPicPr>
-        <p:blipFill>
-          <a:blip r:embed="rId4">
-            <a:alphaModFix/>
-          </a:blip>
-          <a:stretch>
-            <a:fillRect/>
-          </a:stretch>
-        </p:blipFill>
-        <p:spPr>
-          <a:xfrm>
-            <a:off x="5016852" y="1307850"/>
-            <a:ext cx="3509144" cy="2911200"/>
-          </a:xfrm>
-          <a:prstGeom prst="rect">
-            <a:avLst/>
-          </a:prstGeom>
-          <a:noFill/>
-          <a:ln>
-            <a:noFill/>
-          </a:ln>
-        </p:spPr>
-      </p:pic>
-    </p:spTree>
-  </p:cSld>
-  <p:clrMapOvr>
-    <a:masterClrMapping/>
-  </p:clrMapOvr>
-</p:sld>
-</file>
-
-<file path=ppt/slides/slide17.xml><?xml version="1.0" encoding="utf-8"?>
-<p:sld xmlns:a="http://schemas.openxmlformats.org/drawingml/2006/main" xmlns:r="http://schemas.openxmlformats.org/officeDocument/2006/relationships" xmlns:p="http://schemas.openxmlformats.org/presentationml/2006/main">
-  <p:cSld>
-    <p:spTree>
-      <p:nvGrpSpPr>
-        <p:cNvPr id="1" name="Shape 249"/>
-        <p:cNvGrpSpPr/>
-        <p:nvPr/>
-      </p:nvGrpSpPr>
-      <p:grpSpPr>
-        <a:xfrm>
-          <a:off x="0" y="0"/>
-          <a:ext cx="0" cy="0"/>
-          <a:chOff x="0" y="0"/>
-          <a:chExt cx="0" cy="0"/>
-        </a:xfrm>
-      </p:grpSpPr>
-      <p:sp>
-        <p:nvSpPr>
-          <p:cNvPr id="250" name="Google Shape;250;p29"/>
-          <p:cNvSpPr txBox="1">
-            <a:spLocks noGrp="1"/>
-          </p:cNvSpPr>
-          <p:nvPr>
-            <p:ph type="title"/>
-          </p:nvPr>
-        </p:nvSpPr>
-        <p:spPr>
-          <a:xfrm>
-            <a:off x="4052825" y="393750"/>
-            <a:ext cx="4283700" cy="914100"/>
-          </a:xfrm>
-          <a:prstGeom prst="rect">
-            <a:avLst/>
-          </a:prstGeom>
-        </p:spPr>
-        <p:txBody>
-          <a:bodyPr spcFirstLastPara="1" wrap="square" lIns="91425" tIns="91425" rIns="91425" bIns="91425" anchor="t" anchorCtr="0">
-            <a:normAutofit/>
-          </a:bodyPr>
-          <a:lstStyle/>
-          <a:p>
-            <a:pPr marL="0" lvl="0" indent="0" algn="l" rtl="0">
-              <a:spcBef>
-                <a:spcPts val="0"/>
-              </a:spcBef>
-              <a:spcAft>
-                <a:spcPts val="0"/>
-              </a:spcAft>
-              <a:buNone/>
-            </a:pPr>
-            <a:r>
-              <a:rPr lang="hu"/>
-              <a:t>PPP</a:t>
-            </a:r>
-            <a:endParaRPr/>
-          </a:p>
-        </p:txBody>
-      </p:sp>
-      <p:sp>
-        <p:nvSpPr>
-          <p:cNvPr id="251" name="Google Shape;251;p29"/>
-          <p:cNvSpPr txBox="1">
-            <a:spLocks noGrp="1"/>
-          </p:cNvSpPr>
-          <p:nvPr>
-            <p:ph type="body" idx="1"/>
-          </p:nvPr>
-        </p:nvSpPr>
-        <p:spPr>
-          <a:xfrm>
-            <a:off x="2270950" y="1391600"/>
-            <a:ext cx="7038900" cy="2911200"/>
-          </a:xfrm>
-          <a:prstGeom prst="rect">
-            <a:avLst/>
-          </a:prstGeom>
-        </p:spPr>
-        <p:txBody>
-          <a:bodyPr spcFirstLastPara="1" wrap="square" lIns="91425" tIns="91425" rIns="91425" bIns="91425" anchor="t" anchorCtr="0">
-            <a:normAutofit/>
-          </a:bodyPr>
-          <a:lstStyle/>
-          <a:p>
-            <a:pPr marL="0" lvl="0" indent="0" algn="l" rtl="0">
-              <a:spcBef>
-                <a:spcPts val="0"/>
-              </a:spcBef>
-              <a:spcAft>
-                <a:spcPts val="1200"/>
-              </a:spcAft>
-              <a:buNone/>
-            </a:pPr>
-            <a:endParaRPr/>
-          </a:p>
-        </p:txBody>
-      </p:sp>
-      <p:pic>
-        <p:nvPicPr>
-          <p:cNvPr id="252" name="Google Shape;252;p29" title="Encapsulation PPP.png"/>
-          <p:cNvPicPr preferRelativeResize="0"/>
-          <p:nvPr/>
-        </p:nvPicPr>
-        <p:blipFill>
-          <a:blip r:embed="rId3">
-            <a:alphaModFix/>
-          </a:blip>
-          <a:stretch>
-            <a:fillRect/>
-          </a:stretch>
-        </p:blipFill>
-        <p:spPr>
-          <a:xfrm>
-            <a:off x="2270950" y="1963925"/>
-            <a:ext cx="4859200" cy="1071325"/>
-          </a:xfrm>
-          <a:prstGeom prst="rect">
-            <a:avLst/>
-          </a:prstGeom>
-          <a:noFill/>
-          <a:ln>
-            <a:noFill/>
-          </a:ln>
-        </p:spPr>
-      </p:pic>
-      <p:pic>
-        <p:nvPicPr>
-          <p:cNvPr id="253" name="Google Shape;253;p29" title="Encapsulation PPP-2.png"/>
-          <p:cNvPicPr preferRelativeResize="0"/>
-          <p:nvPr/>
-        </p:nvPicPr>
-        <p:blipFill>
-          <a:blip r:embed="rId4">
-            <a:alphaModFix/>
-          </a:blip>
-          <a:stretch>
-            <a:fillRect/>
-          </a:stretch>
-        </p:blipFill>
-        <p:spPr>
-          <a:xfrm>
-            <a:off x="2270950" y="3236000"/>
-            <a:ext cx="4859200" cy="1097239"/>
-          </a:xfrm>
-          <a:prstGeom prst="rect">
-            <a:avLst/>
-          </a:prstGeom>
-          <a:noFill/>
-          <a:ln>
-            <a:noFill/>
-          </a:ln>
-        </p:spPr>
-      </p:pic>
-    </p:spTree>
-  </p:cSld>
-  <p:clrMapOvr>
-    <a:masterClrMapping/>
-  </p:clrMapOvr>
 </p:sld>
 </file>
 
@@ -13021,30 +13021,32 @@
       </p:sp>
       <p:pic>
         <p:nvPicPr>
-          <p:cNvPr id="162" name="Google Shape;162;p17" title="Képernyőkép 2025-10-22 110206.png"/>
-          <p:cNvPicPr preferRelativeResize="0"/>
+          <p:cNvPr id="3" name="Kép 2">
+            <a:extLst>
+              <a:ext uri="{FF2B5EF4-FFF2-40B4-BE49-F238E27FC236}">
+                <a16:creationId xmlns:a16="http://schemas.microsoft.com/office/drawing/2014/main" id="{97842778-9365-46D5-88B1-69C988712048}"/>
+              </a:ext>
+            </a:extLst>
+          </p:cNvPr>
+          <p:cNvPicPr>
+            <a:picLocks noChangeAspect="1"/>
+          </p:cNvPicPr>
           <p:nvPr/>
         </p:nvPicPr>
         <p:blipFill>
-          <a:blip r:embed="rId3">
-            <a:alphaModFix/>
-          </a:blip>
+          <a:blip r:embed="rId3"/>
           <a:stretch>
             <a:fillRect/>
           </a:stretch>
         </p:blipFill>
         <p:spPr>
           <a:xfrm>
-            <a:off x="2146950" y="1069525"/>
-            <a:ext cx="5629850" cy="3907250"/>
+            <a:off x="1680823" y="195203"/>
+            <a:ext cx="5782353" cy="4753094"/>
           </a:xfrm>
           <a:prstGeom prst="rect">
             <a:avLst/>
           </a:prstGeom>
-          <a:noFill/>
-          <a:ln>
-            <a:noFill/>
-          </a:ln>
         </p:spPr>
       </p:pic>
     </p:spTree>

--- a/Cím nélküli prezentáció.pptx
+++ b/Cím nélküli prezentáció.pptx
@@ -293,6 +293,32 @@
     </p:ext>
   </p:extLst>
 </p:presentation>
+</file>
+
+<file path=ppt/commentAuthors.xml><?xml version="1.0" encoding="utf-8"?>
+<p:cmAuthorLst xmlns:a="http://schemas.openxmlformats.org/drawingml/2006/main" xmlns:r="http://schemas.openxmlformats.org/officeDocument/2006/relationships" xmlns:p="http://schemas.openxmlformats.org/presentationml/2006/main">
+  <p:cmAuthor id="1" name="Fazekas Dominik" initials="FD" lastIdx="1" clrIdx="0">
+    <p:extLst>
+      <p:ext uri="{19B8F6BF-5375-455C-9EA6-DF929625EA0E}">
+        <p15:presenceInfo xmlns:p15="http://schemas.microsoft.com/office/powerpoint/2012/main" userId="S-1-5-21-2604211897-728469581-1642377047-12221" providerId="AD"/>
+      </p:ext>
+    </p:extLst>
+  </p:cmAuthor>
+</p:cmAuthorLst>
+</file>
+
+<file path=ppt/comments/comment1.xml><?xml version="1.0" encoding="utf-8"?>
+<p:cmLst xmlns:a="http://schemas.openxmlformats.org/drawingml/2006/main" xmlns:r="http://schemas.openxmlformats.org/officeDocument/2006/relationships" xmlns:p="http://schemas.openxmlformats.org/presentationml/2006/main">
+  <p:cm authorId="1" dt="2025-12-04T12:46:41.028" idx="1">
+    <p:pos x="10" y="10"/>
+    <p:text/>
+    <p:extLst>
+      <p:ext uri="{C676402C-5697-4E1C-873F-D02D1690AC5C}">
+        <p15:threadingInfo xmlns:p15="http://schemas.microsoft.com/office/powerpoint/2012/main" timeZoneBias="-60"/>
+      </p:ext>
+    </p:extLst>
+  </p:cm>
+</p:cmLst>
 </file>
 
 <file path=ppt/notesMasters/notesMaster1.xml><?xml version="1.0" encoding="utf-8"?>
@@ -10843,6 +10869,45 @@
           </a:ln>
         </p:spPr>
       </p:pic>
+      <p:sp>
+        <p:nvSpPr>
+          <p:cNvPr id="2" name="Szövegdoboz 1">
+            <a:extLst>
+              <a:ext uri="{FF2B5EF4-FFF2-40B4-BE49-F238E27FC236}">
+                <a16:creationId xmlns:a16="http://schemas.microsoft.com/office/drawing/2014/main" id="{5B0D86C7-1BA1-4B76-9295-963C1110ECC4}"/>
+              </a:ext>
+            </a:extLst>
+          </p:cNvPr>
+          <p:cNvSpPr txBox="1"/>
+          <p:nvPr/>
+        </p:nvSpPr>
+        <p:spPr>
+          <a:xfrm>
+            <a:off x="7721600" y="393750"/>
+            <a:ext cx="1422400" cy="307777"/>
+          </a:xfrm>
+          <a:prstGeom prst="rect">
+            <a:avLst/>
+          </a:prstGeom>
+          <a:noFill/>
+        </p:spPr>
+        <p:txBody>
+          <a:bodyPr wrap="square" rtlCol="0">
+            <a:spAutoFit/>
+          </a:bodyPr>
+          <a:lstStyle/>
+          <a:p>
+            <a:r>
+              <a:rPr lang="hu-HU" b="1" u="sng" dirty="0">
+                <a:solidFill>
+                  <a:schemeClr val="bg1"/>
+                </a:solidFill>
+              </a:rPr>
+              <a:t>RUBY</a:t>
+            </a:r>
+          </a:p>
+        </p:txBody>
+      </p:sp>
     </p:spTree>
   </p:cSld>
   <p:clrMapOvr>
@@ -11074,6 +11139,45 @@
           </a:ln>
         </p:spPr>
       </p:pic>
+      <p:sp>
+        <p:nvSpPr>
+          <p:cNvPr id="2" name="Szövegdoboz 1">
+            <a:extLst>
+              <a:ext uri="{FF2B5EF4-FFF2-40B4-BE49-F238E27FC236}">
+                <a16:creationId xmlns:a16="http://schemas.microsoft.com/office/drawing/2014/main" id="{45D4CBEB-784E-4456-82D2-C702071F0818}"/>
+              </a:ext>
+            </a:extLst>
+          </p:cNvPr>
+          <p:cNvSpPr txBox="1"/>
+          <p:nvPr/>
+        </p:nvSpPr>
+        <p:spPr>
+          <a:xfrm>
+            <a:off x="7868356" y="598311"/>
+            <a:ext cx="1275644" cy="307777"/>
+          </a:xfrm>
+          <a:prstGeom prst="rect">
+            <a:avLst/>
+          </a:prstGeom>
+          <a:noFill/>
+        </p:spPr>
+        <p:txBody>
+          <a:bodyPr wrap="square" rtlCol="0">
+            <a:spAutoFit/>
+          </a:bodyPr>
+          <a:lstStyle/>
+          <a:p>
+            <a:r>
+              <a:rPr lang="hu-HU" b="1" u="sng" dirty="0">
+                <a:solidFill>
+                  <a:schemeClr val="bg1"/>
+                </a:solidFill>
+              </a:rPr>
+              <a:t>RUBY</a:t>
+            </a:r>
+          </a:p>
+        </p:txBody>
+      </p:sp>
     </p:spTree>
   </p:cSld>
   <p:clrMapOvr>
@@ -11235,6 +11339,45 @@
           </a:ln>
         </p:spPr>
       </p:pic>
+      <p:sp>
+        <p:nvSpPr>
+          <p:cNvPr id="2" name="Szövegdoboz 1">
+            <a:extLst>
+              <a:ext uri="{FF2B5EF4-FFF2-40B4-BE49-F238E27FC236}">
+                <a16:creationId xmlns:a16="http://schemas.microsoft.com/office/drawing/2014/main" id="{488559A2-C1B2-4349-85C1-4EE00F0B02E1}"/>
+              </a:ext>
+            </a:extLst>
+          </p:cNvPr>
+          <p:cNvSpPr txBox="1"/>
+          <p:nvPr/>
+        </p:nvSpPr>
+        <p:spPr>
+          <a:xfrm>
+            <a:off x="8173156" y="421021"/>
+            <a:ext cx="1047132" cy="307777"/>
+          </a:xfrm>
+          <a:prstGeom prst="rect">
+            <a:avLst/>
+          </a:prstGeom>
+          <a:noFill/>
+        </p:spPr>
+        <p:txBody>
+          <a:bodyPr wrap="square" rtlCol="0">
+            <a:spAutoFit/>
+          </a:bodyPr>
+          <a:lstStyle/>
+          <a:p>
+            <a:r>
+              <a:rPr lang="hu-HU" b="1" u="sng" dirty="0">
+                <a:solidFill>
+                  <a:schemeClr val="bg1"/>
+                </a:solidFill>
+              </a:rPr>
+              <a:t>RUBY</a:t>
+            </a:r>
+          </a:p>
+        </p:txBody>
+      </p:sp>
     </p:spTree>
   </p:cSld>
   <p:clrMapOvr>
@@ -11396,6 +11539,45 @@
           </a:ln>
         </p:spPr>
       </p:pic>
+      <p:sp>
+        <p:nvSpPr>
+          <p:cNvPr id="2" name="Szövegdoboz 1">
+            <a:extLst>
+              <a:ext uri="{FF2B5EF4-FFF2-40B4-BE49-F238E27FC236}">
+                <a16:creationId xmlns:a16="http://schemas.microsoft.com/office/drawing/2014/main" id="{6E664F86-C88D-4E48-AA6D-B1EB6A2999F3}"/>
+              </a:ext>
+            </a:extLst>
+          </p:cNvPr>
+          <p:cNvSpPr txBox="1"/>
+          <p:nvPr/>
+        </p:nvSpPr>
+        <p:spPr>
+          <a:xfrm>
+            <a:off x="8336400" y="393750"/>
+            <a:ext cx="965644" cy="307777"/>
+          </a:xfrm>
+          <a:prstGeom prst="rect">
+            <a:avLst/>
+          </a:prstGeom>
+          <a:noFill/>
+        </p:spPr>
+        <p:txBody>
+          <a:bodyPr wrap="square" rtlCol="0">
+            <a:spAutoFit/>
+          </a:bodyPr>
+          <a:lstStyle/>
+          <a:p>
+            <a:r>
+              <a:rPr lang="hu-HU" b="1" u="sng" dirty="0">
+                <a:solidFill>
+                  <a:schemeClr val="bg1"/>
+                </a:solidFill>
+              </a:rPr>
+              <a:t>RUBY</a:t>
+            </a:r>
+          </a:p>
+        </p:txBody>
+      </p:sp>
     </p:spTree>
   </p:cSld>
   <p:clrMapOvr>
@@ -11557,6 +11739,45 @@
           </a:ln>
         </p:spPr>
       </p:pic>
+      <p:sp>
+        <p:nvSpPr>
+          <p:cNvPr id="2" name="Szövegdoboz 1">
+            <a:extLst>
+              <a:ext uri="{FF2B5EF4-FFF2-40B4-BE49-F238E27FC236}">
+                <a16:creationId xmlns:a16="http://schemas.microsoft.com/office/drawing/2014/main" id="{DA67FA36-C22B-4C95-9AF2-9C9A281BF7D0}"/>
+              </a:ext>
+            </a:extLst>
+          </p:cNvPr>
+          <p:cNvSpPr txBox="1"/>
+          <p:nvPr/>
+        </p:nvSpPr>
+        <p:spPr>
+          <a:xfrm>
+            <a:off x="8336525" y="393750"/>
+            <a:ext cx="973325" cy="307777"/>
+          </a:xfrm>
+          <a:prstGeom prst="rect">
+            <a:avLst/>
+          </a:prstGeom>
+          <a:noFill/>
+        </p:spPr>
+        <p:txBody>
+          <a:bodyPr wrap="square" rtlCol="0">
+            <a:spAutoFit/>
+          </a:bodyPr>
+          <a:lstStyle/>
+          <a:p>
+            <a:r>
+              <a:rPr lang="hu-HU" b="1" u="sng" dirty="0">
+                <a:solidFill>
+                  <a:schemeClr val="bg1"/>
+                </a:solidFill>
+              </a:rPr>
+              <a:t>RUBY</a:t>
+            </a:r>
+          </a:p>
+        </p:txBody>
+      </p:sp>
     </p:spTree>
   </p:cSld>
   <p:clrMapOvr>
@@ -11718,6 +11939,45 @@
           </a:ln>
         </p:spPr>
       </p:pic>
+      <p:sp>
+        <p:nvSpPr>
+          <p:cNvPr id="2" name="Szövegdoboz 1">
+            <a:extLst>
+              <a:ext uri="{FF2B5EF4-FFF2-40B4-BE49-F238E27FC236}">
+                <a16:creationId xmlns:a16="http://schemas.microsoft.com/office/drawing/2014/main" id="{CB19240A-04D1-489B-9B92-30EBC5903D44}"/>
+              </a:ext>
+            </a:extLst>
+          </p:cNvPr>
+          <p:cNvSpPr txBox="1"/>
+          <p:nvPr/>
+        </p:nvSpPr>
+        <p:spPr>
+          <a:xfrm>
+            <a:off x="8240889" y="393751"/>
+            <a:ext cx="1185333" cy="307777"/>
+          </a:xfrm>
+          <a:prstGeom prst="rect">
+            <a:avLst/>
+          </a:prstGeom>
+          <a:noFill/>
+        </p:spPr>
+        <p:txBody>
+          <a:bodyPr wrap="square" rtlCol="0">
+            <a:spAutoFit/>
+          </a:bodyPr>
+          <a:lstStyle/>
+          <a:p>
+            <a:r>
+              <a:rPr lang="hu-HU" b="1" u="sng" dirty="0">
+                <a:solidFill>
+                  <a:schemeClr val="bg1"/>
+                </a:solidFill>
+              </a:rPr>
+              <a:t>RUBY</a:t>
+            </a:r>
+          </a:p>
+        </p:txBody>
+      </p:sp>
     </p:spTree>
   </p:cSld>
   <p:clrMapOvr>
@@ -11823,10 +12083,18 @@
               <a:buNone/>
             </a:pPr>
             <a:r>
-              <a:rPr lang="hu"/>
-              <a:t>weiss és ruby telephelyek között csináltuk meg</a:t>
+              <a:rPr lang="hu" dirty="0">
+                <a:solidFill>
+                  <a:schemeClr val="bg1"/>
+                </a:solidFill>
+              </a:rPr>
+              <a:t>weiss és ruby </a:t>
             </a:r>
-            <a:endParaRPr/>
+            <a:r>
+              <a:rPr lang="hu" dirty="0"/>
+              <a:t>telephelyek között csináltuk meg</a:t>
+            </a:r>
+            <a:endParaRPr dirty="0"/>
           </a:p>
         </p:txBody>
       </p:sp>
@@ -11886,6 +12154,61 @@
           </a:ln>
         </p:spPr>
       </p:pic>
+      <p:sp>
+        <p:nvSpPr>
+          <p:cNvPr id="2" name="Szövegdoboz 1">
+            <a:extLst>
+              <a:ext uri="{FF2B5EF4-FFF2-40B4-BE49-F238E27FC236}">
+                <a16:creationId xmlns:a16="http://schemas.microsoft.com/office/drawing/2014/main" id="{483DB250-3CC8-45B6-BD2A-F6BEBC4DD089}"/>
+              </a:ext>
+            </a:extLst>
+          </p:cNvPr>
+          <p:cNvSpPr txBox="1"/>
+          <p:nvPr/>
+        </p:nvSpPr>
+        <p:spPr>
+          <a:xfrm>
+            <a:off x="7518400" y="541867"/>
+            <a:ext cx="1761067" cy="307777"/>
+          </a:xfrm>
+          <a:prstGeom prst="rect">
+            <a:avLst/>
+          </a:prstGeom>
+          <a:noFill/>
+        </p:spPr>
+        <p:txBody>
+          <a:bodyPr wrap="square" rtlCol="0">
+            <a:spAutoFit/>
+          </a:bodyPr>
+          <a:lstStyle/>
+          <a:p>
+            <a:r>
+              <a:rPr lang="hu-HU" b="1" u="sng" dirty="0">
+                <a:solidFill>
+                  <a:schemeClr val="bg1"/>
+                </a:solidFill>
+              </a:rPr>
+              <a:t>WEISS</a:t>
+            </a:r>
+            <a:r>
+              <a:rPr lang="hu" b="1" u="sng" dirty="0">
+                <a:solidFill>
+                  <a:schemeClr val="bg1"/>
+                </a:solidFill>
+              </a:rPr>
+              <a:t> és </a:t>
+            </a:r>
+            <a:r>
+              <a:rPr lang="hu-HU" b="1" u="sng" dirty="0">
+                <a:solidFill>
+                  <a:schemeClr val="bg1"/>
+                </a:solidFill>
+              </a:rPr>
+              <a:t>RUBY</a:t>
+            </a:r>
+          </a:p>
+        </p:txBody>
+      </p:sp>
     </p:spTree>
   </p:cSld>
   <p:clrMapOvr>
@@ -12066,6 +12389,45 @@
           </a:ln>
         </p:spPr>
       </p:pic>
+      <p:sp>
+        <p:nvSpPr>
+          <p:cNvPr id="2" name="Szövegdoboz 1">
+            <a:extLst>
+              <a:ext uri="{FF2B5EF4-FFF2-40B4-BE49-F238E27FC236}">
+                <a16:creationId xmlns:a16="http://schemas.microsoft.com/office/drawing/2014/main" id="{32F8C099-19E5-4D0F-9808-557F42E8FEFA}"/>
+              </a:ext>
+            </a:extLst>
+          </p:cNvPr>
+          <p:cNvSpPr txBox="1"/>
+          <p:nvPr/>
+        </p:nvSpPr>
+        <p:spPr>
+          <a:xfrm>
+            <a:off x="8218311" y="519289"/>
+            <a:ext cx="925689" cy="307777"/>
+          </a:xfrm>
+          <a:prstGeom prst="rect">
+            <a:avLst/>
+          </a:prstGeom>
+          <a:noFill/>
+        </p:spPr>
+        <p:txBody>
+          <a:bodyPr wrap="square" rtlCol="0">
+            <a:spAutoFit/>
+          </a:bodyPr>
+          <a:lstStyle/>
+          <a:p>
+            <a:r>
+              <a:rPr lang="hu-HU" b="1" u="sng" dirty="0">
+                <a:solidFill>
+                  <a:schemeClr val="bg1"/>
+                </a:solidFill>
+              </a:rPr>
+              <a:t>WEISS</a:t>
+            </a:r>
+          </a:p>
+        </p:txBody>
+      </p:sp>
     </p:spTree>
   </p:cSld>
   <p:clrMapOvr>
@@ -12177,6 +12539,45 @@
           </a:prstGeom>
         </p:spPr>
       </p:pic>
+      <p:sp>
+        <p:nvSpPr>
+          <p:cNvPr id="6" name="Szövegdoboz 5">
+            <a:extLst>
+              <a:ext uri="{FF2B5EF4-FFF2-40B4-BE49-F238E27FC236}">
+                <a16:creationId xmlns:a16="http://schemas.microsoft.com/office/drawing/2014/main" id="{045481AC-651D-45D7-B6B2-8A08AA939A09}"/>
+              </a:ext>
+            </a:extLst>
+          </p:cNvPr>
+          <p:cNvSpPr txBox="1"/>
+          <p:nvPr/>
+        </p:nvSpPr>
+        <p:spPr>
+          <a:xfrm>
+            <a:off x="8336400" y="393750"/>
+            <a:ext cx="803425" cy="307777"/>
+          </a:xfrm>
+          <a:prstGeom prst="rect">
+            <a:avLst/>
+          </a:prstGeom>
+          <a:noFill/>
+        </p:spPr>
+        <p:txBody>
+          <a:bodyPr wrap="none" rtlCol="0">
+            <a:spAutoFit/>
+          </a:bodyPr>
+          <a:lstStyle/>
+          <a:p>
+            <a:r>
+              <a:rPr lang="hu-HU" b="1" u="sng" dirty="0">
+                <a:solidFill>
+                  <a:schemeClr val="bg1"/>
+                </a:solidFill>
+              </a:rPr>
+              <a:t>BLAKE</a:t>
+            </a:r>
+          </a:p>
+        </p:txBody>
+      </p:sp>
     </p:spTree>
     <p:extLst>
       <p:ext uri="{BB962C8B-B14F-4D97-AF65-F5344CB8AC3E}">
@@ -12320,6 +12721,45 @@
           </a:prstGeom>
         </p:spPr>
       </p:pic>
+      <p:sp>
+        <p:nvSpPr>
+          <p:cNvPr id="10" name="Szövegdoboz 9">
+            <a:extLst>
+              <a:ext uri="{FF2B5EF4-FFF2-40B4-BE49-F238E27FC236}">
+                <a16:creationId xmlns:a16="http://schemas.microsoft.com/office/drawing/2014/main" id="{1DE2121D-FDC7-444D-B3A2-AFF7EB6B3A35}"/>
+              </a:ext>
+            </a:extLst>
+          </p:cNvPr>
+          <p:cNvSpPr txBox="1"/>
+          <p:nvPr/>
+        </p:nvSpPr>
+        <p:spPr>
+          <a:xfrm>
+            <a:off x="8336400" y="393750"/>
+            <a:ext cx="803425" cy="307777"/>
+          </a:xfrm>
+          <a:prstGeom prst="rect">
+            <a:avLst/>
+          </a:prstGeom>
+          <a:noFill/>
+        </p:spPr>
+        <p:txBody>
+          <a:bodyPr wrap="none" rtlCol="0">
+            <a:spAutoFit/>
+          </a:bodyPr>
+          <a:lstStyle/>
+          <a:p>
+            <a:r>
+              <a:rPr lang="hu-HU" b="1" u="sng" dirty="0">
+                <a:solidFill>
+                  <a:schemeClr val="bg1"/>
+                </a:solidFill>
+              </a:rPr>
+              <a:t>BLAKE</a:t>
+            </a:r>
+          </a:p>
+        </p:txBody>
+      </p:sp>
     </p:spTree>
     <p:extLst>
       <p:ext uri="{BB962C8B-B14F-4D97-AF65-F5344CB8AC3E}">
@@ -12385,10 +12825,10 @@
               <a:buNone/>
             </a:pPr>
             <a:r>
-              <a:rPr lang="hu"/>
+              <a:rPr lang="hu" dirty="0"/>
               <a:t>Projekten Dolgozók</a:t>
             </a:r>
-            <a:endParaRPr/>
+            <a:endParaRPr dirty="0"/>
           </a:p>
         </p:txBody>
       </p:sp>
@@ -12625,6 +13065,45 @@
           </a:prstGeom>
         </p:spPr>
       </p:pic>
+      <p:sp>
+        <p:nvSpPr>
+          <p:cNvPr id="6" name="Szövegdoboz 5">
+            <a:extLst>
+              <a:ext uri="{FF2B5EF4-FFF2-40B4-BE49-F238E27FC236}">
+                <a16:creationId xmlns:a16="http://schemas.microsoft.com/office/drawing/2014/main" id="{34C57D01-F2F8-44E6-97FD-3C7874D57A12}"/>
+              </a:ext>
+            </a:extLst>
+          </p:cNvPr>
+          <p:cNvSpPr txBox="1"/>
+          <p:nvPr/>
+        </p:nvSpPr>
+        <p:spPr>
+          <a:xfrm>
+            <a:off x="4572000" y="643467"/>
+            <a:ext cx="803425" cy="307777"/>
+          </a:xfrm>
+          <a:prstGeom prst="rect">
+            <a:avLst/>
+          </a:prstGeom>
+          <a:noFill/>
+        </p:spPr>
+        <p:txBody>
+          <a:bodyPr wrap="none" rtlCol="0">
+            <a:spAutoFit/>
+          </a:bodyPr>
+          <a:lstStyle/>
+          <a:p>
+            <a:r>
+              <a:rPr lang="hu-HU" b="1" u="sng" dirty="0">
+                <a:solidFill>
+                  <a:schemeClr val="bg1"/>
+                </a:solidFill>
+              </a:rPr>
+              <a:t>BLAKE</a:t>
+            </a:r>
+          </a:p>
+        </p:txBody>
+      </p:sp>
     </p:spTree>
     <p:extLst>
       <p:ext uri="{BB962C8B-B14F-4D97-AF65-F5344CB8AC3E}">
@@ -13112,10 +13591,10 @@
               <a:buNone/>
             </a:pPr>
             <a:r>
-              <a:rPr lang="hu"/>
+              <a:rPr lang="hu" dirty="0"/>
               <a:t>SSH</a:t>
             </a:r>
-            <a:endParaRPr/>
+            <a:endParaRPr dirty="0"/>
           </a:p>
         </p:txBody>
       </p:sp>
@@ -13185,6 +13664,45 @@
           </a:ln>
         </p:spPr>
       </p:pic>
+      <p:sp>
+        <p:nvSpPr>
+          <p:cNvPr id="3" name="Szövegdoboz 2">
+            <a:extLst>
+              <a:ext uri="{FF2B5EF4-FFF2-40B4-BE49-F238E27FC236}">
+                <a16:creationId xmlns:a16="http://schemas.microsoft.com/office/drawing/2014/main" id="{4F823660-E971-42C2-8B0B-4C9790FABA21}"/>
+              </a:ext>
+            </a:extLst>
+          </p:cNvPr>
+          <p:cNvSpPr txBox="1"/>
+          <p:nvPr/>
+        </p:nvSpPr>
+        <p:spPr>
+          <a:xfrm>
+            <a:off x="7676444" y="356973"/>
+            <a:ext cx="1467556" cy="307777"/>
+          </a:xfrm>
+          <a:prstGeom prst="rect">
+            <a:avLst/>
+          </a:prstGeom>
+          <a:noFill/>
+        </p:spPr>
+        <p:txBody>
+          <a:bodyPr wrap="square" rtlCol="0">
+            <a:spAutoFit/>
+          </a:bodyPr>
+          <a:lstStyle/>
+          <a:p>
+            <a:r>
+              <a:rPr lang="hu-HU" b="1" u="sng" dirty="0">
+                <a:solidFill>
+                  <a:schemeClr val="bg1"/>
+                </a:solidFill>
+              </a:rPr>
+              <a:t>RUBY</a:t>
+            </a:r>
+          </a:p>
+        </p:txBody>
+      </p:sp>
     </p:spTree>
   </p:cSld>
   <p:clrMapOvr>
@@ -13321,6 +13839,45 @@
           </a:ln>
         </p:spPr>
       </p:pic>
+      <p:sp>
+        <p:nvSpPr>
+          <p:cNvPr id="2" name="Szövegdoboz 1">
+            <a:extLst>
+              <a:ext uri="{FF2B5EF4-FFF2-40B4-BE49-F238E27FC236}">
+                <a16:creationId xmlns:a16="http://schemas.microsoft.com/office/drawing/2014/main" id="{B546EA56-CE57-45B4-8663-59825161B8F4}"/>
+              </a:ext>
+            </a:extLst>
+          </p:cNvPr>
+          <p:cNvSpPr txBox="1"/>
+          <p:nvPr/>
+        </p:nvSpPr>
+        <p:spPr>
+          <a:xfrm>
+            <a:off x="8015111" y="270933"/>
+            <a:ext cx="947914" cy="307777"/>
+          </a:xfrm>
+          <a:prstGeom prst="rect">
+            <a:avLst/>
+          </a:prstGeom>
+          <a:noFill/>
+        </p:spPr>
+        <p:txBody>
+          <a:bodyPr wrap="square" rtlCol="0">
+            <a:spAutoFit/>
+          </a:bodyPr>
+          <a:lstStyle/>
+          <a:p>
+            <a:r>
+              <a:rPr lang="hu-HU" b="1" u="sng" dirty="0">
+                <a:solidFill>
+                  <a:schemeClr val="bg1"/>
+                </a:solidFill>
+              </a:rPr>
+              <a:t>RUBY</a:t>
+            </a:r>
+          </a:p>
+        </p:txBody>
+      </p:sp>
     </p:spTree>
   </p:cSld>
   <p:clrMapOvr>
@@ -13454,6 +14011,45 @@
           </a:ln>
         </p:spPr>
       </p:pic>
+      <p:sp>
+        <p:nvSpPr>
+          <p:cNvPr id="2" name="Szövegdoboz 1">
+            <a:extLst>
+              <a:ext uri="{FF2B5EF4-FFF2-40B4-BE49-F238E27FC236}">
+                <a16:creationId xmlns:a16="http://schemas.microsoft.com/office/drawing/2014/main" id="{9F956935-442A-40B4-8352-0512ED864FC3}"/>
+              </a:ext>
+            </a:extLst>
+          </p:cNvPr>
+          <p:cNvSpPr txBox="1"/>
+          <p:nvPr/>
+        </p:nvSpPr>
+        <p:spPr>
+          <a:xfrm>
+            <a:off x="7811911" y="393750"/>
+            <a:ext cx="1174045" cy="307777"/>
+          </a:xfrm>
+          <a:prstGeom prst="rect">
+            <a:avLst/>
+          </a:prstGeom>
+          <a:noFill/>
+        </p:spPr>
+        <p:txBody>
+          <a:bodyPr wrap="square" rtlCol="0">
+            <a:spAutoFit/>
+          </a:bodyPr>
+          <a:lstStyle/>
+          <a:p>
+            <a:r>
+              <a:rPr lang="hu-HU" b="1" u="sng" dirty="0">
+                <a:solidFill>
+                  <a:schemeClr val="bg1"/>
+                </a:solidFill>
+              </a:rPr>
+              <a:t>RUBY</a:t>
+            </a:r>
+          </a:p>
+        </p:txBody>
+      </p:sp>
     </p:spTree>
   </p:cSld>
   <p:clrMapOvr>
@@ -13638,6 +14234,45 @@
           </a:ln>
         </p:spPr>
       </p:pic>
+      <p:sp>
+        <p:nvSpPr>
+          <p:cNvPr id="2" name="Szövegdoboz 1">
+            <a:extLst>
+              <a:ext uri="{FF2B5EF4-FFF2-40B4-BE49-F238E27FC236}">
+                <a16:creationId xmlns:a16="http://schemas.microsoft.com/office/drawing/2014/main" id="{064F7722-3697-48B6-8BCB-F065D194AF13}"/>
+              </a:ext>
+            </a:extLst>
+          </p:cNvPr>
+          <p:cNvSpPr txBox="1"/>
+          <p:nvPr/>
+        </p:nvSpPr>
+        <p:spPr>
+          <a:xfrm>
+            <a:off x="7744178" y="553156"/>
+            <a:ext cx="1399822" cy="307777"/>
+          </a:xfrm>
+          <a:prstGeom prst="rect">
+            <a:avLst/>
+          </a:prstGeom>
+          <a:noFill/>
+        </p:spPr>
+        <p:txBody>
+          <a:bodyPr wrap="square" rtlCol="0">
+            <a:spAutoFit/>
+          </a:bodyPr>
+          <a:lstStyle/>
+          <a:p>
+            <a:r>
+              <a:rPr lang="hu-HU" b="1" u="sng" dirty="0">
+                <a:solidFill>
+                  <a:schemeClr val="bg1"/>
+                </a:solidFill>
+              </a:rPr>
+              <a:t>RUBY</a:t>
+            </a:r>
+          </a:p>
+        </p:txBody>
+      </p:sp>
     </p:spTree>
   </p:cSld>
   <p:clrMapOvr>
